--- a/IntroToGitHub&SmartGit-v3.1.pptx
+++ b/IntroToGitHub&SmartGit-v3.1.pptx
@@ -5,7 +5,7 @@
     <p:sldMasterId id="2147483707" r:id="rId1"/>
   </p:sldMasterIdLst>
   <p:notesMasterIdLst>
-    <p:notesMasterId r:id="rId12"/>
+    <p:notesMasterId r:id="rId15"/>
   </p:notesMasterIdLst>
   <p:sldIdLst>
     <p:sldId id="256" r:id="rId2"/>
@@ -14,10 +14,13 @@
     <p:sldId id="278" r:id="rId5"/>
     <p:sldId id="272" r:id="rId6"/>
     <p:sldId id="275" r:id="rId7"/>
-    <p:sldId id="270" r:id="rId8"/>
-    <p:sldId id="276" r:id="rId9"/>
-    <p:sldId id="265" r:id="rId10"/>
-    <p:sldId id="268" r:id="rId11"/>
+    <p:sldId id="279" r:id="rId8"/>
+    <p:sldId id="280" r:id="rId9"/>
+    <p:sldId id="270" r:id="rId10"/>
+    <p:sldId id="276" r:id="rId11"/>
+    <p:sldId id="281" r:id="rId12"/>
+    <p:sldId id="265" r:id="rId13"/>
+    <p:sldId id="268" r:id="rId14"/>
   </p:sldIdLst>
   <p:sldSz cx="12192000" cy="6858000"/>
   <p:notesSz cx="6858000" cy="9144000"/>
@@ -118,7 +121,7 @@
   </p:defaultTextStyle>
   <p:extLst>
     <p:ext uri="{EFAFB233-063F-42B5-8137-9DF3F51BA10A}">
-      <p15:sldGuideLst xmlns:p15="http://schemas.microsoft.com/office/powerpoint/2012/main" xmlns:p="http://schemas.openxmlformats.org/presentationml/2006/main" xmlns:r="http://schemas.openxmlformats.org/officeDocument/2006/relationships" xmlns:a="http://schemas.openxmlformats.org/drawingml/2006/main" xmlns="">
+      <p15:sldGuideLst xmlns="" xmlns:a="http://schemas.openxmlformats.org/drawingml/2006/main" xmlns:r="http://schemas.openxmlformats.org/officeDocument/2006/relationships" xmlns:p="http://schemas.openxmlformats.org/presentationml/2006/main" xmlns:p15="http://schemas.microsoft.com/office/powerpoint/2012/main" xmlns:mv="urn:schemas-microsoft-com:mac:vml" xmlns:mc="http://schemas.openxmlformats.org/markup-compatibility/2006">
         <p15:guide id="1" orient="horz" pos="2160">
           <p15:clr>
             <a:srgbClr val="A4A3A4"/>
@@ -140,14 +143,14 @@
   <p:cmAuthor id="1" name="Joseph Sempa" initials="JS" lastIdx="7" clrIdx="0">
     <p:extLst>
       <p:ext uri="{19B8F6BF-5375-455C-9EA6-DF929625EA0E}">
-        <p15:presenceInfo xmlns:p15="http://schemas.microsoft.com/office/powerpoint/2012/main" xmlns:p="http://schemas.openxmlformats.org/presentationml/2006/main" xmlns:r="http://schemas.openxmlformats.org/officeDocument/2006/relationships" xmlns:a="http://schemas.openxmlformats.org/drawingml/2006/main" xmlns="" userId="6a318720dea0050f" providerId="Windows Live"/>
+        <p15:presenceInfo xmlns="" xmlns:a="http://schemas.openxmlformats.org/drawingml/2006/main" xmlns:r="http://schemas.openxmlformats.org/officeDocument/2006/relationships" xmlns:p="http://schemas.openxmlformats.org/presentationml/2006/main" xmlns:p15="http://schemas.microsoft.com/office/powerpoint/2012/main" xmlns:mv="urn:schemas-microsoft-com:mac:vml" xmlns:mc="http://schemas.openxmlformats.org/markup-compatibility/2006" userId="6a318720dea0050f" providerId="Windows Live"/>
       </p:ext>
     </p:extLst>
   </p:cmAuthor>
   <p:cmAuthor id="2" name="Eva" initials="E" lastIdx="5" clrIdx="1">
     <p:extLst>
       <p:ext uri="{19B8F6BF-5375-455C-9EA6-DF929625EA0E}">
-        <p15:presenceInfo xmlns:p15="http://schemas.microsoft.com/office/powerpoint/2012/main" xmlns:p="http://schemas.openxmlformats.org/presentationml/2006/main" xmlns:r="http://schemas.openxmlformats.org/officeDocument/2006/relationships" xmlns:a="http://schemas.openxmlformats.org/drawingml/2006/main" xmlns="" userId="Eva" providerId="None"/>
+        <p15:presenceInfo xmlns="" xmlns:a="http://schemas.openxmlformats.org/drawingml/2006/main" xmlns:r="http://schemas.openxmlformats.org/officeDocument/2006/relationships" xmlns:p="http://schemas.openxmlformats.org/presentationml/2006/main" xmlns:p15="http://schemas.microsoft.com/office/powerpoint/2012/main" xmlns:mv="urn:schemas-microsoft-com:mac:vml" xmlns:mc="http://schemas.openxmlformats.org/markup-compatibility/2006" userId="Eva" providerId="None"/>
       </p:ext>
     </p:extLst>
   </p:cmAuthor>
@@ -238,7 +241,7 @@
             <a:fld id="{12320EBB-C57D-4679-B90E-3AE205263646}" type="datetimeFigureOut">
               <a:rPr lang="en-US" smtClean="0"/>
               <a:pPr/>
-              <a:t>5/7/15</a:t>
+              <a:t>5/8/15</a:t>
             </a:fld>
             <a:endParaRPr lang="en-US"/>
           </a:p>
@@ -407,7 +410,7 @@
     </p:spTree>
     <p:extLst>
       <p:ext uri="{BB962C8B-B14F-4D97-AF65-F5344CB8AC3E}">
-        <p14:creationId xmlns:p14="http://schemas.microsoft.com/office/powerpoint/2010/main" xmlns:p="http://schemas.openxmlformats.org/presentationml/2006/main" xmlns:r="http://schemas.openxmlformats.org/officeDocument/2006/relationships" xmlns:a="http://schemas.openxmlformats.org/drawingml/2006/main" xmlns="" val="2700682020"/>
+        <p14:creationId xmlns="" xmlns:a="http://schemas.openxmlformats.org/drawingml/2006/main" xmlns:r="http://schemas.openxmlformats.org/officeDocument/2006/relationships" xmlns:p="http://schemas.openxmlformats.org/presentationml/2006/main" xmlns:p14="http://schemas.microsoft.com/office/powerpoint/2010/main" xmlns:mv="urn:schemas-microsoft-com:mac:vml" xmlns:mc="http://schemas.openxmlformats.org/markup-compatibility/2006" val="2700682020"/>
       </p:ext>
     </p:extLst>
   </p:cSld>
@@ -625,7 +628,7 @@
     </p:spTree>
     <p:extLst>
       <p:ext uri="{BB962C8B-B14F-4D97-AF65-F5344CB8AC3E}">
-        <p14:creationId xmlns:p14="http://schemas.microsoft.com/office/powerpoint/2010/main" xmlns:p="http://schemas.openxmlformats.org/presentationml/2006/main" xmlns:r="http://schemas.openxmlformats.org/officeDocument/2006/relationships" xmlns:a="http://schemas.openxmlformats.org/drawingml/2006/main" xmlns="" val="3125911225"/>
+        <p14:creationId xmlns="" xmlns:a="http://schemas.openxmlformats.org/drawingml/2006/main" xmlns:r="http://schemas.openxmlformats.org/officeDocument/2006/relationships" xmlns:p="http://schemas.openxmlformats.org/presentationml/2006/main" xmlns:p14="http://schemas.microsoft.com/office/powerpoint/2010/main" xmlns:mv="urn:schemas-microsoft-com:mac:vml" xmlns:mc="http://schemas.openxmlformats.org/markup-compatibility/2006" val="3125911225"/>
       </p:ext>
     </p:extLst>
   </p:cSld>
@@ -931,7 +934,7 @@
     </p:spTree>
     <p:extLst>
       <p:ext uri="{BB962C8B-B14F-4D97-AF65-F5344CB8AC3E}">
-        <p14:creationId xmlns:p14="http://schemas.microsoft.com/office/powerpoint/2010/main" xmlns:p="http://schemas.openxmlformats.org/presentationml/2006/main" xmlns:r="http://schemas.openxmlformats.org/officeDocument/2006/relationships" xmlns:a="http://schemas.openxmlformats.org/drawingml/2006/main" xmlns="" val="978467445"/>
+        <p14:creationId xmlns="" xmlns:a="http://schemas.openxmlformats.org/drawingml/2006/main" xmlns:r="http://schemas.openxmlformats.org/officeDocument/2006/relationships" xmlns:p="http://schemas.openxmlformats.org/presentationml/2006/main" xmlns:p14="http://schemas.microsoft.com/office/powerpoint/2010/main" xmlns:mv="urn:schemas-microsoft-com:mac:vml" xmlns:mc="http://schemas.openxmlformats.org/markup-compatibility/2006" val="978467445"/>
       </p:ext>
     </p:extLst>
   </p:cSld>
@@ -1011,7 +1014,7 @@
             <a:fld id="{41C5CEC6-A28F-42BC-8E33-54F1B3D51C15}" type="slidenum">
               <a:rPr lang="en-US" smtClean="0"/>
               <a:pPr/>
-              <a:t>7</a:t>
+              <a:t>9</a:t>
             </a:fld>
             <a:endParaRPr lang="en-US"/>
           </a:p>
@@ -1020,7 +1023,7 @@
     </p:spTree>
     <p:extLst>
       <p:ext uri="{BB962C8B-B14F-4D97-AF65-F5344CB8AC3E}">
-        <p14:creationId xmlns:p14="http://schemas.microsoft.com/office/powerpoint/2010/main" xmlns:p="http://schemas.openxmlformats.org/presentationml/2006/main" xmlns:r="http://schemas.openxmlformats.org/officeDocument/2006/relationships" xmlns:a="http://schemas.openxmlformats.org/drawingml/2006/main" xmlns="" val="639080925"/>
+        <p14:creationId xmlns="" xmlns:a="http://schemas.openxmlformats.org/drawingml/2006/main" xmlns:r="http://schemas.openxmlformats.org/officeDocument/2006/relationships" xmlns:p="http://schemas.openxmlformats.org/presentationml/2006/main" xmlns:p14="http://schemas.microsoft.com/office/powerpoint/2010/main" xmlns:mv="urn:schemas-microsoft-com:mac:vml" xmlns:mc="http://schemas.openxmlformats.org/markup-compatibility/2006" val="639080925"/>
       </p:ext>
     </p:extLst>
   </p:cSld>
@@ -1160,7 +1163,7 @@
             <a:fld id="{41C5CEC6-A28F-42BC-8E33-54F1B3D51C15}" type="slidenum">
               <a:rPr lang="en-US" smtClean="0"/>
               <a:pPr/>
-              <a:t>8</a:t>
+              <a:t>10</a:t>
             </a:fld>
             <a:endParaRPr lang="en-US"/>
           </a:p>
@@ -1169,7 +1172,7 @@
     </p:spTree>
     <p:extLst>
       <p:ext uri="{BB962C8B-B14F-4D97-AF65-F5344CB8AC3E}">
-        <p14:creationId xmlns:p14="http://schemas.microsoft.com/office/powerpoint/2010/main" xmlns:p="http://schemas.openxmlformats.org/presentationml/2006/main" xmlns:r="http://schemas.openxmlformats.org/officeDocument/2006/relationships" xmlns:a="http://schemas.openxmlformats.org/drawingml/2006/main" xmlns="" val="2364095293"/>
+        <p14:creationId xmlns="" xmlns:a="http://schemas.openxmlformats.org/drawingml/2006/main" xmlns:r="http://schemas.openxmlformats.org/officeDocument/2006/relationships" xmlns:p="http://schemas.openxmlformats.org/presentationml/2006/main" xmlns:p14="http://schemas.microsoft.com/office/powerpoint/2010/main" xmlns:mv="urn:schemas-microsoft-com:mac:vml" xmlns:mc="http://schemas.openxmlformats.org/markup-compatibility/2006" val="2364095293"/>
       </p:ext>
     </p:extLst>
   </p:cSld>
@@ -1276,7 +1279,7 @@
             <a:fld id="{41C5CEC6-A28F-42BC-8E33-54F1B3D51C15}" type="slidenum">
               <a:rPr lang="en-US" smtClean="0"/>
               <a:pPr/>
-              <a:t>9</a:t>
+              <a:t>12</a:t>
             </a:fld>
             <a:endParaRPr lang="en-US"/>
           </a:p>
@@ -1285,7 +1288,7 @@
     </p:spTree>
     <p:extLst>
       <p:ext uri="{BB962C8B-B14F-4D97-AF65-F5344CB8AC3E}">
-        <p14:creationId xmlns:p14="http://schemas.microsoft.com/office/powerpoint/2010/main" xmlns:p="http://schemas.openxmlformats.org/presentationml/2006/main" xmlns:r="http://schemas.openxmlformats.org/officeDocument/2006/relationships" xmlns:a="http://schemas.openxmlformats.org/drawingml/2006/main" xmlns="" val="3214889824"/>
+        <p14:creationId xmlns="" xmlns:a="http://schemas.openxmlformats.org/drawingml/2006/main" xmlns:r="http://schemas.openxmlformats.org/officeDocument/2006/relationships" xmlns:p="http://schemas.openxmlformats.org/presentationml/2006/main" xmlns:p14="http://schemas.microsoft.com/office/powerpoint/2010/main" xmlns:mv="urn:schemas-microsoft-com:mac:vml" xmlns:mc="http://schemas.openxmlformats.org/markup-compatibility/2006" val="3214889824"/>
       </p:ext>
     </p:extLst>
   </p:cSld>
@@ -2018,7 +2021,7 @@
             <a:fld id="{89585FB9-3804-4F2F-A432-68920AB06FD5}" type="datetimeFigureOut">
               <a:rPr lang="en-US" smtClean="0"/>
               <a:pPr/>
-              <a:t>5/7/15</a:t>
+              <a:t>5/8/15</a:t>
             </a:fld>
             <a:endParaRPr lang="en-US"/>
           </a:p>
@@ -2070,7 +2073,7 @@
     </p:spTree>
     <p:extLst>
       <p:ext uri="{BB962C8B-B14F-4D97-AF65-F5344CB8AC3E}">
-        <p14:creationId xmlns:p14="http://schemas.microsoft.com/office/powerpoint/2010/main" xmlns:p="http://schemas.openxmlformats.org/presentationml/2006/main" xmlns:r="http://schemas.openxmlformats.org/officeDocument/2006/relationships" xmlns:a="http://schemas.openxmlformats.org/drawingml/2006/main" xmlns="" val="2241209880"/>
+        <p14:creationId xmlns="" xmlns:a="http://schemas.openxmlformats.org/drawingml/2006/main" xmlns:r="http://schemas.openxmlformats.org/officeDocument/2006/relationships" xmlns:p="http://schemas.openxmlformats.org/presentationml/2006/main" xmlns:p14="http://schemas.microsoft.com/office/powerpoint/2010/main" xmlns:mv="urn:schemas-microsoft-com:mac:vml" xmlns:mc="http://schemas.openxmlformats.org/markup-compatibility/2006" val="2241209880"/>
       </p:ext>
     </p:extLst>
   </p:cSld>
@@ -2271,7 +2274,7 @@
             <a:fld id="{89585FB9-3804-4F2F-A432-68920AB06FD5}" type="datetimeFigureOut">
               <a:rPr lang="en-US" smtClean="0"/>
               <a:pPr/>
-              <a:t>5/7/15</a:t>
+              <a:t>5/8/15</a:t>
             </a:fld>
             <a:endParaRPr lang="en-US"/>
           </a:p>
@@ -2323,7 +2326,7 @@
     </p:spTree>
     <p:extLst>
       <p:ext uri="{BB962C8B-B14F-4D97-AF65-F5344CB8AC3E}">
-        <p14:creationId xmlns:p14="http://schemas.microsoft.com/office/powerpoint/2010/main" xmlns:p="http://schemas.openxmlformats.org/presentationml/2006/main" xmlns:r="http://schemas.openxmlformats.org/officeDocument/2006/relationships" xmlns:a="http://schemas.openxmlformats.org/drawingml/2006/main" xmlns="" val="2131812249"/>
+        <p14:creationId xmlns="" xmlns:a="http://schemas.openxmlformats.org/drawingml/2006/main" xmlns:r="http://schemas.openxmlformats.org/officeDocument/2006/relationships" xmlns:p="http://schemas.openxmlformats.org/presentationml/2006/main" xmlns:p14="http://schemas.microsoft.com/office/powerpoint/2010/main" xmlns:mv="urn:schemas-microsoft-com:mac:vml" xmlns:mc="http://schemas.openxmlformats.org/markup-compatibility/2006" val="2131812249"/>
       </p:ext>
     </p:extLst>
   </p:cSld>
@@ -2587,7 +2590,7 @@
             <a:fld id="{89585FB9-3804-4F2F-A432-68920AB06FD5}" type="datetimeFigureOut">
               <a:rPr lang="en-US" smtClean="0"/>
               <a:pPr/>
-              <a:t>5/7/15</a:t>
+              <a:t>5/8/15</a:t>
             </a:fld>
             <a:endParaRPr lang="en-US"/>
           </a:p>
@@ -2729,7 +2732,7 @@
     </p:spTree>
     <p:extLst>
       <p:ext uri="{BB962C8B-B14F-4D97-AF65-F5344CB8AC3E}">
-        <p14:creationId xmlns:p14="http://schemas.microsoft.com/office/powerpoint/2010/main" xmlns:p="http://schemas.openxmlformats.org/presentationml/2006/main" xmlns:r="http://schemas.openxmlformats.org/officeDocument/2006/relationships" xmlns:a="http://schemas.openxmlformats.org/drawingml/2006/main" xmlns="" val="2239895635"/>
+        <p14:creationId xmlns="" xmlns:a="http://schemas.openxmlformats.org/drawingml/2006/main" xmlns:r="http://schemas.openxmlformats.org/officeDocument/2006/relationships" xmlns:p="http://schemas.openxmlformats.org/presentationml/2006/main" xmlns:p14="http://schemas.microsoft.com/office/powerpoint/2010/main" xmlns:mv="urn:schemas-microsoft-com:mac:vml" xmlns:mc="http://schemas.openxmlformats.org/markup-compatibility/2006" val="2239895635"/>
       </p:ext>
     </p:extLst>
   </p:cSld>
@@ -2930,7 +2933,7 @@
             <a:fld id="{89585FB9-3804-4F2F-A432-68920AB06FD5}" type="datetimeFigureOut">
               <a:rPr lang="en-US" smtClean="0"/>
               <a:pPr/>
-              <a:t>5/7/15</a:t>
+              <a:t>5/8/15</a:t>
             </a:fld>
             <a:endParaRPr lang="en-US"/>
           </a:p>
@@ -2982,7 +2985,7 @@
     </p:spTree>
     <p:extLst>
       <p:ext uri="{BB962C8B-B14F-4D97-AF65-F5344CB8AC3E}">
-        <p14:creationId xmlns:p14="http://schemas.microsoft.com/office/powerpoint/2010/main" xmlns:p="http://schemas.openxmlformats.org/presentationml/2006/main" xmlns:r="http://schemas.openxmlformats.org/officeDocument/2006/relationships" xmlns:a="http://schemas.openxmlformats.org/drawingml/2006/main" xmlns="" val="1147813802"/>
+        <p14:creationId xmlns="" xmlns:a="http://schemas.openxmlformats.org/drawingml/2006/main" xmlns:r="http://schemas.openxmlformats.org/officeDocument/2006/relationships" xmlns:p="http://schemas.openxmlformats.org/presentationml/2006/main" xmlns:p14="http://schemas.microsoft.com/office/powerpoint/2010/main" xmlns:mv="urn:schemas-microsoft-com:mac:vml" xmlns:mc="http://schemas.openxmlformats.org/markup-compatibility/2006" val="1147813802"/>
       </p:ext>
     </p:extLst>
   </p:cSld>
@@ -3246,7 +3249,7 @@
             <a:fld id="{89585FB9-3804-4F2F-A432-68920AB06FD5}" type="datetimeFigureOut">
               <a:rPr lang="en-US" smtClean="0"/>
               <a:pPr/>
-              <a:t>5/7/15</a:t>
+              <a:t>5/8/15</a:t>
             </a:fld>
             <a:endParaRPr lang="en-US"/>
           </a:p>
@@ -3380,7 +3383,7 @@
     </p:spTree>
     <p:extLst>
       <p:ext uri="{BB962C8B-B14F-4D97-AF65-F5344CB8AC3E}">
-        <p14:creationId xmlns:p14="http://schemas.microsoft.com/office/powerpoint/2010/main" xmlns:p="http://schemas.openxmlformats.org/presentationml/2006/main" xmlns:r="http://schemas.openxmlformats.org/officeDocument/2006/relationships" xmlns:a="http://schemas.openxmlformats.org/drawingml/2006/main" xmlns="" val="211510257"/>
+        <p14:creationId xmlns="" xmlns:a="http://schemas.openxmlformats.org/drawingml/2006/main" xmlns:r="http://schemas.openxmlformats.org/officeDocument/2006/relationships" xmlns:p="http://schemas.openxmlformats.org/presentationml/2006/main" xmlns:p14="http://schemas.microsoft.com/office/powerpoint/2010/main" xmlns:mv="urn:schemas-microsoft-com:mac:vml" xmlns:mc="http://schemas.openxmlformats.org/markup-compatibility/2006" val="211510257"/>
       </p:ext>
     </p:extLst>
   </p:cSld>
@@ -3641,7 +3644,7 @@
             <a:fld id="{89585FB9-3804-4F2F-A432-68920AB06FD5}" type="datetimeFigureOut">
               <a:rPr lang="en-US" smtClean="0"/>
               <a:pPr/>
-              <a:t>5/7/15</a:t>
+              <a:t>5/8/15</a:t>
             </a:fld>
             <a:endParaRPr lang="en-US"/>
           </a:p>
@@ -3693,7 +3696,7 @@
     </p:spTree>
     <p:extLst>
       <p:ext uri="{BB962C8B-B14F-4D97-AF65-F5344CB8AC3E}">
-        <p14:creationId xmlns:p14="http://schemas.microsoft.com/office/powerpoint/2010/main" xmlns:p="http://schemas.openxmlformats.org/presentationml/2006/main" xmlns:r="http://schemas.openxmlformats.org/officeDocument/2006/relationships" xmlns:a="http://schemas.openxmlformats.org/drawingml/2006/main" xmlns="" val="2904196083"/>
+        <p14:creationId xmlns="" xmlns:a="http://schemas.openxmlformats.org/drawingml/2006/main" xmlns:r="http://schemas.openxmlformats.org/officeDocument/2006/relationships" xmlns:p="http://schemas.openxmlformats.org/presentationml/2006/main" xmlns:p14="http://schemas.microsoft.com/office/powerpoint/2010/main" xmlns:mv="urn:schemas-microsoft-com:mac:vml" xmlns:mc="http://schemas.openxmlformats.org/markup-compatibility/2006" val="2904196083"/>
       </p:ext>
     </p:extLst>
   </p:cSld>
@@ -3813,7 +3816,7 @@
             <a:fld id="{89585FB9-3804-4F2F-A432-68920AB06FD5}" type="datetimeFigureOut">
               <a:rPr lang="en-US" smtClean="0"/>
               <a:pPr/>
-              <a:t>5/7/15</a:t>
+              <a:t>5/8/15</a:t>
             </a:fld>
             <a:endParaRPr lang="en-US"/>
           </a:p>
@@ -3865,7 +3868,7 @@
     </p:spTree>
     <p:extLst>
       <p:ext uri="{BB962C8B-B14F-4D97-AF65-F5344CB8AC3E}">
-        <p14:creationId xmlns:p14="http://schemas.microsoft.com/office/powerpoint/2010/main" xmlns:p="http://schemas.openxmlformats.org/presentationml/2006/main" xmlns:r="http://schemas.openxmlformats.org/officeDocument/2006/relationships" xmlns:a="http://schemas.openxmlformats.org/drawingml/2006/main" xmlns="" val="1254396012"/>
+        <p14:creationId xmlns="" xmlns:a="http://schemas.openxmlformats.org/drawingml/2006/main" xmlns:r="http://schemas.openxmlformats.org/officeDocument/2006/relationships" xmlns:p="http://schemas.openxmlformats.org/presentationml/2006/main" xmlns:p14="http://schemas.microsoft.com/office/powerpoint/2010/main" xmlns:mv="urn:schemas-microsoft-com:mac:vml" xmlns:mc="http://schemas.openxmlformats.org/markup-compatibility/2006" val="1254396012"/>
       </p:ext>
     </p:extLst>
   </p:cSld>
@@ -3995,7 +3998,7 @@
             <a:fld id="{89585FB9-3804-4F2F-A432-68920AB06FD5}" type="datetimeFigureOut">
               <a:rPr lang="en-US" smtClean="0"/>
               <a:pPr/>
-              <a:t>5/7/15</a:t>
+              <a:t>5/8/15</a:t>
             </a:fld>
             <a:endParaRPr lang="en-US"/>
           </a:p>
@@ -4047,7 +4050,7 @@
     </p:spTree>
     <p:extLst>
       <p:ext uri="{BB962C8B-B14F-4D97-AF65-F5344CB8AC3E}">
-        <p14:creationId xmlns:p14="http://schemas.microsoft.com/office/powerpoint/2010/main" xmlns:p="http://schemas.openxmlformats.org/presentationml/2006/main" xmlns:r="http://schemas.openxmlformats.org/officeDocument/2006/relationships" xmlns:a="http://schemas.openxmlformats.org/drawingml/2006/main" xmlns="" val="1959831598"/>
+        <p14:creationId xmlns="" xmlns:a="http://schemas.openxmlformats.org/drawingml/2006/main" xmlns:r="http://schemas.openxmlformats.org/officeDocument/2006/relationships" xmlns:p="http://schemas.openxmlformats.org/presentationml/2006/main" xmlns:p14="http://schemas.microsoft.com/office/powerpoint/2010/main" xmlns:mv="urn:schemas-microsoft-com:mac:vml" xmlns:mc="http://schemas.openxmlformats.org/markup-compatibility/2006" val="1959831598"/>
       </p:ext>
     </p:extLst>
   </p:cSld>
@@ -4173,7 +4176,7 @@
             <a:fld id="{89585FB9-3804-4F2F-A432-68920AB06FD5}" type="datetimeFigureOut">
               <a:rPr lang="en-US" smtClean="0"/>
               <a:pPr/>
-              <a:t>5/7/15</a:t>
+              <a:t>5/8/15</a:t>
             </a:fld>
             <a:endParaRPr lang="en-US"/>
           </a:p>
@@ -4225,7 +4228,7 @@
     </p:spTree>
     <p:extLst>
       <p:ext uri="{BB962C8B-B14F-4D97-AF65-F5344CB8AC3E}">
-        <p14:creationId xmlns:p14="http://schemas.microsoft.com/office/powerpoint/2010/main" xmlns:p="http://schemas.openxmlformats.org/presentationml/2006/main" xmlns:r="http://schemas.openxmlformats.org/officeDocument/2006/relationships" xmlns:a="http://schemas.openxmlformats.org/drawingml/2006/main" xmlns="" val="1037308338"/>
+        <p14:creationId xmlns="" xmlns:a="http://schemas.openxmlformats.org/drawingml/2006/main" xmlns:r="http://schemas.openxmlformats.org/officeDocument/2006/relationships" xmlns:p="http://schemas.openxmlformats.org/presentationml/2006/main" xmlns:p14="http://schemas.microsoft.com/office/powerpoint/2010/main" xmlns:mv="urn:schemas-microsoft-com:mac:vml" xmlns:mc="http://schemas.openxmlformats.org/markup-compatibility/2006" val="1037308338"/>
       </p:ext>
     </p:extLst>
   </p:cSld>
@@ -4422,7 +4425,7 @@
             <a:fld id="{89585FB9-3804-4F2F-A432-68920AB06FD5}" type="datetimeFigureOut">
               <a:rPr lang="en-US" smtClean="0"/>
               <a:pPr/>
-              <a:t>5/7/15</a:t>
+              <a:t>5/8/15</a:t>
             </a:fld>
             <a:endParaRPr lang="en-US"/>
           </a:p>
@@ -4474,7 +4477,7 @@
     </p:spTree>
     <p:extLst>
       <p:ext uri="{BB962C8B-B14F-4D97-AF65-F5344CB8AC3E}">
-        <p14:creationId xmlns:p14="http://schemas.microsoft.com/office/powerpoint/2010/main" xmlns:p="http://schemas.openxmlformats.org/presentationml/2006/main" xmlns:r="http://schemas.openxmlformats.org/officeDocument/2006/relationships" xmlns:a="http://schemas.openxmlformats.org/drawingml/2006/main" xmlns="" val="1433787486"/>
+        <p14:creationId xmlns="" xmlns:a="http://schemas.openxmlformats.org/drawingml/2006/main" xmlns:r="http://schemas.openxmlformats.org/officeDocument/2006/relationships" xmlns:p="http://schemas.openxmlformats.org/presentationml/2006/main" xmlns:p14="http://schemas.microsoft.com/office/powerpoint/2010/main" xmlns:mv="urn:schemas-microsoft-com:mac:vml" xmlns:mc="http://schemas.openxmlformats.org/markup-compatibility/2006" val="1433787486"/>
       </p:ext>
     </p:extLst>
   </p:cSld>
@@ -4656,7 +4659,7 @@
             <a:fld id="{89585FB9-3804-4F2F-A432-68920AB06FD5}" type="datetimeFigureOut">
               <a:rPr lang="en-US" smtClean="0"/>
               <a:pPr/>
-              <a:t>5/7/15</a:t>
+              <a:t>5/8/15</a:t>
             </a:fld>
             <a:endParaRPr lang="en-US"/>
           </a:p>
@@ -4708,7 +4711,7 @@
     </p:spTree>
     <p:extLst>
       <p:ext uri="{BB962C8B-B14F-4D97-AF65-F5344CB8AC3E}">
-        <p14:creationId xmlns:p14="http://schemas.microsoft.com/office/powerpoint/2010/main" xmlns:p="http://schemas.openxmlformats.org/presentationml/2006/main" xmlns:r="http://schemas.openxmlformats.org/officeDocument/2006/relationships" xmlns:a="http://schemas.openxmlformats.org/drawingml/2006/main" xmlns="" val="3343638220"/>
+        <p14:creationId xmlns="" xmlns:a="http://schemas.openxmlformats.org/drawingml/2006/main" xmlns:r="http://schemas.openxmlformats.org/officeDocument/2006/relationships" xmlns:p="http://schemas.openxmlformats.org/presentationml/2006/main" xmlns:p14="http://schemas.microsoft.com/office/powerpoint/2010/main" xmlns:mv="urn:schemas-microsoft-com:mac:vml" xmlns:mc="http://schemas.openxmlformats.org/markup-compatibility/2006" val="3343638220"/>
       </p:ext>
     </p:extLst>
   </p:cSld>
@@ -5032,7 +5035,7 @@
             <a:fld id="{89585FB9-3804-4F2F-A432-68920AB06FD5}" type="datetimeFigureOut">
               <a:rPr lang="en-US" smtClean="0"/>
               <a:pPr/>
-              <a:t>5/7/15</a:t>
+              <a:t>5/8/15</a:t>
             </a:fld>
             <a:endParaRPr lang="en-US"/>
           </a:p>
@@ -5084,7 +5087,7 @@
     </p:spTree>
     <p:extLst>
       <p:ext uri="{BB962C8B-B14F-4D97-AF65-F5344CB8AC3E}">
-        <p14:creationId xmlns:p14="http://schemas.microsoft.com/office/powerpoint/2010/main" xmlns:p="http://schemas.openxmlformats.org/presentationml/2006/main" xmlns:r="http://schemas.openxmlformats.org/officeDocument/2006/relationships" xmlns:a="http://schemas.openxmlformats.org/drawingml/2006/main" xmlns="" val="3657773564"/>
+        <p14:creationId xmlns="" xmlns:a="http://schemas.openxmlformats.org/drawingml/2006/main" xmlns:r="http://schemas.openxmlformats.org/officeDocument/2006/relationships" xmlns:p="http://schemas.openxmlformats.org/presentationml/2006/main" xmlns:p14="http://schemas.microsoft.com/office/powerpoint/2010/main" xmlns:mv="urn:schemas-microsoft-com:mac:vml" xmlns:mc="http://schemas.openxmlformats.org/markup-compatibility/2006" val="3657773564"/>
       </p:ext>
     </p:extLst>
   </p:cSld>
@@ -5157,7 +5160,7 @@
             <a:fld id="{89585FB9-3804-4F2F-A432-68920AB06FD5}" type="datetimeFigureOut">
               <a:rPr lang="en-US" smtClean="0"/>
               <a:pPr/>
-              <a:t>5/7/15</a:t>
+              <a:t>5/8/15</a:t>
             </a:fld>
             <a:endParaRPr lang="en-US"/>
           </a:p>
@@ -5209,7 +5212,7 @@
     </p:spTree>
     <p:extLst>
       <p:ext uri="{BB962C8B-B14F-4D97-AF65-F5344CB8AC3E}">
-        <p14:creationId xmlns:p14="http://schemas.microsoft.com/office/powerpoint/2010/main" xmlns:p="http://schemas.openxmlformats.org/presentationml/2006/main" xmlns:r="http://schemas.openxmlformats.org/officeDocument/2006/relationships" xmlns:a="http://schemas.openxmlformats.org/drawingml/2006/main" xmlns="" val="1859816651"/>
+        <p14:creationId xmlns="" xmlns:a="http://schemas.openxmlformats.org/drawingml/2006/main" xmlns:r="http://schemas.openxmlformats.org/officeDocument/2006/relationships" xmlns:p="http://schemas.openxmlformats.org/presentationml/2006/main" xmlns:p14="http://schemas.microsoft.com/office/powerpoint/2010/main" xmlns:mv="urn:schemas-microsoft-com:mac:vml" xmlns:mc="http://schemas.openxmlformats.org/markup-compatibility/2006" val="1859816651"/>
       </p:ext>
     </p:extLst>
   </p:cSld>
@@ -5254,7 +5257,7 @@
             <a:fld id="{89585FB9-3804-4F2F-A432-68920AB06FD5}" type="datetimeFigureOut">
               <a:rPr lang="en-US" smtClean="0"/>
               <a:pPr/>
-              <a:t>5/7/15</a:t>
+              <a:t>5/8/15</a:t>
             </a:fld>
             <a:endParaRPr lang="en-US"/>
           </a:p>
@@ -5306,7 +5309,7 @@
     </p:spTree>
     <p:extLst>
       <p:ext uri="{BB962C8B-B14F-4D97-AF65-F5344CB8AC3E}">
-        <p14:creationId xmlns:p14="http://schemas.microsoft.com/office/powerpoint/2010/main" xmlns:p="http://schemas.openxmlformats.org/presentationml/2006/main" xmlns:r="http://schemas.openxmlformats.org/officeDocument/2006/relationships" xmlns:a="http://schemas.openxmlformats.org/drawingml/2006/main" xmlns="" val="3429186225"/>
+        <p14:creationId xmlns="" xmlns:a="http://schemas.openxmlformats.org/drawingml/2006/main" xmlns:r="http://schemas.openxmlformats.org/officeDocument/2006/relationships" xmlns:p="http://schemas.openxmlformats.org/presentationml/2006/main" xmlns:p14="http://schemas.microsoft.com/office/powerpoint/2010/main" xmlns:mv="urn:schemas-microsoft-com:mac:vml" xmlns:mc="http://schemas.openxmlformats.org/markup-compatibility/2006" val="3429186225"/>
       </p:ext>
     </p:extLst>
   </p:cSld>
@@ -5511,7 +5514,7 @@
             <a:fld id="{89585FB9-3804-4F2F-A432-68920AB06FD5}" type="datetimeFigureOut">
               <a:rPr lang="en-US" smtClean="0"/>
               <a:pPr/>
-              <a:t>5/7/15</a:t>
+              <a:t>5/8/15</a:t>
             </a:fld>
             <a:endParaRPr lang="en-US"/>
           </a:p>
@@ -5563,7 +5566,7 @@
     </p:spTree>
     <p:extLst>
       <p:ext uri="{BB962C8B-B14F-4D97-AF65-F5344CB8AC3E}">
-        <p14:creationId xmlns:p14="http://schemas.microsoft.com/office/powerpoint/2010/main" xmlns:p="http://schemas.openxmlformats.org/presentationml/2006/main" xmlns:r="http://schemas.openxmlformats.org/officeDocument/2006/relationships" xmlns:a="http://schemas.openxmlformats.org/drawingml/2006/main" xmlns="" val="2720025707"/>
+        <p14:creationId xmlns="" xmlns:a="http://schemas.openxmlformats.org/drawingml/2006/main" xmlns:r="http://schemas.openxmlformats.org/officeDocument/2006/relationships" xmlns:p="http://schemas.openxmlformats.org/presentationml/2006/main" xmlns:p14="http://schemas.microsoft.com/office/powerpoint/2010/main" xmlns:mv="urn:schemas-microsoft-com:mac:vml" xmlns:mc="http://schemas.openxmlformats.org/markup-compatibility/2006" val="2720025707"/>
       </p:ext>
     </p:extLst>
   </p:cSld>
@@ -5776,7 +5779,7 @@
             <a:fld id="{89585FB9-3804-4F2F-A432-68920AB06FD5}" type="datetimeFigureOut">
               <a:rPr lang="en-US" smtClean="0"/>
               <a:pPr/>
-              <a:t>5/7/15</a:t>
+              <a:t>5/8/15</a:t>
             </a:fld>
             <a:endParaRPr lang="en-US"/>
           </a:p>
@@ -5828,7 +5831,7 @@
     </p:spTree>
     <p:extLst>
       <p:ext uri="{BB962C8B-B14F-4D97-AF65-F5344CB8AC3E}">
-        <p14:creationId xmlns:p14="http://schemas.microsoft.com/office/powerpoint/2010/main" xmlns:p="http://schemas.openxmlformats.org/presentationml/2006/main" xmlns:r="http://schemas.openxmlformats.org/officeDocument/2006/relationships" xmlns:a="http://schemas.openxmlformats.org/drawingml/2006/main" xmlns="" val="2613492434"/>
+        <p14:creationId xmlns="" xmlns:a="http://schemas.openxmlformats.org/drawingml/2006/main" xmlns:r="http://schemas.openxmlformats.org/officeDocument/2006/relationships" xmlns:p="http://schemas.openxmlformats.org/presentationml/2006/main" xmlns:p14="http://schemas.microsoft.com/office/powerpoint/2010/main" xmlns:mv="urn:schemas-microsoft-com:mac:vml" xmlns:mc="http://schemas.openxmlformats.org/markup-compatibility/2006" val="2613492434"/>
       </p:ext>
     </p:extLst>
   </p:cSld>
@@ -6521,7 +6524,7 @@
             <a:fld id="{89585FB9-3804-4F2F-A432-68920AB06FD5}" type="datetimeFigureOut">
               <a:rPr lang="en-US" smtClean="0"/>
               <a:pPr/>
-              <a:t>5/7/15</a:t>
+              <a:t>5/8/15</a:t>
             </a:fld>
             <a:endParaRPr lang="en-US"/>
           </a:p>
@@ -6607,7 +6610,7 @@
     </p:spTree>
     <p:extLst>
       <p:ext uri="{BB962C8B-B14F-4D97-AF65-F5344CB8AC3E}">
-        <p14:creationId xmlns:p14="http://schemas.microsoft.com/office/powerpoint/2010/main" xmlns:p="http://schemas.openxmlformats.org/presentationml/2006/main" xmlns:r="http://schemas.openxmlformats.org/officeDocument/2006/relationships" xmlns:a="http://schemas.openxmlformats.org/drawingml/2006/main" xmlns="" val="4009987634"/>
+        <p14:creationId xmlns="" xmlns:a="http://schemas.openxmlformats.org/drawingml/2006/main" xmlns:r="http://schemas.openxmlformats.org/officeDocument/2006/relationships" xmlns:p="http://schemas.openxmlformats.org/presentationml/2006/main" xmlns:p14="http://schemas.microsoft.com/office/powerpoint/2010/main" xmlns:mv="urn:schemas-microsoft-com:mac:vml" xmlns:mc="http://schemas.openxmlformats.org/markup-compatibility/2006" val="4009987634"/>
       </p:ext>
     </p:extLst>
   </p:cSld>
@@ -7108,42 +7111,42 @@
           </a:p>
           <a:p>
             <a:r>
-              <a:rPr lang="en-US" dirty="0" smtClean="0"/>
-              <a:t>By MMED 2015 mentors</a:t>
-            </a:r>
-          </a:p>
-          <a:p>
-            <a:r>
-              <a:rPr lang="en-US" dirty="0" smtClean="0"/>
+              <a:rPr lang="en-US" sz="2400" dirty="0" smtClean="0"/>
+              <a:t>By </a:t>
+            </a:r>
+            <a:r>
+              <a:rPr lang="en-US" sz="2400" dirty="0" smtClean="0"/>
+              <a:t>MMED 2015 mentors</a:t>
+            </a:r>
+          </a:p>
+          <a:p>
+            <a:r>
+              <a:rPr lang="en-US" sz="2400" dirty="0" smtClean="0"/>
               <a:t>Eva, Joseph, Roxy &amp; </a:t>
             </a:r>
             <a:r>
-              <a:rPr lang="en-US" dirty="0" err="1" smtClean="0"/>
-              <a:t>I</a:t>
-            </a:r>
-            <a:r>
-              <a:rPr lang="en-US" dirty="0" err="1" smtClean="0"/>
-              <a:t>vy</a:t>
-            </a:r>
-            <a:endParaRPr lang="en-US" dirty="0" smtClean="0"/>
-          </a:p>
-          <a:p>
-            <a:r>
-              <a:rPr lang="en-US" dirty="0" smtClean="0"/>
+              <a:rPr lang="en-US" sz="2400" dirty="0" err="1" smtClean="0"/>
+              <a:t>Ivy</a:t>
+            </a:r>
+            <a:endParaRPr lang="en-US" sz="2400" dirty="0" smtClean="0"/>
+          </a:p>
+          <a:p>
+            <a:r>
+              <a:rPr lang="en-US" sz="2400" dirty="0" smtClean="0"/>
               <a:t>AIMS – South Africa, </a:t>
             </a:r>
             <a:r>
-              <a:rPr lang="en-US" dirty="0" err="1" smtClean="0"/>
+              <a:rPr lang="en-US" sz="2400" dirty="0" err="1" smtClean="0"/>
               <a:t>Muizenberg</a:t>
             </a:r>
-            <a:endParaRPr lang="en-US" dirty="0"/>
+            <a:endParaRPr lang="en-US" sz="2400" dirty="0"/>
           </a:p>
         </p:txBody>
       </p:sp>
     </p:spTree>
     <p:extLst>
       <p:ext uri="{BB962C8B-B14F-4D97-AF65-F5344CB8AC3E}">
-        <p14:creationId xmlns:p14="http://schemas.microsoft.com/office/powerpoint/2010/main" xmlns:p="http://schemas.openxmlformats.org/presentationml/2006/main" xmlns:r="http://schemas.openxmlformats.org/officeDocument/2006/relationships" xmlns:a="http://schemas.openxmlformats.org/drawingml/2006/main" xmlns="" val="3087260744"/>
+        <p14:creationId xmlns="" xmlns:a="http://schemas.openxmlformats.org/drawingml/2006/main" xmlns:r="http://schemas.openxmlformats.org/officeDocument/2006/relationships" xmlns:p="http://schemas.openxmlformats.org/presentationml/2006/main" xmlns:p14="http://schemas.microsoft.com/office/powerpoint/2010/main" xmlns:mv="urn:schemas-microsoft-com:mac:vml" xmlns:mc="http://schemas.openxmlformats.org/markup-compatibility/2006" val="3087260744"/>
       </p:ext>
     </p:extLst>
   </p:cSld>
@@ -7177,6 +7180,133 @@
           <a:chExt cx="0" cy="0"/>
         </a:xfrm>
       </p:grpSpPr>
+    </p:spTree>
+    <p:extLst>
+      <p:ext uri="{BB962C8B-B14F-4D97-AF65-F5344CB8AC3E}">
+        <p14:creationId xmlns="" xmlns:a="http://schemas.openxmlformats.org/drawingml/2006/main" xmlns:r="http://schemas.openxmlformats.org/officeDocument/2006/relationships" xmlns:p="http://schemas.openxmlformats.org/presentationml/2006/main" xmlns:p14="http://schemas.microsoft.com/office/powerpoint/2010/main" xmlns:mv="urn:schemas-microsoft-com:mac:vml" xmlns:mc="http://schemas.openxmlformats.org/markup-compatibility/2006" val="516264557"/>
+      </p:ext>
+    </p:extLst>
+  </p:cSld>
+  <p:clrMapOvr>
+    <a:masterClrMapping/>
+  </p:clrMapOvr>
+  <p:timing>
+    <p:tnLst>
+      <p:par>
+        <p:cTn id="1" dur="indefinite" restart="never" nodeType="tmRoot"/>
+      </p:par>
+    </p:tnLst>
+  </p:timing>
+</p:sld>
+</file>
+
+<file path=ppt/slides/slide11.xml><?xml version="1.0" encoding="utf-8"?>
+<p:sld xmlns:a="http://schemas.openxmlformats.org/drawingml/2006/main" xmlns:r="http://schemas.openxmlformats.org/officeDocument/2006/relationships" xmlns:mc="http://schemas.openxmlformats.org/markup-compatibility/2006" xmlns:mv="urn:schemas-microsoft-com:mac:vml" xmlns:p="http://schemas.openxmlformats.org/presentationml/2006/main" mc:Ignorable="mv" mc:PreserveAttributes="mv:*">
+  <p:cSld>
+    <p:spTree>
+      <p:nvGrpSpPr>
+        <p:cNvPr id="1" name=""/>
+        <p:cNvGrpSpPr/>
+        <p:nvPr/>
+      </p:nvGrpSpPr>
+      <p:grpSpPr>
+        <a:xfrm>
+          <a:off x="0" y="0"/>
+          <a:ext cx="0" cy="0"/>
+          <a:chOff x="0" y="0"/>
+          <a:chExt cx="0" cy="0"/>
+        </a:xfrm>
+      </p:grpSpPr>
+    </p:spTree>
+  </p:cSld>
+  <p:clrMapOvr>
+    <a:masterClrMapping/>
+  </p:clrMapOvr>
+</p:sld>
+</file>
+
+<file path=ppt/slides/slide12.xml><?xml version="1.0" encoding="utf-8"?>
+<p:sld xmlns:a="http://schemas.openxmlformats.org/drawingml/2006/main" xmlns:r="http://schemas.openxmlformats.org/officeDocument/2006/relationships" xmlns:mc="http://schemas.openxmlformats.org/markup-compatibility/2006" xmlns:mv="urn:schemas-microsoft-com:mac:vml" xmlns:p="http://schemas.openxmlformats.org/presentationml/2006/main" mc:Ignorable="mv" mc:PreserveAttributes="mv:*">
+  <p:cSld>
+    <p:spTree>
+      <p:nvGrpSpPr>
+        <p:cNvPr id="1" name=""/>
+        <p:cNvGrpSpPr/>
+        <p:nvPr/>
+      </p:nvGrpSpPr>
+      <p:grpSpPr>
+        <a:xfrm>
+          <a:off x="0" y="0"/>
+          <a:ext cx="0" cy="0"/>
+          <a:chOff x="0" y="0"/>
+          <a:chExt cx="0" cy="0"/>
+        </a:xfrm>
+      </p:grpSpPr>
+      <p:sp>
+        <p:nvSpPr>
+          <p:cNvPr id="2" name="Title 1"/>
+          <p:cNvSpPr>
+            <a:spLocks noGrp="1"/>
+          </p:cNvSpPr>
+          <p:nvPr>
+            <p:ph type="title" idx="4294967295"/>
+          </p:nvPr>
+        </p:nvSpPr>
+        <p:spPr>
+          <a:xfrm>
+            <a:off x="0" y="0"/>
+            <a:ext cx="8596313" cy="1320800"/>
+          </a:xfrm>
+        </p:spPr>
+        <p:txBody>
+          <a:bodyPr/>
+          <a:lstStyle/>
+          <a:p>
+            <a:r>
+              <a:rPr lang="en-US" dirty="0" smtClean="0"/>
+              <a:t>Push/Pull</a:t>
+            </a:r>
+            <a:endParaRPr lang="en-US" dirty="0"/>
+          </a:p>
+        </p:txBody>
+      </p:sp>
+    </p:spTree>
+    <p:extLst>
+      <p:ext uri="{BB962C8B-B14F-4D97-AF65-F5344CB8AC3E}">
+        <p14:creationId xmlns="" xmlns:a="http://schemas.openxmlformats.org/drawingml/2006/main" xmlns:r="http://schemas.openxmlformats.org/officeDocument/2006/relationships" xmlns:p="http://schemas.openxmlformats.org/presentationml/2006/main" xmlns:p14="http://schemas.microsoft.com/office/powerpoint/2010/main" xmlns:mv="urn:schemas-microsoft-com:mac:vml" xmlns:mc="http://schemas.openxmlformats.org/markup-compatibility/2006" val="707713265"/>
+      </p:ext>
+    </p:extLst>
+  </p:cSld>
+  <p:clrMapOvr>
+    <a:masterClrMapping/>
+  </p:clrMapOvr>
+  <p:timing>
+    <p:tnLst>
+      <p:par>
+        <p:cTn id="1" dur="indefinite" restart="never" nodeType="tmRoot"/>
+      </p:par>
+    </p:tnLst>
+  </p:timing>
+</p:sld>
+</file>
+
+<file path=ppt/slides/slide13.xml><?xml version="1.0" encoding="utf-8"?>
+<p:sld xmlns:a="http://schemas.openxmlformats.org/drawingml/2006/main" xmlns:r="http://schemas.openxmlformats.org/officeDocument/2006/relationships" xmlns:mc="http://schemas.openxmlformats.org/markup-compatibility/2006" xmlns:mv="urn:schemas-microsoft-com:mac:vml" xmlns:p="http://schemas.openxmlformats.org/presentationml/2006/main" mc:Ignorable="mv" mc:PreserveAttributes="mv:*">
+  <p:cSld>
+    <p:spTree>
+      <p:nvGrpSpPr>
+        <p:cNvPr id="1" name=""/>
+        <p:cNvGrpSpPr/>
+        <p:nvPr/>
+      </p:nvGrpSpPr>
+      <p:grpSpPr>
+        <a:xfrm>
+          <a:off x="0" y="0"/>
+          <a:ext cx="0" cy="0"/>
+          <a:chOff x="0" y="0"/>
+          <a:chExt cx="0" cy="0"/>
+        </a:xfrm>
+      </p:grpSpPr>
       <p:sp>
         <p:nvSpPr>
           <p:cNvPr id="10" name="Title 9"/>
@@ -7187,7 +7317,12 @@
             <p:ph type="title"/>
           </p:nvPr>
         </p:nvSpPr>
-        <p:spPr/>
+        <p:spPr>
+          <a:xfrm>
+            <a:off x="0" y="304800"/>
+            <a:ext cx="8596668" cy="1320800"/>
+          </a:xfrm>
+        </p:spPr>
         <p:txBody>
           <a:bodyPr/>
           <a:lstStyle/>
@@ -7220,8 +7355,8 @@
         </p:nvSpPr>
         <p:spPr>
           <a:xfrm>
-            <a:off x="677334" y="1646959"/>
-            <a:ext cx="4184035" cy="4250602"/>
+            <a:off x="0" y="1164358"/>
+            <a:ext cx="6273800" cy="5693642"/>
           </a:xfrm>
         </p:spPr>
         <p:txBody>
@@ -7231,11 +7366,11 @@
           <a:lstStyle/>
           <a:p>
             <a:r>
-              <a:rPr lang="en-US" dirty="0" smtClean="0"/>
+              <a:rPr lang="en-US" sz="2400" dirty="0" smtClean="0"/>
               <a:t>Create a </a:t>
             </a:r>
             <a:r>
-              <a:rPr lang="en-US" dirty="0" smtClean="0">
+              <a:rPr lang="en-US" sz="2400" dirty="0" smtClean="0">
                 <a:solidFill>
                   <a:srgbClr val="0000C0"/>
                 </a:solidFill>
@@ -7246,7 +7381,7 @@
           <a:p>
             <a:pPr lvl="1"/>
             <a:r>
-              <a:rPr lang="en-US" sz="1500" dirty="0" smtClean="0">
+              <a:rPr lang="en-US" sz="2400" dirty="0" smtClean="0">
                 <a:solidFill>
                   <a:schemeClr val="tx1"/>
                 </a:solidFill>
@@ -7257,34 +7392,18 @@
           <a:p>
             <a:pPr lvl="1"/>
             <a:r>
-              <a:rPr lang="en-US" sz="1500" dirty="0" smtClean="0">
+              <a:rPr lang="en-US" sz="2400" dirty="0" smtClean="0">
                 <a:solidFill>
                   <a:schemeClr val="tx1"/>
                 </a:solidFill>
               </a:rPr>
-              <a:t>Page 2: Research interests (at lest 2 </a:t>
-            </a:r>
-            <a:r>
-              <a:rPr lang="en-US" sz="1500" dirty="0" err="1" smtClean="0">
-                <a:solidFill>
-                  <a:schemeClr val="tx1"/>
-                </a:solidFill>
-              </a:rPr>
-              <a:t>paragrahs</a:t>
-            </a:r>
-            <a:r>
-              <a:rPr lang="en-US" sz="1500" dirty="0" smtClean="0">
-                <a:solidFill>
-                  <a:schemeClr val="tx1"/>
-                </a:solidFill>
-              </a:rPr>
-              <a:t>)</a:t>
+              <a:t>Page 2: Research interests</a:t>
             </a:r>
           </a:p>
           <a:p>
             <a:pPr lvl="1"/>
             <a:r>
-              <a:rPr lang="en-US" sz="1500" dirty="0" smtClean="0">
+              <a:rPr lang="en-US" sz="2400" dirty="0" smtClean="0">
                 <a:solidFill>
                   <a:schemeClr val="tx1"/>
                 </a:solidFill>
@@ -7296,23 +7415,23 @@
             <a:pPr marL="0" indent="0">
               <a:buNone/>
             </a:pPr>
-            <a:endParaRPr lang="en-US" dirty="0"/>
-          </a:p>
-          <a:p>
-            <a:r>
-              <a:rPr lang="en-US" dirty="0" smtClean="0"/>
+            <a:endParaRPr lang="en-US" sz="2400" dirty="0"/>
+          </a:p>
+          <a:p>
+            <a:r>
+              <a:rPr lang="en-US" sz="2400" dirty="0" smtClean="0"/>
               <a:t>Edit your </a:t>
             </a:r>
             <a:r>
-              <a:rPr lang="en-US" dirty="0" err="1" smtClean="0"/>
+              <a:rPr lang="en-US" sz="2400" dirty="0" err="1" smtClean="0"/>
               <a:t>github</a:t>
             </a:r>
             <a:r>
-              <a:rPr lang="en-US" dirty="0" smtClean="0"/>
+              <a:rPr lang="en-US" sz="2400" dirty="0" smtClean="0"/>
               <a:t> </a:t>
             </a:r>
             <a:r>
-              <a:rPr lang="en-US" dirty="0" smtClean="0">
+              <a:rPr lang="en-US" sz="2400" dirty="0" smtClean="0">
                 <a:solidFill>
                   <a:srgbClr val="FF0000"/>
                 </a:solidFill>
@@ -7325,7 +7444,7 @@
               <a:buNone/>
             </a:pPr>
             <a:r>
-              <a:rPr lang="en-US" dirty="0">
+              <a:rPr lang="en-US" sz="2400" dirty="0">
                 <a:solidFill>
                   <a:srgbClr val="FF0000"/>
                 </a:solidFill>
@@ -7333,7 +7452,7 @@
               <a:t> </a:t>
             </a:r>
             <a:r>
-              <a:rPr lang="en-US" dirty="0" smtClean="0">
+              <a:rPr lang="en-US" sz="2400" dirty="0" smtClean="0">
                 <a:solidFill>
                   <a:srgbClr val="FF0000"/>
                 </a:solidFill>
@@ -7341,7 +7460,7 @@
               <a:t>  </a:t>
             </a:r>
             <a:r>
-              <a:rPr lang="en-US" sz="1700" dirty="0" smtClean="0">
+              <a:rPr lang="en-US" sz="2400" dirty="0" smtClean="0">
                 <a:solidFill>
                   <a:schemeClr val="tx2"/>
                 </a:solidFill>
@@ -7349,7 +7468,7 @@
               <a:t>Click on your </a:t>
             </a:r>
             <a:r>
-              <a:rPr lang="en-US" sz="1700" dirty="0" smtClean="0">
+              <a:rPr lang="en-US" sz="2400" dirty="0" smtClean="0">
                 <a:solidFill>
                   <a:srgbClr val="FF0000"/>
                 </a:solidFill>
@@ -7357,30 +7476,41 @@
               <a:t>username</a:t>
             </a:r>
             <a:r>
-              <a:rPr lang="en-US" sz="1700" dirty="0" smtClean="0">
+              <a:rPr lang="en-US" sz="2400" dirty="0" smtClean="0">
                 <a:solidFill>
                   <a:schemeClr val="tx2"/>
                 </a:solidFill>
               </a:rPr>
-              <a:t> and then on “Edit Profile”. Upload a picture. </a:t>
-            </a:r>
-            <a:endParaRPr lang="en-US" dirty="0" smtClean="0"/>
-          </a:p>
-          <a:p>
-            <a:r>
-              <a:rPr lang="en-US" dirty="0" smtClean="0"/>
+              <a:t> and then on “Edit Profile”. </a:t>
+            </a:r>
+          </a:p>
+          <a:p>
+            <a:pPr marL="0" indent="0"/>
+            <a:r>
+              <a:rPr lang="en-US" sz="2400" dirty="0" smtClean="0">
+                <a:solidFill>
+                  <a:schemeClr val="tx2"/>
+                </a:solidFill>
+              </a:rPr>
+              <a:t>Upload a picture </a:t>
+            </a:r>
+            <a:endParaRPr lang="en-US" sz="2400" dirty="0" smtClean="0"/>
+          </a:p>
+          <a:p>
+            <a:r>
+              <a:rPr lang="en-US" sz="2400" dirty="0" smtClean="0"/>
               <a:t>Modify your </a:t>
             </a:r>
             <a:r>
-              <a:rPr lang="en-US" dirty="0" err="1" smtClean="0"/>
+              <a:rPr lang="en-US" sz="2400" dirty="0" err="1" smtClean="0"/>
               <a:t>github</a:t>
             </a:r>
             <a:r>
-              <a:rPr lang="en-US" dirty="0" smtClean="0"/>
+              <a:rPr lang="en-US" sz="2400" dirty="0" smtClean="0"/>
               <a:t> </a:t>
             </a:r>
             <a:r>
-              <a:rPr lang="en-US" dirty="0" smtClean="0">
+              <a:rPr lang="en-US" sz="2400" dirty="0" smtClean="0">
                 <a:solidFill>
                   <a:srgbClr val="0DF501"/>
                 </a:solidFill>
@@ -7393,7 +7523,7 @@
               <a:buNone/>
             </a:pPr>
             <a:r>
-              <a:rPr lang="en-US" dirty="0">
+              <a:rPr lang="en-US" sz="2400" dirty="0">
                 <a:solidFill>
                   <a:srgbClr val="0DF501"/>
                 </a:solidFill>
@@ -7401,7 +7531,7 @@
               <a:t> </a:t>
             </a:r>
             <a:r>
-              <a:rPr lang="en-US" dirty="0" smtClean="0">
+              <a:rPr lang="en-US" sz="2400" dirty="0" smtClean="0">
                 <a:solidFill>
                   <a:srgbClr val="0DF501"/>
                 </a:solidFill>
@@ -7409,7 +7539,7 @@
               <a:t>  </a:t>
             </a:r>
             <a:r>
-              <a:rPr lang="en-US" dirty="0">
+              <a:rPr lang="en-US" sz="2400" dirty="0">
                 <a:solidFill>
                   <a:schemeClr val="tx2"/>
                 </a:solidFill>
@@ -7449,7 +7579,7 @@
           <a:blip r:embed="rId2" cstate="print">
             <a:extLst>
               <a:ext uri="{28A0092B-C50C-407E-A947-70E740481C1C}">
-                <a14:useLocalDpi xmlns:a14="http://schemas.microsoft.com/office/drawing/2010/main" xmlns:p="http://schemas.openxmlformats.org/presentationml/2006/main" xmlns:r="http://schemas.openxmlformats.org/officeDocument/2006/relationships" xmlns:a="http://schemas.openxmlformats.org/drawingml/2006/main" xmlns="" val="0"/>
+                <a14:useLocalDpi xmlns="" xmlns:a="http://schemas.openxmlformats.org/drawingml/2006/main" xmlns:r="http://schemas.openxmlformats.org/officeDocument/2006/relationships" xmlns:p="http://schemas.openxmlformats.org/presentationml/2006/main" xmlns:a14="http://schemas.microsoft.com/office/drawing/2010/main" xmlns:mv="urn:schemas-microsoft-com:mac:vml" xmlns:mc="http://schemas.openxmlformats.org/markup-compatibility/2006" val="0"/>
               </a:ext>
             </a:extLst>
           </a:blip>
@@ -7459,8 +7589,8 @@
         </p:blipFill>
         <p:spPr>
           <a:xfrm>
-            <a:off x="4975668" y="1578634"/>
-            <a:ext cx="6682499" cy="3716815"/>
+            <a:off x="4953000" y="1338387"/>
+            <a:ext cx="7239000" cy="5519613"/>
           </a:xfrm>
           <a:prstGeom prst="rect">
             <a:avLst/>
@@ -7487,7 +7617,7 @@
         </p:nvSpPr>
         <p:spPr>
           <a:xfrm>
-            <a:off x="9871364" y="1506682"/>
+            <a:off x="10308470" y="1329936"/>
             <a:ext cx="779318" cy="280554"/>
           </a:xfrm>
           <a:prstGeom prst="roundRect">
@@ -7533,7 +7663,7 @@
         </p:nvSpPr>
         <p:spPr>
           <a:xfrm>
-            <a:off x="10305184" y="3332350"/>
+            <a:off x="10698884" y="3992750"/>
             <a:ext cx="690995" cy="209384"/>
           </a:xfrm>
           <a:prstGeom prst="ellipse">
@@ -7579,7 +7709,7 @@
         </p:nvSpPr>
         <p:spPr>
           <a:xfrm>
-            <a:off x="11076709" y="1506682"/>
+            <a:off x="11330709" y="1341582"/>
             <a:ext cx="228600" cy="280554"/>
           </a:xfrm>
           <a:prstGeom prst="rect">
@@ -7625,7 +7755,7 @@
         </p:nvSpPr>
         <p:spPr>
           <a:xfrm>
-            <a:off x="10325965" y="4278706"/>
+            <a:off x="10770465" y="5396306"/>
             <a:ext cx="750744" cy="280554"/>
           </a:xfrm>
           <a:prstGeom prst="rect">
@@ -7666,7 +7796,7 @@
     </p:spTree>
     <p:extLst>
       <p:ext uri="{BB962C8B-B14F-4D97-AF65-F5344CB8AC3E}">
-        <p14:creationId xmlns:p14="http://schemas.microsoft.com/office/powerpoint/2010/main" xmlns:p="http://schemas.openxmlformats.org/presentationml/2006/main" xmlns:r="http://schemas.openxmlformats.org/officeDocument/2006/relationships" xmlns:a="http://schemas.openxmlformats.org/drawingml/2006/main" xmlns="" val="1626926518"/>
+        <p14:creationId xmlns="" xmlns:a="http://schemas.openxmlformats.org/drawingml/2006/main" xmlns:r="http://schemas.openxmlformats.org/officeDocument/2006/relationships" xmlns:p="http://schemas.openxmlformats.org/presentationml/2006/main" xmlns:p14="http://schemas.microsoft.com/office/powerpoint/2010/main" xmlns:mv="urn:schemas-microsoft-com:mac:vml" xmlns:mc="http://schemas.openxmlformats.org/markup-compatibility/2006" val="1626926518"/>
       </p:ext>
     </p:extLst>
   </p:cSld>
@@ -7712,7 +7842,7 @@
         </p:nvSpPr>
         <p:spPr>
           <a:xfrm>
-            <a:off x="637644" y="2474778"/>
+            <a:off x="637644" y="1919193"/>
             <a:ext cx="8596668" cy="876300"/>
           </a:xfrm>
         </p:spPr>
@@ -7740,78 +7870,71 @@
         </p:nvSpPr>
         <p:spPr>
           <a:xfrm>
-            <a:off x="697178" y="3359817"/>
+            <a:off x="717022" y="2764549"/>
             <a:ext cx="8596668" cy="4430771"/>
           </a:xfrm>
         </p:spPr>
         <p:txBody>
-          <a:bodyPr/>
-          <a:lstStyle/>
-          <a:p>
-            <a:r>
-              <a:rPr lang="en-US" dirty="0" smtClean="0"/>
+          <a:bodyPr>
+            <a:noAutofit/>
+          </a:bodyPr>
+          <a:lstStyle/>
+          <a:p>
+            <a:r>
+              <a:rPr lang="en-US" sz="2400" dirty="0" smtClean="0"/>
               <a:t>Multiple </a:t>
             </a:r>
             <a:r>
-              <a:rPr lang="en-US" dirty="0"/>
+              <a:rPr lang="en-US" sz="2400" dirty="0"/>
               <a:t>people can work on one project, simultaneously without getting 'conflicted </a:t>
             </a:r>
             <a:r>
-              <a:rPr lang="en-US" dirty="0" smtClean="0"/>
+              <a:rPr lang="en-US" sz="2400" dirty="0" smtClean="0"/>
               <a:t>copies‘</a:t>
             </a:r>
           </a:p>
           <a:p>
-            <a:endParaRPr lang="en-US" dirty="0" smtClean="0"/>
-          </a:p>
-          <a:p>
-            <a:r>
-              <a:rPr lang="en-US" dirty="0" smtClean="0"/>
-              <a:t>Gain </a:t>
-            </a:r>
-            <a:r>
-              <a:rPr lang="en-US" dirty="0"/>
-              <a:t>access to historical versions of the file before different edits were </a:t>
-            </a:r>
-            <a:r>
-              <a:rPr lang="en-US" dirty="0" smtClean="0"/>
+            <a:r>
+              <a:rPr lang="en-US" sz="2400" dirty="0" smtClean="0"/>
+              <a:t>A</a:t>
+            </a:r>
+            <a:r>
+              <a:rPr lang="en-US" sz="2400" dirty="0"/>
+              <a:t>ccess to historical versions of the file before different edits were </a:t>
+            </a:r>
+            <a:r>
+              <a:rPr lang="en-US" sz="2400" dirty="0" smtClean="0"/>
               <a:t>made</a:t>
             </a:r>
           </a:p>
           <a:p>
-            <a:endParaRPr lang="en-US" dirty="0" smtClean="0"/>
-          </a:p>
-          <a:p>
-            <a:r>
-              <a:rPr lang="en-US" dirty="0" smtClean="0"/>
-              <a:t>You </a:t>
-            </a:r>
-            <a:r>
-              <a:rPr lang="en-US" dirty="0"/>
-              <a:t>can undo specific edits loosing all work that has been </a:t>
-            </a:r>
-            <a:r>
-              <a:rPr lang="en-US" dirty="0" smtClean="0"/>
-              <a:t>done</a:t>
-            </a:r>
-          </a:p>
-          <a:p>
-            <a:endParaRPr lang="en-US" dirty="0" smtClean="0"/>
-          </a:p>
-          <a:p>
-            <a:r>
-              <a:rPr lang="en-US" dirty="0" smtClean="0"/>
-              <a:t>You </a:t>
-            </a:r>
-            <a:r>
-              <a:rPr lang="en-US" dirty="0"/>
-              <a:t>can see at any point in time you can see who made what edits and </a:t>
-            </a:r>
-            <a:r>
-              <a:rPr lang="en-US" dirty="0" smtClean="0"/>
+            <a:r>
+              <a:rPr lang="en-US" sz="2400" dirty="0" smtClean="0"/>
+              <a:t>Undo </a:t>
+            </a:r>
+            <a:r>
+              <a:rPr lang="en-US" sz="2400" dirty="0"/>
+              <a:t>specific edits without loosing all work that has been </a:t>
+            </a:r>
+            <a:r>
+              <a:rPr lang="en-US" sz="2400" dirty="0" smtClean="0"/>
+              <a:t>done previously</a:t>
+            </a:r>
+          </a:p>
+          <a:p>
+            <a:r>
+              <a:rPr lang="en-US" sz="2400" dirty="0" smtClean="0"/>
+              <a:t>At any </a:t>
+            </a:r>
+            <a:r>
+              <a:rPr lang="en-US" sz="2400" dirty="0"/>
+              <a:t>point in time you can see who made what edits and </a:t>
+            </a:r>
+            <a:r>
+              <a:rPr lang="en-US" sz="2400" dirty="0" smtClean="0"/>
               <a:t>when</a:t>
             </a:r>
-            <a:endParaRPr lang="en-US" dirty="0"/>
+            <a:endParaRPr lang="en-US" sz="2400" dirty="0"/>
           </a:p>
         </p:txBody>
       </p:sp>
@@ -7823,8 +7946,8 @@
         </p:nvSpPr>
         <p:spPr>
           <a:xfrm>
-            <a:off x="674715" y="535742"/>
-            <a:ext cx="8910206" cy="1605568"/>
+            <a:off x="674715" y="377004"/>
+            <a:ext cx="8910206" cy="1826141"/>
           </a:xfrm>
           <a:prstGeom prst="rect">
             <a:avLst/>
@@ -7865,7 +7988,7 @@
               <a:buChar char=""/>
             </a:pPr>
             <a:r>
-              <a:rPr lang="en-US" dirty="0" err="1" smtClean="0">
+              <a:rPr lang="en-US" sz="2400" dirty="0" err="1" smtClean="0">
                 <a:solidFill>
                   <a:schemeClr val="tx1">
                     <a:lumMod val="75000"/>
@@ -7876,7 +7999,7 @@
               <a:t>Git</a:t>
             </a:r>
             <a:r>
-              <a:rPr lang="en-US" dirty="0" smtClean="0">
+              <a:rPr lang="en-US" sz="2400" dirty="0" smtClean="0">
                 <a:solidFill>
                   <a:schemeClr val="tx1">
                     <a:lumMod val="75000"/>
@@ -7895,7 +8018,7 @@
     </p:spTree>
     <p:extLst>
       <p:ext uri="{BB962C8B-B14F-4D97-AF65-F5344CB8AC3E}">
-        <p14:creationId xmlns:p14="http://schemas.microsoft.com/office/powerpoint/2010/main" xmlns:p="http://schemas.openxmlformats.org/presentationml/2006/main" xmlns:r="http://schemas.openxmlformats.org/officeDocument/2006/relationships" xmlns:a="http://schemas.openxmlformats.org/drawingml/2006/main" xmlns="" val="1395180370"/>
+        <p14:creationId xmlns="" xmlns:a="http://schemas.openxmlformats.org/drawingml/2006/main" xmlns:r="http://schemas.openxmlformats.org/officeDocument/2006/relationships" xmlns:p="http://schemas.openxmlformats.org/presentationml/2006/main" xmlns:p14="http://schemas.microsoft.com/office/powerpoint/2010/main" xmlns:mv="urn:schemas-microsoft-com:mac:vml" xmlns:mc="http://schemas.openxmlformats.org/markup-compatibility/2006" val="1395180370"/>
       </p:ext>
     </p:extLst>
   </p:cSld>
@@ -7973,55 +8096,55 @@
           <a:lstStyle/>
           <a:p>
             <a:r>
-              <a:rPr lang="en-US" dirty="0">
+              <a:rPr lang="en-US" sz="2400" dirty="0">
                 <a:hlinkClick r:id="rId2" tooltip="GitHub"/>
               </a:rPr>
               <a:t>GitHub</a:t>
             </a:r>
             <a:r>
-              <a:rPr lang="en-US" dirty="0"/>
+              <a:rPr lang="en-US" sz="2400" dirty="0"/>
               <a:t> is a web-based </a:t>
             </a:r>
             <a:r>
-              <a:rPr lang="en-US" dirty="0" err="1"/>
+              <a:rPr lang="en-US" sz="2400" dirty="0" err="1"/>
               <a:t>Git</a:t>
             </a:r>
             <a:r>
-              <a:rPr lang="en-US" dirty="0"/>
+              <a:rPr lang="en-US" sz="2400" dirty="0"/>
               <a:t> repository hosting service</a:t>
             </a:r>
           </a:p>
           <a:p>
-            <a:endParaRPr lang="en-US" dirty="0"/>
-          </a:p>
-          <a:p>
-            <a:r>
-              <a:rPr lang="en-US" dirty="0"/>
+            <a:endParaRPr lang="en-US" sz="2400" dirty="0"/>
+          </a:p>
+          <a:p>
+            <a:r>
+              <a:rPr lang="en-US" sz="2400" dirty="0"/>
               <a:t> Offers </a:t>
             </a:r>
             <a:r>
-              <a:rPr lang="en-US" dirty="0" smtClean="0"/>
+              <a:rPr lang="en-US" sz="2400" dirty="0" smtClean="0"/>
               <a:t>version </a:t>
             </a:r>
             <a:r>
-              <a:rPr lang="en-US" dirty="0"/>
+              <a:rPr lang="en-US" sz="2400" dirty="0"/>
               <a:t>control and source code management</a:t>
             </a:r>
           </a:p>
           <a:p>
-            <a:endParaRPr lang="en-US" dirty="0" smtClean="0"/>
-          </a:p>
-          <a:p>
-            <a:r>
-              <a:rPr lang="en-US" dirty="0" smtClean="0"/>
+            <a:endParaRPr lang="en-US" sz="2400" dirty="0" smtClean="0"/>
+          </a:p>
+          <a:p>
+            <a:r>
+              <a:rPr lang="en-US" sz="2400" dirty="0" smtClean="0"/>
               <a:t>It has a </a:t>
             </a:r>
             <a:r>
-              <a:rPr lang="en-US" dirty="0"/>
+              <a:rPr lang="en-US" sz="2400" dirty="0"/>
               <a:t>graphical </a:t>
             </a:r>
             <a:r>
-              <a:rPr lang="en-US" dirty="0" smtClean="0"/>
+              <a:rPr lang="en-US" sz="2400" dirty="0" smtClean="0"/>
               <a:t>interface for windows desktop.</a:t>
             </a:r>
           </a:p>
@@ -8041,7 +8164,7 @@
         </p:nvSpPr>
         <p:spPr>
           <a:xfrm>
-            <a:off x="1130531" y="4289367"/>
+            <a:off x="1110687" y="5063217"/>
             <a:ext cx="7514705" cy="1496291"/>
           </a:xfrm>
           <a:prstGeom prst="roundRect">
@@ -8094,23 +8217,23 @@
           <a:p>
             <a:pPr algn="ctr"/>
             <a:r>
-              <a:rPr lang="en-US" dirty="0"/>
+              <a:rPr lang="en-US" sz="2000" dirty="0"/>
               <a:t>For the purpose of this clinic we have chosen to use another user friendly graphical </a:t>
             </a:r>
             <a:r>
-              <a:rPr lang="en-US" dirty="0" smtClean="0"/>
+              <a:rPr lang="en-US" sz="2000" dirty="0" smtClean="0"/>
               <a:t>interface “</a:t>
             </a:r>
             <a:r>
-              <a:rPr lang="en-US" dirty="0" err="1" smtClean="0"/>
+              <a:rPr lang="en-US" sz="2000" dirty="0" err="1" smtClean="0"/>
               <a:t>SmartGit</a:t>
             </a:r>
             <a:r>
-              <a:rPr lang="en-US" dirty="0" smtClean="0"/>
+              <a:rPr lang="en-US" sz="2000" dirty="0" smtClean="0"/>
               <a:t>”, </a:t>
             </a:r>
             <a:r>
-              <a:rPr lang="en-US" dirty="0"/>
+              <a:rPr lang="en-US" sz="2000" dirty="0"/>
               <a:t>compatible with Windows, Mac, and Linux.</a:t>
             </a:r>
           </a:p>
@@ -8119,7 +8242,7 @@
     </p:spTree>
     <p:extLst>
       <p:ext uri="{BB962C8B-B14F-4D97-AF65-F5344CB8AC3E}">
-        <p14:creationId xmlns:p14="http://schemas.microsoft.com/office/powerpoint/2010/main" xmlns:p="http://schemas.openxmlformats.org/presentationml/2006/main" xmlns:r="http://schemas.openxmlformats.org/officeDocument/2006/relationships" xmlns:a="http://schemas.openxmlformats.org/drawingml/2006/main" xmlns="" val="1620148301"/>
+        <p14:creationId xmlns="" xmlns:a="http://schemas.openxmlformats.org/drawingml/2006/main" xmlns:r="http://schemas.openxmlformats.org/officeDocument/2006/relationships" xmlns:p="http://schemas.openxmlformats.org/presentationml/2006/main" xmlns:p14="http://schemas.microsoft.com/office/powerpoint/2010/main" xmlns:mv="urn:schemas-microsoft-com:mac:vml" xmlns:mc="http://schemas.openxmlformats.org/markup-compatibility/2006" val="1620148301"/>
       </p:ext>
     </p:extLst>
   </p:cSld>
@@ -8193,7 +8316,7 @@
         </p:nvSpPr>
         <p:spPr>
           <a:xfrm>
-            <a:off x="1152498" y="4704131"/>
+            <a:off x="1152485" y="4545392"/>
             <a:ext cx="2241202" cy="1361929"/>
           </a:xfrm>
           <a:prstGeom prst="rect">
@@ -8288,8 +8411,8 @@
         </p:nvSpPr>
         <p:spPr>
           <a:xfrm>
-            <a:off x="8024327" y="2490500"/>
-            <a:ext cx="2394065" cy="1607626"/>
+            <a:off x="7845712" y="1518226"/>
+            <a:ext cx="2394065" cy="1021590"/>
           </a:xfrm>
           <a:prstGeom prst="rect">
             <a:avLst/>
@@ -8322,27 +8445,14 @@
           <a:bodyPr rtlCol="0" anchor="t"/>
           <a:lstStyle/>
           <a:p>
-            <a:endParaRPr lang="en-US" b="1" dirty="0" smtClean="0">
-              <a:solidFill>
-                <a:schemeClr val="tx1"/>
-              </a:solidFill>
-            </a:endParaRPr>
-          </a:p>
-          <a:p>
-            <a:endParaRPr lang="en-US" b="1" dirty="0">
-              <a:solidFill>
-                <a:schemeClr val="tx1"/>
-              </a:solidFill>
-            </a:endParaRPr>
-          </a:p>
-          <a:p>
+            <a:pPr algn="ctr"/>
             <a:r>
               <a:rPr lang="en-US" b="1" dirty="0" smtClean="0">
                 <a:solidFill>
                   <a:schemeClr val="tx1"/>
                 </a:solidFill>
               </a:rPr>
-              <a:t>    Web Interface</a:t>
+              <a:t> Web Interface</a:t>
             </a:r>
           </a:p>
           <a:p>
@@ -8377,8 +8487,8 @@
         </p:nvSpPr>
         <p:spPr>
           <a:xfrm>
-            <a:off x="285622" y="3977002"/>
-            <a:ext cx="1737361" cy="563098"/>
+            <a:off x="436580" y="3957160"/>
+            <a:ext cx="1369288" cy="563098"/>
           </a:xfrm>
           <a:prstGeom prst="rect">
             <a:avLst/>
@@ -8427,9 +8537,9 @@
           <p:nvPr/>
         </p:nvCxnSpPr>
         <p:spPr>
-          <a:xfrm flipH="1">
-            <a:off x="3356637" y="3384369"/>
-            <a:ext cx="4718898" cy="1651119"/>
+          <a:xfrm rot="10800000" flipV="1">
+            <a:off x="3393420" y="2471622"/>
+            <a:ext cx="4463813" cy="2290534"/>
           </a:xfrm>
           <a:prstGeom prst="straightConnector1">
             <a:avLst/>
@@ -8438,7 +8548,7 @@
             <a:solidFill>
               <a:srgbClr val="00B0F0"/>
             </a:solidFill>
-            <a:tailEnd type="triangle"/>
+            <a:tailEnd type="triangle" w="lg" len="lg"/>
           </a:ln>
         </p:spPr>
         <p:style>
@@ -8464,7 +8574,7 @@
         </p:nvSpPr>
         <p:spPr>
           <a:xfrm rot="20607094">
-            <a:off x="3669478" y="2065286"/>
+            <a:off x="3530553" y="1807335"/>
             <a:ext cx="1820258" cy="509327"/>
           </a:xfrm>
           <a:prstGeom prst="ellipse">
@@ -8525,7 +8635,7 @@
         </p:nvSpPr>
         <p:spPr>
           <a:xfrm rot="20607094">
-            <a:off x="4217956" y="3656260"/>
+            <a:off x="4059185" y="2862567"/>
             <a:ext cx="1748421" cy="541403"/>
           </a:xfrm>
           <a:prstGeom prst="ellipse">
@@ -8586,7 +8696,7 @@
         </p:nvSpPr>
         <p:spPr>
           <a:xfrm rot="20607094">
-            <a:off x="5030618" y="5165977"/>
+            <a:off x="4931381" y="4511180"/>
             <a:ext cx="1820258" cy="509327"/>
           </a:xfrm>
           <a:prstGeom prst="ellipse">
@@ -8647,8 +8757,8 @@
         </p:nvCxnSpPr>
         <p:spPr>
           <a:xfrm flipV="1">
-            <a:off x="3430120" y="3935217"/>
-            <a:ext cx="4585112" cy="1679839"/>
+            <a:off x="3390417" y="2519974"/>
+            <a:ext cx="5976214" cy="3035556"/>
           </a:xfrm>
           <a:prstGeom prst="straightConnector1">
             <a:avLst/>
@@ -8658,7 +8768,7 @@
               <a:srgbClr val="00B050"/>
             </a:solidFill>
             <a:headEnd w="lg" len="lg"/>
-            <a:tailEnd type="triangle"/>
+            <a:tailEnd type="triangle" w="lg" len="lg"/>
           </a:ln>
         </p:spPr>
         <p:style>
@@ -8684,7 +8794,7 @@
         </p:nvSpPr>
         <p:spPr>
           <a:xfrm flipH="1">
-            <a:off x="2231820" y="2256118"/>
+            <a:off x="2073064" y="2131192"/>
             <a:ext cx="11504955" cy="4726808"/>
           </a:xfrm>
           <a:prstGeom prst="arc">
@@ -8730,7 +8840,7 @@
         </p:nvSpPr>
         <p:spPr>
           <a:xfrm>
-            <a:off x="2140495" y="4513480"/>
+            <a:off x="1981724" y="4414269"/>
             <a:ext cx="203200" cy="117357"/>
           </a:xfrm>
           <a:custGeom>
@@ -8839,7 +8949,7 @@
     </p:spTree>
     <p:extLst>
       <p:ext uri="{BB962C8B-B14F-4D97-AF65-F5344CB8AC3E}">
-        <p14:creationId xmlns:p14="http://schemas.microsoft.com/office/powerpoint/2010/main" xmlns:p="http://schemas.openxmlformats.org/presentationml/2006/main" xmlns:r="http://schemas.openxmlformats.org/officeDocument/2006/relationships" xmlns:a="http://schemas.openxmlformats.org/drawingml/2006/main" xmlns="" val="330238604"/>
+        <p14:creationId xmlns="" xmlns:a="http://schemas.openxmlformats.org/drawingml/2006/main" xmlns:r="http://schemas.openxmlformats.org/officeDocument/2006/relationships" xmlns:p="http://schemas.openxmlformats.org/presentationml/2006/main" xmlns:p14="http://schemas.microsoft.com/office/powerpoint/2010/main" xmlns:mv="urn:schemas-microsoft-com:mac:vml" xmlns:mc="http://schemas.openxmlformats.org/markup-compatibility/2006" val="330238604"/>
       </p:ext>
     </p:extLst>
   </p:cSld>
@@ -8873,9 +8983,54 @@
           <a:chExt cx="0" cy="0"/>
         </a:xfrm>
       </p:grpSpPr>
+      <p:sp>
+        <p:nvSpPr>
+          <p:cNvPr id="2" name="Title 1"/>
+          <p:cNvSpPr>
+            <a:spLocks noGrp="1"/>
+          </p:cNvSpPr>
+          <p:nvPr>
+            <p:ph type="title"/>
+          </p:nvPr>
+        </p:nvSpPr>
+        <p:spPr>
+          <a:xfrm>
+            <a:off x="657489" y="0"/>
+            <a:ext cx="10866966" cy="824343"/>
+          </a:xfrm>
+        </p:spPr>
+        <p:txBody>
+          <a:bodyPr>
+            <a:normAutofit fontScale="90000"/>
+          </a:bodyPr>
+          <a:lstStyle/>
+          <a:p>
+            <a:r>
+              <a:rPr lang="en-US" sz="4000" dirty="0" smtClean="0"/>
+              <a:t>Local clone of an </a:t>
+            </a:r>
+            <a:r>
+              <a:rPr lang="en-US" sz="4000" dirty="0"/>
+              <a:t>online </a:t>
+            </a:r>
+            <a:r>
+              <a:rPr lang="en-US" sz="4000" dirty="0" smtClean="0"/>
+              <a:t>repository</a:t>
+            </a:r>
+            <a:r>
+              <a:rPr lang="en-US" dirty="0" smtClean="0"/>
+              <a:t/>
+            </a:r>
+            <a:br>
+              <a:rPr lang="en-US" dirty="0" smtClean="0"/>
+            </a:br>
+            <a:endParaRPr lang="en-US" dirty="0"/>
+          </a:p>
+        </p:txBody>
+      </p:sp>
       <p:pic>
         <p:nvPicPr>
-          <p:cNvPr id="6" name="Picture 5"/>
+          <p:cNvPr id="8" name="Picture 7" descr="Clone.png"/>
           <p:cNvPicPr>
             <a:picLocks noChangeAspect="1"/>
           </p:cNvPicPr>
@@ -8883,14 +9038,15 @@
         </p:nvPicPr>
         <p:blipFill>
           <a:blip r:embed="rId3"/>
+          <a:srcRect r="33766" b="15428"/>
           <a:stretch>
             <a:fillRect/>
           </a:stretch>
         </p:blipFill>
         <p:spPr>
           <a:xfrm>
-            <a:off x="147253" y="1888333"/>
-            <a:ext cx="5817621" cy="3314732"/>
+            <a:off x="279843" y="846159"/>
+            <a:ext cx="9880605" cy="6011841"/>
           </a:xfrm>
           <a:prstGeom prst="rect">
             <a:avLst/>
@@ -8899,130 +9055,30 @@
       </p:pic>
       <p:sp>
         <p:nvSpPr>
-          <p:cNvPr id="2" name="Title 1"/>
-          <p:cNvSpPr>
-            <a:spLocks noGrp="1"/>
-          </p:cNvSpPr>
-          <p:nvPr>
-            <p:ph type="title"/>
-          </p:nvPr>
+          <p:cNvPr id="11" name="Explosion 1 10"/>
+          <p:cNvSpPr/>
+          <p:nvPr/>
         </p:nvSpPr>
         <p:spPr>
           <a:xfrm>
-            <a:off x="677334" y="609600"/>
-            <a:ext cx="10866966" cy="824343"/>
+            <a:off x="6474028" y="576752"/>
+            <a:ext cx="2976684" cy="2837451"/>
           </a:xfrm>
-        </p:spPr>
-        <p:txBody>
-          <a:bodyPr>
-            <a:normAutofit fontScale="90000"/>
-          </a:bodyPr>
-          <a:lstStyle/>
-          <a:p>
-            <a:r>
-              <a:rPr lang="en-US" dirty="0" smtClean="0"/>
-              <a:t>Local clone of an </a:t>
-            </a:r>
-            <a:r>
-              <a:rPr lang="en-US" dirty="0"/>
-              <a:t>online </a:t>
-            </a:r>
-            <a:r>
-              <a:rPr lang="en-US" dirty="0" smtClean="0"/>
-              <a:t>repository</a:t>
-            </a:r>
-            <a:br>
-              <a:rPr lang="en-US" dirty="0" smtClean="0"/>
-            </a:br>
-            <a:endParaRPr lang="en-US" dirty="0"/>
-          </a:p>
-        </p:txBody>
-      </p:sp>
-      <p:sp>
-        <p:nvSpPr>
-          <p:cNvPr id="4" name="Content Placeholder 3"/>
-          <p:cNvSpPr>
-            <a:spLocks noGrp="1"/>
-          </p:cNvSpPr>
-          <p:nvPr>
-            <p:ph sz="half" idx="1"/>
-          </p:nvPr>
-        </p:nvSpPr>
-        <p:spPr>
-          <a:xfrm>
-            <a:off x="677334" y="1433945"/>
-            <a:ext cx="5432521" cy="4607416"/>
-          </a:xfrm>
-        </p:spPr>
-        <p:txBody>
-          <a:bodyPr>
-            <a:normAutofit/>
-          </a:bodyPr>
-          <a:lstStyle/>
-          <a:p>
-            <a:r>
-              <a:rPr lang="en-US" b="1" dirty="0" err="1" smtClean="0">
-                <a:solidFill>
-                  <a:schemeClr val="accent2">
-                    <a:lumMod val="75000"/>
-                  </a:schemeClr>
-                </a:solidFill>
-              </a:rPr>
-              <a:t>SmartGit</a:t>
-            </a:r>
-            <a:endParaRPr lang="en-US" b="1" dirty="0" smtClean="0">
-              <a:solidFill>
-                <a:schemeClr val="accent2">
-                  <a:lumMod val="75000"/>
-                </a:schemeClr>
-              </a:solidFill>
-            </a:endParaRPr>
-          </a:p>
-          <a:p>
-            <a:pPr marL="0" indent="0">
-              <a:buNone/>
-            </a:pPr>
-            <a:endParaRPr lang="en-US" dirty="0">
-              <a:solidFill>
-                <a:schemeClr val="accent2">
-                  <a:lumMod val="75000"/>
-                </a:schemeClr>
-              </a:solidFill>
-            </a:endParaRPr>
-          </a:p>
-        </p:txBody>
-      </p:sp>
-      <p:sp>
-        <p:nvSpPr>
-          <p:cNvPr id="7" name="Rounded Rectangular Callout 6"/>
-          <p:cNvSpPr/>
-          <p:nvPr/>
-        </p:nvSpPr>
-        <p:spPr>
-          <a:xfrm>
-            <a:off x="262210" y="3737653"/>
-            <a:ext cx="922646" cy="612648"/>
-          </a:xfrm>
-          <a:prstGeom prst="wedgeRoundRectCallout">
-            <a:avLst>
-              <a:gd name="adj1" fmla="val -48009"/>
-              <a:gd name="adj2" fmla="val -257029"/>
-              <a:gd name="adj3" fmla="val 16667"/>
-            </a:avLst>
+          <a:prstGeom prst="irregularSeal1">
+            <a:avLst/>
           </a:prstGeom>
-          <a:noFill/>
         </p:spPr>
         <p:style>
           <a:lnRef idx="2">
-            <a:schemeClr val="accent1">
+            <a:schemeClr val="accent3">
               <a:shade val="50000"/>
             </a:schemeClr>
           </a:lnRef>
           <a:fillRef idx="1">
-            <a:schemeClr val="accent1"/>
+            <a:schemeClr val="accent3"/>
           </a:fillRef>
           <a:effectRef idx="0">
-            <a:schemeClr val="accent1"/>
+            <a:schemeClr val="accent3"/>
           </a:effectRef>
           <a:fontRef idx="minor">
             <a:schemeClr val="lt1"/>
@@ -9033,140 +9089,43 @@
           <a:lstStyle/>
           <a:p>
             <a:pPr algn="ctr"/>
-            <a:r>
-              <a:rPr lang="en-US" dirty="0" smtClean="0">
-                <a:solidFill>
-                  <a:schemeClr val="tx1"/>
-                </a:solidFill>
-              </a:rPr>
-              <a:t>Step 1</a:t>
-            </a:r>
-            <a:endParaRPr lang="en-US" dirty="0">
-              <a:solidFill>
-                <a:schemeClr val="tx1"/>
-              </a:solidFill>
-            </a:endParaRPr>
-          </a:p>
-        </p:txBody>
-      </p:sp>
-      <p:sp>
-        <p:nvSpPr>
-          <p:cNvPr id="9" name="Rounded Rectangular Callout 8"/>
-          <p:cNvSpPr/>
+            <a:endParaRPr lang="en-US"/>
+          </a:p>
+        </p:txBody>
+      </p:sp>
+      <p:sp>
+        <p:nvSpPr>
+          <p:cNvPr id="12" name="TextBox 11"/>
+          <p:cNvSpPr txBox="1"/>
           <p:nvPr/>
         </p:nvSpPr>
         <p:spPr>
           <a:xfrm>
-            <a:off x="2932271" y="5203702"/>
-            <a:ext cx="922646" cy="612648"/>
+            <a:off x="7127219" y="1596150"/>
+            <a:ext cx="1686788" cy="646331"/>
           </a:xfrm>
-          <a:prstGeom prst="wedgeRoundRectCallout">
-            <a:avLst>
-              <a:gd name="adj1" fmla="val 243726"/>
-              <a:gd name="adj2" fmla="val -311685"/>
-              <a:gd name="adj3" fmla="val 16667"/>
-            </a:avLst>
+          <a:prstGeom prst="rect">
+            <a:avLst/>
           </a:prstGeom>
           <a:noFill/>
         </p:spPr>
-        <p:style>
-          <a:lnRef idx="2">
-            <a:schemeClr val="accent1">
-              <a:shade val="50000"/>
-            </a:schemeClr>
-          </a:lnRef>
-          <a:fillRef idx="1">
-            <a:schemeClr val="accent1"/>
-          </a:fillRef>
-          <a:effectRef idx="0">
-            <a:schemeClr val="accent1"/>
-          </a:effectRef>
-          <a:fontRef idx="minor">
-            <a:schemeClr val="lt1"/>
-          </a:fontRef>
-        </p:style>
-        <p:txBody>
-          <a:bodyPr rtlCol="0" anchor="ctr"/>
-          <a:lstStyle/>
-          <a:p>
-            <a:pPr algn="ctr"/>
-            <a:r>
-              <a:rPr lang="en-US" dirty="0" smtClean="0">
-                <a:solidFill>
-                  <a:schemeClr val="tx1"/>
-                </a:solidFill>
-              </a:rPr>
-              <a:t>Step 2</a:t>
-            </a:r>
-            <a:endParaRPr lang="en-US" dirty="0">
-              <a:solidFill>
-                <a:schemeClr val="tx1"/>
-              </a:solidFill>
-            </a:endParaRPr>
-          </a:p>
-        </p:txBody>
-      </p:sp>
-      <p:sp>
-        <p:nvSpPr>
-          <p:cNvPr id="10" name="Rounded Rectangular Callout 9"/>
-          <p:cNvSpPr/>
-          <p:nvPr/>
-        </p:nvSpPr>
-        <p:spPr>
-          <a:xfrm>
-            <a:off x="4870700" y="5203702"/>
-            <a:ext cx="922646" cy="612648"/>
-          </a:xfrm>
-          <a:prstGeom prst="wedgeRoundRectCallout">
-            <a:avLst>
-              <a:gd name="adj1" fmla="val 37139"/>
-              <a:gd name="adj2" fmla="val -267540"/>
-              <a:gd name="adj3" fmla="val 16667"/>
-            </a:avLst>
-          </a:prstGeom>
-          <a:noFill/>
-        </p:spPr>
-        <p:style>
-          <a:lnRef idx="2">
-            <a:schemeClr val="accent1">
-              <a:shade val="50000"/>
-            </a:schemeClr>
-          </a:lnRef>
-          <a:fillRef idx="1">
-            <a:schemeClr val="accent1"/>
-          </a:fillRef>
-          <a:effectRef idx="0">
-            <a:schemeClr val="accent1"/>
-          </a:effectRef>
-          <a:fontRef idx="minor">
-            <a:schemeClr val="lt1"/>
-          </a:fontRef>
-        </p:style>
-        <p:txBody>
-          <a:bodyPr rtlCol="0" anchor="ctr"/>
-          <a:lstStyle/>
-          <a:p>
-            <a:pPr algn="ctr"/>
-            <a:r>
-              <a:rPr lang="en-US" dirty="0" smtClean="0">
-                <a:solidFill>
-                  <a:schemeClr val="tx1"/>
-                </a:solidFill>
-              </a:rPr>
-              <a:t>Step 3</a:t>
-            </a:r>
-            <a:endParaRPr lang="en-US" dirty="0">
-              <a:solidFill>
-                <a:schemeClr val="tx1"/>
-              </a:solidFill>
-            </a:endParaRPr>
+        <p:txBody>
+          <a:bodyPr wrap="square" rtlCol="0">
+            <a:spAutoFit/>
+          </a:bodyPr>
+          <a:lstStyle/>
+          <a:p>
+            <a:r>
+              <a:rPr lang="en-US" sz="3600" b="1"/>
+              <a:t>Step 1</a:t>
+            </a:r>
           </a:p>
         </p:txBody>
       </p:sp>
     </p:spTree>
     <p:extLst>
       <p:ext uri="{BB962C8B-B14F-4D97-AF65-F5344CB8AC3E}">
-        <p14:creationId xmlns:p14="http://schemas.microsoft.com/office/powerpoint/2010/main" xmlns:p="http://schemas.openxmlformats.org/presentationml/2006/main" xmlns:r="http://schemas.openxmlformats.org/officeDocument/2006/relationships" xmlns:a="http://schemas.openxmlformats.org/drawingml/2006/main" xmlns="" val="3276086069"/>
+        <p14:creationId xmlns="" xmlns:a="http://schemas.openxmlformats.org/drawingml/2006/main" xmlns:r="http://schemas.openxmlformats.org/officeDocument/2006/relationships" xmlns:p="http://schemas.openxmlformats.org/presentationml/2006/main" xmlns:p14="http://schemas.microsoft.com/office/powerpoint/2010/main" xmlns:mv="urn:schemas-microsoft-com:mac:vml" xmlns:mc="http://schemas.openxmlformats.org/markup-compatibility/2006" val="3276086069"/>
       </p:ext>
     </p:extLst>
   </p:cSld>
@@ -9200,92 +9159,103 @@
           <a:chExt cx="0" cy="0"/>
         </a:xfrm>
       </p:grpSpPr>
-      <p:sp>
-        <p:nvSpPr>
-          <p:cNvPr id="2" name="Title 1"/>
-          <p:cNvSpPr>
-            <a:spLocks noGrp="1"/>
-          </p:cNvSpPr>
-          <p:nvPr>
-            <p:ph type="title"/>
-          </p:nvPr>
-        </p:nvSpPr>
+      <p:pic>
+        <p:nvPicPr>
+          <p:cNvPr id="7" name="Picture 6" descr="Repository.png"/>
+          <p:cNvPicPr>
+            <a:picLocks noChangeAspect="1"/>
+          </p:cNvPicPr>
+          <p:nvPr/>
+        </p:nvPicPr>
+        <p:blipFill>
+          <a:blip r:embed="rId3"/>
+          <a:stretch>
+            <a:fillRect/>
+          </a:stretch>
+        </p:blipFill>
         <p:spPr>
           <a:xfrm>
-            <a:off x="677334" y="609600"/>
-            <a:ext cx="8596668" cy="827375"/>
-          </a:xfrm>
-        </p:spPr>
-        <p:txBody>
-          <a:bodyPr/>
-          <a:lstStyle/>
-          <a:p>
-            <a:r>
-              <a:rPr lang="en-US" dirty="0"/>
-              <a:t>A</a:t>
-            </a:r>
-            <a:r>
-              <a:rPr lang="en-US" dirty="0" smtClean="0"/>
-              <a:t>fter cloning …</a:t>
-            </a:r>
-            <a:endParaRPr lang="en-US" dirty="0"/>
-          </a:p>
-        </p:txBody>
-      </p:sp>
-      <p:sp>
-        <p:nvSpPr>
-          <p:cNvPr id="3" name="Content Placeholder 2"/>
-          <p:cNvSpPr>
-            <a:spLocks noGrp="1"/>
-          </p:cNvSpPr>
-          <p:nvPr>
-            <p:ph sz="half" idx="1"/>
-          </p:nvPr>
-        </p:nvSpPr>
-        <p:spPr/>
-        <p:txBody>
-          <a:bodyPr>
-            <a:normAutofit lnSpcReduction="10000"/>
-          </a:bodyPr>
-          <a:lstStyle/>
-          <a:p>
-            <a:endParaRPr lang="en-US" dirty="0"/>
-          </a:p>
-        </p:txBody>
-      </p:sp>
-      <p:pic>
-        <p:nvPicPr>
-          <p:cNvPr id="6" name="Picture 5"/>
-          <p:cNvPicPr/>
-          <p:nvPr/>
-        </p:nvPicPr>
-        <p:blipFill rotWithShape="1">
-          <a:blip r:embed="rId3"/>
-          <a:srcRect l="160" r="1" b="5644"/>
-          <a:stretch/>
-        </p:blipFill>
-        <p:spPr bwMode="auto">
-          <a:xfrm>
-            <a:off x="252759" y="1753913"/>
-            <a:ext cx="6646805" cy="4298807"/>
+            <a:off x="0" y="-1"/>
+            <a:ext cx="12192000" cy="6858001"/>
           </a:xfrm>
           <a:prstGeom prst="rect">
             <a:avLst/>
           </a:prstGeom>
-          <a:ln>
-            <a:noFill/>
-          </a:ln>
-          <a:extLst>
-            <a:ext uri="{53640926-AAD7-44D8-BBD7-CCE9431645EC}">
-              <a14:shadowObscured xmlns:a14="http://schemas.microsoft.com/office/drawing/2010/main" xmlns:p="http://schemas.openxmlformats.org/presentationml/2006/main" xmlns:r="http://schemas.openxmlformats.org/officeDocument/2006/relationships" xmlns:a="http://schemas.openxmlformats.org/drawingml/2006/main" xmlns=""/>
-            </a:ext>
-          </a:extLst>
         </p:spPr>
       </p:pic>
+      <p:sp>
+        <p:nvSpPr>
+          <p:cNvPr id="8" name="Explosion 1 7"/>
+          <p:cNvSpPr/>
+          <p:nvPr/>
+        </p:nvSpPr>
+        <p:spPr>
+          <a:xfrm>
+            <a:off x="8327317" y="4179288"/>
+            <a:ext cx="3433109" cy="2678712"/>
+          </a:xfrm>
+          <a:prstGeom prst="irregularSeal1">
+            <a:avLst/>
+          </a:prstGeom>
+        </p:spPr>
+        <p:style>
+          <a:lnRef idx="2">
+            <a:schemeClr val="accent3">
+              <a:shade val="50000"/>
+            </a:schemeClr>
+          </a:lnRef>
+          <a:fillRef idx="1">
+            <a:schemeClr val="accent3"/>
+          </a:fillRef>
+          <a:effectRef idx="0">
+            <a:schemeClr val="accent3"/>
+          </a:effectRef>
+          <a:fontRef idx="minor">
+            <a:schemeClr val="lt1"/>
+          </a:fontRef>
+        </p:style>
+        <p:txBody>
+          <a:bodyPr rtlCol="0" anchor="ctr"/>
+          <a:lstStyle/>
+          <a:p>
+            <a:pPr algn="ctr"/>
+            <a:endParaRPr lang="en-US"/>
+          </a:p>
+        </p:txBody>
+      </p:sp>
+      <p:sp>
+        <p:nvSpPr>
+          <p:cNvPr id="9" name="TextBox 8"/>
+          <p:cNvSpPr txBox="1"/>
+          <p:nvPr/>
+        </p:nvSpPr>
+        <p:spPr>
+          <a:xfrm>
+            <a:off x="8904154" y="5151264"/>
+            <a:ext cx="2043989" cy="646331"/>
+          </a:xfrm>
+          <a:prstGeom prst="rect">
+            <a:avLst/>
+          </a:prstGeom>
+          <a:noFill/>
+        </p:spPr>
+        <p:txBody>
+          <a:bodyPr wrap="square" rtlCol="0">
+            <a:spAutoFit/>
+          </a:bodyPr>
+          <a:lstStyle/>
+          <a:p>
+            <a:r>
+              <a:rPr lang="en-US" sz="3600" b="1"/>
+              <a:t>Step 2	</a:t>
+            </a:r>
+          </a:p>
+        </p:txBody>
+      </p:sp>
     </p:spTree>
     <p:extLst>
       <p:ext uri="{BB962C8B-B14F-4D97-AF65-F5344CB8AC3E}">
-        <p14:creationId xmlns:p14="http://schemas.microsoft.com/office/powerpoint/2010/main" xmlns:p="http://schemas.openxmlformats.org/presentationml/2006/main" xmlns:r="http://schemas.openxmlformats.org/officeDocument/2006/relationships" xmlns:a="http://schemas.openxmlformats.org/drawingml/2006/main" xmlns="" val="1182468617"/>
+        <p14:creationId xmlns="" xmlns:a="http://schemas.openxmlformats.org/drawingml/2006/main" xmlns:r="http://schemas.openxmlformats.org/officeDocument/2006/relationships" xmlns:p="http://schemas.openxmlformats.org/presentationml/2006/main" xmlns:p14="http://schemas.microsoft.com/office/powerpoint/2010/main" xmlns:mv="urn:schemas-microsoft-com:mac:vml" xmlns:mc="http://schemas.openxmlformats.org/markup-compatibility/2006" val="1182468617"/>
       </p:ext>
     </p:extLst>
   </p:cSld>
@@ -9319,211 +9289,104 @@
           <a:chExt cx="0" cy="0"/>
         </a:xfrm>
       </p:grpSpPr>
-      <p:sp>
-        <p:nvSpPr>
-          <p:cNvPr id="2" name="Title 1"/>
-          <p:cNvSpPr>
-            <a:spLocks noGrp="1"/>
-          </p:cNvSpPr>
-          <p:nvPr>
-            <p:ph type="title"/>
-          </p:nvPr>
-        </p:nvSpPr>
+      <p:pic>
+        <p:nvPicPr>
+          <p:cNvPr id="5" name="Picture 4" descr="Selection.png"/>
+          <p:cNvPicPr>
+            <a:picLocks noChangeAspect="1"/>
+          </p:cNvPicPr>
+          <p:nvPr/>
+        </p:nvPicPr>
+        <p:blipFill>
+          <a:blip r:embed="rId2"/>
+          <a:stretch>
+            <a:fillRect/>
+          </a:stretch>
+        </p:blipFill>
         <p:spPr>
           <a:xfrm>
-            <a:off x="652807" y="406400"/>
-            <a:ext cx="8596668" cy="830419"/>
+            <a:off x="0" y="0"/>
+            <a:ext cx="12192000" cy="6858000"/>
           </a:xfrm>
+          <a:prstGeom prst="rect">
+            <a:avLst/>
+          </a:prstGeom>
         </p:spPr>
-        <p:txBody>
-          <a:bodyPr/>
-          <a:lstStyle/>
-          <a:p>
-            <a:r>
-              <a:rPr lang="en-US" dirty="0" smtClean="0"/>
-              <a:t>Commit</a:t>
-            </a:r>
-            <a:endParaRPr lang="en-US" dirty="0"/>
-          </a:p>
-        </p:txBody>
-      </p:sp>
-      <p:sp>
-        <p:nvSpPr>
-          <p:cNvPr id="3" name="Content Placeholder 2"/>
-          <p:cNvSpPr>
-            <a:spLocks noGrp="1"/>
-          </p:cNvSpPr>
-          <p:nvPr>
-            <p:ph sz="half" idx="1"/>
-          </p:nvPr>
+      </p:pic>
+      <p:sp>
+        <p:nvSpPr>
+          <p:cNvPr id="6" name="Explosion 1 5"/>
+          <p:cNvSpPr/>
+          <p:nvPr/>
         </p:nvSpPr>
         <p:spPr>
           <a:xfrm>
-            <a:off x="278780" y="1011958"/>
-            <a:ext cx="10814328" cy="5537943"/>
+            <a:off x="0" y="4059388"/>
+            <a:ext cx="3760005" cy="2798612"/>
           </a:xfrm>
+          <a:prstGeom prst="irregularSeal1">
+            <a:avLst/>
+          </a:prstGeom>
         </p:spPr>
-        <p:txBody>
-          <a:bodyPr>
-            <a:normAutofit/>
+        <p:style>
+          <a:lnRef idx="2">
+            <a:schemeClr val="accent3">
+              <a:shade val="50000"/>
+            </a:schemeClr>
+          </a:lnRef>
+          <a:fillRef idx="1">
+            <a:schemeClr val="accent3"/>
+          </a:fillRef>
+          <a:effectRef idx="0">
+            <a:schemeClr val="accent3"/>
+          </a:effectRef>
+          <a:fontRef idx="minor">
+            <a:schemeClr val="lt1"/>
+          </a:fontRef>
+        </p:style>
+        <p:txBody>
+          <a:bodyPr rtlCol="0" anchor="ctr"/>
+          <a:lstStyle/>
+          <a:p>
+            <a:pPr algn="ctr"/>
+            <a:endParaRPr lang="en-US"/>
+          </a:p>
+        </p:txBody>
+      </p:sp>
+      <p:sp>
+        <p:nvSpPr>
+          <p:cNvPr id="7" name="TextBox 6"/>
+          <p:cNvSpPr txBox="1"/>
+          <p:nvPr/>
+        </p:nvSpPr>
+        <p:spPr>
+          <a:xfrm>
+            <a:off x="996027" y="5080461"/>
+            <a:ext cx="1568744" cy="646331"/>
+          </a:xfrm>
+          <a:prstGeom prst="rect">
+            <a:avLst/>
+          </a:prstGeom>
+          <a:noFill/>
+        </p:spPr>
+        <p:txBody>
+          <a:bodyPr wrap="square" rtlCol="0">
+            <a:spAutoFit/>
           </a:bodyPr>
           <a:lstStyle/>
           <a:p>
-            <a:pPr marL="0" indent="0">
-              <a:buNone/>
-            </a:pPr>
-            <a:endParaRPr lang="en-US" dirty="0" smtClean="0">
-              <a:solidFill>
-                <a:srgbClr val="00B050"/>
-              </a:solidFill>
-            </a:endParaRPr>
-          </a:p>
-          <a:p>
-            <a:pPr marL="0" indent="0">
-              <a:buNone/>
-            </a:pPr>
-            <a:r>
-              <a:rPr lang="en-US" dirty="0" smtClean="0">
-                <a:solidFill>
-                  <a:srgbClr val="00B050"/>
-                </a:solidFill>
-              </a:rPr>
-              <a:t>Remember, committing is telling </a:t>
-            </a:r>
-            <a:r>
-              <a:rPr lang="en-US" dirty="0" err="1" smtClean="0">
-                <a:solidFill>
-                  <a:srgbClr val="00B050"/>
-                </a:solidFill>
-              </a:rPr>
-              <a:t>git</a:t>
-            </a:r>
-            <a:r>
-              <a:rPr lang="en-US" dirty="0" smtClean="0">
-                <a:solidFill>
-                  <a:srgbClr val="00B050"/>
-                </a:solidFill>
-              </a:rPr>
-              <a:t> that the current state of all your files is important. Make sure that new files have been added first. </a:t>
-            </a:r>
-          </a:p>
-          <a:p>
-            <a:pPr marL="0" lvl="1" indent="0">
-              <a:buNone/>
-            </a:pPr>
-            <a:r>
-              <a:rPr lang="en-US" sz="1800" b="1" dirty="0">
-                <a:solidFill>
-                  <a:srgbClr val="00B050"/>
-                </a:solidFill>
-              </a:rPr>
-              <a:t>Note</a:t>
-            </a:r>
-            <a:r>
-              <a:rPr lang="en-US" sz="1800" dirty="0">
-                <a:solidFill>
-                  <a:srgbClr val="00B050"/>
-                </a:solidFill>
-              </a:rPr>
-              <a:t>: You need to have made change(s) to a file in the local </a:t>
-            </a:r>
-            <a:r>
-              <a:rPr lang="en-US" sz="1800" dirty="0" smtClean="0">
-                <a:solidFill>
-                  <a:srgbClr val="00B050"/>
-                </a:solidFill>
-              </a:rPr>
-              <a:t>repository.</a:t>
-            </a:r>
-          </a:p>
-          <a:p>
-            <a:pPr marL="0" lvl="1" indent="0">
-              <a:buNone/>
-            </a:pPr>
-            <a:endParaRPr lang="en-US" sz="1800" dirty="0">
-              <a:solidFill>
-                <a:srgbClr val="00B050"/>
-              </a:solidFill>
-            </a:endParaRPr>
-          </a:p>
-          <a:p>
-            <a:r>
-              <a:rPr lang="en-US" sz="1900" b="1" dirty="0" err="1" smtClean="0">
-                <a:solidFill>
-                  <a:schemeClr val="accent2">
-                    <a:lumMod val="75000"/>
-                  </a:schemeClr>
-                </a:solidFill>
-              </a:rPr>
-              <a:t>SmartGit</a:t>
-            </a:r>
-            <a:r>
-              <a:rPr lang="en-US" sz="1900" b="1" dirty="0" smtClean="0">
-                <a:solidFill>
-                  <a:schemeClr val="accent2">
-                    <a:lumMod val="75000"/>
-                  </a:schemeClr>
-                </a:solidFill>
-              </a:rPr>
-              <a:t> </a:t>
-            </a:r>
-          </a:p>
-          <a:p>
-            <a:pPr>
-              <a:buFont typeface="Wingdings" panose="05000000000000000000" pitchFamily="2" charset="2"/>
-              <a:buChar char="Ø"/>
-            </a:pPr>
-            <a:r>
-              <a:rPr lang="en-US" b="1" dirty="0" smtClean="0"/>
-              <a:t>A</a:t>
-            </a:r>
-            <a:r>
-              <a:rPr lang="en-US" dirty="0" smtClean="0"/>
-              <a:t>: Shows you have unsaved changes</a:t>
-            </a:r>
-          </a:p>
-          <a:p>
-            <a:pPr>
-              <a:buFont typeface="Wingdings" panose="05000000000000000000" pitchFamily="2" charset="2"/>
-              <a:buChar char="Ø"/>
-            </a:pPr>
-            <a:r>
-              <a:rPr lang="en-US" b="1" dirty="0" smtClean="0"/>
-              <a:t>B</a:t>
-            </a:r>
-            <a:r>
-              <a:rPr lang="en-US" dirty="0" smtClean="0"/>
-              <a:t>: Allows you to stage changes. First click on the files that you want to commit then click on ‘</a:t>
-            </a:r>
-            <a:r>
-              <a:rPr lang="en-US" b="1" dirty="0" smtClean="0"/>
-              <a:t>B</a:t>
-            </a:r>
-            <a:r>
-              <a:rPr lang="en-US" dirty="0" smtClean="0"/>
-              <a:t>’</a:t>
-            </a:r>
-            <a:endParaRPr lang="en-US" dirty="0"/>
+            <a:r>
+              <a:rPr lang="en-US" sz="3600" b="1"/>
+              <a:t>Step 3</a:t>
+            </a:r>
           </a:p>
         </p:txBody>
       </p:sp>
     </p:spTree>
-    <p:extLst>
-      <p:ext uri="{BB962C8B-B14F-4D97-AF65-F5344CB8AC3E}">
-        <p14:creationId xmlns:p14="http://schemas.microsoft.com/office/powerpoint/2010/main" xmlns:p="http://schemas.openxmlformats.org/presentationml/2006/main" xmlns:r="http://schemas.openxmlformats.org/officeDocument/2006/relationships" xmlns:a="http://schemas.openxmlformats.org/drawingml/2006/main" xmlns="" val="520927691"/>
-      </p:ext>
-    </p:extLst>
   </p:cSld>
   <p:clrMapOvr>
     <a:masterClrMapping/>
   </p:clrMapOvr>
-  <p:timing>
-    <p:tnLst>
-      <p:par>
-        <p:cTn id="1" dur="indefinite" restart="never" nodeType="tmRoot"/>
-      </p:par>
-    </p:tnLst>
-  </p:timing>
 </p:sld>
 </file>
 
@@ -9544,141 +9407,56 @@
           <a:chExt cx="0" cy="0"/>
         </a:xfrm>
       </p:grpSpPr>
-      <p:sp>
-        <p:nvSpPr>
-          <p:cNvPr id="2" name="Title 1"/>
-          <p:cNvSpPr>
-            <a:spLocks noGrp="1"/>
-          </p:cNvSpPr>
-          <p:nvPr>
-            <p:ph type="title"/>
-          </p:nvPr>
-        </p:nvSpPr>
-        <p:spPr/>
-        <p:txBody>
-          <a:bodyPr/>
-          <a:lstStyle/>
-          <a:p>
-            <a:r>
-              <a:rPr lang="en-US" dirty="0" smtClean="0"/>
-              <a:t>Commit with </a:t>
-            </a:r>
-            <a:r>
-              <a:rPr lang="en-US" dirty="0" err="1"/>
-              <a:t>SmartGit</a:t>
-            </a:r>
-            <a:endParaRPr lang="en-US" dirty="0"/>
-          </a:p>
-        </p:txBody>
-      </p:sp>
       <p:pic>
         <p:nvPicPr>
-          <p:cNvPr id="5" name="Content Placeholder 4"/>
+          <p:cNvPr id="5" name="Picture 4" descr="Repository.png"/>
           <p:cNvPicPr>
-            <a:picLocks noGrp="1" noChangeAspect="1"/>
+            <a:picLocks noChangeAspect="1"/>
           </p:cNvPicPr>
-          <p:nvPr>
-            <p:ph sz="half" idx="1"/>
-          </p:nvPr>
+          <p:nvPr/>
         </p:nvPicPr>
         <p:blipFill>
-          <a:blip r:embed="rId3"/>
+          <a:blip r:embed="rId2"/>
           <a:stretch>
             <a:fillRect/>
           </a:stretch>
         </p:blipFill>
         <p:spPr>
           <a:xfrm>
-            <a:off x="192793" y="1478946"/>
-            <a:ext cx="4667603" cy="2925016"/>
+            <a:off x="0" y="0"/>
+            <a:ext cx="12192000" cy="6858000"/>
           </a:xfrm>
           <a:prstGeom prst="rect">
             <a:avLst/>
           </a:prstGeom>
         </p:spPr>
       </p:pic>
-      <p:pic>
-        <p:nvPicPr>
-          <p:cNvPr id="6" name="Content Placeholder 5"/>
-          <p:cNvPicPr>
-            <a:picLocks noGrp="1" noChangeAspect="1"/>
-          </p:cNvPicPr>
-          <p:nvPr>
-            <p:ph sz="half" idx="2"/>
-          </p:nvPr>
-        </p:nvPicPr>
-        <p:blipFill>
-          <a:blip r:embed="rId4"/>
-          <a:stretch>
-            <a:fillRect/>
-          </a:stretch>
-        </p:blipFill>
+      <p:sp>
+        <p:nvSpPr>
+          <p:cNvPr id="6" name="Explosion 1 5"/>
+          <p:cNvSpPr/>
+          <p:nvPr/>
+        </p:nvSpPr>
         <p:spPr>
           <a:xfrm>
-            <a:off x="5090940" y="1478946"/>
-            <a:ext cx="4667603" cy="2925016"/>
+            <a:off x="4714276" y="4218652"/>
+            <a:ext cx="4283748" cy="2639348"/>
           </a:xfrm>
-          <a:prstGeom prst="rect">
+          <a:prstGeom prst="irregularSeal1">
             <a:avLst/>
           </a:prstGeom>
         </p:spPr>
-      </p:pic>
-      <p:pic>
-        <p:nvPicPr>
-          <p:cNvPr id="7" name="Picture 6"/>
-          <p:cNvPicPr>
-            <a:picLocks noChangeAspect="1"/>
-          </p:cNvPicPr>
-          <p:nvPr/>
-        </p:nvPicPr>
-        <p:blipFill>
-          <a:blip r:embed="rId5"/>
-          <a:stretch>
-            <a:fillRect/>
-          </a:stretch>
-        </p:blipFill>
-        <p:spPr>
-          <a:xfrm>
-            <a:off x="423337" y="3810800"/>
-            <a:ext cx="4667603" cy="2925016"/>
-          </a:xfrm>
-          <a:prstGeom prst="rect">
-            <a:avLst/>
-          </a:prstGeom>
-        </p:spPr>
-      </p:pic>
-      <p:sp>
-        <p:nvSpPr>
-          <p:cNvPr id="8" name="Oval 7"/>
-          <p:cNvSpPr/>
-          <p:nvPr/>
-        </p:nvSpPr>
-        <p:spPr>
-          <a:xfrm>
-            <a:off x="2377440" y="2460567"/>
-            <a:ext cx="914400" cy="914400"/>
-          </a:xfrm>
-          <a:prstGeom prst="ellipse">
-            <a:avLst/>
-          </a:prstGeom>
-          <a:noFill/>
-          <a:ln>
-            <a:solidFill>
-              <a:srgbClr val="FF0000"/>
-            </a:solidFill>
-          </a:ln>
-        </p:spPr>
         <p:style>
           <a:lnRef idx="2">
-            <a:schemeClr val="accent1">
+            <a:schemeClr val="accent3">
               <a:shade val="50000"/>
             </a:schemeClr>
           </a:lnRef>
           <a:fillRef idx="1">
-            <a:schemeClr val="accent1"/>
+            <a:schemeClr val="accent3"/>
           </a:fillRef>
           <a:effectRef idx="0">
-            <a:schemeClr val="accent1"/>
+            <a:schemeClr val="accent3"/>
           </a:effectRef>
           <a:fontRef idx="minor">
             <a:schemeClr val="lt1"/>
@@ -9689,155 +9467,44 @@
           <a:lstStyle/>
           <a:p>
             <a:pPr algn="ctr"/>
-            <a:r>
-              <a:rPr lang="en-US" sz="2800" dirty="0" smtClean="0">
-                <a:solidFill>
-                  <a:srgbClr val="FF0000"/>
-                </a:solidFill>
-              </a:rPr>
-              <a:t>1</a:t>
-            </a:r>
-            <a:endParaRPr lang="en-US" sz="2800" dirty="0">
-              <a:solidFill>
-                <a:srgbClr val="FF0000"/>
-              </a:solidFill>
-            </a:endParaRPr>
-          </a:p>
-        </p:txBody>
-      </p:sp>
-      <p:sp>
-        <p:nvSpPr>
-          <p:cNvPr id="10" name="Oval 9"/>
-          <p:cNvSpPr/>
+            <a:endParaRPr lang="en-US"/>
+          </a:p>
+        </p:txBody>
+      </p:sp>
+      <p:sp>
+        <p:nvSpPr>
+          <p:cNvPr id="7" name="TextBox 6"/>
+          <p:cNvSpPr txBox="1"/>
           <p:nvPr/>
         </p:nvSpPr>
         <p:spPr>
           <a:xfrm>
-            <a:off x="6587843" y="2463276"/>
-            <a:ext cx="914400" cy="914400"/>
+            <a:off x="5941279" y="5165696"/>
+            <a:ext cx="1786689" cy="646331"/>
           </a:xfrm>
-          <a:prstGeom prst="ellipse">
+          <a:prstGeom prst="rect">
             <a:avLst/>
           </a:prstGeom>
           <a:noFill/>
-          <a:ln>
-            <a:solidFill>
-              <a:srgbClr val="FF0000"/>
-            </a:solidFill>
-          </a:ln>
         </p:spPr>
-        <p:style>
-          <a:lnRef idx="2">
-            <a:schemeClr val="accent1">
-              <a:shade val="50000"/>
-            </a:schemeClr>
-          </a:lnRef>
-          <a:fillRef idx="1">
-            <a:schemeClr val="accent1"/>
-          </a:fillRef>
-          <a:effectRef idx="0">
-            <a:schemeClr val="accent1"/>
-          </a:effectRef>
-          <a:fontRef idx="minor">
-            <a:schemeClr val="lt1"/>
-          </a:fontRef>
-        </p:style>
-        <p:txBody>
-          <a:bodyPr rtlCol="0" anchor="ctr"/>
-          <a:lstStyle/>
-          <a:p>
-            <a:pPr algn="ctr"/>
-            <a:r>
-              <a:rPr lang="en-US" sz="2800" dirty="0" smtClean="0">
-                <a:solidFill>
-                  <a:srgbClr val="FF0000"/>
-                </a:solidFill>
-              </a:rPr>
-              <a:t>2</a:t>
-            </a:r>
-            <a:endParaRPr lang="en-US" sz="2800" dirty="0">
-              <a:solidFill>
-                <a:srgbClr val="FF0000"/>
-              </a:solidFill>
-            </a:endParaRPr>
-          </a:p>
-        </p:txBody>
-      </p:sp>
-      <p:sp>
-        <p:nvSpPr>
-          <p:cNvPr id="11" name="Oval 10"/>
-          <p:cNvSpPr/>
-          <p:nvPr/>
-        </p:nvSpPr>
-        <p:spPr>
-          <a:xfrm>
-            <a:off x="2377440" y="4476929"/>
-            <a:ext cx="914400" cy="914400"/>
-          </a:xfrm>
-          <a:prstGeom prst="ellipse">
-            <a:avLst/>
-          </a:prstGeom>
-          <a:noFill/>
-          <a:ln>
-            <a:solidFill>
-              <a:srgbClr val="FF0000"/>
-            </a:solidFill>
-          </a:ln>
-        </p:spPr>
-        <p:style>
-          <a:lnRef idx="2">
-            <a:schemeClr val="accent1">
-              <a:shade val="50000"/>
-            </a:schemeClr>
-          </a:lnRef>
-          <a:fillRef idx="1">
-            <a:schemeClr val="accent1"/>
-          </a:fillRef>
-          <a:effectRef idx="0">
-            <a:schemeClr val="accent1"/>
-          </a:effectRef>
-          <a:fontRef idx="minor">
-            <a:schemeClr val="lt1"/>
-          </a:fontRef>
-        </p:style>
-        <p:txBody>
-          <a:bodyPr rtlCol="0" anchor="ctr"/>
-          <a:lstStyle/>
-          <a:p>
-            <a:pPr algn="ctr"/>
-            <a:r>
-              <a:rPr lang="en-US" sz="2800" dirty="0" smtClean="0">
-                <a:solidFill>
-                  <a:srgbClr val="FF0000"/>
-                </a:solidFill>
-              </a:rPr>
-              <a:t>3</a:t>
-            </a:r>
-            <a:endParaRPr lang="en-US" sz="2800" dirty="0">
-              <a:solidFill>
-                <a:srgbClr val="FF0000"/>
-              </a:solidFill>
-            </a:endParaRPr>
+        <p:txBody>
+          <a:bodyPr wrap="square" rtlCol="0">
+            <a:spAutoFit/>
+          </a:bodyPr>
+          <a:lstStyle/>
+          <a:p>
+            <a:r>
+              <a:rPr lang="en-US" sz="3600" b="1"/>
+              <a:t>Step 4</a:t>
+            </a:r>
           </a:p>
         </p:txBody>
       </p:sp>
     </p:spTree>
-    <p:extLst>
-      <p:ext uri="{BB962C8B-B14F-4D97-AF65-F5344CB8AC3E}">
-        <p14:creationId xmlns:p14="http://schemas.microsoft.com/office/powerpoint/2010/main" xmlns:p="http://schemas.openxmlformats.org/presentationml/2006/main" xmlns:r="http://schemas.openxmlformats.org/officeDocument/2006/relationships" xmlns:a="http://schemas.openxmlformats.org/drawingml/2006/main" xmlns="" val="516264557"/>
-      </p:ext>
-    </p:extLst>
   </p:cSld>
   <p:clrMapOvr>
     <a:masterClrMapping/>
   </p:clrMapOvr>
-  <p:timing>
-    <p:tnLst>
-      <p:par>
-        <p:cTn id="1" dur="indefinite" restart="never" nodeType="tmRoot"/>
-      </p:par>
-    </p:tnLst>
-  </p:timing>
 </p:sld>
 </file>
 
@@ -9868,302 +9535,134 @@
             <p:ph type="title"/>
           </p:nvPr>
         </p:nvSpPr>
-        <p:spPr/>
-        <p:txBody>
-          <a:bodyPr/>
-          <a:lstStyle/>
-          <a:p>
-            <a:r>
-              <a:rPr lang="en-US" dirty="0" smtClean="0"/>
-              <a:t>Push/Pull</a:t>
-            </a:r>
-            <a:endParaRPr lang="en-US" dirty="0"/>
-          </a:p>
-        </p:txBody>
-      </p:sp>
-      <p:sp>
-        <p:nvSpPr>
-          <p:cNvPr id="4" name="Content Placeholder 3"/>
-          <p:cNvSpPr>
-            <a:spLocks noGrp="1"/>
-          </p:cNvSpPr>
-          <p:nvPr>
-            <p:ph sz="half" idx="1"/>
-          </p:nvPr>
-        </p:nvSpPr>
         <p:spPr>
           <a:xfrm>
-            <a:off x="677334" y="1505415"/>
-            <a:ext cx="4184035" cy="4535946"/>
+            <a:off x="387475" y="0"/>
+            <a:ext cx="8596668" cy="830419"/>
           </a:xfrm>
         </p:spPr>
         <p:txBody>
           <a:bodyPr/>
           <a:lstStyle/>
           <a:p>
-            <a:pPr marL="0" indent="0">
-              <a:buNone/>
-            </a:pPr>
-            <a:endParaRPr lang="en-US" sz="1600" dirty="0">
-              <a:latin typeface="Consolas" panose="020B0609020204030204" pitchFamily="49" charset="0"/>
-              <a:cs typeface="Consolas" panose="020B0609020204030204" pitchFamily="49" charset="0"/>
-            </a:endParaRPr>
-          </a:p>
-          <a:p>
-            <a:r>
-              <a:rPr lang="en-US" sz="2000" dirty="0" err="1" smtClean="0">
-                <a:solidFill>
-                  <a:schemeClr val="accent2">
-                    <a:lumMod val="75000"/>
-                  </a:schemeClr>
-                </a:solidFill>
-                <a:cs typeface="Consolas" panose="020B0609020204030204" pitchFamily="49" charset="0"/>
+            <a:r>
+              <a:rPr lang="en-US" dirty="0" smtClean="0"/>
+              <a:t>Commit</a:t>
+            </a:r>
+            <a:endParaRPr lang="en-US" dirty="0"/>
+          </a:p>
+        </p:txBody>
+      </p:sp>
+      <p:sp>
+        <p:nvSpPr>
+          <p:cNvPr id="3" name="Content Placeholder 2"/>
+          <p:cNvSpPr>
+            <a:spLocks noGrp="1"/>
+          </p:cNvSpPr>
+          <p:nvPr>
+            <p:ph sz="half" idx="1"/>
+          </p:nvPr>
+        </p:nvSpPr>
+        <p:spPr>
+          <a:xfrm>
+            <a:off x="300307" y="667578"/>
+            <a:ext cx="10814328" cy="5537943"/>
+          </a:xfrm>
+        </p:spPr>
+        <p:txBody>
+          <a:bodyPr>
+            <a:normAutofit/>
+          </a:bodyPr>
+          <a:lstStyle/>
+          <a:p>
+            <a:pPr marL="0" indent="0"/>
+            <a:r>
+              <a:rPr lang="en-US" sz="2400" dirty="0" smtClean="0">
+                <a:solidFill>
+                  <a:schemeClr val="tx1"/>
+                </a:solidFill>
               </a:rPr>
-              <a:t>SmartGit</a:t>
-            </a:r>
-            <a:endParaRPr lang="en-US" sz="2000" dirty="0" smtClean="0">
+              <a:t>Tells </a:t>
+            </a:r>
+            <a:r>
+              <a:rPr lang="en-US" sz="2400" dirty="0" err="1" smtClean="0">
+                <a:solidFill>
+                  <a:schemeClr val="tx1"/>
+                </a:solidFill>
+              </a:rPr>
+              <a:t>G</a:t>
+            </a:r>
+            <a:r>
+              <a:rPr lang="en-US" sz="2400" dirty="0" err="1" smtClean="0">
+                <a:solidFill>
+                  <a:schemeClr val="tx1"/>
+                </a:solidFill>
+              </a:rPr>
+              <a:t>it</a:t>
+            </a:r>
+            <a:r>
+              <a:rPr lang="en-US" sz="2400" dirty="0" smtClean="0">
+                <a:solidFill>
+                  <a:schemeClr val="tx1"/>
+                </a:solidFill>
+              </a:rPr>
+              <a:t> that the current state of all your files is important. </a:t>
+            </a:r>
+          </a:p>
+          <a:p>
+            <a:pPr marL="0" indent="0"/>
+            <a:r>
+              <a:rPr lang="en-US" sz="2400" dirty="0" smtClean="0">
+                <a:solidFill>
+                  <a:schemeClr val="tx1"/>
+                </a:solidFill>
+              </a:rPr>
+              <a:t>Make sure that new files have been added first. </a:t>
+            </a:r>
+          </a:p>
+          <a:p>
+            <a:pPr marL="0" indent="0"/>
+            <a:r>
+              <a:rPr lang="en-US" sz="2400" dirty="0" smtClean="0">
+                <a:solidFill>
+                  <a:schemeClr val="tx1"/>
+                </a:solidFill>
+              </a:rPr>
+              <a:t>Make sure that new files have been added first. </a:t>
+            </a:r>
+          </a:p>
+          <a:p>
+            <a:pPr marL="0" indent="0"/>
+            <a:endParaRPr lang="en-US" sz="2400" dirty="0" smtClean="0">
               <a:solidFill>
-                <a:schemeClr val="accent2">
-                  <a:lumMod val="75000"/>
-                </a:schemeClr>
+                <a:schemeClr val="tx1"/>
               </a:solidFill>
             </a:endParaRPr>
           </a:p>
           <a:p>
-            <a:pPr lvl="1"/>
-            <a:r>
-              <a:rPr lang="en-US" dirty="0" smtClean="0"/>
-              <a:t>Assuming you are working from one station / PC</a:t>
-            </a:r>
-            <a:endParaRPr lang="en-US" dirty="0"/>
-          </a:p>
-          <a:p>
-            <a:pPr marL="0" indent="0">
+            <a:pPr marL="0" indent="0"/>
+            <a:endParaRPr lang="en-US" sz="2400" dirty="0" smtClean="0">
+              <a:solidFill>
+                <a:schemeClr val="tx1"/>
+              </a:solidFill>
+            </a:endParaRPr>
+          </a:p>
+          <a:p>
+            <a:pPr marL="0" lvl="1" indent="0">
               <a:buNone/>
             </a:pPr>
-            <a:endParaRPr lang="en-US" dirty="0" smtClean="0"/>
-          </a:p>
-          <a:p>
-            <a:endParaRPr lang="en-US" dirty="0"/>
-          </a:p>
-          <a:p>
-            <a:pPr marL="0" indent="0">
-              <a:buNone/>
-            </a:pPr>
-            <a:endParaRPr lang="en-US" dirty="0"/>
-          </a:p>
-        </p:txBody>
-      </p:sp>
-      <p:sp>
-        <p:nvSpPr>
-          <p:cNvPr id="3" name="Striped Right Arrow 2"/>
-          <p:cNvSpPr/>
-          <p:nvPr/>
-        </p:nvSpPr>
-        <p:spPr>
-          <a:xfrm>
-            <a:off x="409977" y="3623383"/>
-            <a:ext cx="1724891" cy="311727"/>
-          </a:xfrm>
-          <a:prstGeom prst="stripedRightArrow">
-            <a:avLst/>
-          </a:prstGeom>
-        </p:spPr>
-        <p:style>
-          <a:lnRef idx="2">
-            <a:schemeClr val="accent1">
-              <a:shade val="50000"/>
-            </a:schemeClr>
-          </a:lnRef>
-          <a:fillRef idx="1">
-            <a:schemeClr val="accent1"/>
-          </a:fillRef>
-          <a:effectRef idx="0">
-            <a:schemeClr val="accent1"/>
-          </a:effectRef>
-          <a:fontRef idx="minor">
-            <a:schemeClr val="lt1"/>
-          </a:fontRef>
-        </p:style>
-        <p:txBody>
-          <a:bodyPr rtlCol="0" anchor="ctr"/>
-          <a:lstStyle/>
-          <a:p>
-            <a:pPr algn="ctr"/>
-            <a:endParaRPr lang="en-US"/>
-          </a:p>
-        </p:txBody>
-      </p:sp>
-      <p:pic>
-        <p:nvPicPr>
-          <p:cNvPr id="9" name="Content Placeholder 8"/>
-          <p:cNvPicPr>
-            <a:picLocks noGrp="1" noChangeAspect="1"/>
-          </p:cNvPicPr>
-          <p:nvPr>
-            <p:ph sz="half" idx="2"/>
-          </p:nvPr>
-        </p:nvPicPr>
-        <p:blipFill>
-          <a:blip r:embed="rId3"/>
-          <a:stretch>
-            <a:fillRect/>
-          </a:stretch>
-        </p:blipFill>
-        <p:spPr>
-          <a:xfrm>
-            <a:off x="5089525" y="2973602"/>
-            <a:ext cx="4184650" cy="2255408"/>
-          </a:xfrm>
-          <a:prstGeom prst="rect">
-            <a:avLst/>
-          </a:prstGeom>
-        </p:spPr>
-      </p:pic>
-      <p:pic>
-        <p:nvPicPr>
-          <p:cNvPr id="8" name="Picture 7"/>
-          <p:cNvPicPr>
-            <a:picLocks noChangeAspect="1"/>
-          </p:cNvPicPr>
-          <p:nvPr/>
-        </p:nvPicPr>
-        <p:blipFill>
-          <a:blip r:embed="rId4"/>
-          <a:stretch>
-            <a:fillRect/>
-          </a:stretch>
-        </p:blipFill>
-        <p:spPr>
-          <a:xfrm>
-            <a:off x="5380585" y="2188946"/>
-            <a:ext cx="2105025" cy="609600"/>
-          </a:xfrm>
-          <a:prstGeom prst="rect">
-            <a:avLst/>
-          </a:prstGeom>
-        </p:spPr>
-      </p:pic>
-      <p:sp>
-        <p:nvSpPr>
-          <p:cNvPr id="10" name="Oval 9"/>
-          <p:cNvSpPr/>
-          <p:nvPr/>
-        </p:nvSpPr>
-        <p:spPr>
-          <a:xfrm>
-            <a:off x="6052665" y="1251754"/>
-            <a:ext cx="914400" cy="914400"/>
-          </a:xfrm>
-          <a:prstGeom prst="ellipse">
-            <a:avLst/>
-          </a:prstGeom>
-          <a:noFill/>
-          <a:ln>
-            <a:solidFill>
-              <a:srgbClr val="FF0000"/>
-            </a:solidFill>
-          </a:ln>
-        </p:spPr>
-        <p:style>
-          <a:lnRef idx="2">
-            <a:schemeClr val="accent1">
-              <a:shade val="50000"/>
-            </a:schemeClr>
-          </a:lnRef>
-          <a:fillRef idx="1">
-            <a:schemeClr val="accent1"/>
-          </a:fillRef>
-          <a:effectRef idx="0">
-            <a:schemeClr val="accent1"/>
-          </a:effectRef>
-          <a:fontRef idx="minor">
-            <a:schemeClr val="lt1"/>
-          </a:fontRef>
-        </p:style>
-        <p:txBody>
-          <a:bodyPr rtlCol="0" anchor="ctr"/>
-          <a:lstStyle/>
-          <a:p>
-            <a:pPr algn="ctr"/>
-            <a:r>
-              <a:rPr lang="en-US" b="1" dirty="0" smtClean="0">
-                <a:solidFill>
-                  <a:srgbClr val="FF0000"/>
-                </a:solidFill>
-              </a:rPr>
-              <a:t>1</a:t>
-            </a:r>
-            <a:r>
-              <a:rPr lang="en-US" dirty="0" smtClean="0"/>
-              <a:t>1</a:t>
-            </a:r>
-            <a:endParaRPr lang="en-US" dirty="0"/>
-          </a:p>
-        </p:txBody>
-      </p:sp>
-      <p:sp>
-        <p:nvSpPr>
-          <p:cNvPr id="11" name="Oval 10"/>
-          <p:cNvSpPr/>
-          <p:nvPr/>
-        </p:nvSpPr>
-        <p:spPr>
-          <a:xfrm>
-            <a:off x="6908029" y="4139402"/>
-            <a:ext cx="914400" cy="914400"/>
-          </a:xfrm>
-          <a:prstGeom prst="ellipse">
-            <a:avLst/>
-          </a:prstGeom>
-          <a:noFill/>
-          <a:ln>
-            <a:solidFill>
-              <a:srgbClr val="FF0000"/>
-            </a:solidFill>
-          </a:ln>
-        </p:spPr>
-        <p:style>
-          <a:lnRef idx="2">
-            <a:schemeClr val="accent1">
-              <a:shade val="50000"/>
-            </a:schemeClr>
-          </a:lnRef>
-          <a:fillRef idx="1">
-            <a:schemeClr val="accent1"/>
-          </a:fillRef>
-          <a:effectRef idx="0">
-            <a:schemeClr val="accent1"/>
-          </a:effectRef>
-          <a:fontRef idx="minor">
-            <a:schemeClr val="lt1"/>
-          </a:fontRef>
-        </p:style>
-        <p:txBody>
-          <a:bodyPr rtlCol="0" anchor="ctr"/>
-          <a:lstStyle/>
-          <a:p>
-            <a:pPr algn="ctr"/>
-            <a:r>
-              <a:rPr lang="en-US" b="1" dirty="0" smtClean="0">
-                <a:solidFill>
-                  <a:srgbClr val="FF0000"/>
-                </a:solidFill>
-              </a:rPr>
-              <a:t>2</a:t>
-            </a:r>
-            <a:r>
-              <a:rPr lang="en-US" dirty="0" smtClean="0"/>
-              <a:t>1</a:t>
-            </a:r>
-            <a:endParaRPr lang="en-US" dirty="0"/>
+            <a:endParaRPr lang="en-US" sz="1800" dirty="0">
+              <a:solidFill>
+                <a:srgbClr val="00B050"/>
+              </a:solidFill>
+            </a:endParaRPr>
           </a:p>
         </p:txBody>
       </p:sp>
     </p:spTree>
     <p:extLst>
       <p:ext uri="{BB962C8B-B14F-4D97-AF65-F5344CB8AC3E}">
-        <p14:creationId xmlns:p14="http://schemas.microsoft.com/office/powerpoint/2010/main" xmlns:p="http://schemas.openxmlformats.org/presentationml/2006/main" xmlns:r="http://schemas.openxmlformats.org/officeDocument/2006/relationships" xmlns:a="http://schemas.openxmlformats.org/drawingml/2006/main" xmlns="" val="707713265"/>
+        <p14:creationId xmlns="" xmlns:a="http://schemas.openxmlformats.org/drawingml/2006/main" xmlns:r="http://schemas.openxmlformats.org/officeDocument/2006/relationships" xmlns:p="http://schemas.openxmlformats.org/presentationml/2006/main" xmlns:p14="http://schemas.microsoft.com/office/powerpoint/2010/main" xmlns:mv="urn:schemas-microsoft-com:mac:vml" xmlns:mc="http://schemas.openxmlformats.org/markup-compatibility/2006" val="520927691"/>
       </p:ext>
     </p:extLst>
   </p:cSld>
@@ -10431,7 +9930,7 @@
   <a:extraClrSchemeLst/>
   <a:extLst>
     <a:ext uri="{05A4C25C-085E-4340-85A3-A5531E510DB2}">
-      <thm15:themeFamily xmlns:thm15="http://schemas.microsoft.com/office/thememl/2012/main" xmlns:a="http://schemas.openxmlformats.org/drawingml/2006/main" xmlns="" name="Facet" id="{C0C680CD-088A-49FC-A102-D699147F32B2}" vid="{CFBC31BA-B70F-4F30-BCAA-4F3011E16C4D}"/>
+      <thm15:themeFamily xmlns="" xmlns:a="http://schemas.openxmlformats.org/drawingml/2006/main" xmlns:thm15="http://schemas.microsoft.com/office/thememl/2012/main" name="Facet" id="{C0C680CD-088A-49FC-A102-D699147F32B2}" vid="{CFBC31BA-B70F-4F30-BCAA-4F3011E16C4D}"/>
     </a:ext>
   </a:extLst>
 </a:theme>
@@ -10692,7 +10191,7 @@
   <a:extraClrSchemeLst/>
   <a:extLst>
     <a:ext uri="{05A4C25C-085E-4340-85A3-A5531E510DB2}">
-      <thm15:themeFamily xmlns:thm15="http://schemas.microsoft.com/office/thememl/2012/main" xmlns:a="http://schemas.openxmlformats.org/drawingml/2006/main" xmlns="" name="Office Theme" id="{62F939B6-93AF-4DB8-9C6B-D6C7DFDC589F}" vid="{4A3C46E8-61CC-4603-A589-7422A47A8E4A}"/>
+      <thm15:themeFamily xmlns="" xmlns:a="http://schemas.openxmlformats.org/drawingml/2006/main" xmlns:thm15="http://schemas.microsoft.com/office/thememl/2012/main" name="Office Theme" id="{62F939B6-93AF-4DB8-9C6B-D6C7DFDC589F}" vid="{4A3C46E8-61CC-4603-A589-7422A47A8E4A}"/>
     </a:ext>
   </a:extLst>
 </a:theme>

--- a/IntroToGitHub&SmartGit-v3.1.pptx
+++ b/IntroToGitHub&SmartGit-v3.1.pptx
@@ -5,7 +5,7 @@
     <p:sldMasterId id="2147483707" r:id="rId1"/>
   </p:sldMasterIdLst>
   <p:notesMasterIdLst>
-    <p:notesMasterId r:id="rId15"/>
+    <p:notesMasterId r:id="rId19"/>
   </p:notesMasterIdLst>
   <p:sldIdLst>
     <p:sldId id="256" r:id="rId2"/>
@@ -16,11 +16,15 @@
     <p:sldId id="275" r:id="rId7"/>
     <p:sldId id="279" r:id="rId8"/>
     <p:sldId id="280" r:id="rId9"/>
-    <p:sldId id="270" r:id="rId10"/>
-    <p:sldId id="276" r:id="rId11"/>
-    <p:sldId id="281" r:id="rId12"/>
-    <p:sldId id="265" r:id="rId13"/>
-    <p:sldId id="268" r:id="rId14"/>
+    <p:sldId id="282" r:id="rId10"/>
+    <p:sldId id="283" r:id="rId11"/>
+    <p:sldId id="270" r:id="rId12"/>
+    <p:sldId id="276" r:id="rId13"/>
+    <p:sldId id="281" r:id="rId14"/>
+    <p:sldId id="265" r:id="rId15"/>
+    <p:sldId id="284" r:id="rId16"/>
+    <p:sldId id="285" r:id="rId17"/>
+    <p:sldId id="268" r:id="rId18"/>
   </p:sldIdLst>
   <p:sldSz cx="12192000" cy="6858000"/>
   <p:notesSz cx="6858000" cy="9144000"/>
@@ -1014,7 +1018,7 @@
             <a:fld id="{41C5CEC6-A28F-42BC-8E33-54F1B3D51C15}" type="slidenum">
               <a:rPr lang="en-US" smtClean="0"/>
               <a:pPr/>
-              <a:t>9</a:t>
+              <a:t>11</a:t>
             </a:fld>
             <a:endParaRPr lang="en-US"/>
           </a:p>
@@ -1163,7 +1167,7 @@
             <a:fld id="{41C5CEC6-A28F-42BC-8E33-54F1B3D51C15}" type="slidenum">
               <a:rPr lang="en-US" smtClean="0"/>
               <a:pPr/>
-              <a:t>10</a:t>
+              <a:t>12</a:t>
             </a:fld>
             <a:endParaRPr lang="en-US"/>
           </a:p>
@@ -1279,7 +1283,7 @@
             <a:fld id="{41C5CEC6-A28F-42BC-8E33-54F1B3D51C15}" type="slidenum">
               <a:rPr lang="en-US" smtClean="0"/>
               <a:pPr/>
-              <a:t>12</a:t>
+              <a:t>14</a:t>
             </a:fld>
             <a:endParaRPr lang="en-US"/>
           </a:p>
@@ -7180,6 +7184,522 @@
           <a:chExt cx="0" cy="0"/>
         </a:xfrm>
       </p:grpSpPr>
+      <p:pic>
+        <p:nvPicPr>
+          <p:cNvPr id="3" name="Picture 2" descr="branches.png"/>
+          <p:cNvPicPr>
+            <a:picLocks noChangeAspect="1"/>
+          </p:cNvPicPr>
+          <p:nvPr/>
+        </p:nvPicPr>
+        <p:blipFill>
+          <a:blip r:embed="rId2"/>
+          <a:stretch>
+            <a:fillRect/>
+          </a:stretch>
+        </p:blipFill>
+        <p:spPr>
+          <a:xfrm>
+            <a:off x="0" y="0"/>
+            <a:ext cx="12192000" cy="6858000"/>
+          </a:xfrm>
+          <a:prstGeom prst="rect">
+            <a:avLst/>
+          </a:prstGeom>
+        </p:spPr>
+      </p:pic>
+      <p:sp>
+        <p:nvSpPr>
+          <p:cNvPr id="4" name="Explosion 1 3"/>
+          <p:cNvSpPr/>
+          <p:nvPr/>
+        </p:nvSpPr>
+        <p:spPr>
+          <a:xfrm>
+            <a:off x="8407400" y="0"/>
+            <a:ext cx="3352800" cy="4089400"/>
+          </a:xfrm>
+          <a:prstGeom prst="irregularSeal1">
+            <a:avLst/>
+          </a:prstGeom>
+        </p:spPr>
+        <p:style>
+          <a:lnRef idx="2">
+            <a:schemeClr val="accent3">
+              <a:shade val="50000"/>
+            </a:schemeClr>
+          </a:lnRef>
+          <a:fillRef idx="1">
+            <a:schemeClr val="accent3"/>
+          </a:fillRef>
+          <a:effectRef idx="0">
+            <a:schemeClr val="accent3"/>
+          </a:effectRef>
+          <a:fontRef idx="minor">
+            <a:schemeClr val="lt1"/>
+          </a:fontRef>
+        </p:style>
+        <p:txBody>
+          <a:bodyPr rtlCol="0" anchor="ctr"/>
+          <a:lstStyle/>
+          <a:p>
+            <a:pPr algn="ctr"/>
+            <a:endParaRPr lang="en-US"/>
+          </a:p>
+        </p:txBody>
+      </p:sp>
+      <p:sp>
+        <p:nvSpPr>
+          <p:cNvPr id="5" name="TextBox 4"/>
+          <p:cNvSpPr txBox="1"/>
+          <p:nvPr/>
+        </p:nvSpPr>
+        <p:spPr>
+          <a:xfrm>
+            <a:off x="8991600" y="1473200"/>
+            <a:ext cx="2260600" cy="1200328"/>
+          </a:xfrm>
+          <a:prstGeom prst="rect">
+            <a:avLst/>
+          </a:prstGeom>
+          <a:noFill/>
+        </p:spPr>
+        <p:txBody>
+          <a:bodyPr wrap="square" rtlCol="0">
+            <a:spAutoFit/>
+          </a:bodyPr>
+          <a:lstStyle/>
+          <a:p>
+            <a:pPr algn="ctr"/>
+            <a:r>
+              <a:rPr lang="en-US" sz="2400" b="1"/>
+              <a:t>Zoom in and look at the ‘Branches’ tab</a:t>
+            </a:r>
+          </a:p>
+        </p:txBody>
+      </p:sp>
+    </p:spTree>
+  </p:cSld>
+  <p:clrMapOvr>
+    <a:masterClrMapping/>
+  </p:clrMapOvr>
+</p:sld>
+</file>
+
+<file path=ppt/slides/slide11.xml><?xml version="1.0" encoding="utf-8"?>
+<p:sld xmlns:a="http://schemas.openxmlformats.org/drawingml/2006/main" xmlns:r="http://schemas.openxmlformats.org/officeDocument/2006/relationships" xmlns:mc="http://schemas.openxmlformats.org/markup-compatibility/2006" xmlns:mv="urn:schemas-microsoft-com:mac:vml" xmlns:p="http://schemas.openxmlformats.org/presentationml/2006/main" mc:Ignorable="mv" mc:PreserveAttributes="mv:*">
+  <p:cSld>
+    <p:spTree>
+      <p:nvGrpSpPr>
+        <p:cNvPr id="1" name=""/>
+        <p:cNvGrpSpPr/>
+        <p:nvPr/>
+      </p:nvGrpSpPr>
+      <p:grpSpPr>
+        <a:xfrm>
+          <a:off x="0" y="0"/>
+          <a:ext cx="0" cy="0"/>
+          <a:chOff x="0" y="0"/>
+          <a:chExt cx="0" cy="0"/>
+        </a:xfrm>
+      </p:grpSpPr>
+      <p:sp>
+        <p:nvSpPr>
+          <p:cNvPr id="2" name="Title 1"/>
+          <p:cNvSpPr>
+            <a:spLocks noGrp="1"/>
+          </p:cNvSpPr>
+          <p:nvPr>
+            <p:ph type="title"/>
+          </p:nvPr>
+        </p:nvSpPr>
+        <p:spPr>
+          <a:xfrm>
+            <a:off x="387475" y="0"/>
+            <a:ext cx="8596668" cy="830419"/>
+          </a:xfrm>
+        </p:spPr>
+        <p:txBody>
+          <a:bodyPr/>
+          <a:lstStyle/>
+          <a:p>
+            <a:r>
+              <a:rPr lang="en-US" dirty="0" smtClean="0"/>
+              <a:t>Commit</a:t>
+            </a:r>
+            <a:endParaRPr lang="en-US" dirty="0"/>
+          </a:p>
+        </p:txBody>
+      </p:sp>
+      <p:sp>
+        <p:nvSpPr>
+          <p:cNvPr id="3" name="Content Placeholder 2"/>
+          <p:cNvSpPr>
+            <a:spLocks noGrp="1"/>
+          </p:cNvSpPr>
+          <p:nvPr>
+            <p:ph sz="half" idx="1"/>
+          </p:nvPr>
+        </p:nvSpPr>
+        <p:spPr>
+          <a:xfrm>
+            <a:off x="300307" y="667578"/>
+            <a:ext cx="10814328" cy="5537943"/>
+          </a:xfrm>
+        </p:spPr>
+        <p:txBody>
+          <a:bodyPr>
+            <a:normAutofit/>
+          </a:bodyPr>
+          <a:lstStyle/>
+          <a:p>
+            <a:pPr marL="0" indent="0"/>
+            <a:r>
+              <a:rPr lang="en-US" sz="2400" dirty="0" smtClean="0">
+                <a:solidFill>
+                  <a:schemeClr val="tx1"/>
+                </a:solidFill>
+              </a:rPr>
+              <a:t>Tells </a:t>
+            </a:r>
+            <a:r>
+              <a:rPr lang="en-US" sz="2400" dirty="0" err="1" smtClean="0">
+                <a:solidFill>
+                  <a:schemeClr val="tx1"/>
+                </a:solidFill>
+              </a:rPr>
+              <a:t>G</a:t>
+            </a:r>
+            <a:r>
+              <a:rPr lang="en-US" sz="2400" dirty="0" err="1" smtClean="0">
+                <a:solidFill>
+                  <a:schemeClr val="tx1"/>
+                </a:solidFill>
+              </a:rPr>
+              <a:t>it</a:t>
+            </a:r>
+            <a:r>
+              <a:rPr lang="en-US" sz="2400" dirty="0" smtClean="0">
+                <a:solidFill>
+                  <a:schemeClr val="tx1"/>
+                </a:solidFill>
+              </a:rPr>
+              <a:t> that the current state of all your files is important. </a:t>
+            </a:r>
+          </a:p>
+          <a:p>
+            <a:pPr marL="0" indent="0"/>
+            <a:r>
+              <a:rPr lang="en-US" sz="2400" dirty="0" smtClean="0">
+                <a:solidFill>
+                  <a:schemeClr val="tx1"/>
+                </a:solidFill>
+              </a:rPr>
+              <a:t>Make sure that new files have been added first. </a:t>
+            </a:r>
+          </a:p>
+          <a:p>
+            <a:pPr marL="0" indent="0"/>
+            <a:r>
+              <a:rPr lang="en-US" sz="2400" dirty="0" smtClean="0">
+                <a:solidFill>
+                  <a:schemeClr val="tx1"/>
+                </a:solidFill>
+              </a:rPr>
+              <a:t>Make sure that new files have been added first. </a:t>
+            </a:r>
+          </a:p>
+          <a:p>
+            <a:pPr marL="0" indent="0"/>
+            <a:endParaRPr lang="en-US" sz="2400" dirty="0" smtClean="0">
+              <a:solidFill>
+                <a:schemeClr val="tx1"/>
+              </a:solidFill>
+            </a:endParaRPr>
+          </a:p>
+          <a:p>
+            <a:pPr marL="0" indent="0"/>
+            <a:endParaRPr lang="en-US" sz="2400" dirty="0" smtClean="0">
+              <a:solidFill>
+                <a:schemeClr val="tx1"/>
+              </a:solidFill>
+            </a:endParaRPr>
+          </a:p>
+          <a:p>
+            <a:pPr marL="0" lvl="1" indent="0">
+              <a:buNone/>
+            </a:pPr>
+            <a:endParaRPr lang="en-US" sz="1800" dirty="0">
+              <a:solidFill>
+                <a:srgbClr val="00B050"/>
+              </a:solidFill>
+            </a:endParaRPr>
+          </a:p>
+        </p:txBody>
+      </p:sp>
+      <p:pic>
+        <p:nvPicPr>
+          <p:cNvPr id="4" name="Picture 3" descr="Commit 1.png"/>
+          <p:cNvPicPr>
+            <a:picLocks noChangeAspect="1"/>
+          </p:cNvPicPr>
+          <p:nvPr/>
+        </p:nvPicPr>
+        <p:blipFill>
+          <a:blip r:embed="rId3"/>
+          <a:stretch>
+            <a:fillRect/>
+          </a:stretch>
+        </p:blipFill>
+        <p:spPr>
+          <a:xfrm>
+            <a:off x="0" y="2203450"/>
+            <a:ext cx="12192000" cy="4654550"/>
+          </a:xfrm>
+          <a:prstGeom prst="rect">
+            <a:avLst/>
+          </a:prstGeom>
+        </p:spPr>
+      </p:pic>
+      <p:sp>
+        <p:nvSpPr>
+          <p:cNvPr id="5" name="Explosion 1 4"/>
+          <p:cNvSpPr/>
+          <p:nvPr/>
+        </p:nvSpPr>
+        <p:spPr>
+          <a:xfrm>
+            <a:off x="7467600" y="3530600"/>
+            <a:ext cx="3733800" cy="3327400"/>
+          </a:xfrm>
+          <a:prstGeom prst="irregularSeal1">
+            <a:avLst/>
+          </a:prstGeom>
+        </p:spPr>
+        <p:style>
+          <a:lnRef idx="2">
+            <a:schemeClr val="accent3">
+              <a:shade val="50000"/>
+            </a:schemeClr>
+          </a:lnRef>
+          <a:fillRef idx="1">
+            <a:schemeClr val="accent3"/>
+          </a:fillRef>
+          <a:effectRef idx="0">
+            <a:schemeClr val="accent3"/>
+          </a:effectRef>
+          <a:fontRef idx="minor">
+            <a:schemeClr val="lt1"/>
+          </a:fontRef>
+        </p:style>
+        <p:txBody>
+          <a:bodyPr rtlCol="0" anchor="ctr"/>
+          <a:lstStyle/>
+          <a:p>
+            <a:pPr algn="ctr"/>
+            <a:endParaRPr lang="en-US"/>
+          </a:p>
+        </p:txBody>
+      </p:sp>
+      <p:sp>
+        <p:nvSpPr>
+          <p:cNvPr id="6" name="TextBox 5"/>
+          <p:cNvSpPr txBox="1"/>
+          <p:nvPr/>
+        </p:nvSpPr>
+        <p:spPr>
+          <a:xfrm>
+            <a:off x="8102600" y="4724400"/>
+            <a:ext cx="2463800" cy="830997"/>
+          </a:xfrm>
+          <a:prstGeom prst="rect">
+            <a:avLst/>
+          </a:prstGeom>
+          <a:noFill/>
+        </p:spPr>
+        <p:txBody>
+          <a:bodyPr wrap="square" rtlCol="0">
+            <a:spAutoFit/>
+          </a:bodyPr>
+          <a:lstStyle/>
+          <a:p>
+            <a:pPr algn="ctr"/>
+            <a:r>
+              <a:rPr lang="en-US" sz="2400" b="1"/>
+              <a:t>Step 1: Click on ‘Commit’</a:t>
+            </a:r>
+          </a:p>
+        </p:txBody>
+      </p:sp>
+      <p:sp>
+        <p:nvSpPr>
+          <p:cNvPr id="7" name="Up Arrow 6"/>
+          <p:cNvSpPr/>
+          <p:nvPr/>
+        </p:nvSpPr>
+        <p:spPr>
+          <a:xfrm>
+            <a:off x="4394200" y="3124200"/>
+            <a:ext cx="406400" cy="3098800"/>
+          </a:xfrm>
+          <a:prstGeom prst="upArrow">
+            <a:avLst/>
+          </a:prstGeom>
+        </p:spPr>
+        <p:style>
+          <a:lnRef idx="1">
+            <a:schemeClr val="accent1"/>
+          </a:lnRef>
+          <a:fillRef idx="3">
+            <a:schemeClr val="accent1"/>
+          </a:fillRef>
+          <a:effectRef idx="2">
+            <a:schemeClr val="accent1"/>
+          </a:effectRef>
+          <a:fontRef idx="minor">
+            <a:schemeClr val="lt1"/>
+          </a:fontRef>
+        </p:style>
+        <p:txBody>
+          <a:bodyPr rtlCol="0" anchor="ctr"/>
+          <a:lstStyle/>
+          <a:p>
+            <a:pPr algn="ctr"/>
+            <a:endParaRPr lang="en-US"/>
+          </a:p>
+        </p:txBody>
+      </p:sp>
+    </p:spTree>
+    <p:extLst>
+      <p:ext uri="{BB962C8B-B14F-4D97-AF65-F5344CB8AC3E}">
+        <p14:creationId xmlns="" xmlns:a="http://schemas.openxmlformats.org/drawingml/2006/main" xmlns:r="http://schemas.openxmlformats.org/officeDocument/2006/relationships" xmlns:p="http://schemas.openxmlformats.org/presentationml/2006/main" xmlns:p14="http://schemas.microsoft.com/office/powerpoint/2010/main" xmlns:mv="urn:schemas-microsoft-com:mac:vml" xmlns:mc="http://schemas.openxmlformats.org/markup-compatibility/2006" val="520927691"/>
+      </p:ext>
+    </p:extLst>
+  </p:cSld>
+  <p:clrMapOvr>
+    <a:masterClrMapping/>
+  </p:clrMapOvr>
+  <p:timing>
+    <p:tnLst>
+      <p:par>
+        <p:cTn id="1" dur="indefinite" restart="never" nodeType="tmRoot"/>
+      </p:par>
+    </p:tnLst>
+  </p:timing>
+</p:sld>
+</file>
+
+<file path=ppt/slides/slide12.xml><?xml version="1.0" encoding="utf-8"?>
+<p:sld xmlns:a="http://schemas.openxmlformats.org/drawingml/2006/main" xmlns:r="http://schemas.openxmlformats.org/officeDocument/2006/relationships" xmlns:mc="http://schemas.openxmlformats.org/markup-compatibility/2006" xmlns:mv="urn:schemas-microsoft-com:mac:vml" xmlns:p="http://schemas.openxmlformats.org/presentationml/2006/main" mc:Ignorable="mv" mc:PreserveAttributes="mv:*">
+  <p:cSld>
+    <p:spTree>
+      <p:nvGrpSpPr>
+        <p:cNvPr id="1" name=""/>
+        <p:cNvGrpSpPr/>
+        <p:nvPr/>
+      </p:nvGrpSpPr>
+      <p:grpSpPr>
+        <a:xfrm>
+          <a:off x="0" y="0"/>
+          <a:ext cx="0" cy="0"/>
+          <a:chOff x="0" y="0"/>
+          <a:chExt cx="0" cy="0"/>
+        </a:xfrm>
+      </p:grpSpPr>
+      <p:pic>
+        <p:nvPicPr>
+          <p:cNvPr id="13" name="Picture 12" descr="Commit 2.png"/>
+          <p:cNvPicPr>
+            <a:picLocks noChangeAspect="1"/>
+          </p:cNvPicPr>
+          <p:nvPr/>
+        </p:nvPicPr>
+        <p:blipFill>
+          <a:blip r:embed="rId3"/>
+          <a:stretch>
+            <a:fillRect/>
+          </a:stretch>
+        </p:blipFill>
+        <p:spPr>
+          <a:xfrm>
+            <a:off x="0" y="0"/>
+            <a:ext cx="12192000" cy="6858000"/>
+          </a:xfrm>
+          <a:prstGeom prst="rect">
+            <a:avLst/>
+          </a:prstGeom>
+        </p:spPr>
+      </p:pic>
+      <p:sp>
+        <p:nvSpPr>
+          <p:cNvPr id="14" name="Explosion 1 13"/>
+          <p:cNvSpPr/>
+          <p:nvPr/>
+        </p:nvSpPr>
+        <p:spPr>
+          <a:xfrm>
+            <a:off x="7670800" y="1625600"/>
+            <a:ext cx="4191000" cy="3937000"/>
+          </a:xfrm>
+          <a:prstGeom prst="irregularSeal1">
+            <a:avLst/>
+          </a:prstGeom>
+        </p:spPr>
+        <p:style>
+          <a:lnRef idx="2">
+            <a:schemeClr val="accent3">
+              <a:shade val="50000"/>
+            </a:schemeClr>
+          </a:lnRef>
+          <a:fillRef idx="1">
+            <a:schemeClr val="accent3"/>
+          </a:fillRef>
+          <a:effectRef idx="0">
+            <a:schemeClr val="accent3"/>
+          </a:effectRef>
+          <a:fontRef idx="minor">
+            <a:schemeClr val="lt1"/>
+          </a:fontRef>
+        </p:style>
+        <p:txBody>
+          <a:bodyPr rtlCol="0" anchor="ctr"/>
+          <a:lstStyle/>
+          <a:p>
+            <a:pPr algn="ctr"/>
+            <a:endParaRPr lang="en-US"/>
+          </a:p>
+        </p:txBody>
+      </p:sp>
+      <p:sp>
+        <p:nvSpPr>
+          <p:cNvPr id="15" name="TextBox 14"/>
+          <p:cNvSpPr txBox="1"/>
+          <p:nvPr/>
+        </p:nvSpPr>
+        <p:spPr>
+          <a:xfrm>
+            <a:off x="8610600" y="3327400"/>
+            <a:ext cx="2209800" cy="646331"/>
+          </a:xfrm>
+          <a:prstGeom prst="rect">
+            <a:avLst/>
+          </a:prstGeom>
+          <a:noFill/>
+        </p:spPr>
+        <p:txBody>
+          <a:bodyPr wrap="square" rtlCol="0">
+            <a:spAutoFit/>
+          </a:bodyPr>
+          <a:lstStyle/>
+          <a:p>
+            <a:pPr algn="ctr"/>
+            <a:r>
+              <a:rPr lang="en-US" sz="3600" b="1"/>
+              <a:t>Step 2</a:t>
+            </a:r>
+          </a:p>
+        </p:txBody>
+      </p:sp>
     </p:spTree>
     <p:extLst>
       <p:ext uri="{BB962C8B-B14F-4D97-AF65-F5344CB8AC3E}">
@@ -7200,7 +7720,7 @@
 </p:sld>
 </file>
 
-<file path=ppt/slides/slide11.xml><?xml version="1.0" encoding="utf-8"?>
+<file path=ppt/slides/slide13.xml><?xml version="1.0" encoding="utf-8"?>
 <p:sld xmlns:a="http://schemas.openxmlformats.org/drawingml/2006/main" xmlns:r="http://schemas.openxmlformats.org/officeDocument/2006/relationships" xmlns:mc="http://schemas.openxmlformats.org/markup-compatibility/2006" xmlns:mv="urn:schemas-microsoft-com:mac:vml" xmlns:p="http://schemas.openxmlformats.org/presentationml/2006/main" mc:Ignorable="mv" mc:PreserveAttributes="mv:*">
   <p:cSld>
     <p:spTree>
@@ -7217,6 +7737,100 @@
           <a:chExt cx="0" cy="0"/>
         </a:xfrm>
       </p:grpSpPr>
+      <p:pic>
+        <p:nvPicPr>
+          <p:cNvPr id="2" name="Picture 1" descr="Commit 3.png"/>
+          <p:cNvPicPr>
+            <a:picLocks noChangeAspect="1"/>
+          </p:cNvPicPr>
+          <p:nvPr/>
+        </p:nvPicPr>
+        <p:blipFill>
+          <a:blip r:embed="rId2"/>
+          <a:stretch>
+            <a:fillRect/>
+          </a:stretch>
+        </p:blipFill>
+        <p:spPr>
+          <a:xfrm>
+            <a:off x="0" y="0"/>
+            <a:ext cx="12192000" cy="6858000"/>
+          </a:xfrm>
+          <a:prstGeom prst="rect">
+            <a:avLst/>
+          </a:prstGeom>
+        </p:spPr>
+      </p:pic>
+      <p:sp>
+        <p:nvSpPr>
+          <p:cNvPr id="3" name="Explosion 1 2"/>
+          <p:cNvSpPr/>
+          <p:nvPr/>
+        </p:nvSpPr>
+        <p:spPr>
+          <a:xfrm>
+            <a:off x="355600" y="0"/>
+            <a:ext cx="6324600" cy="3429000"/>
+          </a:xfrm>
+          <a:prstGeom prst="irregularSeal1">
+            <a:avLst/>
+          </a:prstGeom>
+        </p:spPr>
+        <p:style>
+          <a:lnRef idx="2">
+            <a:schemeClr val="accent3">
+              <a:shade val="50000"/>
+            </a:schemeClr>
+          </a:lnRef>
+          <a:fillRef idx="1">
+            <a:schemeClr val="accent3"/>
+          </a:fillRef>
+          <a:effectRef idx="0">
+            <a:schemeClr val="accent3"/>
+          </a:effectRef>
+          <a:fontRef idx="minor">
+            <a:schemeClr val="lt1"/>
+          </a:fontRef>
+        </p:style>
+        <p:txBody>
+          <a:bodyPr rtlCol="0" anchor="ctr"/>
+          <a:lstStyle/>
+          <a:p>
+            <a:pPr algn="ctr"/>
+            <a:endParaRPr lang="en-US"/>
+          </a:p>
+        </p:txBody>
+      </p:sp>
+      <p:sp>
+        <p:nvSpPr>
+          <p:cNvPr id="4" name="TextBox 3"/>
+          <p:cNvSpPr txBox="1"/>
+          <p:nvPr/>
+        </p:nvSpPr>
+        <p:spPr>
+          <a:xfrm>
+            <a:off x="1600200" y="889000"/>
+            <a:ext cx="3530600" cy="1569660"/>
+          </a:xfrm>
+          <a:prstGeom prst="rect">
+            <a:avLst/>
+          </a:prstGeom>
+          <a:noFill/>
+        </p:spPr>
+        <p:txBody>
+          <a:bodyPr wrap="square" rtlCol="0">
+            <a:spAutoFit/>
+          </a:bodyPr>
+          <a:lstStyle/>
+          <a:p>
+            <a:pPr algn="ctr"/>
+            <a:r>
+              <a:rPr lang="en-US" sz="2400" b="1"/>
+              <a:t>Step 3: View the Output Tab to confirm changes have been ‘Committed’.</a:t>
+            </a:r>
+          </a:p>
+        </p:txBody>
+      </p:sp>
     </p:spTree>
   </p:cSld>
   <p:clrMapOvr>
@@ -7225,7 +7839,7 @@
 </p:sld>
 </file>
 
-<file path=ppt/slides/slide12.xml><?xml version="1.0" encoding="utf-8"?>
+<file path=ppt/slides/slide14.xml><?xml version="1.0" encoding="utf-8"?>
 <p:sld xmlns:a="http://schemas.openxmlformats.org/drawingml/2006/main" xmlns:r="http://schemas.openxmlformats.org/officeDocument/2006/relationships" xmlns:mc="http://schemas.openxmlformats.org/markup-compatibility/2006" xmlns:mv="urn:schemas-microsoft-com:mac:vml" xmlns:p="http://schemas.openxmlformats.org/presentationml/2006/main" mc:Ignorable="mv" mc:PreserveAttributes="mv:*">
   <p:cSld>
     <p:spTree>
@@ -7267,6 +7881,197 @@
               <a:t>Push/Pull</a:t>
             </a:r>
             <a:endParaRPr lang="en-US" dirty="0"/>
+          </a:p>
+        </p:txBody>
+      </p:sp>
+      <p:sp>
+        <p:nvSpPr>
+          <p:cNvPr id="13" name="TextBox 12"/>
+          <p:cNvSpPr txBox="1"/>
+          <p:nvPr/>
+        </p:nvSpPr>
+        <p:spPr>
+          <a:xfrm>
+            <a:off x="0" y="660400"/>
+            <a:ext cx="10541000" cy="1200328"/>
+          </a:xfrm>
+          <a:prstGeom prst="rect">
+            <a:avLst/>
+          </a:prstGeom>
+          <a:noFill/>
+        </p:spPr>
+        <p:txBody>
+          <a:bodyPr wrap="square" rtlCol="0">
+            <a:spAutoFit/>
+          </a:bodyPr>
+          <a:lstStyle/>
+          <a:p>
+            <a:pPr>
+              <a:buClr>
+                <a:schemeClr val="accent1"/>
+              </a:buClr>
+              <a:buFont typeface="Wingdings" charset="2"/>
+              <a:buChar char="Ø"/>
+            </a:pPr>
+            <a:r>
+              <a:rPr lang="en-US" sz="2400"/>
+              <a:t>Push: sending your committed changes to the online repository</a:t>
+            </a:r>
+          </a:p>
+          <a:p>
+            <a:pPr>
+              <a:buClr>
+                <a:schemeClr val="accent1"/>
+              </a:buClr>
+              <a:buFont typeface="Wingdings" charset="2"/>
+              <a:buChar char="Ø"/>
+            </a:pPr>
+            <a:endParaRPr lang="en-US" sz="2400"/>
+          </a:p>
+          <a:p>
+            <a:pPr>
+              <a:buClr>
+                <a:schemeClr val="accent1"/>
+              </a:buClr>
+              <a:buFont typeface="Wingdings" charset="2"/>
+              <a:buChar char="Ø"/>
+            </a:pPr>
+            <a:r>
+              <a:rPr lang="en-US" sz="2400"/>
+              <a:t>Pull: grabbing the most recently updated version of the online repository</a:t>
+            </a:r>
+          </a:p>
+        </p:txBody>
+      </p:sp>
+      <p:pic>
+        <p:nvPicPr>
+          <p:cNvPr id="14" name="Picture 13" descr="Push 1.png"/>
+          <p:cNvPicPr>
+            <a:picLocks noChangeAspect="1"/>
+          </p:cNvPicPr>
+          <p:nvPr/>
+        </p:nvPicPr>
+        <p:blipFill>
+          <a:blip r:embed="rId3"/>
+          <a:stretch>
+            <a:fillRect/>
+          </a:stretch>
+        </p:blipFill>
+        <p:spPr>
+          <a:xfrm>
+            <a:off x="0" y="1822450"/>
+            <a:ext cx="12192000" cy="5035550"/>
+          </a:xfrm>
+          <a:prstGeom prst="rect">
+            <a:avLst/>
+          </a:prstGeom>
+        </p:spPr>
+      </p:pic>
+      <p:sp>
+        <p:nvSpPr>
+          <p:cNvPr id="15" name="Explosion 1 14"/>
+          <p:cNvSpPr/>
+          <p:nvPr/>
+        </p:nvSpPr>
+        <p:spPr>
+          <a:xfrm>
+            <a:off x="7467600" y="3530600"/>
+            <a:ext cx="3733800" cy="3327400"/>
+          </a:xfrm>
+          <a:prstGeom prst="irregularSeal1">
+            <a:avLst/>
+          </a:prstGeom>
+        </p:spPr>
+        <p:style>
+          <a:lnRef idx="2">
+            <a:schemeClr val="accent3">
+              <a:shade val="50000"/>
+            </a:schemeClr>
+          </a:lnRef>
+          <a:fillRef idx="1">
+            <a:schemeClr val="accent3"/>
+          </a:fillRef>
+          <a:effectRef idx="0">
+            <a:schemeClr val="accent3"/>
+          </a:effectRef>
+          <a:fontRef idx="minor">
+            <a:schemeClr val="lt1"/>
+          </a:fontRef>
+        </p:style>
+        <p:txBody>
+          <a:bodyPr rtlCol="0" anchor="ctr"/>
+          <a:lstStyle/>
+          <a:p>
+            <a:pPr algn="ctr"/>
+            <a:endParaRPr lang="en-US"/>
+          </a:p>
+        </p:txBody>
+      </p:sp>
+      <p:sp>
+        <p:nvSpPr>
+          <p:cNvPr id="16" name="TextBox 15"/>
+          <p:cNvSpPr txBox="1"/>
+          <p:nvPr/>
+        </p:nvSpPr>
+        <p:spPr>
+          <a:xfrm>
+            <a:off x="8102600" y="4724400"/>
+            <a:ext cx="2463800" cy="830997"/>
+          </a:xfrm>
+          <a:prstGeom prst="rect">
+            <a:avLst/>
+          </a:prstGeom>
+          <a:noFill/>
+        </p:spPr>
+        <p:txBody>
+          <a:bodyPr wrap="square" rtlCol="0">
+            <a:spAutoFit/>
+          </a:bodyPr>
+          <a:lstStyle/>
+          <a:p>
+            <a:pPr algn="ctr"/>
+            <a:r>
+              <a:rPr lang="en-US" sz="2400" b="1"/>
+              <a:t>Step 1: Click on ‘Push’</a:t>
+            </a:r>
+          </a:p>
+        </p:txBody>
+      </p:sp>
+      <p:sp>
+        <p:nvSpPr>
+          <p:cNvPr id="17" name="Up Arrow 16"/>
+          <p:cNvSpPr/>
+          <p:nvPr/>
+        </p:nvSpPr>
+        <p:spPr>
+          <a:xfrm>
+            <a:off x="1676400" y="2768600"/>
+            <a:ext cx="406400" cy="3098800"/>
+          </a:xfrm>
+          <a:prstGeom prst="upArrow">
+            <a:avLst/>
+          </a:prstGeom>
+        </p:spPr>
+        <p:style>
+          <a:lnRef idx="1">
+            <a:schemeClr val="accent1"/>
+          </a:lnRef>
+          <a:fillRef idx="3">
+            <a:schemeClr val="accent1"/>
+          </a:fillRef>
+          <a:effectRef idx="2">
+            <a:schemeClr val="accent1"/>
+          </a:effectRef>
+          <a:fontRef idx="minor">
+            <a:schemeClr val="lt1"/>
+          </a:fontRef>
+        </p:style>
+        <p:txBody>
+          <a:bodyPr rtlCol="0" anchor="ctr"/>
+          <a:lstStyle/>
+          <a:p>
+            <a:pPr algn="ctr"/>
+            <a:endParaRPr lang="en-US"/>
           </a:p>
         </p:txBody>
       </p:sp>
@@ -7290,7 +8095,243 @@
 </p:sld>
 </file>
 
-<file path=ppt/slides/slide13.xml><?xml version="1.0" encoding="utf-8"?>
+<file path=ppt/slides/slide15.xml><?xml version="1.0" encoding="utf-8"?>
+<p:sld xmlns:a="http://schemas.openxmlformats.org/drawingml/2006/main" xmlns:r="http://schemas.openxmlformats.org/officeDocument/2006/relationships" xmlns:mc="http://schemas.openxmlformats.org/markup-compatibility/2006" xmlns:mv="urn:schemas-microsoft-com:mac:vml" xmlns:p="http://schemas.openxmlformats.org/presentationml/2006/main" mc:Ignorable="mv" mc:PreserveAttributes="mv:*">
+  <p:cSld>
+    <p:spTree>
+      <p:nvGrpSpPr>
+        <p:cNvPr id="1" name=""/>
+        <p:cNvGrpSpPr/>
+        <p:nvPr/>
+      </p:nvGrpSpPr>
+      <p:grpSpPr>
+        <a:xfrm>
+          <a:off x="0" y="0"/>
+          <a:ext cx="0" cy="0"/>
+          <a:chOff x="0" y="0"/>
+          <a:chExt cx="0" cy="0"/>
+        </a:xfrm>
+      </p:grpSpPr>
+      <p:pic>
+        <p:nvPicPr>
+          <p:cNvPr id="2" name="Picture 1" descr="Push 2.png"/>
+          <p:cNvPicPr>
+            <a:picLocks noChangeAspect="1"/>
+          </p:cNvPicPr>
+          <p:nvPr/>
+        </p:nvPicPr>
+        <p:blipFill>
+          <a:blip r:embed="rId2"/>
+          <a:stretch>
+            <a:fillRect/>
+          </a:stretch>
+        </p:blipFill>
+        <p:spPr>
+          <a:xfrm>
+            <a:off x="0" y="0"/>
+            <a:ext cx="12192000" cy="6858000"/>
+          </a:xfrm>
+          <a:prstGeom prst="rect">
+            <a:avLst/>
+          </a:prstGeom>
+        </p:spPr>
+      </p:pic>
+      <p:sp>
+        <p:nvSpPr>
+          <p:cNvPr id="3" name="Explosion 1 2"/>
+          <p:cNvSpPr/>
+          <p:nvPr/>
+        </p:nvSpPr>
+        <p:spPr>
+          <a:xfrm>
+            <a:off x="1320800" y="3454400"/>
+            <a:ext cx="3860800" cy="3048000"/>
+          </a:xfrm>
+          <a:prstGeom prst="irregularSeal1">
+            <a:avLst/>
+          </a:prstGeom>
+        </p:spPr>
+        <p:style>
+          <a:lnRef idx="1">
+            <a:schemeClr val="accent1"/>
+          </a:lnRef>
+          <a:fillRef idx="3">
+            <a:schemeClr val="accent1"/>
+          </a:fillRef>
+          <a:effectRef idx="2">
+            <a:schemeClr val="accent1"/>
+          </a:effectRef>
+          <a:fontRef idx="minor">
+            <a:schemeClr val="lt1"/>
+          </a:fontRef>
+        </p:style>
+        <p:txBody>
+          <a:bodyPr rtlCol="0" anchor="ctr"/>
+          <a:lstStyle/>
+          <a:p>
+            <a:pPr algn="ctr"/>
+            <a:endParaRPr lang="en-US"/>
+          </a:p>
+        </p:txBody>
+      </p:sp>
+      <p:sp>
+        <p:nvSpPr>
+          <p:cNvPr id="4" name="TextBox 3"/>
+          <p:cNvSpPr txBox="1"/>
+          <p:nvPr/>
+        </p:nvSpPr>
+        <p:spPr>
+          <a:xfrm>
+            <a:off x="2082800" y="4495800"/>
+            <a:ext cx="2184400" cy="646331"/>
+          </a:xfrm>
+          <a:prstGeom prst="rect">
+            <a:avLst/>
+          </a:prstGeom>
+          <a:noFill/>
+        </p:spPr>
+        <p:txBody>
+          <a:bodyPr wrap="square" rtlCol="0">
+            <a:spAutoFit/>
+          </a:bodyPr>
+          <a:lstStyle/>
+          <a:p>
+            <a:pPr algn="ctr"/>
+            <a:r>
+              <a:rPr lang="en-US" sz="3600" b="1"/>
+              <a:t>Step 2</a:t>
+            </a:r>
+          </a:p>
+        </p:txBody>
+      </p:sp>
+    </p:spTree>
+  </p:cSld>
+  <p:clrMapOvr>
+    <a:masterClrMapping/>
+  </p:clrMapOvr>
+</p:sld>
+</file>
+
+<file path=ppt/slides/slide16.xml><?xml version="1.0" encoding="utf-8"?>
+<p:sld xmlns:a="http://schemas.openxmlformats.org/drawingml/2006/main" xmlns:r="http://schemas.openxmlformats.org/officeDocument/2006/relationships" xmlns:mc="http://schemas.openxmlformats.org/markup-compatibility/2006" xmlns:mv="urn:schemas-microsoft-com:mac:vml" xmlns:p="http://schemas.openxmlformats.org/presentationml/2006/main" mc:Ignorable="mv" mc:PreserveAttributes="mv:*">
+  <p:cSld>
+    <p:spTree>
+      <p:nvGrpSpPr>
+        <p:cNvPr id="1" name=""/>
+        <p:cNvGrpSpPr/>
+        <p:nvPr/>
+      </p:nvGrpSpPr>
+      <p:grpSpPr>
+        <a:xfrm>
+          <a:off x="0" y="0"/>
+          <a:ext cx="0" cy="0"/>
+          <a:chOff x="0" y="0"/>
+          <a:chExt cx="0" cy="0"/>
+        </a:xfrm>
+      </p:grpSpPr>
+      <p:pic>
+        <p:nvPicPr>
+          <p:cNvPr id="2" name="Picture 1" descr="password.png"/>
+          <p:cNvPicPr>
+            <a:picLocks noChangeAspect="1"/>
+          </p:cNvPicPr>
+          <p:nvPr/>
+        </p:nvPicPr>
+        <p:blipFill>
+          <a:blip r:embed="rId2"/>
+          <a:stretch>
+            <a:fillRect/>
+          </a:stretch>
+        </p:blipFill>
+        <p:spPr>
+          <a:xfrm>
+            <a:off x="0" y="0"/>
+            <a:ext cx="12192000" cy="6858000"/>
+          </a:xfrm>
+          <a:prstGeom prst="rect">
+            <a:avLst/>
+          </a:prstGeom>
+        </p:spPr>
+      </p:pic>
+      <p:sp>
+        <p:nvSpPr>
+          <p:cNvPr id="3" name="Explosion 1 2"/>
+          <p:cNvSpPr/>
+          <p:nvPr/>
+        </p:nvSpPr>
+        <p:spPr>
+          <a:xfrm>
+            <a:off x="8915400" y="0"/>
+            <a:ext cx="3276600" cy="6858000"/>
+          </a:xfrm>
+          <a:prstGeom prst="irregularSeal1">
+            <a:avLst/>
+          </a:prstGeom>
+        </p:spPr>
+        <p:style>
+          <a:lnRef idx="2">
+            <a:schemeClr val="accent3">
+              <a:shade val="50000"/>
+            </a:schemeClr>
+          </a:lnRef>
+          <a:fillRef idx="1">
+            <a:schemeClr val="accent3"/>
+          </a:fillRef>
+          <a:effectRef idx="0">
+            <a:schemeClr val="accent3"/>
+          </a:effectRef>
+          <a:fontRef idx="minor">
+            <a:schemeClr val="lt1"/>
+          </a:fontRef>
+        </p:style>
+        <p:txBody>
+          <a:bodyPr rtlCol="0" anchor="ctr"/>
+          <a:lstStyle/>
+          <a:p>
+            <a:pPr algn="ctr"/>
+            <a:endParaRPr lang="en-US"/>
+          </a:p>
+        </p:txBody>
+      </p:sp>
+      <p:sp>
+        <p:nvSpPr>
+          <p:cNvPr id="4" name="TextBox 3"/>
+          <p:cNvSpPr txBox="1"/>
+          <p:nvPr/>
+        </p:nvSpPr>
+        <p:spPr>
+          <a:xfrm>
+            <a:off x="9626600" y="2082800"/>
+            <a:ext cx="1778000" cy="3046988"/>
+          </a:xfrm>
+          <a:prstGeom prst="rect">
+            <a:avLst/>
+          </a:prstGeom>
+          <a:noFill/>
+        </p:spPr>
+        <p:txBody>
+          <a:bodyPr wrap="square" rtlCol="0">
+            <a:spAutoFit/>
+          </a:bodyPr>
+          <a:lstStyle/>
+          <a:p>
+            <a:pPr algn="ctr"/>
+            <a:r>
+              <a:rPr lang="en-US" sz="2400" b="1"/>
+              <a:t>Step 3: You may have to enter your GitHub Username and Password!</a:t>
+            </a:r>
+          </a:p>
+        </p:txBody>
+      </p:sp>
+    </p:spTree>
+  </p:cSld>
+  <p:clrMapOvr>
+    <a:masterClrMapping/>
+  </p:clrMapOvr>
+</p:sld>
+</file>
+
+<file path=ppt/slides/slide17.xml><?xml version="1.0" encoding="utf-8"?>
 <p:sld xmlns:a="http://schemas.openxmlformats.org/drawingml/2006/main" xmlns:r="http://schemas.openxmlformats.org/officeDocument/2006/relationships" xmlns:mc="http://schemas.openxmlformats.org/markup-compatibility/2006" xmlns:mv="urn:schemas-microsoft-com:mac:vml" xmlns:p="http://schemas.openxmlformats.org/presentationml/2006/main" mc:Ignorable="mv" mc:PreserveAttributes="mv:*">
   <p:cSld>
     <p:spTree>
@@ -9525,6 +10566,30 @@
           <a:chExt cx="0" cy="0"/>
         </a:xfrm>
       </p:grpSpPr>
+      <p:pic>
+        <p:nvPicPr>
+          <p:cNvPr id="8" name="Picture 7" descr="Screen Shot 2015-05-08 at 1.51.56 PM.png"/>
+          <p:cNvPicPr>
+            <a:picLocks noChangeAspect="1"/>
+          </p:cNvPicPr>
+          <p:nvPr/>
+        </p:nvPicPr>
+        <p:blipFill>
+          <a:blip r:embed="rId2"/>
+          <a:stretch>
+            <a:fillRect/>
+          </a:stretch>
+        </p:blipFill>
+        <p:spPr>
+          <a:xfrm>
+            <a:off x="0" y="998948"/>
+            <a:ext cx="11836400" cy="5859052"/>
+          </a:xfrm>
+          <a:prstGeom prst="rect">
+            <a:avLst/>
+          </a:prstGeom>
+        </p:spPr>
+      </p:pic>
       <p:sp>
         <p:nvSpPr>
           <p:cNvPr id="2" name="Title 1"/>
@@ -9537,8 +10602,8 @@
         </p:nvSpPr>
         <p:spPr>
           <a:xfrm>
-            <a:off x="387475" y="0"/>
-            <a:ext cx="8596668" cy="830419"/>
+            <a:off x="423334" y="304800"/>
+            <a:ext cx="8596668" cy="1320800"/>
           </a:xfrm>
         </p:spPr>
         <p:txBody>
@@ -9546,136 +10611,157 @@
           <a:lstStyle/>
           <a:p>
             <a:r>
-              <a:rPr lang="en-US" dirty="0" smtClean="0"/>
-              <a:t>Commit</a:t>
-            </a:r>
-            <a:endParaRPr lang="en-US" dirty="0"/>
-          </a:p>
-        </p:txBody>
-      </p:sp>
-      <p:sp>
-        <p:nvSpPr>
-          <p:cNvPr id="3" name="Content Placeholder 2"/>
-          <p:cNvSpPr>
-            <a:spLocks noGrp="1"/>
-          </p:cNvSpPr>
-          <p:nvPr>
-            <p:ph sz="half" idx="1"/>
-          </p:nvPr>
-        </p:nvSpPr>
-        <p:spPr>
-          <a:xfrm>
-            <a:off x="300307" y="667578"/>
-            <a:ext cx="10814328" cy="5537943"/>
-          </a:xfrm>
-        </p:spPr>
-        <p:txBody>
-          <a:bodyPr>
-            <a:normAutofit/>
+              <a:rPr lang="en-US"/>
+              <a:t>After cloning…</a:t>
+            </a:r>
+          </a:p>
+        </p:txBody>
+      </p:sp>
+      <p:sp>
+        <p:nvSpPr>
+          <p:cNvPr id="6" name="Explosion 1 5"/>
+          <p:cNvSpPr/>
+          <p:nvPr/>
+        </p:nvSpPr>
+        <p:spPr>
+          <a:xfrm>
+            <a:off x="6675823" y="2466683"/>
+            <a:ext cx="5029200" cy="3581400"/>
+          </a:xfrm>
+          <a:prstGeom prst="irregularSeal1">
+            <a:avLst/>
+          </a:prstGeom>
+        </p:spPr>
+        <p:style>
+          <a:lnRef idx="2">
+            <a:schemeClr val="accent3">
+              <a:shade val="50000"/>
+            </a:schemeClr>
+          </a:lnRef>
+          <a:fillRef idx="1">
+            <a:schemeClr val="accent3"/>
+          </a:fillRef>
+          <a:effectRef idx="0">
+            <a:schemeClr val="accent3"/>
+          </a:effectRef>
+          <a:fontRef idx="minor">
+            <a:schemeClr val="lt1"/>
+          </a:fontRef>
+        </p:style>
+        <p:txBody>
+          <a:bodyPr rtlCol="0" anchor="ctr"/>
+          <a:lstStyle/>
+          <a:p>
+            <a:pPr algn="ctr"/>
+            <a:endParaRPr lang="en-US"/>
+          </a:p>
+        </p:txBody>
+      </p:sp>
+      <p:sp>
+        <p:nvSpPr>
+          <p:cNvPr id="7" name="TextBox 6"/>
+          <p:cNvSpPr txBox="1"/>
+          <p:nvPr/>
+        </p:nvSpPr>
+        <p:spPr>
+          <a:xfrm>
+            <a:off x="7670800" y="3327400"/>
+            <a:ext cx="2895600" cy="1569660"/>
+          </a:xfrm>
+          <a:prstGeom prst="rect">
+            <a:avLst/>
+          </a:prstGeom>
+          <a:noFill/>
+        </p:spPr>
+        <p:txBody>
+          <a:bodyPr wrap="square" rtlCol="0">
+            <a:spAutoFit/>
           </a:bodyPr>
           <a:lstStyle/>
           <a:p>
-            <a:pPr marL="0" indent="0"/>
-            <a:r>
-              <a:rPr lang="en-US" sz="2400" dirty="0" smtClean="0">
-                <a:solidFill>
-                  <a:schemeClr val="tx1"/>
-                </a:solidFill>
-              </a:rPr>
-              <a:t>Tells </a:t>
-            </a:r>
-            <a:r>
-              <a:rPr lang="en-US" sz="2400" dirty="0" err="1" smtClean="0">
-                <a:solidFill>
-                  <a:schemeClr val="tx1"/>
-                </a:solidFill>
-              </a:rPr>
-              <a:t>G</a:t>
-            </a:r>
-            <a:r>
-              <a:rPr lang="en-US" sz="2400" dirty="0" err="1" smtClean="0">
-                <a:solidFill>
-                  <a:schemeClr val="tx1"/>
-                </a:solidFill>
-              </a:rPr>
-              <a:t>it</a:t>
-            </a:r>
-            <a:r>
-              <a:rPr lang="en-US" sz="2400" dirty="0" smtClean="0">
-                <a:solidFill>
-                  <a:schemeClr val="tx1"/>
-                </a:solidFill>
-              </a:rPr>
-              <a:t> that the current state of all your files is important. </a:t>
-            </a:r>
-          </a:p>
-          <a:p>
-            <a:pPr marL="0" indent="0"/>
-            <a:r>
-              <a:rPr lang="en-US" sz="2400" dirty="0" smtClean="0">
-                <a:solidFill>
-                  <a:schemeClr val="tx1"/>
-                </a:solidFill>
-              </a:rPr>
-              <a:t>Make sure that new files have been added first. </a:t>
-            </a:r>
-          </a:p>
-          <a:p>
-            <a:pPr marL="0" indent="0"/>
-            <a:r>
-              <a:rPr lang="en-US" sz="2400" dirty="0" smtClean="0">
-                <a:solidFill>
-                  <a:schemeClr val="tx1"/>
-                </a:solidFill>
-              </a:rPr>
-              <a:t>Make sure that new files have been added first. </a:t>
-            </a:r>
-          </a:p>
-          <a:p>
-            <a:pPr marL="0" indent="0"/>
-            <a:endParaRPr lang="en-US" sz="2400" dirty="0" smtClean="0">
-              <a:solidFill>
-                <a:schemeClr val="tx1"/>
-              </a:solidFill>
-            </a:endParaRPr>
-          </a:p>
-          <a:p>
-            <a:pPr marL="0" indent="0"/>
-            <a:endParaRPr lang="en-US" sz="2400" dirty="0" smtClean="0">
-              <a:solidFill>
-                <a:schemeClr val="tx1"/>
-              </a:solidFill>
-            </a:endParaRPr>
-          </a:p>
-          <a:p>
-            <a:pPr marL="0" lvl="1" indent="0">
-              <a:buNone/>
-            </a:pPr>
-            <a:endParaRPr lang="en-US" sz="1800" dirty="0">
-              <a:solidFill>
-                <a:srgbClr val="00B050"/>
-              </a:solidFill>
-            </a:endParaRPr>
+            <a:pPr algn="ctr"/>
+            <a:r>
+              <a:rPr lang="en-US" sz="3200" b="1"/>
+              <a:t>Local Files have been modified</a:t>
+            </a:r>
+          </a:p>
+        </p:txBody>
+      </p:sp>
+      <p:sp>
+        <p:nvSpPr>
+          <p:cNvPr id="9" name="Explosion 1 8"/>
+          <p:cNvSpPr/>
+          <p:nvPr/>
+        </p:nvSpPr>
+        <p:spPr>
+          <a:xfrm>
+            <a:off x="1422400" y="3860800"/>
+            <a:ext cx="3225800" cy="1778000"/>
+          </a:xfrm>
+          <a:prstGeom prst="irregularSeal1">
+            <a:avLst/>
+          </a:prstGeom>
+        </p:spPr>
+        <p:style>
+          <a:lnRef idx="2">
+            <a:schemeClr val="accent3">
+              <a:shade val="50000"/>
+            </a:schemeClr>
+          </a:lnRef>
+          <a:fillRef idx="1">
+            <a:schemeClr val="accent3"/>
+          </a:fillRef>
+          <a:effectRef idx="0">
+            <a:schemeClr val="accent3"/>
+          </a:effectRef>
+          <a:fontRef idx="minor">
+            <a:schemeClr val="lt1"/>
+          </a:fontRef>
+        </p:style>
+        <p:txBody>
+          <a:bodyPr rtlCol="0" anchor="ctr"/>
+          <a:lstStyle/>
+          <a:p>
+            <a:pPr algn="ctr"/>
+            <a:endParaRPr lang="en-US"/>
+          </a:p>
+        </p:txBody>
+      </p:sp>
+      <p:sp>
+        <p:nvSpPr>
+          <p:cNvPr id="10" name="TextBox 9"/>
+          <p:cNvSpPr txBox="1"/>
+          <p:nvPr/>
+        </p:nvSpPr>
+        <p:spPr>
+          <a:xfrm>
+            <a:off x="1955800" y="4343400"/>
+            <a:ext cx="2032000" cy="830997"/>
+          </a:xfrm>
+          <a:prstGeom prst="rect">
+            <a:avLst/>
+          </a:prstGeom>
+          <a:noFill/>
+        </p:spPr>
+        <p:txBody>
+          <a:bodyPr wrap="square" rtlCol="0">
+            <a:spAutoFit/>
+          </a:bodyPr>
+          <a:lstStyle/>
+          <a:p>
+            <a:pPr algn="ctr"/>
+            <a:r>
+              <a:rPr lang="en-US" sz="2400" b="1"/>
+              <a:t>View Branches</a:t>
+            </a:r>
           </a:p>
         </p:txBody>
       </p:sp>
     </p:spTree>
-    <p:extLst>
-      <p:ext uri="{BB962C8B-B14F-4D97-AF65-F5344CB8AC3E}">
-        <p14:creationId xmlns="" xmlns:a="http://schemas.openxmlformats.org/drawingml/2006/main" xmlns:r="http://schemas.openxmlformats.org/officeDocument/2006/relationships" xmlns:p="http://schemas.openxmlformats.org/presentationml/2006/main" xmlns:p14="http://schemas.microsoft.com/office/powerpoint/2010/main" xmlns:mv="urn:schemas-microsoft-com:mac:vml" xmlns:mc="http://schemas.openxmlformats.org/markup-compatibility/2006" val="520927691"/>
-      </p:ext>
-    </p:extLst>
   </p:cSld>
   <p:clrMapOvr>
     <a:masterClrMapping/>
   </p:clrMapOvr>
-  <p:timing>
-    <p:tnLst>
-      <p:par>
-        <p:cTn id="1" dur="indefinite" restart="never" nodeType="tmRoot"/>
-      </p:par>
-    </p:tnLst>
-  </p:timing>
 </p:sld>
 </file>
 

--- a/IntroToGitHub&SmartGit-v3.1.pptx
+++ b/IntroToGitHub&SmartGit-v3.1.pptx
@@ -1,11 +1,11 @@
 
 <file path=ppt/presentation.xml><?xml version="1.0" encoding="utf-8"?>
-<p:presentation xmlns:a="http://schemas.openxmlformats.org/drawingml/2006/main" xmlns:r="http://schemas.openxmlformats.org/officeDocument/2006/relationships" xmlns:mc="http://schemas.openxmlformats.org/markup-compatibility/2006" xmlns:mv="urn:schemas-microsoft-com:mac:vml" xmlns:p="http://schemas.openxmlformats.org/presentationml/2006/main" mc:Ignorable="mv" mc:PreserveAttributes="mv:*" saveSubsetFonts="1">
+<p:presentation xmlns:a="http://schemas.openxmlformats.org/drawingml/2006/main" xmlns:r="http://schemas.openxmlformats.org/officeDocument/2006/relationships" xmlns:p="http://schemas.openxmlformats.org/presentationml/2006/main" saveSubsetFonts="1">
   <p:sldMasterIdLst>
     <p:sldMasterId id="2147483707" r:id="rId1"/>
   </p:sldMasterIdLst>
   <p:notesMasterIdLst>
-    <p:notesMasterId r:id="rId19"/>
+    <p:notesMasterId r:id="rId21"/>
   </p:notesMasterIdLst>
   <p:sldIdLst>
     <p:sldId id="256" r:id="rId2"/>
@@ -24,7 +24,9 @@
     <p:sldId id="265" r:id="rId15"/>
     <p:sldId id="284" r:id="rId16"/>
     <p:sldId id="285" r:id="rId17"/>
-    <p:sldId id="268" r:id="rId18"/>
+    <p:sldId id="287" r:id="rId18"/>
+    <p:sldId id="286" r:id="rId19"/>
+    <p:sldId id="268" r:id="rId20"/>
   </p:sldIdLst>
   <p:sldSz cx="12192000" cy="6858000"/>
   <p:notesSz cx="6858000" cy="9144000"/>
@@ -125,7 +127,7 @@
   </p:defaultTextStyle>
   <p:extLst>
     <p:ext uri="{EFAFB233-063F-42B5-8137-9DF3F51BA10A}">
-      <p15:sldGuideLst xmlns="" xmlns:a="http://schemas.openxmlformats.org/drawingml/2006/main" xmlns:r="http://schemas.openxmlformats.org/officeDocument/2006/relationships" xmlns:p="http://schemas.openxmlformats.org/presentationml/2006/main" xmlns:p15="http://schemas.microsoft.com/office/powerpoint/2012/main" xmlns:mv="urn:schemas-microsoft-com:mac:vml" xmlns:mc="http://schemas.openxmlformats.org/markup-compatibility/2006">
+      <p15:sldGuideLst xmlns:p15="http://schemas.microsoft.com/office/powerpoint/2012/main">
         <p15:guide id="1" orient="horz" pos="2160">
           <p15:clr>
             <a:srgbClr val="A4A3A4"/>
@@ -143,18 +145,18 @@
 </file>
 
 <file path=ppt/commentAuthors.xml><?xml version="1.0" encoding="utf-8"?>
-<p:cmAuthorLst xmlns:a="http://schemas.openxmlformats.org/drawingml/2006/main" xmlns:r="http://schemas.openxmlformats.org/officeDocument/2006/relationships" xmlns:mc="http://schemas.openxmlformats.org/markup-compatibility/2006" xmlns:mv="urn:schemas-microsoft-com:mac:vml" xmlns:p="http://schemas.openxmlformats.org/presentationml/2006/main" mc:Ignorable="mv" mc:PreserveAttributes="mv:*">
+<p:cmAuthorLst xmlns:a="http://schemas.openxmlformats.org/drawingml/2006/main" xmlns:r="http://schemas.openxmlformats.org/officeDocument/2006/relationships" xmlns:p="http://schemas.openxmlformats.org/presentationml/2006/main">
   <p:cmAuthor id="1" name="Joseph Sempa" initials="JS" lastIdx="7" clrIdx="0">
     <p:extLst>
       <p:ext uri="{19B8F6BF-5375-455C-9EA6-DF929625EA0E}">
-        <p15:presenceInfo xmlns="" xmlns:a="http://schemas.openxmlformats.org/drawingml/2006/main" xmlns:r="http://schemas.openxmlformats.org/officeDocument/2006/relationships" xmlns:p="http://schemas.openxmlformats.org/presentationml/2006/main" xmlns:p15="http://schemas.microsoft.com/office/powerpoint/2012/main" xmlns:mv="urn:schemas-microsoft-com:mac:vml" xmlns:mc="http://schemas.openxmlformats.org/markup-compatibility/2006" userId="6a318720dea0050f" providerId="Windows Live"/>
+        <p15:presenceInfo xmlns:p15="http://schemas.microsoft.com/office/powerpoint/2012/main" userId="6a318720dea0050f" providerId="Windows Live"/>
       </p:ext>
     </p:extLst>
   </p:cmAuthor>
   <p:cmAuthor id="2" name="Eva" initials="E" lastIdx="5" clrIdx="1">
     <p:extLst>
       <p:ext uri="{19B8F6BF-5375-455C-9EA6-DF929625EA0E}">
-        <p15:presenceInfo xmlns="" xmlns:a="http://schemas.openxmlformats.org/drawingml/2006/main" xmlns:r="http://schemas.openxmlformats.org/officeDocument/2006/relationships" xmlns:p="http://schemas.openxmlformats.org/presentationml/2006/main" xmlns:p15="http://schemas.microsoft.com/office/powerpoint/2012/main" xmlns:mv="urn:schemas-microsoft-com:mac:vml" xmlns:mc="http://schemas.openxmlformats.org/markup-compatibility/2006" userId="Eva" providerId="None"/>
+        <p15:presenceInfo xmlns:p15="http://schemas.microsoft.com/office/powerpoint/2012/main" userId="Eva" providerId="None"/>
       </p:ext>
     </p:extLst>
   </p:cmAuthor>
@@ -163,7 +165,7 @@
 </file>
 
 <file path=ppt/notesMasters/notesMaster1.xml><?xml version="1.0" encoding="utf-8"?>
-<p:notesMaster xmlns:a="http://schemas.openxmlformats.org/drawingml/2006/main" xmlns:r="http://schemas.openxmlformats.org/officeDocument/2006/relationships" xmlns:mc="http://schemas.openxmlformats.org/markup-compatibility/2006" xmlns:mv="urn:schemas-microsoft-com:mac:vml" xmlns:p="http://schemas.openxmlformats.org/presentationml/2006/main" mc:Ignorable="mv" mc:PreserveAttributes="mv:*">
+<p:notesMaster xmlns:a="http://schemas.openxmlformats.org/drawingml/2006/main" xmlns:r="http://schemas.openxmlformats.org/officeDocument/2006/relationships" xmlns:p="http://schemas.openxmlformats.org/presentationml/2006/main">
   <p:cSld>
     <p:bg>
       <p:bgRef idx="1001">
@@ -245,7 +247,7 @@
             <a:fld id="{12320EBB-C57D-4679-B90E-3AE205263646}" type="datetimeFigureOut">
               <a:rPr lang="en-US" smtClean="0"/>
               <a:pPr/>
-              <a:t>5/8/15</a:t>
+              <a:t>11-May-15</a:t>
             </a:fld>
             <a:endParaRPr lang="en-US"/>
           </a:p>
@@ -414,7 +416,7 @@
     </p:spTree>
     <p:extLst>
       <p:ext uri="{BB962C8B-B14F-4D97-AF65-F5344CB8AC3E}">
-        <p14:creationId xmlns="" xmlns:a="http://schemas.openxmlformats.org/drawingml/2006/main" xmlns:r="http://schemas.openxmlformats.org/officeDocument/2006/relationships" xmlns:p="http://schemas.openxmlformats.org/presentationml/2006/main" xmlns:p14="http://schemas.microsoft.com/office/powerpoint/2010/main" xmlns:mv="urn:schemas-microsoft-com:mac:vml" xmlns:mc="http://schemas.openxmlformats.org/markup-compatibility/2006" val="2700682020"/>
+        <p14:creationId xmlns:p14="http://schemas.microsoft.com/office/powerpoint/2010/main" val="2700682020"/>
       </p:ext>
     </p:extLst>
   </p:cSld>
@@ -515,7 +517,7 @@
 </file>
 
 <file path=ppt/notesSlides/notesSlide1.xml><?xml version="1.0" encoding="utf-8"?>
-<p:notes xmlns:a="http://schemas.openxmlformats.org/drawingml/2006/main" xmlns:r="http://schemas.openxmlformats.org/officeDocument/2006/relationships" xmlns:mc="http://schemas.openxmlformats.org/markup-compatibility/2006" xmlns:mv="urn:schemas-microsoft-com:mac:vml" xmlns:p="http://schemas.openxmlformats.org/presentationml/2006/main" mc:Ignorable="mv" mc:PreserveAttributes="mv:*">
+<p:notes xmlns:a="http://schemas.openxmlformats.org/drawingml/2006/main" xmlns:r="http://schemas.openxmlformats.org/officeDocument/2006/relationships" xmlns:p="http://schemas.openxmlformats.org/presentationml/2006/main">
   <p:cSld>
     <p:spTree>
       <p:nvGrpSpPr>
@@ -558,49 +560,6 @@
           <a:bodyPr/>
           <a:lstStyle/>
           <a:p>
-            <a:r>
-              <a:rPr lang="en-US" dirty="0" smtClean="0"/>
-              <a:t>Open</a:t>
-            </a:r>
-            <a:r>
-              <a:rPr lang="en-US" baseline="0" dirty="0" smtClean="0"/>
-              <a:t> </a:t>
-            </a:r>
-            <a:r>
-              <a:rPr lang="en-US" baseline="0" dirty="0" err="1" smtClean="0"/>
-              <a:t>SmartGit</a:t>
-            </a:r>
-            <a:r>
-              <a:rPr lang="en-US" baseline="0" dirty="0" smtClean="0"/>
-              <a:t> and while there do the following</a:t>
-            </a:r>
-          </a:p>
-          <a:p>
-            <a:r>
-              <a:rPr lang="en-US" baseline="0" dirty="0" smtClean="0"/>
-              <a:t>Step 1: Click on Clone / New to bring up the dialogue box “Clone / Add / Create Repository”</a:t>
-            </a:r>
-          </a:p>
-          <a:p>
-            <a:r>
-              <a:rPr lang="en-US" baseline="0" dirty="0" smtClean="0"/>
-              <a:t>Step 2: Click on the most right icon opposite “Source Path/ URL”. This will take you to a list of your online repositories under your username. While there pick the repository you want to clone</a:t>
-            </a:r>
-          </a:p>
-          <a:p>
-            <a:r>
-              <a:rPr lang="en-US" baseline="0" dirty="0" smtClean="0"/>
-              <a:t>Step 3: Click on the most right icon opposite “Destination Path”. This will help you choose a local folder on your machine where you want to host the repository. This folder MUST be empty else you will receive an error message</a:t>
-            </a:r>
-          </a:p>
-          <a:p>
-            <a:endParaRPr lang="en-US" baseline="0" dirty="0" smtClean="0"/>
-          </a:p>
-          <a:p>
-            <a:r>
-              <a:rPr lang="en-US" baseline="0" dirty="0" smtClean="0"/>
-              <a:t>After process to click on Clone</a:t>
-            </a:r>
             <a:endParaRPr lang="en-US" dirty="0"/>
           </a:p>
         </p:txBody>
@@ -632,7 +591,7 @@
     </p:spTree>
     <p:extLst>
       <p:ext uri="{BB962C8B-B14F-4D97-AF65-F5344CB8AC3E}">
-        <p14:creationId xmlns="" xmlns:a="http://schemas.openxmlformats.org/drawingml/2006/main" xmlns:r="http://schemas.openxmlformats.org/officeDocument/2006/relationships" xmlns:p="http://schemas.openxmlformats.org/presentationml/2006/main" xmlns:p14="http://schemas.microsoft.com/office/powerpoint/2010/main" xmlns:mv="urn:schemas-microsoft-com:mac:vml" xmlns:mc="http://schemas.openxmlformats.org/markup-compatibility/2006" val="3125911225"/>
+        <p14:creationId xmlns:p14="http://schemas.microsoft.com/office/powerpoint/2010/main" val="3125911225"/>
       </p:ext>
     </p:extLst>
   </p:cSld>
@@ -643,7 +602,7 @@
 </file>
 
 <file path=ppt/notesSlides/notesSlide2.xml><?xml version="1.0" encoding="utf-8"?>
-<p:notes xmlns:a="http://schemas.openxmlformats.org/drawingml/2006/main" xmlns:r="http://schemas.openxmlformats.org/officeDocument/2006/relationships" xmlns:mc="http://schemas.openxmlformats.org/markup-compatibility/2006" xmlns:mv="urn:schemas-microsoft-com:mac:vml" xmlns:p="http://schemas.openxmlformats.org/presentationml/2006/main" mc:Ignorable="mv" mc:PreserveAttributes="mv:*">
+<p:notes xmlns:a="http://schemas.openxmlformats.org/drawingml/2006/main" xmlns:r="http://schemas.openxmlformats.org/officeDocument/2006/relationships" xmlns:p="http://schemas.openxmlformats.org/presentationml/2006/main">
   <p:cSld>
     <p:spTree>
       <p:nvGrpSpPr>
@@ -686,227 +645,6 @@
           <a:bodyPr/>
           <a:lstStyle/>
           <a:p>
-            <a:r>
-              <a:rPr lang="en-US" dirty="0" smtClean="0"/>
-              <a:t>Ref: https://github.com/GSoft-SharePoint/Dynamite/wiki/Git-step-by-step:-Part-1</a:t>
-            </a:r>
-          </a:p>
-          <a:p>
-            <a:endParaRPr lang="en-US" dirty="0" smtClean="0"/>
-          </a:p>
-          <a:p>
-            <a:r>
-              <a:rPr lang="en-US" dirty="0" smtClean="0"/>
-              <a:t>For Linux:</a:t>
-            </a:r>
-          </a:p>
-          <a:p>
-            <a:r>
-              <a:rPr lang="en-US" dirty="0" err="1" smtClean="0"/>
-              <a:t>git</a:t>
-            </a:r>
-            <a:r>
-              <a:rPr lang="en-US" dirty="0" smtClean="0"/>
-              <a:t> branch –a list all local and remote branches</a:t>
-            </a:r>
-          </a:p>
-          <a:p>
-            <a:pPr marL="0" marR="0" indent="0" algn="l" defTabSz="914400" rtl="0" eaLnBrk="1" fontAlgn="auto" latinLnBrk="0" hangingPunct="1">
-              <a:lnSpc>
-                <a:spcPct val="100000"/>
-              </a:lnSpc>
-              <a:spcBef>
-                <a:spcPts val="0"/>
-              </a:spcBef>
-              <a:spcAft>
-                <a:spcPts val="0"/>
-              </a:spcAft>
-              <a:buClrTx/>
-              <a:buSzTx/>
-              <a:buFontTx/>
-              <a:buNone/>
-              <a:tabLst/>
-              <a:defRPr/>
-            </a:pPr>
-            <a:r>
-              <a:rPr lang="en-US" dirty="0" err="1" smtClean="0"/>
-              <a:t>git</a:t>
-            </a:r>
-            <a:r>
-              <a:rPr lang="en-US" dirty="0" smtClean="0"/>
-              <a:t> branch –r list only remote branches</a:t>
-            </a:r>
-          </a:p>
-          <a:p>
-            <a:pPr marL="0" marR="0" indent="0" algn="l" defTabSz="914400" rtl="0" eaLnBrk="1" fontAlgn="auto" latinLnBrk="0" hangingPunct="1">
-              <a:lnSpc>
-                <a:spcPct val="100000"/>
-              </a:lnSpc>
-              <a:spcBef>
-                <a:spcPts val="0"/>
-              </a:spcBef>
-              <a:spcAft>
-                <a:spcPts val="0"/>
-              </a:spcAft>
-              <a:buClrTx/>
-              <a:buSzTx/>
-              <a:buFontTx/>
-              <a:buNone/>
-              <a:tabLst/>
-              <a:defRPr/>
-            </a:pPr>
-            <a:r>
-              <a:rPr lang="en-US" dirty="0" err="1" smtClean="0"/>
-              <a:t>git</a:t>
-            </a:r>
-            <a:r>
-              <a:rPr lang="en-US" dirty="0" smtClean="0"/>
-              <a:t> branch </a:t>
-            </a:r>
-            <a:r>
-              <a:rPr lang="en-US" baseline="0" dirty="0" smtClean="0"/>
-              <a:t> list only </a:t>
-            </a:r>
-            <a:r>
-              <a:rPr lang="en-US" dirty="0" smtClean="0"/>
-              <a:t>local branches</a:t>
-            </a:r>
-          </a:p>
-          <a:p>
-            <a:pPr marL="0" marR="0" indent="0" algn="l" defTabSz="914400" rtl="0" eaLnBrk="1" fontAlgn="auto" latinLnBrk="0" hangingPunct="1">
-              <a:lnSpc>
-                <a:spcPct val="100000"/>
-              </a:lnSpc>
-              <a:spcBef>
-                <a:spcPts val="0"/>
-              </a:spcBef>
-              <a:spcAft>
-                <a:spcPts val="0"/>
-              </a:spcAft>
-              <a:buClrTx/>
-              <a:buSzTx/>
-              <a:buFontTx/>
-              <a:buNone/>
-              <a:tabLst/>
-              <a:defRPr/>
-            </a:pPr>
-            <a:r>
-              <a:rPr lang="en-US" dirty="0" err="1" smtClean="0"/>
-              <a:t>git</a:t>
-            </a:r>
-            <a:r>
-              <a:rPr lang="en-US" dirty="0" smtClean="0"/>
-              <a:t> show-branch list</a:t>
-            </a:r>
-            <a:r>
-              <a:rPr lang="en-US" baseline="0" dirty="0" smtClean="0"/>
-              <a:t> bra</a:t>
-            </a:r>
-            <a:r>
-              <a:rPr lang="en-US" dirty="0" smtClean="0"/>
-              <a:t>nches with their commits.</a:t>
-            </a:r>
-          </a:p>
-          <a:p>
-            <a:pPr marL="0" marR="0" indent="0" algn="l" defTabSz="914400" rtl="0" eaLnBrk="1" fontAlgn="auto" latinLnBrk="0" hangingPunct="1">
-              <a:lnSpc>
-                <a:spcPct val="100000"/>
-              </a:lnSpc>
-              <a:spcBef>
-                <a:spcPts val="0"/>
-              </a:spcBef>
-              <a:spcAft>
-                <a:spcPts val="0"/>
-              </a:spcAft>
-              <a:buClrTx/>
-              <a:buSzTx/>
-              <a:buFontTx/>
-              <a:buNone/>
-              <a:tabLst/>
-              <a:defRPr/>
-            </a:pPr>
-            <a:r>
-              <a:rPr lang="en-US" dirty="0" err="1" smtClean="0"/>
-              <a:t>git</a:t>
-            </a:r>
-            <a:r>
-              <a:rPr lang="en-US" dirty="0" smtClean="0"/>
-              <a:t> remote</a:t>
-            </a:r>
-            <a:r>
-              <a:rPr lang="en-US" baseline="0" dirty="0" smtClean="0"/>
-              <a:t> list all available remote (-v adds the </a:t>
-            </a:r>
-            <a:r>
-              <a:rPr lang="en-US" baseline="0" dirty="0" err="1" smtClean="0"/>
-              <a:t>url</a:t>
-            </a:r>
-            <a:r>
-              <a:rPr lang="en-US" baseline="0" dirty="0" smtClean="0"/>
-              <a:t> after the name)</a:t>
-            </a:r>
-          </a:p>
-          <a:p>
-            <a:pPr marL="0" marR="0" indent="0" algn="l" defTabSz="914400" rtl="0" eaLnBrk="1" fontAlgn="auto" latinLnBrk="0" hangingPunct="1">
-              <a:lnSpc>
-                <a:spcPct val="100000"/>
-              </a:lnSpc>
-              <a:spcBef>
-                <a:spcPts val="0"/>
-              </a:spcBef>
-              <a:spcAft>
-                <a:spcPts val="0"/>
-              </a:spcAft>
-              <a:buClrTx/>
-              <a:buSzTx/>
-              <a:buFontTx/>
-              <a:buNone/>
-              <a:tabLst/>
-              <a:defRPr/>
-            </a:pPr>
-            <a:endParaRPr lang="en-US" dirty="0" smtClean="0"/>
-          </a:p>
-          <a:p>
-            <a:pPr marL="0" marR="0" indent="0" algn="l" defTabSz="914400" rtl="0" eaLnBrk="1" fontAlgn="auto" latinLnBrk="0" hangingPunct="1">
-              <a:lnSpc>
-                <a:spcPct val="100000"/>
-              </a:lnSpc>
-              <a:spcBef>
-                <a:spcPts val="0"/>
-              </a:spcBef>
-              <a:spcAft>
-                <a:spcPts val="0"/>
-              </a:spcAft>
-              <a:buClrTx/>
-              <a:buSzTx/>
-              <a:buFontTx/>
-              <a:buNone/>
-              <a:tabLst/>
-              <a:defRPr/>
-            </a:pPr>
-            <a:endParaRPr lang="en-US" dirty="0" smtClean="0"/>
-          </a:p>
-          <a:p>
-            <a:pPr marL="0" marR="0" indent="0" algn="l" defTabSz="914400" rtl="0" eaLnBrk="1" fontAlgn="auto" latinLnBrk="0" hangingPunct="1">
-              <a:lnSpc>
-                <a:spcPct val="100000"/>
-              </a:lnSpc>
-              <a:spcBef>
-                <a:spcPts val="0"/>
-              </a:spcBef>
-              <a:spcAft>
-                <a:spcPts val="0"/>
-              </a:spcAft>
-              <a:buClrTx/>
-              <a:buSzTx/>
-              <a:buFontTx/>
-              <a:buNone/>
-              <a:tabLst/>
-              <a:defRPr/>
-            </a:pPr>
-            <a:endParaRPr lang="en-US" dirty="0" smtClean="0"/>
-          </a:p>
-          <a:p>
             <a:endParaRPr lang="en-US" dirty="0"/>
           </a:p>
         </p:txBody>
@@ -938,7 +676,7 @@
     </p:spTree>
     <p:extLst>
       <p:ext uri="{BB962C8B-B14F-4D97-AF65-F5344CB8AC3E}">
-        <p14:creationId xmlns="" xmlns:a="http://schemas.openxmlformats.org/drawingml/2006/main" xmlns:r="http://schemas.openxmlformats.org/officeDocument/2006/relationships" xmlns:p="http://schemas.openxmlformats.org/presentationml/2006/main" xmlns:p14="http://schemas.microsoft.com/office/powerpoint/2010/main" xmlns:mv="urn:schemas-microsoft-com:mac:vml" xmlns:mc="http://schemas.openxmlformats.org/markup-compatibility/2006" val="978467445"/>
+        <p14:creationId xmlns:p14="http://schemas.microsoft.com/office/powerpoint/2010/main" val="978467445"/>
       </p:ext>
     </p:extLst>
   </p:cSld>
@@ -949,7 +687,7 @@
 </file>
 
 <file path=ppt/notesSlides/notesSlide3.xml><?xml version="1.0" encoding="utf-8"?>
-<p:notes xmlns:a="http://schemas.openxmlformats.org/drawingml/2006/main" xmlns:r="http://schemas.openxmlformats.org/officeDocument/2006/relationships" xmlns:mc="http://schemas.openxmlformats.org/markup-compatibility/2006" xmlns:mv="urn:schemas-microsoft-com:mac:vml" xmlns:p="http://schemas.openxmlformats.org/presentationml/2006/main" mc:Ignorable="mv" mc:PreserveAttributes="mv:*">
+<p:notes xmlns:a="http://schemas.openxmlformats.org/drawingml/2006/main" xmlns:r="http://schemas.openxmlformats.org/officeDocument/2006/relationships" xmlns:p="http://schemas.openxmlformats.org/presentationml/2006/main">
   <p:cSld>
     <p:spTree>
       <p:nvGrpSpPr>
@@ -992,10 +730,6 @@
           <a:bodyPr/>
           <a:lstStyle/>
           <a:p>
-            <a:r>
-              <a:rPr lang="en-US" dirty="0" smtClean="0"/>
-              <a:t>Reference: https://github.com/GSoft-SharePoint/Dynamite/wiki/Git-step-by-step:-Part-2</a:t>
-            </a:r>
             <a:endParaRPr lang="en-US" dirty="0"/>
           </a:p>
         </p:txBody>
@@ -1027,7 +761,7 @@
     </p:spTree>
     <p:extLst>
       <p:ext uri="{BB962C8B-B14F-4D97-AF65-F5344CB8AC3E}">
-        <p14:creationId xmlns="" xmlns:a="http://schemas.openxmlformats.org/drawingml/2006/main" xmlns:r="http://schemas.openxmlformats.org/officeDocument/2006/relationships" xmlns:p="http://schemas.openxmlformats.org/presentationml/2006/main" xmlns:p14="http://schemas.microsoft.com/office/powerpoint/2010/main" xmlns:mv="urn:schemas-microsoft-com:mac:vml" xmlns:mc="http://schemas.openxmlformats.org/markup-compatibility/2006" val="639080925"/>
+        <p14:creationId xmlns:p14="http://schemas.microsoft.com/office/powerpoint/2010/main" val="639080925"/>
       </p:ext>
     </p:extLst>
   </p:cSld>
@@ -1038,7 +772,7 @@
 </file>
 
 <file path=ppt/notesSlides/notesSlide4.xml><?xml version="1.0" encoding="utf-8"?>
-<p:notes xmlns:a="http://schemas.openxmlformats.org/drawingml/2006/main" xmlns:r="http://schemas.openxmlformats.org/officeDocument/2006/relationships" xmlns:mc="http://schemas.openxmlformats.org/markup-compatibility/2006" xmlns:mv="urn:schemas-microsoft-com:mac:vml" xmlns:p="http://schemas.openxmlformats.org/presentationml/2006/main" mc:Ignorable="mv" mc:PreserveAttributes="mv:*">
+<p:notes xmlns:a="http://schemas.openxmlformats.org/drawingml/2006/main" xmlns:r="http://schemas.openxmlformats.org/officeDocument/2006/relationships" xmlns:p="http://schemas.openxmlformats.org/presentationml/2006/main">
   <p:cSld>
     <p:spTree>
       <p:nvGrpSpPr>
@@ -1081,70 +815,6 @@
           <a:bodyPr/>
           <a:lstStyle/>
           <a:p>
-            <a:r>
-              <a:rPr lang="en-US" b="1" dirty="0" smtClean="0"/>
-              <a:t>Step 1</a:t>
-            </a:r>
-            <a:r>
-              <a:rPr lang="en-US" dirty="0" smtClean="0"/>
-              <a:t>: Click commit (at the top of the screen) then you will get</a:t>
-            </a:r>
-            <a:r>
-              <a:rPr lang="en-US" baseline="0" dirty="0" smtClean="0"/>
-              <a:t> a window  on the right.</a:t>
-            </a:r>
-          </a:p>
-          <a:p>
-            <a:r>
-              <a:rPr lang="en-US" b="1" baseline="0" dirty="0" smtClean="0"/>
-              <a:t>Step 2</a:t>
-            </a:r>
-            <a:r>
-              <a:rPr lang="en-US" baseline="0" dirty="0" smtClean="0"/>
-              <a:t>: In this window under ‘Commit message’ box, you add a message to show what exactly that commit is for.</a:t>
-            </a:r>
-          </a:p>
-          <a:p>
-            <a:pPr marL="0" marR="0" indent="0" algn="l" defTabSz="914400" rtl="0" eaLnBrk="1" fontAlgn="auto" latinLnBrk="0" hangingPunct="1">
-              <a:lnSpc>
-                <a:spcPct val="100000"/>
-              </a:lnSpc>
-              <a:spcBef>
-                <a:spcPts val="0"/>
-              </a:spcBef>
-              <a:spcAft>
-                <a:spcPts val="0"/>
-              </a:spcAft>
-              <a:buClrTx/>
-              <a:buSzTx/>
-              <a:buFontTx/>
-              <a:buNone/>
-              <a:tabLst/>
-              <a:defRPr/>
-            </a:pPr>
-            <a:r>
-              <a:rPr lang="en-US" baseline="0" dirty="0" smtClean="0"/>
-              <a:t>	Click commit on the bottom right</a:t>
-            </a:r>
-          </a:p>
-          <a:p>
-            <a:r>
-              <a:rPr lang="en-US" b="1" baseline="0" dirty="0" smtClean="0"/>
-              <a:t>Step 3</a:t>
-            </a:r>
-            <a:r>
-              <a:rPr lang="en-US" baseline="0" dirty="0" smtClean="0"/>
-              <a:t>: See the commit message on the commit you’ve just made</a:t>
-            </a:r>
-          </a:p>
-          <a:p>
-            <a:endParaRPr lang="en-US" dirty="0" smtClean="0"/>
-          </a:p>
-          <a:p>
-            <a:r>
-              <a:rPr lang="en-US" dirty="0" smtClean="0"/>
-              <a:t>Reference: https://github.com/GSoft-SharePoint/Dynamite/wiki/Git-step-by-step:-Part-2</a:t>
-            </a:r>
             <a:endParaRPr lang="en-US" dirty="0"/>
           </a:p>
         </p:txBody>
@@ -1176,7 +846,7 @@
     </p:spTree>
     <p:extLst>
       <p:ext uri="{BB962C8B-B14F-4D97-AF65-F5344CB8AC3E}">
-        <p14:creationId xmlns="" xmlns:a="http://schemas.openxmlformats.org/drawingml/2006/main" xmlns:r="http://schemas.openxmlformats.org/officeDocument/2006/relationships" xmlns:p="http://schemas.openxmlformats.org/presentationml/2006/main" xmlns:p14="http://schemas.microsoft.com/office/powerpoint/2010/main" xmlns:mv="urn:schemas-microsoft-com:mac:vml" xmlns:mc="http://schemas.openxmlformats.org/markup-compatibility/2006" val="2364095293"/>
+        <p14:creationId xmlns:p14="http://schemas.microsoft.com/office/powerpoint/2010/main" val="2364095293"/>
       </p:ext>
     </p:extLst>
   </p:cSld>
@@ -1187,7 +857,7 @@
 </file>
 
 <file path=ppt/notesSlides/notesSlide5.xml><?xml version="1.0" encoding="utf-8"?>
-<p:notes xmlns:a="http://schemas.openxmlformats.org/drawingml/2006/main" xmlns:r="http://schemas.openxmlformats.org/officeDocument/2006/relationships" xmlns:mc="http://schemas.openxmlformats.org/markup-compatibility/2006" xmlns:mv="urn:schemas-microsoft-com:mac:vml" xmlns:p="http://schemas.openxmlformats.org/presentationml/2006/main" mc:Ignorable="mv" mc:PreserveAttributes="mv:*">
+<p:notes xmlns:a="http://schemas.openxmlformats.org/drawingml/2006/main" xmlns:r="http://schemas.openxmlformats.org/officeDocument/2006/relationships" xmlns:p="http://schemas.openxmlformats.org/presentationml/2006/main">
   <p:cSld>
     <p:spTree>
       <p:nvGrpSpPr>
@@ -1230,37 +900,6 @@
           <a:bodyPr/>
           <a:lstStyle/>
           <a:p>
-            <a:r>
-              <a:rPr lang="en-US" dirty="0" smtClean="0"/>
-              <a:t>Click on</a:t>
-            </a:r>
-            <a:r>
-              <a:rPr lang="en-US" baseline="0" dirty="0" smtClean="0"/>
-              <a:t> Push at the top of the screen</a:t>
-            </a:r>
-            <a:r>
-              <a:rPr lang="en-US" dirty="0" smtClean="0"/>
-              <a:t>. This gives you an option to select which branches you want to push</a:t>
-            </a:r>
-          </a:p>
-          <a:p>
-            <a:r>
-              <a:rPr lang="en-US" dirty="0" smtClean="0"/>
-              <a:t>Checking</a:t>
-            </a:r>
-            <a:r>
-              <a:rPr lang="en-US" baseline="0" dirty="0" smtClean="0"/>
-              <a:t> the develop branch, you want your local development branch to track it remote.</a:t>
-            </a:r>
-          </a:p>
-          <a:p>
-            <a:endParaRPr lang="en-US" baseline="0" dirty="0" smtClean="0"/>
-          </a:p>
-          <a:p>
-            <a:r>
-              <a:rPr lang="en-US" baseline="0" dirty="0" smtClean="0"/>
-              <a:t>Click on ‘OK’ in the bottom right. See the output that follows</a:t>
-            </a:r>
             <a:endParaRPr lang="en-US" dirty="0"/>
           </a:p>
         </p:txBody>
@@ -1292,7 +931,7 @@
     </p:spTree>
     <p:extLst>
       <p:ext uri="{BB962C8B-B14F-4D97-AF65-F5344CB8AC3E}">
-        <p14:creationId xmlns="" xmlns:a="http://schemas.openxmlformats.org/drawingml/2006/main" xmlns:r="http://schemas.openxmlformats.org/officeDocument/2006/relationships" xmlns:p="http://schemas.openxmlformats.org/presentationml/2006/main" xmlns:p14="http://schemas.microsoft.com/office/powerpoint/2010/main" xmlns:mv="urn:schemas-microsoft-com:mac:vml" xmlns:mc="http://schemas.openxmlformats.org/markup-compatibility/2006" val="3214889824"/>
+        <p14:creationId xmlns:p14="http://schemas.microsoft.com/office/powerpoint/2010/main" val="3214889824"/>
       </p:ext>
     </p:extLst>
   </p:cSld>
@@ -1303,7 +942,7 @@
 </file>
 
 <file path=ppt/slideLayouts/slideLayout1.xml><?xml version="1.0" encoding="utf-8"?>
-<p:sldLayout xmlns:a="http://schemas.openxmlformats.org/drawingml/2006/main" xmlns:r="http://schemas.openxmlformats.org/officeDocument/2006/relationships" xmlns:mc="http://schemas.openxmlformats.org/markup-compatibility/2006" xmlns:mv="urn:schemas-microsoft-com:mac:vml" xmlns:p="http://schemas.openxmlformats.org/presentationml/2006/main" mc:Ignorable="mv" mc:PreserveAttributes="mv:*" showMasterSp="0" type="title" preserve="1">
+<p:sldLayout xmlns:a="http://schemas.openxmlformats.org/drawingml/2006/main" xmlns:r="http://schemas.openxmlformats.org/officeDocument/2006/relationships" xmlns:p="http://schemas.openxmlformats.org/presentationml/2006/main" showMasterSp="0" type="title" preserve="1">
   <p:cSld name="Title Slide">
     <p:spTree>
       <p:nvGrpSpPr>
@@ -2025,7 +1664,7 @@
             <a:fld id="{89585FB9-3804-4F2F-A432-68920AB06FD5}" type="datetimeFigureOut">
               <a:rPr lang="en-US" smtClean="0"/>
               <a:pPr/>
-              <a:t>5/8/15</a:t>
+              <a:t>11-May-15</a:t>
             </a:fld>
             <a:endParaRPr lang="en-US"/>
           </a:p>
@@ -2077,7 +1716,7 @@
     </p:spTree>
     <p:extLst>
       <p:ext uri="{BB962C8B-B14F-4D97-AF65-F5344CB8AC3E}">
-        <p14:creationId xmlns="" xmlns:a="http://schemas.openxmlformats.org/drawingml/2006/main" xmlns:r="http://schemas.openxmlformats.org/officeDocument/2006/relationships" xmlns:p="http://schemas.openxmlformats.org/presentationml/2006/main" xmlns:p14="http://schemas.microsoft.com/office/powerpoint/2010/main" xmlns:mv="urn:schemas-microsoft-com:mac:vml" xmlns:mc="http://schemas.openxmlformats.org/markup-compatibility/2006" val="2241209880"/>
+        <p14:creationId xmlns:p14="http://schemas.microsoft.com/office/powerpoint/2010/main" val="2241209880"/>
       </p:ext>
     </p:extLst>
   </p:cSld>
@@ -2088,7 +1727,7 @@
 </file>
 
 <file path=ppt/slideLayouts/slideLayout10.xml><?xml version="1.0" encoding="utf-8"?>
-<p:sldLayout xmlns:a="http://schemas.openxmlformats.org/drawingml/2006/main" xmlns:r="http://schemas.openxmlformats.org/officeDocument/2006/relationships" xmlns:mc="http://schemas.openxmlformats.org/markup-compatibility/2006" xmlns:mv="urn:schemas-microsoft-com:mac:vml" xmlns:p="http://schemas.openxmlformats.org/presentationml/2006/main" mc:Ignorable="mv" mc:PreserveAttributes="mv:*" preserve="1">
+<p:sldLayout xmlns:a="http://schemas.openxmlformats.org/drawingml/2006/main" xmlns:r="http://schemas.openxmlformats.org/officeDocument/2006/relationships" xmlns:p="http://schemas.openxmlformats.org/presentationml/2006/main" preserve="1">
   <p:cSld name="Title and Caption">
     <p:spTree>
       <p:nvGrpSpPr>
@@ -2278,7 +1917,7 @@
             <a:fld id="{89585FB9-3804-4F2F-A432-68920AB06FD5}" type="datetimeFigureOut">
               <a:rPr lang="en-US" smtClean="0"/>
               <a:pPr/>
-              <a:t>5/8/15</a:t>
+              <a:t>11-May-15</a:t>
             </a:fld>
             <a:endParaRPr lang="en-US"/>
           </a:p>
@@ -2330,7 +1969,7 @@
     </p:spTree>
     <p:extLst>
       <p:ext uri="{BB962C8B-B14F-4D97-AF65-F5344CB8AC3E}">
-        <p14:creationId xmlns="" xmlns:a="http://schemas.openxmlformats.org/drawingml/2006/main" xmlns:r="http://schemas.openxmlformats.org/officeDocument/2006/relationships" xmlns:p="http://schemas.openxmlformats.org/presentationml/2006/main" xmlns:p14="http://schemas.microsoft.com/office/powerpoint/2010/main" xmlns:mv="urn:schemas-microsoft-com:mac:vml" xmlns:mc="http://schemas.openxmlformats.org/markup-compatibility/2006" val="2131812249"/>
+        <p14:creationId xmlns:p14="http://schemas.microsoft.com/office/powerpoint/2010/main" val="2131812249"/>
       </p:ext>
     </p:extLst>
   </p:cSld>
@@ -2341,7 +1980,7 @@
 </file>
 
 <file path=ppt/slideLayouts/slideLayout11.xml><?xml version="1.0" encoding="utf-8"?>
-<p:sldLayout xmlns:a="http://schemas.openxmlformats.org/drawingml/2006/main" xmlns:r="http://schemas.openxmlformats.org/officeDocument/2006/relationships" xmlns:mc="http://schemas.openxmlformats.org/markup-compatibility/2006" xmlns:mv="urn:schemas-microsoft-com:mac:vml" xmlns:p="http://schemas.openxmlformats.org/presentationml/2006/main" mc:Ignorable="mv" mc:PreserveAttributes="mv:*" preserve="1">
+<p:sldLayout xmlns:a="http://schemas.openxmlformats.org/drawingml/2006/main" xmlns:r="http://schemas.openxmlformats.org/officeDocument/2006/relationships" xmlns:p="http://schemas.openxmlformats.org/presentationml/2006/main" preserve="1">
   <p:cSld name="Quote with Caption">
     <p:spTree>
       <p:nvGrpSpPr>
@@ -2594,7 +2233,7 @@
             <a:fld id="{89585FB9-3804-4F2F-A432-68920AB06FD5}" type="datetimeFigureOut">
               <a:rPr lang="en-US" smtClean="0"/>
               <a:pPr/>
-              <a:t>5/8/15</a:t>
+              <a:t>11-May-15</a:t>
             </a:fld>
             <a:endParaRPr lang="en-US"/>
           </a:p>
@@ -2736,7 +2375,7 @@
     </p:spTree>
     <p:extLst>
       <p:ext uri="{BB962C8B-B14F-4D97-AF65-F5344CB8AC3E}">
-        <p14:creationId xmlns="" xmlns:a="http://schemas.openxmlformats.org/drawingml/2006/main" xmlns:r="http://schemas.openxmlformats.org/officeDocument/2006/relationships" xmlns:p="http://schemas.openxmlformats.org/presentationml/2006/main" xmlns:p14="http://schemas.microsoft.com/office/powerpoint/2010/main" xmlns:mv="urn:schemas-microsoft-com:mac:vml" xmlns:mc="http://schemas.openxmlformats.org/markup-compatibility/2006" val="2239895635"/>
+        <p14:creationId xmlns:p14="http://schemas.microsoft.com/office/powerpoint/2010/main" val="2239895635"/>
       </p:ext>
     </p:extLst>
   </p:cSld>
@@ -2747,7 +2386,7 @@
 </file>
 
 <file path=ppt/slideLayouts/slideLayout12.xml><?xml version="1.0" encoding="utf-8"?>
-<p:sldLayout xmlns:a="http://schemas.openxmlformats.org/drawingml/2006/main" xmlns:r="http://schemas.openxmlformats.org/officeDocument/2006/relationships" xmlns:mc="http://schemas.openxmlformats.org/markup-compatibility/2006" xmlns:mv="urn:schemas-microsoft-com:mac:vml" xmlns:p="http://schemas.openxmlformats.org/presentationml/2006/main" mc:Ignorable="mv" mc:PreserveAttributes="mv:*" preserve="1">
+<p:sldLayout xmlns:a="http://schemas.openxmlformats.org/drawingml/2006/main" xmlns:r="http://schemas.openxmlformats.org/officeDocument/2006/relationships" xmlns:p="http://schemas.openxmlformats.org/presentationml/2006/main" preserve="1">
   <p:cSld name="Name Card">
     <p:spTree>
       <p:nvGrpSpPr>
@@ -2937,7 +2576,7 @@
             <a:fld id="{89585FB9-3804-4F2F-A432-68920AB06FD5}" type="datetimeFigureOut">
               <a:rPr lang="en-US" smtClean="0"/>
               <a:pPr/>
-              <a:t>5/8/15</a:t>
+              <a:t>11-May-15</a:t>
             </a:fld>
             <a:endParaRPr lang="en-US"/>
           </a:p>
@@ -2989,7 +2628,7 @@
     </p:spTree>
     <p:extLst>
       <p:ext uri="{BB962C8B-B14F-4D97-AF65-F5344CB8AC3E}">
-        <p14:creationId xmlns="" xmlns:a="http://schemas.openxmlformats.org/drawingml/2006/main" xmlns:r="http://schemas.openxmlformats.org/officeDocument/2006/relationships" xmlns:p="http://schemas.openxmlformats.org/presentationml/2006/main" xmlns:p14="http://schemas.microsoft.com/office/powerpoint/2010/main" xmlns:mv="urn:schemas-microsoft-com:mac:vml" xmlns:mc="http://schemas.openxmlformats.org/markup-compatibility/2006" val="1147813802"/>
+        <p14:creationId xmlns:p14="http://schemas.microsoft.com/office/powerpoint/2010/main" val="1147813802"/>
       </p:ext>
     </p:extLst>
   </p:cSld>
@@ -3000,7 +2639,7 @@
 </file>
 
 <file path=ppt/slideLayouts/slideLayout13.xml><?xml version="1.0" encoding="utf-8"?>
-<p:sldLayout xmlns:a="http://schemas.openxmlformats.org/drawingml/2006/main" xmlns:r="http://schemas.openxmlformats.org/officeDocument/2006/relationships" xmlns:mc="http://schemas.openxmlformats.org/markup-compatibility/2006" xmlns:mv="urn:schemas-microsoft-com:mac:vml" xmlns:p="http://schemas.openxmlformats.org/presentationml/2006/main" mc:Ignorable="mv" mc:PreserveAttributes="mv:*" preserve="1">
+<p:sldLayout xmlns:a="http://schemas.openxmlformats.org/drawingml/2006/main" xmlns:r="http://schemas.openxmlformats.org/officeDocument/2006/relationships" xmlns:p="http://schemas.openxmlformats.org/presentationml/2006/main" preserve="1">
   <p:cSld name="Quote Name Card">
     <p:spTree>
       <p:nvGrpSpPr>
@@ -3253,7 +2892,7 @@
             <a:fld id="{89585FB9-3804-4F2F-A432-68920AB06FD5}" type="datetimeFigureOut">
               <a:rPr lang="en-US" smtClean="0"/>
               <a:pPr/>
-              <a:t>5/8/15</a:t>
+              <a:t>11-May-15</a:t>
             </a:fld>
             <a:endParaRPr lang="en-US"/>
           </a:p>
@@ -3387,7 +3026,7 @@
     </p:spTree>
     <p:extLst>
       <p:ext uri="{BB962C8B-B14F-4D97-AF65-F5344CB8AC3E}">
-        <p14:creationId xmlns="" xmlns:a="http://schemas.openxmlformats.org/drawingml/2006/main" xmlns:r="http://schemas.openxmlformats.org/officeDocument/2006/relationships" xmlns:p="http://schemas.openxmlformats.org/presentationml/2006/main" xmlns:p14="http://schemas.microsoft.com/office/powerpoint/2010/main" xmlns:mv="urn:schemas-microsoft-com:mac:vml" xmlns:mc="http://schemas.openxmlformats.org/markup-compatibility/2006" val="211510257"/>
+        <p14:creationId xmlns:p14="http://schemas.microsoft.com/office/powerpoint/2010/main" val="211510257"/>
       </p:ext>
     </p:extLst>
   </p:cSld>
@@ -3398,7 +3037,7 @@
 </file>
 
 <file path=ppt/slideLayouts/slideLayout14.xml><?xml version="1.0" encoding="utf-8"?>
-<p:sldLayout xmlns:a="http://schemas.openxmlformats.org/drawingml/2006/main" xmlns:r="http://schemas.openxmlformats.org/officeDocument/2006/relationships" xmlns:mc="http://schemas.openxmlformats.org/markup-compatibility/2006" xmlns:mv="urn:schemas-microsoft-com:mac:vml" xmlns:p="http://schemas.openxmlformats.org/presentationml/2006/main" mc:Ignorable="mv" mc:PreserveAttributes="mv:*" preserve="1">
+<p:sldLayout xmlns:a="http://schemas.openxmlformats.org/drawingml/2006/main" xmlns:r="http://schemas.openxmlformats.org/officeDocument/2006/relationships" xmlns:p="http://schemas.openxmlformats.org/presentationml/2006/main" preserve="1">
   <p:cSld name="True or False">
     <p:spTree>
       <p:nvGrpSpPr>
@@ -3648,7 +3287,7 @@
             <a:fld id="{89585FB9-3804-4F2F-A432-68920AB06FD5}" type="datetimeFigureOut">
               <a:rPr lang="en-US" smtClean="0"/>
               <a:pPr/>
-              <a:t>5/8/15</a:t>
+              <a:t>11-May-15</a:t>
             </a:fld>
             <a:endParaRPr lang="en-US"/>
           </a:p>
@@ -3700,7 +3339,7 @@
     </p:spTree>
     <p:extLst>
       <p:ext uri="{BB962C8B-B14F-4D97-AF65-F5344CB8AC3E}">
-        <p14:creationId xmlns="" xmlns:a="http://schemas.openxmlformats.org/drawingml/2006/main" xmlns:r="http://schemas.openxmlformats.org/officeDocument/2006/relationships" xmlns:p="http://schemas.openxmlformats.org/presentationml/2006/main" xmlns:p14="http://schemas.microsoft.com/office/powerpoint/2010/main" xmlns:mv="urn:schemas-microsoft-com:mac:vml" xmlns:mc="http://schemas.openxmlformats.org/markup-compatibility/2006" val="2904196083"/>
+        <p14:creationId xmlns:p14="http://schemas.microsoft.com/office/powerpoint/2010/main" val="2904196083"/>
       </p:ext>
     </p:extLst>
   </p:cSld>
@@ -3711,7 +3350,7 @@
 </file>
 
 <file path=ppt/slideLayouts/slideLayout15.xml><?xml version="1.0" encoding="utf-8"?>
-<p:sldLayout xmlns:a="http://schemas.openxmlformats.org/drawingml/2006/main" xmlns:r="http://schemas.openxmlformats.org/officeDocument/2006/relationships" xmlns:mc="http://schemas.openxmlformats.org/markup-compatibility/2006" xmlns:mv="urn:schemas-microsoft-com:mac:vml" xmlns:p="http://schemas.openxmlformats.org/presentationml/2006/main" mc:Ignorable="mv" mc:PreserveAttributes="mv:*" type="vertTx" preserve="1">
+<p:sldLayout xmlns:a="http://schemas.openxmlformats.org/drawingml/2006/main" xmlns:r="http://schemas.openxmlformats.org/officeDocument/2006/relationships" xmlns:p="http://schemas.openxmlformats.org/presentationml/2006/main" type="vertTx" preserve="1">
   <p:cSld name="Title and Vertical Text">
     <p:spTree>
       <p:nvGrpSpPr>
@@ -3820,7 +3459,7 @@
             <a:fld id="{89585FB9-3804-4F2F-A432-68920AB06FD5}" type="datetimeFigureOut">
               <a:rPr lang="en-US" smtClean="0"/>
               <a:pPr/>
-              <a:t>5/8/15</a:t>
+              <a:t>11-May-15</a:t>
             </a:fld>
             <a:endParaRPr lang="en-US"/>
           </a:p>
@@ -3872,7 +3511,7 @@
     </p:spTree>
     <p:extLst>
       <p:ext uri="{BB962C8B-B14F-4D97-AF65-F5344CB8AC3E}">
-        <p14:creationId xmlns="" xmlns:a="http://schemas.openxmlformats.org/drawingml/2006/main" xmlns:r="http://schemas.openxmlformats.org/officeDocument/2006/relationships" xmlns:p="http://schemas.openxmlformats.org/presentationml/2006/main" xmlns:p14="http://schemas.microsoft.com/office/powerpoint/2010/main" xmlns:mv="urn:schemas-microsoft-com:mac:vml" xmlns:mc="http://schemas.openxmlformats.org/markup-compatibility/2006" val="1254396012"/>
+        <p14:creationId xmlns:p14="http://schemas.microsoft.com/office/powerpoint/2010/main" val="1254396012"/>
       </p:ext>
     </p:extLst>
   </p:cSld>
@@ -3883,7 +3522,7 @@
 </file>
 
 <file path=ppt/slideLayouts/slideLayout16.xml><?xml version="1.0" encoding="utf-8"?>
-<p:sldLayout xmlns:a="http://schemas.openxmlformats.org/drawingml/2006/main" xmlns:r="http://schemas.openxmlformats.org/officeDocument/2006/relationships" xmlns:mc="http://schemas.openxmlformats.org/markup-compatibility/2006" xmlns:mv="urn:schemas-microsoft-com:mac:vml" xmlns:p="http://schemas.openxmlformats.org/presentationml/2006/main" mc:Ignorable="mv" mc:PreserveAttributes="mv:*" type="vertTitleAndTx" preserve="1">
+<p:sldLayout xmlns:a="http://schemas.openxmlformats.org/drawingml/2006/main" xmlns:r="http://schemas.openxmlformats.org/officeDocument/2006/relationships" xmlns:p="http://schemas.openxmlformats.org/presentationml/2006/main" type="vertTitleAndTx" preserve="1">
   <p:cSld name="Vertical Title and Text">
     <p:spTree>
       <p:nvGrpSpPr>
@@ -4002,7 +3641,7 @@
             <a:fld id="{89585FB9-3804-4F2F-A432-68920AB06FD5}" type="datetimeFigureOut">
               <a:rPr lang="en-US" smtClean="0"/>
               <a:pPr/>
-              <a:t>5/8/15</a:t>
+              <a:t>11-May-15</a:t>
             </a:fld>
             <a:endParaRPr lang="en-US"/>
           </a:p>
@@ -4054,7 +3693,7 @@
     </p:spTree>
     <p:extLst>
       <p:ext uri="{BB962C8B-B14F-4D97-AF65-F5344CB8AC3E}">
-        <p14:creationId xmlns="" xmlns:a="http://schemas.openxmlformats.org/drawingml/2006/main" xmlns:r="http://schemas.openxmlformats.org/officeDocument/2006/relationships" xmlns:p="http://schemas.openxmlformats.org/presentationml/2006/main" xmlns:p14="http://schemas.microsoft.com/office/powerpoint/2010/main" xmlns:mv="urn:schemas-microsoft-com:mac:vml" xmlns:mc="http://schemas.openxmlformats.org/markup-compatibility/2006" val="1959831598"/>
+        <p14:creationId xmlns:p14="http://schemas.microsoft.com/office/powerpoint/2010/main" val="1959831598"/>
       </p:ext>
     </p:extLst>
   </p:cSld>
@@ -4065,7 +3704,7 @@
 </file>
 
 <file path=ppt/slideLayouts/slideLayout2.xml><?xml version="1.0" encoding="utf-8"?>
-<p:sldLayout xmlns:a="http://schemas.openxmlformats.org/drawingml/2006/main" xmlns:r="http://schemas.openxmlformats.org/officeDocument/2006/relationships" xmlns:mc="http://schemas.openxmlformats.org/markup-compatibility/2006" xmlns:mv="urn:schemas-microsoft-com:mac:vml" xmlns:p="http://schemas.openxmlformats.org/presentationml/2006/main" mc:Ignorable="mv" mc:PreserveAttributes="mv:*" type="obj" preserve="1">
+<p:sldLayout xmlns:a="http://schemas.openxmlformats.org/drawingml/2006/main" xmlns:r="http://schemas.openxmlformats.org/officeDocument/2006/relationships" xmlns:p="http://schemas.openxmlformats.org/presentationml/2006/main" type="obj" preserve="1">
   <p:cSld name="Title and Content">
     <p:spTree>
       <p:nvGrpSpPr>
@@ -4180,7 +3819,7 @@
             <a:fld id="{89585FB9-3804-4F2F-A432-68920AB06FD5}" type="datetimeFigureOut">
               <a:rPr lang="en-US" smtClean="0"/>
               <a:pPr/>
-              <a:t>5/8/15</a:t>
+              <a:t>11-May-15</a:t>
             </a:fld>
             <a:endParaRPr lang="en-US"/>
           </a:p>
@@ -4232,7 +3871,7 @@
     </p:spTree>
     <p:extLst>
       <p:ext uri="{BB962C8B-B14F-4D97-AF65-F5344CB8AC3E}">
-        <p14:creationId xmlns="" xmlns:a="http://schemas.openxmlformats.org/drawingml/2006/main" xmlns:r="http://schemas.openxmlformats.org/officeDocument/2006/relationships" xmlns:p="http://schemas.openxmlformats.org/presentationml/2006/main" xmlns:p14="http://schemas.microsoft.com/office/powerpoint/2010/main" xmlns:mv="urn:schemas-microsoft-com:mac:vml" xmlns:mc="http://schemas.openxmlformats.org/markup-compatibility/2006" val="1037308338"/>
+        <p14:creationId xmlns:p14="http://schemas.microsoft.com/office/powerpoint/2010/main" val="1037308338"/>
       </p:ext>
     </p:extLst>
   </p:cSld>
@@ -4243,7 +3882,7 @@
 </file>
 
 <file path=ppt/slideLayouts/slideLayout3.xml><?xml version="1.0" encoding="utf-8"?>
-<p:sldLayout xmlns:a="http://schemas.openxmlformats.org/drawingml/2006/main" xmlns:r="http://schemas.openxmlformats.org/officeDocument/2006/relationships" xmlns:mc="http://schemas.openxmlformats.org/markup-compatibility/2006" xmlns:mv="urn:schemas-microsoft-com:mac:vml" xmlns:p="http://schemas.openxmlformats.org/presentationml/2006/main" mc:Ignorable="mv" mc:PreserveAttributes="mv:*" type="secHead" preserve="1">
+<p:sldLayout xmlns:a="http://schemas.openxmlformats.org/drawingml/2006/main" xmlns:r="http://schemas.openxmlformats.org/officeDocument/2006/relationships" xmlns:p="http://schemas.openxmlformats.org/presentationml/2006/main" type="secHead" preserve="1">
   <p:cSld name="Section Header">
     <p:spTree>
       <p:nvGrpSpPr>
@@ -4429,7 +4068,7 @@
             <a:fld id="{89585FB9-3804-4F2F-A432-68920AB06FD5}" type="datetimeFigureOut">
               <a:rPr lang="en-US" smtClean="0"/>
               <a:pPr/>
-              <a:t>5/8/15</a:t>
+              <a:t>11-May-15</a:t>
             </a:fld>
             <a:endParaRPr lang="en-US"/>
           </a:p>
@@ -4481,7 +4120,7 @@
     </p:spTree>
     <p:extLst>
       <p:ext uri="{BB962C8B-B14F-4D97-AF65-F5344CB8AC3E}">
-        <p14:creationId xmlns="" xmlns:a="http://schemas.openxmlformats.org/drawingml/2006/main" xmlns:r="http://schemas.openxmlformats.org/officeDocument/2006/relationships" xmlns:p="http://schemas.openxmlformats.org/presentationml/2006/main" xmlns:p14="http://schemas.microsoft.com/office/powerpoint/2010/main" xmlns:mv="urn:schemas-microsoft-com:mac:vml" xmlns:mc="http://schemas.openxmlformats.org/markup-compatibility/2006" val="1433787486"/>
+        <p14:creationId xmlns:p14="http://schemas.microsoft.com/office/powerpoint/2010/main" val="1433787486"/>
       </p:ext>
     </p:extLst>
   </p:cSld>
@@ -4492,7 +4131,7 @@
 </file>
 
 <file path=ppt/slideLayouts/slideLayout4.xml><?xml version="1.0" encoding="utf-8"?>
-<p:sldLayout xmlns:a="http://schemas.openxmlformats.org/drawingml/2006/main" xmlns:r="http://schemas.openxmlformats.org/officeDocument/2006/relationships" xmlns:mc="http://schemas.openxmlformats.org/markup-compatibility/2006" xmlns:mv="urn:schemas-microsoft-com:mac:vml" xmlns:p="http://schemas.openxmlformats.org/presentationml/2006/main" mc:Ignorable="mv" mc:PreserveAttributes="mv:*" type="twoObj" preserve="1">
+<p:sldLayout xmlns:a="http://schemas.openxmlformats.org/drawingml/2006/main" xmlns:r="http://schemas.openxmlformats.org/officeDocument/2006/relationships" xmlns:p="http://schemas.openxmlformats.org/presentationml/2006/main" type="twoObj" preserve="1">
   <p:cSld name="Two Content">
     <p:spTree>
       <p:nvGrpSpPr>
@@ -4663,7 +4302,7 @@
             <a:fld id="{89585FB9-3804-4F2F-A432-68920AB06FD5}" type="datetimeFigureOut">
               <a:rPr lang="en-US" smtClean="0"/>
               <a:pPr/>
-              <a:t>5/8/15</a:t>
+              <a:t>11-May-15</a:t>
             </a:fld>
             <a:endParaRPr lang="en-US"/>
           </a:p>
@@ -4715,7 +4354,7 @@
     </p:spTree>
     <p:extLst>
       <p:ext uri="{BB962C8B-B14F-4D97-AF65-F5344CB8AC3E}">
-        <p14:creationId xmlns="" xmlns:a="http://schemas.openxmlformats.org/drawingml/2006/main" xmlns:r="http://schemas.openxmlformats.org/officeDocument/2006/relationships" xmlns:p="http://schemas.openxmlformats.org/presentationml/2006/main" xmlns:p14="http://schemas.microsoft.com/office/powerpoint/2010/main" xmlns:mv="urn:schemas-microsoft-com:mac:vml" xmlns:mc="http://schemas.openxmlformats.org/markup-compatibility/2006" val="3343638220"/>
+        <p14:creationId xmlns:p14="http://schemas.microsoft.com/office/powerpoint/2010/main" val="3343638220"/>
       </p:ext>
     </p:extLst>
   </p:cSld>
@@ -4726,7 +4365,7 @@
 </file>
 
 <file path=ppt/slideLayouts/slideLayout5.xml><?xml version="1.0" encoding="utf-8"?>
-<p:sldLayout xmlns:a="http://schemas.openxmlformats.org/drawingml/2006/main" xmlns:r="http://schemas.openxmlformats.org/officeDocument/2006/relationships" xmlns:mc="http://schemas.openxmlformats.org/markup-compatibility/2006" xmlns:mv="urn:schemas-microsoft-com:mac:vml" xmlns:p="http://schemas.openxmlformats.org/presentationml/2006/main" mc:Ignorable="mv" mc:PreserveAttributes="mv:*" type="twoTxTwoObj" preserve="1">
+<p:sldLayout xmlns:a="http://schemas.openxmlformats.org/drawingml/2006/main" xmlns:r="http://schemas.openxmlformats.org/officeDocument/2006/relationships" xmlns:p="http://schemas.openxmlformats.org/presentationml/2006/main" type="twoTxTwoObj" preserve="1">
   <p:cSld name="Comparison">
     <p:spTree>
       <p:nvGrpSpPr>
@@ -5039,7 +4678,7 @@
             <a:fld id="{89585FB9-3804-4F2F-A432-68920AB06FD5}" type="datetimeFigureOut">
               <a:rPr lang="en-US" smtClean="0"/>
               <a:pPr/>
-              <a:t>5/8/15</a:t>
+              <a:t>11-May-15</a:t>
             </a:fld>
             <a:endParaRPr lang="en-US"/>
           </a:p>
@@ -5091,7 +4730,7 @@
     </p:spTree>
     <p:extLst>
       <p:ext uri="{BB962C8B-B14F-4D97-AF65-F5344CB8AC3E}">
-        <p14:creationId xmlns="" xmlns:a="http://schemas.openxmlformats.org/drawingml/2006/main" xmlns:r="http://schemas.openxmlformats.org/officeDocument/2006/relationships" xmlns:p="http://schemas.openxmlformats.org/presentationml/2006/main" xmlns:p14="http://schemas.microsoft.com/office/powerpoint/2010/main" xmlns:mv="urn:schemas-microsoft-com:mac:vml" xmlns:mc="http://schemas.openxmlformats.org/markup-compatibility/2006" val="3657773564"/>
+        <p14:creationId xmlns:p14="http://schemas.microsoft.com/office/powerpoint/2010/main" val="3657773564"/>
       </p:ext>
     </p:extLst>
   </p:cSld>
@@ -5102,7 +4741,7 @@
 </file>
 
 <file path=ppt/slideLayouts/slideLayout6.xml><?xml version="1.0" encoding="utf-8"?>
-<p:sldLayout xmlns:a="http://schemas.openxmlformats.org/drawingml/2006/main" xmlns:r="http://schemas.openxmlformats.org/officeDocument/2006/relationships" xmlns:mc="http://schemas.openxmlformats.org/markup-compatibility/2006" xmlns:mv="urn:schemas-microsoft-com:mac:vml" xmlns:p="http://schemas.openxmlformats.org/presentationml/2006/main" mc:Ignorable="mv" mc:PreserveAttributes="mv:*" type="titleOnly" preserve="1">
+<p:sldLayout xmlns:a="http://schemas.openxmlformats.org/drawingml/2006/main" xmlns:r="http://schemas.openxmlformats.org/officeDocument/2006/relationships" xmlns:p="http://schemas.openxmlformats.org/presentationml/2006/main" type="titleOnly" preserve="1">
   <p:cSld name="Title Only">
     <p:spTree>
       <p:nvGrpSpPr>
@@ -5164,7 +4803,7 @@
             <a:fld id="{89585FB9-3804-4F2F-A432-68920AB06FD5}" type="datetimeFigureOut">
               <a:rPr lang="en-US" smtClean="0"/>
               <a:pPr/>
-              <a:t>5/8/15</a:t>
+              <a:t>11-May-15</a:t>
             </a:fld>
             <a:endParaRPr lang="en-US"/>
           </a:p>
@@ -5216,7 +4855,7 @@
     </p:spTree>
     <p:extLst>
       <p:ext uri="{BB962C8B-B14F-4D97-AF65-F5344CB8AC3E}">
-        <p14:creationId xmlns="" xmlns:a="http://schemas.openxmlformats.org/drawingml/2006/main" xmlns:r="http://schemas.openxmlformats.org/officeDocument/2006/relationships" xmlns:p="http://schemas.openxmlformats.org/presentationml/2006/main" xmlns:p14="http://schemas.microsoft.com/office/powerpoint/2010/main" xmlns:mv="urn:schemas-microsoft-com:mac:vml" xmlns:mc="http://schemas.openxmlformats.org/markup-compatibility/2006" val="1859816651"/>
+        <p14:creationId xmlns:p14="http://schemas.microsoft.com/office/powerpoint/2010/main" val="1859816651"/>
       </p:ext>
     </p:extLst>
   </p:cSld>
@@ -5227,7 +4866,7 @@
 </file>
 
 <file path=ppt/slideLayouts/slideLayout7.xml><?xml version="1.0" encoding="utf-8"?>
-<p:sldLayout xmlns:a="http://schemas.openxmlformats.org/drawingml/2006/main" xmlns:r="http://schemas.openxmlformats.org/officeDocument/2006/relationships" xmlns:mc="http://schemas.openxmlformats.org/markup-compatibility/2006" xmlns:mv="urn:schemas-microsoft-com:mac:vml" xmlns:p="http://schemas.openxmlformats.org/presentationml/2006/main" mc:Ignorable="mv" mc:PreserveAttributes="mv:*" type="blank" preserve="1">
+<p:sldLayout xmlns:a="http://schemas.openxmlformats.org/drawingml/2006/main" xmlns:r="http://schemas.openxmlformats.org/officeDocument/2006/relationships" xmlns:p="http://schemas.openxmlformats.org/presentationml/2006/main" type="blank" preserve="1">
   <p:cSld name="Blank">
     <p:spTree>
       <p:nvGrpSpPr>
@@ -5261,7 +4900,7 @@
             <a:fld id="{89585FB9-3804-4F2F-A432-68920AB06FD5}" type="datetimeFigureOut">
               <a:rPr lang="en-US" smtClean="0"/>
               <a:pPr/>
-              <a:t>5/8/15</a:t>
+              <a:t>11-May-15</a:t>
             </a:fld>
             <a:endParaRPr lang="en-US"/>
           </a:p>
@@ -5313,7 +4952,7 @@
     </p:spTree>
     <p:extLst>
       <p:ext uri="{BB962C8B-B14F-4D97-AF65-F5344CB8AC3E}">
-        <p14:creationId xmlns="" xmlns:a="http://schemas.openxmlformats.org/drawingml/2006/main" xmlns:r="http://schemas.openxmlformats.org/officeDocument/2006/relationships" xmlns:p="http://schemas.openxmlformats.org/presentationml/2006/main" xmlns:p14="http://schemas.microsoft.com/office/powerpoint/2010/main" xmlns:mv="urn:schemas-microsoft-com:mac:vml" xmlns:mc="http://schemas.openxmlformats.org/markup-compatibility/2006" val="3429186225"/>
+        <p14:creationId xmlns:p14="http://schemas.microsoft.com/office/powerpoint/2010/main" val="3429186225"/>
       </p:ext>
     </p:extLst>
   </p:cSld>
@@ -5324,7 +4963,7 @@
 </file>
 
 <file path=ppt/slideLayouts/slideLayout8.xml><?xml version="1.0" encoding="utf-8"?>
-<p:sldLayout xmlns:a="http://schemas.openxmlformats.org/drawingml/2006/main" xmlns:r="http://schemas.openxmlformats.org/officeDocument/2006/relationships" xmlns:mc="http://schemas.openxmlformats.org/markup-compatibility/2006" xmlns:mv="urn:schemas-microsoft-com:mac:vml" xmlns:p="http://schemas.openxmlformats.org/presentationml/2006/main" mc:Ignorable="mv" mc:PreserveAttributes="mv:*" type="objTx" preserve="1">
+<p:sldLayout xmlns:a="http://schemas.openxmlformats.org/drawingml/2006/main" xmlns:r="http://schemas.openxmlformats.org/officeDocument/2006/relationships" xmlns:p="http://schemas.openxmlformats.org/presentationml/2006/main" type="objTx" preserve="1">
   <p:cSld name="Content with Caption">
     <p:spTree>
       <p:nvGrpSpPr>
@@ -5518,7 +5157,7 @@
             <a:fld id="{89585FB9-3804-4F2F-A432-68920AB06FD5}" type="datetimeFigureOut">
               <a:rPr lang="en-US" smtClean="0"/>
               <a:pPr/>
-              <a:t>5/8/15</a:t>
+              <a:t>11-May-15</a:t>
             </a:fld>
             <a:endParaRPr lang="en-US"/>
           </a:p>
@@ -5570,7 +5209,7 @@
     </p:spTree>
     <p:extLst>
       <p:ext uri="{BB962C8B-B14F-4D97-AF65-F5344CB8AC3E}">
-        <p14:creationId xmlns="" xmlns:a="http://schemas.openxmlformats.org/drawingml/2006/main" xmlns:r="http://schemas.openxmlformats.org/officeDocument/2006/relationships" xmlns:p="http://schemas.openxmlformats.org/presentationml/2006/main" xmlns:p14="http://schemas.microsoft.com/office/powerpoint/2010/main" xmlns:mv="urn:schemas-microsoft-com:mac:vml" xmlns:mc="http://schemas.openxmlformats.org/markup-compatibility/2006" val="2720025707"/>
+        <p14:creationId xmlns:p14="http://schemas.microsoft.com/office/powerpoint/2010/main" val="2720025707"/>
       </p:ext>
     </p:extLst>
   </p:cSld>
@@ -5581,7 +5220,7 @@
 </file>
 
 <file path=ppt/slideLayouts/slideLayout9.xml><?xml version="1.0" encoding="utf-8"?>
-<p:sldLayout xmlns:a="http://schemas.openxmlformats.org/drawingml/2006/main" xmlns:r="http://schemas.openxmlformats.org/officeDocument/2006/relationships" xmlns:mc="http://schemas.openxmlformats.org/markup-compatibility/2006" xmlns:mv="urn:schemas-microsoft-com:mac:vml" xmlns:p="http://schemas.openxmlformats.org/presentationml/2006/main" mc:Ignorable="mv" mc:PreserveAttributes="mv:*" type="picTx" preserve="1">
+<p:sldLayout xmlns:a="http://schemas.openxmlformats.org/drawingml/2006/main" xmlns:r="http://schemas.openxmlformats.org/officeDocument/2006/relationships" xmlns:p="http://schemas.openxmlformats.org/presentationml/2006/main" type="picTx" preserve="1">
   <p:cSld name="Picture with Caption">
     <p:spTree>
       <p:nvGrpSpPr>
@@ -5783,7 +5422,7 @@
             <a:fld id="{89585FB9-3804-4F2F-A432-68920AB06FD5}" type="datetimeFigureOut">
               <a:rPr lang="en-US" smtClean="0"/>
               <a:pPr/>
-              <a:t>5/8/15</a:t>
+              <a:t>11-May-15</a:t>
             </a:fld>
             <a:endParaRPr lang="en-US"/>
           </a:p>
@@ -5835,7 +5474,7 @@
     </p:spTree>
     <p:extLst>
       <p:ext uri="{BB962C8B-B14F-4D97-AF65-F5344CB8AC3E}">
-        <p14:creationId xmlns="" xmlns:a="http://schemas.openxmlformats.org/drawingml/2006/main" xmlns:r="http://schemas.openxmlformats.org/officeDocument/2006/relationships" xmlns:p="http://schemas.openxmlformats.org/presentationml/2006/main" xmlns:p14="http://schemas.microsoft.com/office/powerpoint/2010/main" xmlns:mv="urn:schemas-microsoft-com:mac:vml" xmlns:mc="http://schemas.openxmlformats.org/markup-compatibility/2006" val="2613492434"/>
+        <p14:creationId xmlns:p14="http://schemas.microsoft.com/office/powerpoint/2010/main" val="2613492434"/>
       </p:ext>
     </p:extLst>
   </p:cSld>
@@ -5846,7 +5485,7 @@
 </file>
 
 <file path=ppt/slideMasters/slideMaster1.xml><?xml version="1.0" encoding="utf-8"?>
-<p:sldMaster xmlns:a="http://schemas.openxmlformats.org/drawingml/2006/main" xmlns:r="http://schemas.openxmlformats.org/officeDocument/2006/relationships" xmlns:mc="http://schemas.openxmlformats.org/markup-compatibility/2006" xmlns:mv="urn:schemas-microsoft-com:mac:vml" xmlns:p="http://schemas.openxmlformats.org/presentationml/2006/main" mc:Ignorable="mv" mc:PreserveAttributes="mv:*">
+<p:sldMaster xmlns:a="http://schemas.openxmlformats.org/drawingml/2006/main" xmlns:r="http://schemas.openxmlformats.org/officeDocument/2006/relationships" xmlns:p="http://schemas.openxmlformats.org/presentationml/2006/main">
   <p:cSld>
     <p:bg>
       <p:bgRef idx="1001">
@@ -6528,7 +6167,7 @@
             <a:fld id="{89585FB9-3804-4F2F-A432-68920AB06FD5}" type="datetimeFigureOut">
               <a:rPr lang="en-US" smtClean="0"/>
               <a:pPr/>
-              <a:t>5/8/15</a:t>
+              <a:t>11-May-15</a:t>
             </a:fld>
             <a:endParaRPr lang="en-US"/>
           </a:p>
@@ -6614,7 +6253,7 @@
     </p:spTree>
     <p:extLst>
       <p:ext uri="{BB962C8B-B14F-4D97-AF65-F5344CB8AC3E}">
-        <p14:creationId xmlns="" xmlns:a="http://schemas.openxmlformats.org/drawingml/2006/main" xmlns:r="http://schemas.openxmlformats.org/officeDocument/2006/relationships" xmlns:p="http://schemas.openxmlformats.org/presentationml/2006/main" xmlns:p14="http://schemas.microsoft.com/office/powerpoint/2010/main" xmlns:mv="urn:schemas-microsoft-com:mac:vml" xmlns:mc="http://schemas.openxmlformats.org/markup-compatibility/2006" val="4009987634"/>
+        <p14:creationId xmlns:p14="http://schemas.microsoft.com/office/powerpoint/2010/main" val="4009987634"/>
       </p:ext>
     </p:extLst>
   </p:cSld>
@@ -7037,7 +6676,7 @@
 </file>
 
 <file path=ppt/slides/slide1.xml><?xml version="1.0" encoding="utf-8"?>
-<p:sld xmlns:a="http://schemas.openxmlformats.org/drawingml/2006/main" xmlns:r="http://schemas.openxmlformats.org/officeDocument/2006/relationships" xmlns:mc="http://schemas.openxmlformats.org/markup-compatibility/2006" xmlns:mv="urn:schemas-microsoft-com:mac:vml" xmlns:p="http://schemas.openxmlformats.org/presentationml/2006/main" mc:Ignorable="mv" mc:PreserveAttributes="mv:*">
+<p:sld xmlns:a="http://schemas.openxmlformats.org/drawingml/2006/main" xmlns:r="http://schemas.openxmlformats.org/officeDocument/2006/relationships" xmlns:p="http://schemas.openxmlformats.org/presentationml/2006/main">
   <p:cSld>
     <p:spTree>
       <p:nvGrpSpPr>
@@ -7116,11 +6755,7 @@
           <a:p>
             <a:r>
               <a:rPr lang="en-US" sz="2400" dirty="0" smtClean="0"/>
-              <a:t>By </a:t>
-            </a:r>
-            <a:r>
-              <a:rPr lang="en-US" sz="2400" dirty="0" smtClean="0"/>
-              <a:t>MMED 2015 mentors</a:t>
+              <a:t>By MMED 2015 mentors</a:t>
             </a:r>
           </a:p>
           <a:p>
@@ -7150,7 +6785,7 @@
     </p:spTree>
     <p:extLst>
       <p:ext uri="{BB962C8B-B14F-4D97-AF65-F5344CB8AC3E}">
-        <p14:creationId xmlns="" xmlns:a="http://schemas.openxmlformats.org/drawingml/2006/main" xmlns:r="http://schemas.openxmlformats.org/officeDocument/2006/relationships" xmlns:p="http://schemas.openxmlformats.org/presentationml/2006/main" xmlns:p14="http://schemas.microsoft.com/office/powerpoint/2010/main" xmlns:mv="urn:schemas-microsoft-com:mac:vml" xmlns:mc="http://schemas.openxmlformats.org/markup-compatibility/2006" val="3087260744"/>
+        <p14:creationId xmlns:p14="http://schemas.microsoft.com/office/powerpoint/2010/main" val="3087260744"/>
       </p:ext>
     </p:extLst>
   </p:cSld>
@@ -7168,7 +6803,7 @@
 </file>
 
 <file path=ppt/slides/slide10.xml><?xml version="1.0" encoding="utf-8"?>
-<p:sld xmlns:a="http://schemas.openxmlformats.org/drawingml/2006/main" xmlns:r="http://schemas.openxmlformats.org/officeDocument/2006/relationships" xmlns:mc="http://schemas.openxmlformats.org/markup-compatibility/2006" xmlns:mv="urn:schemas-microsoft-com:mac:vml" xmlns:p="http://schemas.openxmlformats.org/presentationml/2006/main" mc:Ignorable="mv" mc:PreserveAttributes="mv:*">
+<p:sld xmlns:a="http://schemas.openxmlformats.org/drawingml/2006/main" xmlns:r="http://schemas.openxmlformats.org/officeDocument/2006/relationships" xmlns:p="http://schemas.openxmlformats.org/presentationml/2006/main">
   <p:cSld>
     <p:spTree>
       <p:nvGrpSpPr>
@@ -7283,11 +6918,18 @@
   <p:clrMapOvr>
     <a:masterClrMapping/>
   </p:clrMapOvr>
+  <p:timing>
+    <p:tnLst>
+      <p:par>
+        <p:cTn id="1" dur="indefinite" restart="never" nodeType="tmRoot"/>
+      </p:par>
+    </p:tnLst>
+  </p:timing>
 </p:sld>
 </file>
 
 <file path=ppt/slides/slide11.xml><?xml version="1.0" encoding="utf-8"?>
-<p:sld xmlns:a="http://schemas.openxmlformats.org/drawingml/2006/main" xmlns:r="http://schemas.openxmlformats.org/officeDocument/2006/relationships" xmlns:mc="http://schemas.openxmlformats.org/markup-compatibility/2006" xmlns:mv="urn:schemas-microsoft-com:mac:vml" xmlns:p="http://schemas.openxmlformats.org/presentationml/2006/main" mc:Ignorable="mv" mc:PreserveAttributes="mv:*">
+<p:sld xmlns:a="http://schemas.openxmlformats.org/drawingml/2006/main" xmlns:r="http://schemas.openxmlformats.org/officeDocument/2006/relationships" xmlns:p="http://schemas.openxmlformats.org/presentationml/2006/main">
   <p:cSld>
     <p:spTree>
       <p:nvGrpSpPr>
@@ -7368,15 +7010,15 @@
                   <a:schemeClr val="tx1"/>
                 </a:solidFill>
               </a:rPr>
-              <a:t>G</a:t>
-            </a:r>
-            <a:r>
-              <a:rPr lang="en-US" sz="2400" dirty="0" err="1" smtClean="0">
+              <a:t>Git</a:t>
+            </a:r>
+            <a:r>
+              <a:rPr lang="en-US" sz="2400" dirty="0" smtClean="0">
                 <a:solidFill>
                   <a:schemeClr val="tx1"/>
                 </a:solidFill>
               </a:rPr>
-              <a:t>it</a:t>
+              <a:t> that the current state of all your files is </a:t>
             </a:r>
             <a:r>
               <a:rPr lang="en-US" sz="2400" dirty="0" smtClean="0">
@@ -7384,8 +7026,13 @@
                   <a:schemeClr val="tx1"/>
                 </a:solidFill>
               </a:rPr>
-              <a:t> that the current state of all your files is important. </a:t>
-            </a:r>
+              <a:t>important</a:t>
+            </a:r>
+            <a:endParaRPr lang="en-US" sz="2400" dirty="0" smtClean="0">
+              <a:solidFill>
+                <a:schemeClr val="tx1"/>
+              </a:solidFill>
+            </a:endParaRPr>
           </a:p>
           <a:p>
             <a:pPr marL="0" indent="0"/>
@@ -7395,8 +7042,21 @@
                   <a:schemeClr val="tx1"/>
                 </a:solidFill>
               </a:rPr>
-              <a:t>Make sure that new files have been added first. </a:t>
-            </a:r>
+              <a:t>Make sure that new files have been added </a:t>
+            </a:r>
+            <a:r>
+              <a:rPr lang="en-US" sz="2400" dirty="0" smtClean="0">
+                <a:solidFill>
+                  <a:schemeClr val="tx1"/>
+                </a:solidFill>
+              </a:rPr>
+              <a:t>first</a:t>
+            </a:r>
+            <a:endParaRPr lang="en-US" sz="2400" dirty="0" smtClean="0">
+              <a:solidFill>
+                <a:schemeClr val="tx1"/>
+              </a:solidFill>
+            </a:endParaRPr>
           </a:p>
           <a:p>
             <a:pPr marL="0" indent="0"/>
@@ -7406,8 +7066,21 @@
                   <a:schemeClr val="tx1"/>
                 </a:solidFill>
               </a:rPr>
-              <a:t>Make sure that new files have been added first. </a:t>
-            </a:r>
+              <a:t>Make sure that new files have been added </a:t>
+            </a:r>
+            <a:r>
+              <a:rPr lang="en-US" sz="2400" dirty="0" smtClean="0">
+                <a:solidFill>
+                  <a:schemeClr val="tx1"/>
+                </a:solidFill>
+              </a:rPr>
+              <a:t>first</a:t>
+            </a:r>
+            <a:endParaRPr lang="en-US" sz="2400" dirty="0" smtClean="0">
+              <a:solidFill>
+                <a:schemeClr val="tx1"/>
+              </a:solidFill>
+            </a:endParaRPr>
           </a:p>
           <a:p>
             <a:pPr marL="0" indent="0"/>
@@ -7572,7 +7245,7 @@
     </p:spTree>
     <p:extLst>
       <p:ext uri="{BB962C8B-B14F-4D97-AF65-F5344CB8AC3E}">
-        <p14:creationId xmlns="" xmlns:a="http://schemas.openxmlformats.org/drawingml/2006/main" xmlns:r="http://schemas.openxmlformats.org/officeDocument/2006/relationships" xmlns:p="http://schemas.openxmlformats.org/presentationml/2006/main" xmlns:p14="http://schemas.microsoft.com/office/powerpoint/2010/main" xmlns:mv="urn:schemas-microsoft-com:mac:vml" xmlns:mc="http://schemas.openxmlformats.org/markup-compatibility/2006" val="520927691"/>
+        <p14:creationId xmlns:p14="http://schemas.microsoft.com/office/powerpoint/2010/main" val="520927691"/>
       </p:ext>
     </p:extLst>
   </p:cSld>
@@ -7590,7 +7263,7 @@
 </file>
 
 <file path=ppt/slides/slide12.xml><?xml version="1.0" encoding="utf-8"?>
-<p:sld xmlns:a="http://schemas.openxmlformats.org/drawingml/2006/main" xmlns:r="http://schemas.openxmlformats.org/officeDocument/2006/relationships" xmlns:mc="http://schemas.openxmlformats.org/markup-compatibility/2006" xmlns:mv="urn:schemas-microsoft-com:mac:vml" xmlns:p="http://schemas.openxmlformats.org/presentationml/2006/main" mc:Ignorable="mv" mc:PreserveAttributes="mv:*">
+<p:sld xmlns:a="http://schemas.openxmlformats.org/drawingml/2006/main" xmlns:r="http://schemas.openxmlformats.org/officeDocument/2006/relationships" xmlns:p="http://schemas.openxmlformats.org/presentationml/2006/main">
   <p:cSld>
     <p:spTree>
       <p:nvGrpSpPr>
@@ -7703,7 +7376,7 @@
     </p:spTree>
     <p:extLst>
       <p:ext uri="{BB962C8B-B14F-4D97-AF65-F5344CB8AC3E}">
-        <p14:creationId xmlns="" xmlns:a="http://schemas.openxmlformats.org/drawingml/2006/main" xmlns:r="http://schemas.openxmlformats.org/officeDocument/2006/relationships" xmlns:p="http://schemas.openxmlformats.org/presentationml/2006/main" xmlns:p14="http://schemas.microsoft.com/office/powerpoint/2010/main" xmlns:mv="urn:schemas-microsoft-com:mac:vml" xmlns:mc="http://schemas.openxmlformats.org/markup-compatibility/2006" val="516264557"/>
+        <p14:creationId xmlns:p14="http://schemas.microsoft.com/office/powerpoint/2010/main" val="516264557"/>
       </p:ext>
     </p:extLst>
   </p:cSld>
@@ -7721,7 +7394,7 @@
 </file>
 
 <file path=ppt/slides/slide13.xml><?xml version="1.0" encoding="utf-8"?>
-<p:sld xmlns:a="http://schemas.openxmlformats.org/drawingml/2006/main" xmlns:r="http://schemas.openxmlformats.org/officeDocument/2006/relationships" xmlns:mc="http://schemas.openxmlformats.org/markup-compatibility/2006" xmlns:mv="urn:schemas-microsoft-com:mac:vml" xmlns:p="http://schemas.openxmlformats.org/presentationml/2006/main" mc:Ignorable="mv" mc:PreserveAttributes="mv:*">
+<p:sld xmlns:a="http://schemas.openxmlformats.org/drawingml/2006/main" xmlns:r="http://schemas.openxmlformats.org/officeDocument/2006/relationships" xmlns:p="http://schemas.openxmlformats.org/presentationml/2006/main">
   <p:cSld>
     <p:spTree>
       <p:nvGrpSpPr>
@@ -7825,9 +7498,14 @@
           <a:p>
             <a:pPr algn="ctr"/>
             <a:r>
-              <a:rPr lang="en-US" sz="2400" b="1"/>
-              <a:t>Step 3: View the Output Tab to confirm changes have been ‘Committed’.</a:t>
-            </a:r>
+              <a:rPr lang="en-US" sz="2400" b="1" dirty="0"/>
+              <a:t>Step 3: View the Output Tab to confirm changes have been ‘Committed</a:t>
+            </a:r>
+            <a:r>
+              <a:rPr lang="en-US" sz="2400" b="1" dirty="0" smtClean="0"/>
+              <a:t>’</a:t>
+            </a:r>
+            <a:endParaRPr lang="en-US" sz="2400" b="1" dirty="0"/>
           </a:p>
         </p:txBody>
       </p:sp>
@@ -7836,11 +7514,18 @@
   <p:clrMapOvr>
     <a:masterClrMapping/>
   </p:clrMapOvr>
+  <p:timing>
+    <p:tnLst>
+      <p:par>
+        <p:cTn id="1" dur="indefinite" restart="never" nodeType="tmRoot"/>
+      </p:par>
+    </p:tnLst>
+  </p:timing>
 </p:sld>
 </file>
 
 <file path=ppt/slides/slide14.xml><?xml version="1.0" encoding="utf-8"?>
-<p:sld xmlns:a="http://schemas.openxmlformats.org/drawingml/2006/main" xmlns:r="http://schemas.openxmlformats.org/officeDocument/2006/relationships" xmlns:mc="http://schemas.openxmlformats.org/markup-compatibility/2006" xmlns:mv="urn:schemas-microsoft-com:mac:vml" xmlns:p="http://schemas.openxmlformats.org/presentationml/2006/main" mc:Ignorable="mv" mc:PreserveAttributes="mv:*">
+<p:sld xmlns:a="http://schemas.openxmlformats.org/drawingml/2006/main" xmlns:r="http://schemas.openxmlformats.org/officeDocument/2006/relationships" xmlns:p="http://schemas.openxmlformats.org/presentationml/2006/main">
   <p:cSld>
     <p:spTree>
       <p:nvGrpSpPr>
@@ -8031,7 +7716,7 @@
           <a:p>
             <a:pPr algn="ctr"/>
             <a:r>
-              <a:rPr lang="en-US" sz="2400" b="1"/>
+              <a:rPr lang="en-US" sz="2400" b="1" dirty="0"/>
               <a:t>Step 1: Click on ‘Push’</a:t>
             </a:r>
           </a:p>
@@ -8078,7 +7763,7 @@
     </p:spTree>
     <p:extLst>
       <p:ext uri="{BB962C8B-B14F-4D97-AF65-F5344CB8AC3E}">
-        <p14:creationId xmlns="" xmlns:a="http://schemas.openxmlformats.org/drawingml/2006/main" xmlns:r="http://schemas.openxmlformats.org/officeDocument/2006/relationships" xmlns:p="http://schemas.openxmlformats.org/presentationml/2006/main" xmlns:p14="http://schemas.microsoft.com/office/powerpoint/2010/main" xmlns:mv="urn:schemas-microsoft-com:mac:vml" xmlns:mc="http://schemas.openxmlformats.org/markup-compatibility/2006" val="707713265"/>
+        <p14:creationId xmlns:p14="http://schemas.microsoft.com/office/powerpoint/2010/main" val="707713265"/>
       </p:ext>
     </p:extLst>
   </p:cSld>
@@ -8096,7 +7781,7 @@
 </file>
 
 <file path=ppt/slides/slide15.xml><?xml version="1.0" encoding="utf-8"?>
-<p:sld xmlns:a="http://schemas.openxmlformats.org/drawingml/2006/main" xmlns:r="http://schemas.openxmlformats.org/officeDocument/2006/relationships" xmlns:mc="http://schemas.openxmlformats.org/markup-compatibility/2006" xmlns:mv="urn:schemas-microsoft-com:mac:vml" xmlns:p="http://schemas.openxmlformats.org/presentationml/2006/main" mc:Ignorable="mv" mc:PreserveAttributes="mv:*">
+<p:sld xmlns:a="http://schemas.openxmlformats.org/drawingml/2006/main" xmlns:r="http://schemas.openxmlformats.org/officeDocument/2006/relationships" xmlns:p="http://schemas.openxmlformats.org/presentationml/2006/main">
   <p:cSld>
     <p:spTree>
       <p:nvGrpSpPr>
@@ -8209,11 +7894,18 @@
   <p:clrMapOvr>
     <a:masterClrMapping/>
   </p:clrMapOvr>
+  <p:timing>
+    <p:tnLst>
+      <p:par>
+        <p:cTn id="1" dur="indefinite" restart="never" nodeType="tmRoot"/>
+      </p:par>
+    </p:tnLst>
+  </p:timing>
 </p:sld>
 </file>
 
 <file path=ppt/slides/slide16.xml><?xml version="1.0" encoding="utf-8"?>
-<p:sld xmlns:a="http://schemas.openxmlformats.org/drawingml/2006/main" xmlns:r="http://schemas.openxmlformats.org/officeDocument/2006/relationships" xmlns:mc="http://schemas.openxmlformats.org/markup-compatibility/2006" xmlns:mv="urn:schemas-microsoft-com:mac:vml" xmlns:p="http://schemas.openxmlformats.org/presentationml/2006/main" mc:Ignorable="mv" mc:PreserveAttributes="mv:*">
+<p:sld xmlns:a="http://schemas.openxmlformats.org/drawingml/2006/main" xmlns:r="http://schemas.openxmlformats.org/officeDocument/2006/relationships" xmlns:p="http://schemas.openxmlformats.org/presentationml/2006/main">
   <p:cSld>
     <p:spTree>
       <p:nvGrpSpPr>
@@ -8317,7 +8009,7 @@
           <a:p>
             <a:pPr algn="ctr"/>
             <a:r>
-              <a:rPr lang="en-US" sz="2400" b="1"/>
+              <a:rPr lang="en-US" sz="2400" b="1" dirty="0"/>
               <a:t>Step 3: You may have to enter your GitHub Username and Password!</a:t>
             </a:r>
           </a:p>
@@ -8328,11 +8020,18 @@
   <p:clrMapOvr>
     <a:masterClrMapping/>
   </p:clrMapOvr>
+  <p:timing>
+    <p:tnLst>
+      <p:par>
+        <p:cTn id="1" dur="indefinite" restart="never" nodeType="tmRoot"/>
+      </p:par>
+    </p:tnLst>
+  </p:timing>
 </p:sld>
 </file>
 
 <file path=ppt/slides/slide17.xml><?xml version="1.0" encoding="utf-8"?>
-<p:sld xmlns:a="http://schemas.openxmlformats.org/drawingml/2006/main" xmlns:r="http://schemas.openxmlformats.org/officeDocument/2006/relationships" xmlns:mc="http://schemas.openxmlformats.org/markup-compatibility/2006" xmlns:mv="urn:schemas-microsoft-com:mac:vml" xmlns:p="http://schemas.openxmlformats.org/presentationml/2006/main" mc:Ignorable="mv" mc:PreserveAttributes="mv:*">
+<p:sld xmlns:a="http://schemas.openxmlformats.org/drawingml/2006/main" xmlns:r="http://schemas.openxmlformats.org/officeDocument/2006/relationships" xmlns:p="http://schemas.openxmlformats.org/presentationml/2006/main">
   <p:cSld>
     <p:spTree>
       <p:nvGrpSpPr>
@@ -8350,6 +8049,311 @@
       </p:grpSpPr>
       <p:sp>
         <p:nvSpPr>
+          <p:cNvPr id="2" name="Title 1"/>
+          <p:cNvSpPr>
+            <a:spLocks noGrp="1"/>
+          </p:cNvSpPr>
+          <p:nvPr>
+            <p:ph type="title"/>
+          </p:nvPr>
+        </p:nvSpPr>
+        <p:spPr/>
+        <p:txBody>
+          <a:bodyPr/>
+          <a:lstStyle/>
+          <a:p>
+            <a:r>
+              <a:rPr lang="en-US" dirty="0" smtClean="0"/>
+              <a:t>Pull</a:t>
+            </a:r>
+            <a:endParaRPr lang="en-US" dirty="0"/>
+          </a:p>
+        </p:txBody>
+      </p:sp>
+      <p:pic>
+        <p:nvPicPr>
+          <p:cNvPr id="4" name="Content Placeholder 3"/>
+          <p:cNvPicPr>
+            <a:picLocks noGrp="1" noChangeAspect="1"/>
+          </p:cNvPicPr>
+          <p:nvPr>
+            <p:ph idx="1"/>
+          </p:nvPr>
+        </p:nvPicPr>
+        <p:blipFill rotWithShape="1">
+          <a:blip r:embed="rId2"/>
+          <a:srcRect b="24826"/>
+          <a:stretch/>
+        </p:blipFill>
+        <p:spPr>
+          <a:xfrm>
+            <a:off x="480172" y="1294228"/>
+            <a:ext cx="10942794" cy="5106572"/>
+          </a:xfrm>
+          <a:prstGeom prst="rect">
+            <a:avLst/>
+          </a:prstGeom>
+        </p:spPr>
+      </p:pic>
+      <p:sp>
+        <p:nvSpPr>
+          <p:cNvPr id="5" name="Up Arrow 4"/>
+          <p:cNvSpPr/>
+          <p:nvPr/>
+        </p:nvSpPr>
+        <p:spPr>
+          <a:xfrm>
+            <a:off x="594100" y="2107416"/>
+            <a:ext cx="166468" cy="1944077"/>
+          </a:xfrm>
+          <a:prstGeom prst="upArrow">
+            <a:avLst/>
+          </a:prstGeom>
+        </p:spPr>
+        <p:style>
+          <a:lnRef idx="1">
+            <a:schemeClr val="accent1"/>
+          </a:lnRef>
+          <a:fillRef idx="3">
+            <a:schemeClr val="accent1"/>
+          </a:fillRef>
+          <a:effectRef idx="2">
+            <a:schemeClr val="accent1"/>
+          </a:effectRef>
+          <a:fontRef idx="minor">
+            <a:schemeClr val="lt1"/>
+          </a:fontRef>
+        </p:style>
+        <p:txBody>
+          <a:bodyPr rtlCol="0" anchor="ctr"/>
+          <a:lstStyle/>
+          <a:p>
+            <a:pPr algn="ctr"/>
+            <a:endParaRPr lang="en-US"/>
+          </a:p>
+        </p:txBody>
+      </p:sp>
+      <p:sp>
+        <p:nvSpPr>
+          <p:cNvPr id="6" name="Explosion 1 5"/>
+          <p:cNvSpPr/>
+          <p:nvPr/>
+        </p:nvSpPr>
+        <p:spPr>
+          <a:xfrm>
+            <a:off x="5540202" y="2922365"/>
+            <a:ext cx="3733800" cy="3327400"/>
+          </a:xfrm>
+          <a:prstGeom prst="irregularSeal1">
+            <a:avLst/>
+          </a:prstGeom>
+        </p:spPr>
+        <p:style>
+          <a:lnRef idx="2">
+            <a:schemeClr val="accent3">
+              <a:shade val="50000"/>
+            </a:schemeClr>
+          </a:lnRef>
+          <a:fillRef idx="1">
+            <a:schemeClr val="accent3"/>
+          </a:fillRef>
+          <a:effectRef idx="0">
+            <a:schemeClr val="accent3"/>
+          </a:effectRef>
+          <a:fontRef idx="minor">
+            <a:schemeClr val="lt1"/>
+          </a:fontRef>
+        </p:style>
+        <p:txBody>
+          <a:bodyPr rtlCol="0" anchor="ctr"/>
+          <a:lstStyle/>
+          <a:p>
+            <a:pPr algn="ctr"/>
+            <a:r>
+              <a:rPr lang="en-US" sz="2400" b="1" dirty="0">
+                <a:solidFill>
+                  <a:schemeClr val="tx1"/>
+                </a:solidFill>
+              </a:rPr>
+              <a:t>Step 1: Click on </a:t>
+            </a:r>
+            <a:r>
+              <a:rPr lang="en-US" sz="2400" b="1" dirty="0" smtClean="0">
+                <a:solidFill>
+                  <a:schemeClr val="tx1"/>
+                </a:solidFill>
+              </a:rPr>
+              <a:t>‘Pull’</a:t>
+            </a:r>
+            <a:endParaRPr lang="en-US" sz="2400" b="1" dirty="0">
+              <a:solidFill>
+                <a:schemeClr val="tx1"/>
+              </a:solidFill>
+            </a:endParaRPr>
+          </a:p>
+        </p:txBody>
+      </p:sp>
+    </p:spTree>
+    <p:extLst>
+      <p:ext uri="{BB962C8B-B14F-4D97-AF65-F5344CB8AC3E}">
+        <p14:creationId xmlns:p14="http://schemas.microsoft.com/office/powerpoint/2010/main" val="3114283707"/>
+      </p:ext>
+    </p:extLst>
+  </p:cSld>
+  <p:clrMapOvr>
+    <a:masterClrMapping/>
+  </p:clrMapOvr>
+  <p:timing>
+    <p:tnLst>
+      <p:par>
+        <p:cTn id="1" dur="indefinite" restart="never" nodeType="tmRoot"/>
+      </p:par>
+    </p:tnLst>
+  </p:timing>
+</p:sld>
+</file>
+
+<file path=ppt/slides/slide18.xml><?xml version="1.0" encoding="utf-8"?>
+<p:sld xmlns:a="http://schemas.openxmlformats.org/drawingml/2006/main" xmlns:r="http://schemas.openxmlformats.org/officeDocument/2006/relationships" xmlns:p="http://schemas.openxmlformats.org/presentationml/2006/main">
+  <p:cSld>
+    <p:spTree>
+      <p:nvGrpSpPr>
+        <p:cNvPr id="1" name=""/>
+        <p:cNvGrpSpPr/>
+        <p:nvPr/>
+      </p:nvGrpSpPr>
+      <p:grpSpPr>
+        <a:xfrm>
+          <a:off x="0" y="0"/>
+          <a:ext cx="0" cy="0"/>
+          <a:chOff x="0" y="0"/>
+          <a:chExt cx="0" cy="0"/>
+        </a:xfrm>
+      </p:grpSpPr>
+      <p:pic>
+        <p:nvPicPr>
+          <p:cNvPr id="6" name="Content Placeholder 5"/>
+          <p:cNvPicPr>
+            <a:picLocks noGrp="1" noChangeAspect="1"/>
+          </p:cNvPicPr>
+          <p:nvPr>
+            <p:ph idx="1"/>
+          </p:nvPr>
+        </p:nvPicPr>
+        <p:blipFill rotWithShape="1">
+          <a:blip r:embed="rId2"/>
+          <a:srcRect b="45122"/>
+          <a:stretch/>
+        </p:blipFill>
+        <p:spPr>
+          <a:xfrm>
+            <a:off x="281354" y="633046"/>
+            <a:ext cx="10860258" cy="5584873"/>
+          </a:xfrm>
+          <a:prstGeom prst="rect">
+            <a:avLst/>
+          </a:prstGeom>
+        </p:spPr>
+      </p:pic>
+      <p:sp>
+        <p:nvSpPr>
+          <p:cNvPr id="8" name="Explosion 1 7"/>
+          <p:cNvSpPr/>
+          <p:nvPr/>
+        </p:nvSpPr>
+        <p:spPr>
+          <a:xfrm>
+            <a:off x="7594209" y="2684610"/>
+            <a:ext cx="3733800" cy="3327400"/>
+          </a:xfrm>
+          <a:prstGeom prst="irregularSeal1">
+            <a:avLst/>
+          </a:prstGeom>
+        </p:spPr>
+        <p:style>
+          <a:lnRef idx="2">
+            <a:schemeClr val="accent3">
+              <a:shade val="50000"/>
+            </a:schemeClr>
+          </a:lnRef>
+          <a:fillRef idx="1">
+            <a:schemeClr val="accent3"/>
+          </a:fillRef>
+          <a:effectRef idx="0">
+            <a:schemeClr val="accent3"/>
+          </a:effectRef>
+          <a:fontRef idx="minor">
+            <a:schemeClr val="lt1"/>
+          </a:fontRef>
+        </p:style>
+        <p:txBody>
+          <a:bodyPr rtlCol="0" anchor="ctr"/>
+          <a:lstStyle/>
+          <a:p>
+            <a:pPr algn="ctr"/>
+            <a:r>
+              <a:rPr lang="en-US" sz="2400" b="1" dirty="0">
+                <a:solidFill>
+                  <a:schemeClr val="tx1"/>
+                </a:solidFill>
+              </a:rPr>
+              <a:t>Step 2: In the dialogue box, click </a:t>
+            </a:r>
+            <a:r>
+              <a:rPr lang="en-US" sz="2400" b="1" dirty="0" smtClean="0">
+                <a:solidFill>
+                  <a:schemeClr val="tx1"/>
+                </a:solidFill>
+              </a:rPr>
+              <a:t>‘Pull’</a:t>
+            </a:r>
+            <a:endParaRPr lang="en-US" sz="2400" b="1" dirty="0">
+              <a:solidFill>
+                <a:schemeClr val="tx1"/>
+              </a:solidFill>
+            </a:endParaRPr>
+          </a:p>
+        </p:txBody>
+      </p:sp>
+    </p:spTree>
+    <p:extLst>
+      <p:ext uri="{BB962C8B-B14F-4D97-AF65-F5344CB8AC3E}">
+        <p14:creationId xmlns:p14="http://schemas.microsoft.com/office/powerpoint/2010/main" val="594154963"/>
+      </p:ext>
+    </p:extLst>
+  </p:cSld>
+  <p:clrMapOvr>
+    <a:masterClrMapping/>
+  </p:clrMapOvr>
+  <p:timing>
+    <p:tnLst>
+      <p:par>
+        <p:cTn id="1" dur="indefinite" restart="never" nodeType="tmRoot"/>
+      </p:par>
+    </p:tnLst>
+  </p:timing>
+</p:sld>
+</file>
+
+<file path=ppt/slides/slide19.xml><?xml version="1.0" encoding="utf-8"?>
+<p:sld xmlns:a="http://schemas.openxmlformats.org/drawingml/2006/main" xmlns:r="http://schemas.openxmlformats.org/officeDocument/2006/relationships" xmlns:p="http://schemas.openxmlformats.org/presentationml/2006/main">
+  <p:cSld>
+    <p:spTree>
+      <p:nvGrpSpPr>
+        <p:cNvPr id="1" name=""/>
+        <p:cNvGrpSpPr/>
+        <p:nvPr/>
+      </p:nvGrpSpPr>
+      <p:grpSpPr>
+        <a:xfrm>
+          <a:off x="0" y="0"/>
+          <a:ext cx="0" cy="0"/>
+          <a:chOff x="0" y="0"/>
+          <a:chExt cx="0" cy="0"/>
+        </a:xfrm>
+      </p:grpSpPr>
+      <p:sp>
+        <p:nvSpPr>
           <p:cNvPr id="10" name="Title 9"/>
           <p:cNvSpPr>
             <a:spLocks noGrp="1"/>
@@ -8522,8 +8526,21 @@
                   <a:schemeClr val="tx2"/>
                 </a:solidFill>
               </a:rPr>
-              <a:t> and then on “Edit Profile”. </a:t>
-            </a:r>
+              <a:t> and then on “Edit Profile</a:t>
+            </a:r>
+            <a:r>
+              <a:rPr lang="en-US" sz="2400" dirty="0" smtClean="0">
+                <a:solidFill>
+                  <a:schemeClr val="tx2"/>
+                </a:solidFill>
+              </a:rPr>
+              <a:t>”</a:t>
+            </a:r>
+            <a:endParaRPr lang="en-US" sz="2400" dirty="0" smtClean="0">
+              <a:solidFill>
+                <a:schemeClr val="tx2"/>
+              </a:solidFill>
+            </a:endParaRPr>
           </a:p>
           <a:p>
             <a:pPr marL="0" indent="0"/>
@@ -8543,12 +8560,8 @@
               <a:t>Modify your </a:t>
             </a:r>
             <a:r>
-              <a:rPr lang="en-US" sz="2400" dirty="0" err="1" smtClean="0"/>
-              <a:t>github</a:t>
-            </a:r>
-            <a:r>
               <a:rPr lang="en-US" sz="2400" dirty="0" smtClean="0"/>
-              <a:t> </a:t>
+              <a:t>GitHub </a:t>
             </a:r>
             <a:r>
               <a:rPr lang="en-US" sz="2400" dirty="0" smtClean="0">
@@ -8620,7 +8633,7 @@
           <a:blip r:embed="rId2" cstate="print">
             <a:extLst>
               <a:ext uri="{28A0092B-C50C-407E-A947-70E740481C1C}">
-                <a14:useLocalDpi xmlns="" xmlns:a="http://schemas.openxmlformats.org/drawingml/2006/main" xmlns:r="http://schemas.openxmlformats.org/officeDocument/2006/relationships" xmlns:p="http://schemas.openxmlformats.org/presentationml/2006/main" xmlns:a14="http://schemas.microsoft.com/office/drawing/2010/main" xmlns:mv="urn:schemas-microsoft-com:mac:vml" xmlns:mc="http://schemas.openxmlformats.org/markup-compatibility/2006" val="0"/>
+                <a14:useLocalDpi xmlns:a14="http://schemas.microsoft.com/office/drawing/2010/main" val="0"/>
               </a:ext>
             </a:extLst>
           </a:blip>
@@ -8837,7 +8850,7 @@
     </p:spTree>
     <p:extLst>
       <p:ext uri="{BB962C8B-B14F-4D97-AF65-F5344CB8AC3E}">
-        <p14:creationId xmlns="" xmlns:a="http://schemas.openxmlformats.org/drawingml/2006/main" xmlns:r="http://schemas.openxmlformats.org/officeDocument/2006/relationships" xmlns:p="http://schemas.openxmlformats.org/presentationml/2006/main" xmlns:p14="http://schemas.microsoft.com/office/powerpoint/2010/main" xmlns:mv="urn:schemas-microsoft-com:mac:vml" xmlns:mc="http://schemas.openxmlformats.org/markup-compatibility/2006" val="1626926518"/>
+        <p14:creationId xmlns:p14="http://schemas.microsoft.com/office/powerpoint/2010/main" val="1626926518"/>
       </p:ext>
     </p:extLst>
   </p:cSld>
@@ -8855,7 +8868,7 @@
 </file>
 
 <file path=ppt/slides/slide2.xml><?xml version="1.0" encoding="utf-8"?>
-<p:sld xmlns:a="http://schemas.openxmlformats.org/drawingml/2006/main" xmlns:r="http://schemas.openxmlformats.org/officeDocument/2006/relationships" xmlns:mc="http://schemas.openxmlformats.org/markup-compatibility/2006" xmlns:mv="urn:schemas-microsoft-com:mac:vml" xmlns:p="http://schemas.openxmlformats.org/presentationml/2006/main" mc:Ignorable="mv" mc:PreserveAttributes="mv:*">
+<p:sld xmlns:a="http://schemas.openxmlformats.org/drawingml/2006/main" xmlns:r="http://schemas.openxmlformats.org/officeDocument/2006/relationships" xmlns:p="http://schemas.openxmlformats.org/presentationml/2006/main">
   <p:cSld>
     <p:spTree>
       <p:nvGrpSpPr>
@@ -9059,7 +9072,7 @@
     </p:spTree>
     <p:extLst>
       <p:ext uri="{BB962C8B-B14F-4D97-AF65-F5344CB8AC3E}">
-        <p14:creationId xmlns="" xmlns:a="http://schemas.openxmlformats.org/drawingml/2006/main" xmlns:r="http://schemas.openxmlformats.org/officeDocument/2006/relationships" xmlns:p="http://schemas.openxmlformats.org/presentationml/2006/main" xmlns:p14="http://schemas.microsoft.com/office/powerpoint/2010/main" xmlns:mv="urn:schemas-microsoft-com:mac:vml" xmlns:mc="http://schemas.openxmlformats.org/markup-compatibility/2006" val="1395180370"/>
+        <p14:creationId xmlns:p14="http://schemas.microsoft.com/office/powerpoint/2010/main" val="1395180370"/>
       </p:ext>
     </p:extLst>
   </p:cSld>
@@ -9077,7 +9090,7 @@
 </file>
 
 <file path=ppt/slides/slide3.xml><?xml version="1.0" encoding="utf-8"?>
-<p:sld xmlns:a="http://schemas.openxmlformats.org/drawingml/2006/main" xmlns:r="http://schemas.openxmlformats.org/officeDocument/2006/relationships" xmlns:mc="http://schemas.openxmlformats.org/markup-compatibility/2006" xmlns:mv="urn:schemas-microsoft-com:mac:vml" xmlns:p="http://schemas.openxmlformats.org/presentationml/2006/main" mc:Ignorable="mv" mc:PreserveAttributes="mv:*">
+<p:sld xmlns:a="http://schemas.openxmlformats.org/drawingml/2006/main" xmlns:r="http://schemas.openxmlformats.org/officeDocument/2006/relationships" xmlns:p="http://schemas.openxmlformats.org/presentationml/2006/main">
   <p:cSld>
     <p:spTree>
       <p:nvGrpSpPr>
@@ -9186,8 +9199,13 @@
             </a:r>
             <a:r>
               <a:rPr lang="en-US" sz="2400" dirty="0" smtClean="0"/>
-              <a:t>interface for windows desktop.</a:t>
-            </a:r>
+              <a:t>interface for windows </a:t>
+            </a:r>
+            <a:r>
+              <a:rPr lang="en-US" sz="2400" dirty="0" smtClean="0"/>
+              <a:t>desktop</a:t>
+            </a:r>
+            <a:endParaRPr lang="en-US" sz="2400" dirty="0" smtClean="0"/>
           </a:p>
           <a:p>
             <a:pPr marL="0" indent="0">
@@ -9275,15 +9293,20 @@
             </a:r>
             <a:r>
               <a:rPr lang="en-US" sz="2000" dirty="0"/>
-              <a:t>compatible with Windows, Mac, and Linux.</a:t>
-            </a:r>
+              <a:t>compatible with Windows, Mac, and </a:t>
+            </a:r>
+            <a:r>
+              <a:rPr lang="en-US" sz="2000" dirty="0" smtClean="0"/>
+              <a:t>Linux</a:t>
+            </a:r>
+            <a:endParaRPr lang="en-US" sz="2000" dirty="0"/>
           </a:p>
         </p:txBody>
       </p:sp>
     </p:spTree>
     <p:extLst>
       <p:ext uri="{BB962C8B-B14F-4D97-AF65-F5344CB8AC3E}">
-        <p14:creationId xmlns="" xmlns:a="http://schemas.openxmlformats.org/drawingml/2006/main" xmlns:r="http://schemas.openxmlformats.org/officeDocument/2006/relationships" xmlns:p="http://schemas.openxmlformats.org/presentationml/2006/main" xmlns:p14="http://schemas.microsoft.com/office/powerpoint/2010/main" xmlns:mv="urn:schemas-microsoft-com:mac:vml" xmlns:mc="http://schemas.openxmlformats.org/markup-compatibility/2006" val="1620148301"/>
+        <p14:creationId xmlns:p14="http://schemas.microsoft.com/office/powerpoint/2010/main" val="1620148301"/>
       </p:ext>
     </p:extLst>
   </p:cSld>
@@ -9301,7 +9324,7 @@
 </file>
 
 <file path=ppt/slides/slide4.xml><?xml version="1.0" encoding="utf-8"?>
-<p:sld xmlns:a="http://schemas.openxmlformats.org/drawingml/2006/main" xmlns:r="http://schemas.openxmlformats.org/officeDocument/2006/relationships" xmlns:mc="http://schemas.openxmlformats.org/markup-compatibility/2006" xmlns:mv="urn:schemas-microsoft-com:mac:vml" xmlns:p="http://schemas.openxmlformats.org/presentationml/2006/main" mc:Ignorable="mv" mc:PreserveAttributes="mv:*">
+<p:sld xmlns:a="http://schemas.openxmlformats.org/drawingml/2006/main" xmlns:r="http://schemas.openxmlformats.org/officeDocument/2006/relationships" xmlns:p="http://schemas.openxmlformats.org/presentationml/2006/main">
   <p:cSld>
     <p:spTree>
       <p:nvGrpSpPr>
@@ -9990,7 +10013,7 @@
     </p:spTree>
     <p:extLst>
       <p:ext uri="{BB962C8B-B14F-4D97-AF65-F5344CB8AC3E}">
-        <p14:creationId xmlns="" xmlns:a="http://schemas.openxmlformats.org/drawingml/2006/main" xmlns:r="http://schemas.openxmlformats.org/officeDocument/2006/relationships" xmlns:p="http://schemas.openxmlformats.org/presentationml/2006/main" xmlns:p14="http://schemas.microsoft.com/office/powerpoint/2010/main" xmlns:mv="urn:schemas-microsoft-com:mac:vml" xmlns:mc="http://schemas.openxmlformats.org/markup-compatibility/2006" val="330238604"/>
+        <p14:creationId xmlns:p14="http://schemas.microsoft.com/office/powerpoint/2010/main" val="330238604"/>
       </p:ext>
     </p:extLst>
   </p:cSld>
@@ -10008,7 +10031,7 @@
 </file>
 
 <file path=ppt/slides/slide5.xml><?xml version="1.0" encoding="utf-8"?>
-<p:sld xmlns:a="http://schemas.openxmlformats.org/drawingml/2006/main" xmlns:r="http://schemas.openxmlformats.org/officeDocument/2006/relationships" xmlns:mc="http://schemas.openxmlformats.org/markup-compatibility/2006" xmlns:mv="urn:schemas-microsoft-com:mac:vml" xmlns:p="http://schemas.openxmlformats.org/presentationml/2006/main" mc:Ignorable="mv" mc:PreserveAttributes="mv:*">
+<p:sld xmlns:a="http://schemas.openxmlformats.org/drawingml/2006/main" xmlns:r="http://schemas.openxmlformats.org/officeDocument/2006/relationships" xmlns:p="http://schemas.openxmlformats.org/presentationml/2006/main">
   <p:cSld>
     <p:spTree>
       <p:nvGrpSpPr>
@@ -10166,7 +10189,7 @@
     </p:spTree>
     <p:extLst>
       <p:ext uri="{BB962C8B-B14F-4D97-AF65-F5344CB8AC3E}">
-        <p14:creationId xmlns="" xmlns:a="http://schemas.openxmlformats.org/drawingml/2006/main" xmlns:r="http://schemas.openxmlformats.org/officeDocument/2006/relationships" xmlns:p="http://schemas.openxmlformats.org/presentationml/2006/main" xmlns:p14="http://schemas.microsoft.com/office/powerpoint/2010/main" xmlns:mv="urn:schemas-microsoft-com:mac:vml" xmlns:mc="http://schemas.openxmlformats.org/markup-compatibility/2006" val="3276086069"/>
+        <p14:creationId xmlns:p14="http://schemas.microsoft.com/office/powerpoint/2010/main" val="3276086069"/>
       </p:ext>
     </p:extLst>
   </p:cSld>
@@ -10184,7 +10207,7 @@
 </file>
 
 <file path=ppt/slides/slide6.xml><?xml version="1.0" encoding="utf-8"?>
-<p:sld xmlns:a="http://schemas.openxmlformats.org/drawingml/2006/main" xmlns:r="http://schemas.openxmlformats.org/officeDocument/2006/relationships" xmlns:mc="http://schemas.openxmlformats.org/markup-compatibility/2006" xmlns:mv="urn:schemas-microsoft-com:mac:vml" xmlns:p="http://schemas.openxmlformats.org/presentationml/2006/main" mc:Ignorable="mv" mc:PreserveAttributes="mv:*">
+<p:sld xmlns:a="http://schemas.openxmlformats.org/drawingml/2006/main" xmlns:r="http://schemas.openxmlformats.org/officeDocument/2006/relationships" xmlns:p="http://schemas.openxmlformats.org/presentationml/2006/main">
   <p:cSld>
     <p:spTree>
       <p:nvGrpSpPr>
@@ -10296,7 +10319,7 @@
     </p:spTree>
     <p:extLst>
       <p:ext uri="{BB962C8B-B14F-4D97-AF65-F5344CB8AC3E}">
-        <p14:creationId xmlns="" xmlns:a="http://schemas.openxmlformats.org/drawingml/2006/main" xmlns:r="http://schemas.openxmlformats.org/officeDocument/2006/relationships" xmlns:p="http://schemas.openxmlformats.org/presentationml/2006/main" xmlns:p14="http://schemas.microsoft.com/office/powerpoint/2010/main" xmlns:mv="urn:schemas-microsoft-com:mac:vml" xmlns:mc="http://schemas.openxmlformats.org/markup-compatibility/2006" val="1182468617"/>
+        <p14:creationId xmlns:p14="http://schemas.microsoft.com/office/powerpoint/2010/main" val="1182468617"/>
       </p:ext>
     </p:extLst>
   </p:cSld>
@@ -10314,7 +10337,7 @@
 </file>
 
 <file path=ppt/slides/slide7.xml><?xml version="1.0" encoding="utf-8"?>
-<p:sld xmlns:a="http://schemas.openxmlformats.org/drawingml/2006/main" xmlns:r="http://schemas.openxmlformats.org/officeDocument/2006/relationships" xmlns:mc="http://schemas.openxmlformats.org/markup-compatibility/2006" xmlns:mv="urn:schemas-microsoft-com:mac:vml" xmlns:p="http://schemas.openxmlformats.org/presentationml/2006/main" mc:Ignorable="mv" mc:PreserveAttributes="mv:*">
+<p:sld xmlns:a="http://schemas.openxmlformats.org/drawingml/2006/main" xmlns:r="http://schemas.openxmlformats.org/officeDocument/2006/relationships" xmlns:p="http://schemas.openxmlformats.org/presentationml/2006/main">
   <p:cSld>
     <p:spTree>
       <p:nvGrpSpPr>
@@ -10428,11 +10451,18 @@
   <p:clrMapOvr>
     <a:masterClrMapping/>
   </p:clrMapOvr>
+  <p:timing>
+    <p:tnLst>
+      <p:par>
+        <p:cTn id="1" dur="indefinite" restart="never" nodeType="tmRoot"/>
+      </p:par>
+    </p:tnLst>
+  </p:timing>
 </p:sld>
 </file>
 
 <file path=ppt/slides/slide8.xml><?xml version="1.0" encoding="utf-8"?>
-<p:sld xmlns:a="http://schemas.openxmlformats.org/drawingml/2006/main" xmlns:r="http://schemas.openxmlformats.org/officeDocument/2006/relationships" xmlns:mc="http://schemas.openxmlformats.org/markup-compatibility/2006" xmlns:mv="urn:schemas-microsoft-com:mac:vml" xmlns:p="http://schemas.openxmlformats.org/presentationml/2006/main" mc:Ignorable="mv" mc:PreserveAttributes="mv:*">
+<p:sld xmlns:a="http://schemas.openxmlformats.org/drawingml/2006/main" xmlns:r="http://schemas.openxmlformats.org/officeDocument/2006/relationships" xmlns:p="http://schemas.openxmlformats.org/presentationml/2006/main">
   <p:cSld>
     <p:spTree>
       <p:nvGrpSpPr>
@@ -10546,11 +10576,18 @@
   <p:clrMapOvr>
     <a:masterClrMapping/>
   </p:clrMapOvr>
+  <p:timing>
+    <p:tnLst>
+      <p:par>
+        <p:cTn id="1" dur="indefinite" restart="never" nodeType="tmRoot"/>
+      </p:par>
+    </p:tnLst>
+  </p:timing>
 </p:sld>
 </file>
 
 <file path=ppt/slides/slide9.xml><?xml version="1.0" encoding="utf-8"?>
-<p:sld xmlns:a="http://schemas.openxmlformats.org/drawingml/2006/main" xmlns:r="http://schemas.openxmlformats.org/officeDocument/2006/relationships" xmlns:mc="http://schemas.openxmlformats.org/markup-compatibility/2006" xmlns:mv="urn:schemas-microsoft-com:mac:vml" xmlns:p="http://schemas.openxmlformats.org/presentationml/2006/main" mc:Ignorable="mv" mc:PreserveAttributes="mv:*">
+<p:sld xmlns:a="http://schemas.openxmlformats.org/drawingml/2006/main" xmlns:r="http://schemas.openxmlformats.org/officeDocument/2006/relationships" xmlns:p="http://schemas.openxmlformats.org/presentationml/2006/main">
   <p:cSld>
     <p:spTree>
       <p:nvGrpSpPr>
@@ -10762,6 +10799,13 @@
   <p:clrMapOvr>
     <a:masterClrMapping/>
   </p:clrMapOvr>
+  <p:timing>
+    <p:tnLst>
+      <p:par>
+        <p:cTn id="1" dur="indefinite" restart="never" nodeType="tmRoot"/>
+      </p:par>
+    </p:tnLst>
+  </p:timing>
 </p:sld>
 </file>
 
@@ -11016,7 +11060,7 @@
   <a:extraClrSchemeLst/>
   <a:extLst>
     <a:ext uri="{05A4C25C-085E-4340-85A3-A5531E510DB2}">
-      <thm15:themeFamily xmlns="" xmlns:a="http://schemas.openxmlformats.org/drawingml/2006/main" xmlns:thm15="http://schemas.microsoft.com/office/thememl/2012/main" name="Facet" id="{C0C680CD-088A-49FC-A102-D699147F32B2}" vid="{CFBC31BA-B70F-4F30-BCAA-4F3011E16C4D}"/>
+      <thm15:themeFamily xmlns:thm15="http://schemas.microsoft.com/office/thememl/2012/main" name="Facet" id="{C0C680CD-088A-49FC-A102-D699147F32B2}" vid="{CFBC31BA-B70F-4F30-BCAA-4F3011E16C4D}"/>
     </a:ext>
   </a:extLst>
 </a:theme>
@@ -11277,7 +11321,7 @@
   <a:extraClrSchemeLst/>
   <a:extLst>
     <a:ext uri="{05A4C25C-085E-4340-85A3-A5531E510DB2}">
-      <thm15:themeFamily xmlns="" xmlns:a="http://schemas.openxmlformats.org/drawingml/2006/main" xmlns:thm15="http://schemas.microsoft.com/office/thememl/2012/main" name="Office Theme" id="{62F939B6-93AF-4DB8-9C6B-D6C7DFDC589F}" vid="{4A3C46E8-61CC-4603-A589-7422A47A8E4A}"/>
+      <thm15:themeFamily xmlns:thm15="http://schemas.microsoft.com/office/thememl/2012/main" name="Office Theme" id="{62F939B6-93AF-4DB8-9C6B-D6C7DFDC589F}" vid="{4A3C46E8-61CC-4603-A589-7422A47A8E4A}"/>
     </a:ext>
   </a:extLst>
 </a:theme>

--- a/IntroToGitHub&SmartGit-v3.1.pptx
+++ b/IntroToGitHub&SmartGit-v3.1.pptx
@@ -1,6 +1,6 @@
 
 <file path=ppt/presentation.xml><?xml version="1.0" encoding="utf-8"?>
-<p:presentation xmlns:a="http://schemas.openxmlformats.org/drawingml/2006/main" xmlns:r="http://schemas.openxmlformats.org/officeDocument/2006/relationships" xmlns:p="http://schemas.openxmlformats.org/presentationml/2006/main" saveSubsetFonts="1">
+<p:presentation xmlns:a="http://schemas.openxmlformats.org/drawingml/2006/main" xmlns:r="http://schemas.openxmlformats.org/officeDocument/2006/relationships" xmlns:mc="http://schemas.openxmlformats.org/markup-compatibility/2006" xmlns:mv="urn:schemas-microsoft-com:mac:vml" xmlns:p="http://schemas.openxmlformats.org/presentationml/2006/main" mc:Ignorable="mv" mc:PreserveAttributes="mv:*" saveSubsetFonts="1">
   <p:sldMasterIdLst>
     <p:sldMasterId id="2147483707" r:id="rId1"/>
   </p:sldMasterIdLst>
@@ -127,7 +127,7 @@
   </p:defaultTextStyle>
   <p:extLst>
     <p:ext uri="{EFAFB233-063F-42B5-8137-9DF3F51BA10A}">
-      <p15:sldGuideLst xmlns:p15="http://schemas.microsoft.com/office/powerpoint/2012/main">
+      <p15:sldGuideLst xmlns:p15="http://schemas.microsoft.com/office/powerpoint/2012/main" xmlns:p="http://schemas.openxmlformats.org/presentationml/2006/main" xmlns:r="http://schemas.openxmlformats.org/officeDocument/2006/relationships" xmlns:a="http://schemas.openxmlformats.org/drawingml/2006/main" xmlns="">
         <p15:guide id="1" orient="horz" pos="2160">
           <p15:clr>
             <a:srgbClr val="A4A3A4"/>
@@ -145,18 +145,18 @@
 </file>
 
 <file path=ppt/commentAuthors.xml><?xml version="1.0" encoding="utf-8"?>
-<p:cmAuthorLst xmlns:a="http://schemas.openxmlformats.org/drawingml/2006/main" xmlns:r="http://schemas.openxmlformats.org/officeDocument/2006/relationships" xmlns:p="http://schemas.openxmlformats.org/presentationml/2006/main">
+<p:cmAuthorLst xmlns:a="http://schemas.openxmlformats.org/drawingml/2006/main" xmlns:r="http://schemas.openxmlformats.org/officeDocument/2006/relationships" xmlns:mc="http://schemas.openxmlformats.org/markup-compatibility/2006" xmlns:mv="urn:schemas-microsoft-com:mac:vml" xmlns:p="http://schemas.openxmlformats.org/presentationml/2006/main" mc:Ignorable="mv" mc:PreserveAttributes="mv:*">
   <p:cmAuthor id="1" name="Joseph Sempa" initials="JS" lastIdx="7" clrIdx="0">
     <p:extLst>
       <p:ext uri="{19B8F6BF-5375-455C-9EA6-DF929625EA0E}">
-        <p15:presenceInfo xmlns:p15="http://schemas.microsoft.com/office/powerpoint/2012/main" userId="6a318720dea0050f" providerId="Windows Live"/>
+        <p15:presenceInfo xmlns:p15="http://schemas.microsoft.com/office/powerpoint/2012/main" xmlns:p="http://schemas.openxmlformats.org/presentationml/2006/main" xmlns:r="http://schemas.openxmlformats.org/officeDocument/2006/relationships" xmlns:a="http://schemas.openxmlformats.org/drawingml/2006/main" xmlns="" userId="6a318720dea0050f" providerId="Windows Live"/>
       </p:ext>
     </p:extLst>
   </p:cmAuthor>
   <p:cmAuthor id="2" name="Eva" initials="E" lastIdx="5" clrIdx="1">
     <p:extLst>
       <p:ext uri="{19B8F6BF-5375-455C-9EA6-DF929625EA0E}">
-        <p15:presenceInfo xmlns:p15="http://schemas.microsoft.com/office/powerpoint/2012/main" userId="Eva" providerId="None"/>
+        <p15:presenceInfo xmlns:p15="http://schemas.microsoft.com/office/powerpoint/2012/main" xmlns:p="http://schemas.openxmlformats.org/presentationml/2006/main" xmlns:r="http://schemas.openxmlformats.org/officeDocument/2006/relationships" xmlns:a="http://schemas.openxmlformats.org/drawingml/2006/main" xmlns="" userId="Eva" providerId="None"/>
       </p:ext>
     </p:extLst>
   </p:cmAuthor>
@@ -165,7 +165,7 @@
 </file>
 
 <file path=ppt/notesMasters/notesMaster1.xml><?xml version="1.0" encoding="utf-8"?>
-<p:notesMaster xmlns:a="http://schemas.openxmlformats.org/drawingml/2006/main" xmlns:r="http://schemas.openxmlformats.org/officeDocument/2006/relationships" xmlns:p="http://schemas.openxmlformats.org/presentationml/2006/main">
+<p:notesMaster xmlns:a="http://schemas.openxmlformats.org/drawingml/2006/main" xmlns:r="http://schemas.openxmlformats.org/officeDocument/2006/relationships" xmlns:mc="http://schemas.openxmlformats.org/markup-compatibility/2006" xmlns:mv="urn:schemas-microsoft-com:mac:vml" xmlns:p="http://schemas.openxmlformats.org/presentationml/2006/main" mc:Ignorable="mv" mc:PreserveAttributes="mv:*">
   <p:cSld>
     <p:bg>
       <p:bgRef idx="1001">
@@ -247,7 +247,7 @@
             <a:fld id="{12320EBB-C57D-4679-B90E-3AE205263646}" type="datetimeFigureOut">
               <a:rPr lang="en-US" smtClean="0"/>
               <a:pPr/>
-              <a:t>11-May-15</a:t>
+              <a:t>5/12/15</a:t>
             </a:fld>
             <a:endParaRPr lang="en-US"/>
           </a:p>
@@ -416,7 +416,7 @@
     </p:spTree>
     <p:extLst>
       <p:ext uri="{BB962C8B-B14F-4D97-AF65-F5344CB8AC3E}">
-        <p14:creationId xmlns:p14="http://schemas.microsoft.com/office/powerpoint/2010/main" val="2700682020"/>
+        <p14:creationId xmlns:p14="http://schemas.microsoft.com/office/powerpoint/2010/main" xmlns:p="http://schemas.openxmlformats.org/presentationml/2006/main" xmlns:r="http://schemas.openxmlformats.org/officeDocument/2006/relationships" xmlns:a="http://schemas.openxmlformats.org/drawingml/2006/main" xmlns="" val="2700682020"/>
       </p:ext>
     </p:extLst>
   </p:cSld>
@@ -517,7 +517,7 @@
 </file>
 
 <file path=ppt/notesSlides/notesSlide1.xml><?xml version="1.0" encoding="utf-8"?>
-<p:notes xmlns:a="http://schemas.openxmlformats.org/drawingml/2006/main" xmlns:r="http://schemas.openxmlformats.org/officeDocument/2006/relationships" xmlns:p="http://schemas.openxmlformats.org/presentationml/2006/main">
+<p:notes xmlns:a="http://schemas.openxmlformats.org/drawingml/2006/main" xmlns:r="http://schemas.openxmlformats.org/officeDocument/2006/relationships" xmlns:mc="http://schemas.openxmlformats.org/markup-compatibility/2006" xmlns:mv="urn:schemas-microsoft-com:mac:vml" xmlns:p="http://schemas.openxmlformats.org/presentationml/2006/main" mc:Ignorable="mv" mc:PreserveAttributes="mv:*">
   <p:cSld>
     <p:spTree>
       <p:nvGrpSpPr>
@@ -591,7 +591,7 @@
     </p:spTree>
     <p:extLst>
       <p:ext uri="{BB962C8B-B14F-4D97-AF65-F5344CB8AC3E}">
-        <p14:creationId xmlns:p14="http://schemas.microsoft.com/office/powerpoint/2010/main" val="3125911225"/>
+        <p14:creationId xmlns:p14="http://schemas.microsoft.com/office/powerpoint/2010/main" xmlns:p="http://schemas.openxmlformats.org/presentationml/2006/main" xmlns:r="http://schemas.openxmlformats.org/officeDocument/2006/relationships" xmlns:a="http://schemas.openxmlformats.org/drawingml/2006/main" xmlns="" val="3125911225"/>
       </p:ext>
     </p:extLst>
   </p:cSld>
@@ -602,7 +602,7 @@
 </file>
 
 <file path=ppt/notesSlides/notesSlide2.xml><?xml version="1.0" encoding="utf-8"?>
-<p:notes xmlns:a="http://schemas.openxmlformats.org/drawingml/2006/main" xmlns:r="http://schemas.openxmlformats.org/officeDocument/2006/relationships" xmlns:p="http://schemas.openxmlformats.org/presentationml/2006/main">
+<p:notes xmlns:a="http://schemas.openxmlformats.org/drawingml/2006/main" xmlns:r="http://schemas.openxmlformats.org/officeDocument/2006/relationships" xmlns:mc="http://schemas.openxmlformats.org/markup-compatibility/2006" xmlns:mv="urn:schemas-microsoft-com:mac:vml" xmlns:p="http://schemas.openxmlformats.org/presentationml/2006/main" mc:Ignorable="mv" mc:PreserveAttributes="mv:*">
   <p:cSld>
     <p:spTree>
       <p:nvGrpSpPr>
@@ -676,7 +676,7 @@
     </p:spTree>
     <p:extLst>
       <p:ext uri="{BB962C8B-B14F-4D97-AF65-F5344CB8AC3E}">
-        <p14:creationId xmlns:p14="http://schemas.microsoft.com/office/powerpoint/2010/main" val="978467445"/>
+        <p14:creationId xmlns:p14="http://schemas.microsoft.com/office/powerpoint/2010/main" xmlns:p="http://schemas.openxmlformats.org/presentationml/2006/main" xmlns:r="http://schemas.openxmlformats.org/officeDocument/2006/relationships" xmlns:a="http://schemas.openxmlformats.org/drawingml/2006/main" xmlns="" val="978467445"/>
       </p:ext>
     </p:extLst>
   </p:cSld>
@@ -687,7 +687,7 @@
 </file>
 
 <file path=ppt/notesSlides/notesSlide3.xml><?xml version="1.0" encoding="utf-8"?>
-<p:notes xmlns:a="http://schemas.openxmlformats.org/drawingml/2006/main" xmlns:r="http://schemas.openxmlformats.org/officeDocument/2006/relationships" xmlns:p="http://schemas.openxmlformats.org/presentationml/2006/main">
+<p:notes xmlns:a="http://schemas.openxmlformats.org/drawingml/2006/main" xmlns:r="http://schemas.openxmlformats.org/officeDocument/2006/relationships" xmlns:mc="http://schemas.openxmlformats.org/markup-compatibility/2006" xmlns:mv="urn:schemas-microsoft-com:mac:vml" xmlns:p="http://schemas.openxmlformats.org/presentationml/2006/main" mc:Ignorable="mv" mc:PreserveAttributes="mv:*">
   <p:cSld>
     <p:spTree>
       <p:nvGrpSpPr>
@@ -761,7 +761,7 @@
     </p:spTree>
     <p:extLst>
       <p:ext uri="{BB962C8B-B14F-4D97-AF65-F5344CB8AC3E}">
-        <p14:creationId xmlns:p14="http://schemas.microsoft.com/office/powerpoint/2010/main" val="639080925"/>
+        <p14:creationId xmlns:p14="http://schemas.microsoft.com/office/powerpoint/2010/main" xmlns:p="http://schemas.openxmlformats.org/presentationml/2006/main" xmlns:r="http://schemas.openxmlformats.org/officeDocument/2006/relationships" xmlns:a="http://schemas.openxmlformats.org/drawingml/2006/main" xmlns="" val="639080925"/>
       </p:ext>
     </p:extLst>
   </p:cSld>
@@ -772,7 +772,7 @@
 </file>
 
 <file path=ppt/notesSlides/notesSlide4.xml><?xml version="1.0" encoding="utf-8"?>
-<p:notes xmlns:a="http://schemas.openxmlformats.org/drawingml/2006/main" xmlns:r="http://schemas.openxmlformats.org/officeDocument/2006/relationships" xmlns:p="http://schemas.openxmlformats.org/presentationml/2006/main">
+<p:notes xmlns:a="http://schemas.openxmlformats.org/drawingml/2006/main" xmlns:r="http://schemas.openxmlformats.org/officeDocument/2006/relationships" xmlns:mc="http://schemas.openxmlformats.org/markup-compatibility/2006" xmlns:mv="urn:schemas-microsoft-com:mac:vml" xmlns:p="http://schemas.openxmlformats.org/presentationml/2006/main" mc:Ignorable="mv" mc:PreserveAttributes="mv:*">
   <p:cSld>
     <p:spTree>
       <p:nvGrpSpPr>
@@ -846,7 +846,7 @@
     </p:spTree>
     <p:extLst>
       <p:ext uri="{BB962C8B-B14F-4D97-AF65-F5344CB8AC3E}">
-        <p14:creationId xmlns:p14="http://schemas.microsoft.com/office/powerpoint/2010/main" val="2364095293"/>
+        <p14:creationId xmlns:p14="http://schemas.microsoft.com/office/powerpoint/2010/main" xmlns:p="http://schemas.openxmlformats.org/presentationml/2006/main" xmlns:r="http://schemas.openxmlformats.org/officeDocument/2006/relationships" xmlns:a="http://schemas.openxmlformats.org/drawingml/2006/main" xmlns="" val="2364095293"/>
       </p:ext>
     </p:extLst>
   </p:cSld>
@@ -857,7 +857,7 @@
 </file>
 
 <file path=ppt/notesSlides/notesSlide5.xml><?xml version="1.0" encoding="utf-8"?>
-<p:notes xmlns:a="http://schemas.openxmlformats.org/drawingml/2006/main" xmlns:r="http://schemas.openxmlformats.org/officeDocument/2006/relationships" xmlns:p="http://schemas.openxmlformats.org/presentationml/2006/main">
+<p:notes xmlns:a="http://schemas.openxmlformats.org/drawingml/2006/main" xmlns:r="http://schemas.openxmlformats.org/officeDocument/2006/relationships" xmlns:mc="http://schemas.openxmlformats.org/markup-compatibility/2006" xmlns:mv="urn:schemas-microsoft-com:mac:vml" xmlns:p="http://schemas.openxmlformats.org/presentationml/2006/main" mc:Ignorable="mv" mc:PreserveAttributes="mv:*">
   <p:cSld>
     <p:spTree>
       <p:nvGrpSpPr>
@@ -931,7 +931,7 @@
     </p:spTree>
     <p:extLst>
       <p:ext uri="{BB962C8B-B14F-4D97-AF65-F5344CB8AC3E}">
-        <p14:creationId xmlns:p14="http://schemas.microsoft.com/office/powerpoint/2010/main" val="3214889824"/>
+        <p14:creationId xmlns:p14="http://schemas.microsoft.com/office/powerpoint/2010/main" xmlns:p="http://schemas.openxmlformats.org/presentationml/2006/main" xmlns:r="http://schemas.openxmlformats.org/officeDocument/2006/relationships" xmlns:a="http://schemas.openxmlformats.org/drawingml/2006/main" xmlns="" val="3214889824"/>
       </p:ext>
     </p:extLst>
   </p:cSld>
@@ -942,7 +942,7 @@
 </file>
 
 <file path=ppt/slideLayouts/slideLayout1.xml><?xml version="1.0" encoding="utf-8"?>
-<p:sldLayout xmlns:a="http://schemas.openxmlformats.org/drawingml/2006/main" xmlns:r="http://schemas.openxmlformats.org/officeDocument/2006/relationships" xmlns:p="http://schemas.openxmlformats.org/presentationml/2006/main" showMasterSp="0" type="title" preserve="1">
+<p:sldLayout xmlns:a="http://schemas.openxmlformats.org/drawingml/2006/main" xmlns:r="http://schemas.openxmlformats.org/officeDocument/2006/relationships" xmlns:mc="http://schemas.openxmlformats.org/markup-compatibility/2006" xmlns:mv="urn:schemas-microsoft-com:mac:vml" xmlns:p="http://schemas.openxmlformats.org/presentationml/2006/main" mc:Ignorable="mv" mc:PreserveAttributes="mv:*" showMasterSp="0" type="title" preserve="1">
   <p:cSld name="Title Slide">
     <p:spTree>
       <p:nvGrpSpPr>
@@ -1664,7 +1664,7 @@
             <a:fld id="{89585FB9-3804-4F2F-A432-68920AB06FD5}" type="datetimeFigureOut">
               <a:rPr lang="en-US" smtClean="0"/>
               <a:pPr/>
-              <a:t>11-May-15</a:t>
+              <a:t>5/12/15</a:t>
             </a:fld>
             <a:endParaRPr lang="en-US"/>
           </a:p>
@@ -1716,7 +1716,7 @@
     </p:spTree>
     <p:extLst>
       <p:ext uri="{BB962C8B-B14F-4D97-AF65-F5344CB8AC3E}">
-        <p14:creationId xmlns:p14="http://schemas.microsoft.com/office/powerpoint/2010/main" val="2241209880"/>
+        <p14:creationId xmlns:p14="http://schemas.microsoft.com/office/powerpoint/2010/main" xmlns:p="http://schemas.openxmlformats.org/presentationml/2006/main" xmlns:r="http://schemas.openxmlformats.org/officeDocument/2006/relationships" xmlns:a="http://schemas.openxmlformats.org/drawingml/2006/main" xmlns="" val="2241209880"/>
       </p:ext>
     </p:extLst>
   </p:cSld>
@@ -1727,7 +1727,7 @@
 </file>
 
 <file path=ppt/slideLayouts/slideLayout10.xml><?xml version="1.0" encoding="utf-8"?>
-<p:sldLayout xmlns:a="http://schemas.openxmlformats.org/drawingml/2006/main" xmlns:r="http://schemas.openxmlformats.org/officeDocument/2006/relationships" xmlns:p="http://schemas.openxmlformats.org/presentationml/2006/main" preserve="1">
+<p:sldLayout xmlns:a="http://schemas.openxmlformats.org/drawingml/2006/main" xmlns:r="http://schemas.openxmlformats.org/officeDocument/2006/relationships" xmlns:mc="http://schemas.openxmlformats.org/markup-compatibility/2006" xmlns:mv="urn:schemas-microsoft-com:mac:vml" xmlns:p="http://schemas.openxmlformats.org/presentationml/2006/main" mc:Ignorable="mv" mc:PreserveAttributes="mv:*" preserve="1">
   <p:cSld name="Title and Caption">
     <p:spTree>
       <p:nvGrpSpPr>
@@ -1917,7 +1917,7 @@
             <a:fld id="{89585FB9-3804-4F2F-A432-68920AB06FD5}" type="datetimeFigureOut">
               <a:rPr lang="en-US" smtClean="0"/>
               <a:pPr/>
-              <a:t>11-May-15</a:t>
+              <a:t>5/12/15</a:t>
             </a:fld>
             <a:endParaRPr lang="en-US"/>
           </a:p>
@@ -1969,7 +1969,7 @@
     </p:spTree>
     <p:extLst>
       <p:ext uri="{BB962C8B-B14F-4D97-AF65-F5344CB8AC3E}">
-        <p14:creationId xmlns:p14="http://schemas.microsoft.com/office/powerpoint/2010/main" val="2131812249"/>
+        <p14:creationId xmlns:p14="http://schemas.microsoft.com/office/powerpoint/2010/main" xmlns:p="http://schemas.openxmlformats.org/presentationml/2006/main" xmlns:r="http://schemas.openxmlformats.org/officeDocument/2006/relationships" xmlns:a="http://schemas.openxmlformats.org/drawingml/2006/main" xmlns="" val="2131812249"/>
       </p:ext>
     </p:extLst>
   </p:cSld>
@@ -1980,7 +1980,7 @@
 </file>
 
 <file path=ppt/slideLayouts/slideLayout11.xml><?xml version="1.0" encoding="utf-8"?>
-<p:sldLayout xmlns:a="http://schemas.openxmlformats.org/drawingml/2006/main" xmlns:r="http://schemas.openxmlformats.org/officeDocument/2006/relationships" xmlns:p="http://schemas.openxmlformats.org/presentationml/2006/main" preserve="1">
+<p:sldLayout xmlns:a="http://schemas.openxmlformats.org/drawingml/2006/main" xmlns:r="http://schemas.openxmlformats.org/officeDocument/2006/relationships" xmlns:mc="http://schemas.openxmlformats.org/markup-compatibility/2006" xmlns:mv="urn:schemas-microsoft-com:mac:vml" xmlns:p="http://schemas.openxmlformats.org/presentationml/2006/main" mc:Ignorable="mv" mc:PreserveAttributes="mv:*" preserve="1">
   <p:cSld name="Quote with Caption">
     <p:spTree>
       <p:nvGrpSpPr>
@@ -2233,7 +2233,7 @@
             <a:fld id="{89585FB9-3804-4F2F-A432-68920AB06FD5}" type="datetimeFigureOut">
               <a:rPr lang="en-US" smtClean="0"/>
               <a:pPr/>
-              <a:t>11-May-15</a:t>
+              <a:t>5/12/15</a:t>
             </a:fld>
             <a:endParaRPr lang="en-US"/>
           </a:p>
@@ -2375,7 +2375,7 @@
     </p:spTree>
     <p:extLst>
       <p:ext uri="{BB962C8B-B14F-4D97-AF65-F5344CB8AC3E}">
-        <p14:creationId xmlns:p14="http://schemas.microsoft.com/office/powerpoint/2010/main" val="2239895635"/>
+        <p14:creationId xmlns:p14="http://schemas.microsoft.com/office/powerpoint/2010/main" xmlns:p="http://schemas.openxmlformats.org/presentationml/2006/main" xmlns:r="http://schemas.openxmlformats.org/officeDocument/2006/relationships" xmlns:a="http://schemas.openxmlformats.org/drawingml/2006/main" xmlns="" val="2239895635"/>
       </p:ext>
     </p:extLst>
   </p:cSld>
@@ -2386,7 +2386,7 @@
 </file>
 
 <file path=ppt/slideLayouts/slideLayout12.xml><?xml version="1.0" encoding="utf-8"?>
-<p:sldLayout xmlns:a="http://schemas.openxmlformats.org/drawingml/2006/main" xmlns:r="http://schemas.openxmlformats.org/officeDocument/2006/relationships" xmlns:p="http://schemas.openxmlformats.org/presentationml/2006/main" preserve="1">
+<p:sldLayout xmlns:a="http://schemas.openxmlformats.org/drawingml/2006/main" xmlns:r="http://schemas.openxmlformats.org/officeDocument/2006/relationships" xmlns:mc="http://schemas.openxmlformats.org/markup-compatibility/2006" xmlns:mv="urn:schemas-microsoft-com:mac:vml" xmlns:p="http://schemas.openxmlformats.org/presentationml/2006/main" mc:Ignorable="mv" mc:PreserveAttributes="mv:*" preserve="1">
   <p:cSld name="Name Card">
     <p:spTree>
       <p:nvGrpSpPr>
@@ -2576,7 +2576,7 @@
             <a:fld id="{89585FB9-3804-4F2F-A432-68920AB06FD5}" type="datetimeFigureOut">
               <a:rPr lang="en-US" smtClean="0"/>
               <a:pPr/>
-              <a:t>11-May-15</a:t>
+              <a:t>5/12/15</a:t>
             </a:fld>
             <a:endParaRPr lang="en-US"/>
           </a:p>
@@ -2628,7 +2628,7 @@
     </p:spTree>
     <p:extLst>
       <p:ext uri="{BB962C8B-B14F-4D97-AF65-F5344CB8AC3E}">
-        <p14:creationId xmlns:p14="http://schemas.microsoft.com/office/powerpoint/2010/main" val="1147813802"/>
+        <p14:creationId xmlns:p14="http://schemas.microsoft.com/office/powerpoint/2010/main" xmlns:p="http://schemas.openxmlformats.org/presentationml/2006/main" xmlns:r="http://schemas.openxmlformats.org/officeDocument/2006/relationships" xmlns:a="http://schemas.openxmlformats.org/drawingml/2006/main" xmlns="" val="1147813802"/>
       </p:ext>
     </p:extLst>
   </p:cSld>
@@ -2639,7 +2639,7 @@
 </file>
 
 <file path=ppt/slideLayouts/slideLayout13.xml><?xml version="1.0" encoding="utf-8"?>
-<p:sldLayout xmlns:a="http://schemas.openxmlformats.org/drawingml/2006/main" xmlns:r="http://schemas.openxmlformats.org/officeDocument/2006/relationships" xmlns:p="http://schemas.openxmlformats.org/presentationml/2006/main" preserve="1">
+<p:sldLayout xmlns:a="http://schemas.openxmlformats.org/drawingml/2006/main" xmlns:r="http://schemas.openxmlformats.org/officeDocument/2006/relationships" xmlns:mc="http://schemas.openxmlformats.org/markup-compatibility/2006" xmlns:mv="urn:schemas-microsoft-com:mac:vml" xmlns:p="http://schemas.openxmlformats.org/presentationml/2006/main" mc:Ignorable="mv" mc:PreserveAttributes="mv:*" preserve="1">
   <p:cSld name="Quote Name Card">
     <p:spTree>
       <p:nvGrpSpPr>
@@ -2892,7 +2892,7 @@
             <a:fld id="{89585FB9-3804-4F2F-A432-68920AB06FD5}" type="datetimeFigureOut">
               <a:rPr lang="en-US" smtClean="0"/>
               <a:pPr/>
-              <a:t>11-May-15</a:t>
+              <a:t>5/12/15</a:t>
             </a:fld>
             <a:endParaRPr lang="en-US"/>
           </a:p>
@@ -3026,7 +3026,7 @@
     </p:spTree>
     <p:extLst>
       <p:ext uri="{BB962C8B-B14F-4D97-AF65-F5344CB8AC3E}">
-        <p14:creationId xmlns:p14="http://schemas.microsoft.com/office/powerpoint/2010/main" val="211510257"/>
+        <p14:creationId xmlns:p14="http://schemas.microsoft.com/office/powerpoint/2010/main" xmlns:p="http://schemas.openxmlformats.org/presentationml/2006/main" xmlns:r="http://schemas.openxmlformats.org/officeDocument/2006/relationships" xmlns:a="http://schemas.openxmlformats.org/drawingml/2006/main" xmlns="" val="211510257"/>
       </p:ext>
     </p:extLst>
   </p:cSld>
@@ -3037,7 +3037,7 @@
 </file>
 
 <file path=ppt/slideLayouts/slideLayout14.xml><?xml version="1.0" encoding="utf-8"?>
-<p:sldLayout xmlns:a="http://schemas.openxmlformats.org/drawingml/2006/main" xmlns:r="http://schemas.openxmlformats.org/officeDocument/2006/relationships" xmlns:p="http://schemas.openxmlformats.org/presentationml/2006/main" preserve="1">
+<p:sldLayout xmlns:a="http://schemas.openxmlformats.org/drawingml/2006/main" xmlns:r="http://schemas.openxmlformats.org/officeDocument/2006/relationships" xmlns:mc="http://schemas.openxmlformats.org/markup-compatibility/2006" xmlns:mv="urn:schemas-microsoft-com:mac:vml" xmlns:p="http://schemas.openxmlformats.org/presentationml/2006/main" mc:Ignorable="mv" mc:PreserveAttributes="mv:*" preserve="1">
   <p:cSld name="True or False">
     <p:spTree>
       <p:nvGrpSpPr>
@@ -3287,7 +3287,7 @@
             <a:fld id="{89585FB9-3804-4F2F-A432-68920AB06FD5}" type="datetimeFigureOut">
               <a:rPr lang="en-US" smtClean="0"/>
               <a:pPr/>
-              <a:t>11-May-15</a:t>
+              <a:t>5/12/15</a:t>
             </a:fld>
             <a:endParaRPr lang="en-US"/>
           </a:p>
@@ -3339,7 +3339,7 @@
     </p:spTree>
     <p:extLst>
       <p:ext uri="{BB962C8B-B14F-4D97-AF65-F5344CB8AC3E}">
-        <p14:creationId xmlns:p14="http://schemas.microsoft.com/office/powerpoint/2010/main" val="2904196083"/>
+        <p14:creationId xmlns:p14="http://schemas.microsoft.com/office/powerpoint/2010/main" xmlns:p="http://schemas.openxmlformats.org/presentationml/2006/main" xmlns:r="http://schemas.openxmlformats.org/officeDocument/2006/relationships" xmlns:a="http://schemas.openxmlformats.org/drawingml/2006/main" xmlns="" val="2904196083"/>
       </p:ext>
     </p:extLst>
   </p:cSld>
@@ -3350,7 +3350,7 @@
 </file>
 
 <file path=ppt/slideLayouts/slideLayout15.xml><?xml version="1.0" encoding="utf-8"?>
-<p:sldLayout xmlns:a="http://schemas.openxmlformats.org/drawingml/2006/main" xmlns:r="http://schemas.openxmlformats.org/officeDocument/2006/relationships" xmlns:p="http://schemas.openxmlformats.org/presentationml/2006/main" type="vertTx" preserve="1">
+<p:sldLayout xmlns:a="http://schemas.openxmlformats.org/drawingml/2006/main" xmlns:r="http://schemas.openxmlformats.org/officeDocument/2006/relationships" xmlns:mc="http://schemas.openxmlformats.org/markup-compatibility/2006" xmlns:mv="urn:schemas-microsoft-com:mac:vml" xmlns:p="http://schemas.openxmlformats.org/presentationml/2006/main" mc:Ignorable="mv" mc:PreserveAttributes="mv:*" type="vertTx" preserve="1">
   <p:cSld name="Title and Vertical Text">
     <p:spTree>
       <p:nvGrpSpPr>
@@ -3459,7 +3459,7 @@
             <a:fld id="{89585FB9-3804-4F2F-A432-68920AB06FD5}" type="datetimeFigureOut">
               <a:rPr lang="en-US" smtClean="0"/>
               <a:pPr/>
-              <a:t>11-May-15</a:t>
+              <a:t>5/12/15</a:t>
             </a:fld>
             <a:endParaRPr lang="en-US"/>
           </a:p>
@@ -3511,7 +3511,7 @@
     </p:spTree>
     <p:extLst>
       <p:ext uri="{BB962C8B-B14F-4D97-AF65-F5344CB8AC3E}">
-        <p14:creationId xmlns:p14="http://schemas.microsoft.com/office/powerpoint/2010/main" val="1254396012"/>
+        <p14:creationId xmlns:p14="http://schemas.microsoft.com/office/powerpoint/2010/main" xmlns:p="http://schemas.openxmlformats.org/presentationml/2006/main" xmlns:r="http://schemas.openxmlformats.org/officeDocument/2006/relationships" xmlns:a="http://schemas.openxmlformats.org/drawingml/2006/main" xmlns="" val="1254396012"/>
       </p:ext>
     </p:extLst>
   </p:cSld>
@@ -3522,7 +3522,7 @@
 </file>
 
 <file path=ppt/slideLayouts/slideLayout16.xml><?xml version="1.0" encoding="utf-8"?>
-<p:sldLayout xmlns:a="http://schemas.openxmlformats.org/drawingml/2006/main" xmlns:r="http://schemas.openxmlformats.org/officeDocument/2006/relationships" xmlns:p="http://schemas.openxmlformats.org/presentationml/2006/main" type="vertTitleAndTx" preserve="1">
+<p:sldLayout xmlns:a="http://schemas.openxmlformats.org/drawingml/2006/main" xmlns:r="http://schemas.openxmlformats.org/officeDocument/2006/relationships" xmlns:mc="http://schemas.openxmlformats.org/markup-compatibility/2006" xmlns:mv="urn:schemas-microsoft-com:mac:vml" xmlns:p="http://schemas.openxmlformats.org/presentationml/2006/main" mc:Ignorable="mv" mc:PreserveAttributes="mv:*" type="vertTitleAndTx" preserve="1">
   <p:cSld name="Vertical Title and Text">
     <p:spTree>
       <p:nvGrpSpPr>
@@ -3641,7 +3641,7 @@
             <a:fld id="{89585FB9-3804-4F2F-A432-68920AB06FD5}" type="datetimeFigureOut">
               <a:rPr lang="en-US" smtClean="0"/>
               <a:pPr/>
-              <a:t>11-May-15</a:t>
+              <a:t>5/12/15</a:t>
             </a:fld>
             <a:endParaRPr lang="en-US"/>
           </a:p>
@@ -3693,7 +3693,7 @@
     </p:spTree>
     <p:extLst>
       <p:ext uri="{BB962C8B-B14F-4D97-AF65-F5344CB8AC3E}">
-        <p14:creationId xmlns:p14="http://schemas.microsoft.com/office/powerpoint/2010/main" val="1959831598"/>
+        <p14:creationId xmlns:p14="http://schemas.microsoft.com/office/powerpoint/2010/main" xmlns:p="http://schemas.openxmlformats.org/presentationml/2006/main" xmlns:r="http://schemas.openxmlformats.org/officeDocument/2006/relationships" xmlns:a="http://schemas.openxmlformats.org/drawingml/2006/main" xmlns="" val="1959831598"/>
       </p:ext>
     </p:extLst>
   </p:cSld>
@@ -3704,7 +3704,7 @@
 </file>
 
 <file path=ppt/slideLayouts/slideLayout2.xml><?xml version="1.0" encoding="utf-8"?>
-<p:sldLayout xmlns:a="http://schemas.openxmlformats.org/drawingml/2006/main" xmlns:r="http://schemas.openxmlformats.org/officeDocument/2006/relationships" xmlns:p="http://schemas.openxmlformats.org/presentationml/2006/main" type="obj" preserve="1">
+<p:sldLayout xmlns:a="http://schemas.openxmlformats.org/drawingml/2006/main" xmlns:r="http://schemas.openxmlformats.org/officeDocument/2006/relationships" xmlns:mc="http://schemas.openxmlformats.org/markup-compatibility/2006" xmlns:mv="urn:schemas-microsoft-com:mac:vml" xmlns:p="http://schemas.openxmlformats.org/presentationml/2006/main" mc:Ignorable="mv" mc:PreserveAttributes="mv:*" type="obj" preserve="1">
   <p:cSld name="Title and Content">
     <p:spTree>
       <p:nvGrpSpPr>
@@ -3819,7 +3819,7 @@
             <a:fld id="{89585FB9-3804-4F2F-A432-68920AB06FD5}" type="datetimeFigureOut">
               <a:rPr lang="en-US" smtClean="0"/>
               <a:pPr/>
-              <a:t>11-May-15</a:t>
+              <a:t>5/12/15</a:t>
             </a:fld>
             <a:endParaRPr lang="en-US"/>
           </a:p>
@@ -3871,7 +3871,7 @@
     </p:spTree>
     <p:extLst>
       <p:ext uri="{BB962C8B-B14F-4D97-AF65-F5344CB8AC3E}">
-        <p14:creationId xmlns:p14="http://schemas.microsoft.com/office/powerpoint/2010/main" val="1037308338"/>
+        <p14:creationId xmlns:p14="http://schemas.microsoft.com/office/powerpoint/2010/main" xmlns:p="http://schemas.openxmlformats.org/presentationml/2006/main" xmlns:r="http://schemas.openxmlformats.org/officeDocument/2006/relationships" xmlns:a="http://schemas.openxmlformats.org/drawingml/2006/main" xmlns="" val="1037308338"/>
       </p:ext>
     </p:extLst>
   </p:cSld>
@@ -3882,7 +3882,7 @@
 </file>
 
 <file path=ppt/slideLayouts/slideLayout3.xml><?xml version="1.0" encoding="utf-8"?>
-<p:sldLayout xmlns:a="http://schemas.openxmlformats.org/drawingml/2006/main" xmlns:r="http://schemas.openxmlformats.org/officeDocument/2006/relationships" xmlns:p="http://schemas.openxmlformats.org/presentationml/2006/main" type="secHead" preserve="1">
+<p:sldLayout xmlns:a="http://schemas.openxmlformats.org/drawingml/2006/main" xmlns:r="http://schemas.openxmlformats.org/officeDocument/2006/relationships" xmlns:mc="http://schemas.openxmlformats.org/markup-compatibility/2006" xmlns:mv="urn:schemas-microsoft-com:mac:vml" xmlns:p="http://schemas.openxmlformats.org/presentationml/2006/main" mc:Ignorable="mv" mc:PreserveAttributes="mv:*" type="secHead" preserve="1">
   <p:cSld name="Section Header">
     <p:spTree>
       <p:nvGrpSpPr>
@@ -4068,7 +4068,7 @@
             <a:fld id="{89585FB9-3804-4F2F-A432-68920AB06FD5}" type="datetimeFigureOut">
               <a:rPr lang="en-US" smtClean="0"/>
               <a:pPr/>
-              <a:t>11-May-15</a:t>
+              <a:t>5/12/15</a:t>
             </a:fld>
             <a:endParaRPr lang="en-US"/>
           </a:p>
@@ -4120,7 +4120,7 @@
     </p:spTree>
     <p:extLst>
       <p:ext uri="{BB962C8B-B14F-4D97-AF65-F5344CB8AC3E}">
-        <p14:creationId xmlns:p14="http://schemas.microsoft.com/office/powerpoint/2010/main" val="1433787486"/>
+        <p14:creationId xmlns:p14="http://schemas.microsoft.com/office/powerpoint/2010/main" xmlns:p="http://schemas.openxmlformats.org/presentationml/2006/main" xmlns:r="http://schemas.openxmlformats.org/officeDocument/2006/relationships" xmlns:a="http://schemas.openxmlformats.org/drawingml/2006/main" xmlns="" val="1433787486"/>
       </p:ext>
     </p:extLst>
   </p:cSld>
@@ -4131,7 +4131,7 @@
 </file>
 
 <file path=ppt/slideLayouts/slideLayout4.xml><?xml version="1.0" encoding="utf-8"?>
-<p:sldLayout xmlns:a="http://schemas.openxmlformats.org/drawingml/2006/main" xmlns:r="http://schemas.openxmlformats.org/officeDocument/2006/relationships" xmlns:p="http://schemas.openxmlformats.org/presentationml/2006/main" type="twoObj" preserve="1">
+<p:sldLayout xmlns:a="http://schemas.openxmlformats.org/drawingml/2006/main" xmlns:r="http://schemas.openxmlformats.org/officeDocument/2006/relationships" xmlns:mc="http://schemas.openxmlformats.org/markup-compatibility/2006" xmlns:mv="urn:schemas-microsoft-com:mac:vml" xmlns:p="http://schemas.openxmlformats.org/presentationml/2006/main" mc:Ignorable="mv" mc:PreserveAttributes="mv:*" type="twoObj" preserve="1">
   <p:cSld name="Two Content">
     <p:spTree>
       <p:nvGrpSpPr>
@@ -4302,7 +4302,7 @@
             <a:fld id="{89585FB9-3804-4F2F-A432-68920AB06FD5}" type="datetimeFigureOut">
               <a:rPr lang="en-US" smtClean="0"/>
               <a:pPr/>
-              <a:t>11-May-15</a:t>
+              <a:t>5/12/15</a:t>
             </a:fld>
             <a:endParaRPr lang="en-US"/>
           </a:p>
@@ -4354,7 +4354,7 @@
     </p:spTree>
     <p:extLst>
       <p:ext uri="{BB962C8B-B14F-4D97-AF65-F5344CB8AC3E}">
-        <p14:creationId xmlns:p14="http://schemas.microsoft.com/office/powerpoint/2010/main" val="3343638220"/>
+        <p14:creationId xmlns:p14="http://schemas.microsoft.com/office/powerpoint/2010/main" xmlns:p="http://schemas.openxmlformats.org/presentationml/2006/main" xmlns:r="http://schemas.openxmlformats.org/officeDocument/2006/relationships" xmlns:a="http://schemas.openxmlformats.org/drawingml/2006/main" xmlns="" val="3343638220"/>
       </p:ext>
     </p:extLst>
   </p:cSld>
@@ -4365,7 +4365,7 @@
 </file>
 
 <file path=ppt/slideLayouts/slideLayout5.xml><?xml version="1.0" encoding="utf-8"?>
-<p:sldLayout xmlns:a="http://schemas.openxmlformats.org/drawingml/2006/main" xmlns:r="http://schemas.openxmlformats.org/officeDocument/2006/relationships" xmlns:p="http://schemas.openxmlformats.org/presentationml/2006/main" type="twoTxTwoObj" preserve="1">
+<p:sldLayout xmlns:a="http://schemas.openxmlformats.org/drawingml/2006/main" xmlns:r="http://schemas.openxmlformats.org/officeDocument/2006/relationships" xmlns:mc="http://schemas.openxmlformats.org/markup-compatibility/2006" xmlns:mv="urn:schemas-microsoft-com:mac:vml" xmlns:p="http://schemas.openxmlformats.org/presentationml/2006/main" mc:Ignorable="mv" mc:PreserveAttributes="mv:*" type="twoTxTwoObj" preserve="1">
   <p:cSld name="Comparison">
     <p:spTree>
       <p:nvGrpSpPr>
@@ -4678,7 +4678,7 @@
             <a:fld id="{89585FB9-3804-4F2F-A432-68920AB06FD5}" type="datetimeFigureOut">
               <a:rPr lang="en-US" smtClean="0"/>
               <a:pPr/>
-              <a:t>11-May-15</a:t>
+              <a:t>5/12/15</a:t>
             </a:fld>
             <a:endParaRPr lang="en-US"/>
           </a:p>
@@ -4730,7 +4730,7 @@
     </p:spTree>
     <p:extLst>
       <p:ext uri="{BB962C8B-B14F-4D97-AF65-F5344CB8AC3E}">
-        <p14:creationId xmlns:p14="http://schemas.microsoft.com/office/powerpoint/2010/main" val="3657773564"/>
+        <p14:creationId xmlns:p14="http://schemas.microsoft.com/office/powerpoint/2010/main" xmlns:p="http://schemas.openxmlformats.org/presentationml/2006/main" xmlns:r="http://schemas.openxmlformats.org/officeDocument/2006/relationships" xmlns:a="http://schemas.openxmlformats.org/drawingml/2006/main" xmlns="" val="3657773564"/>
       </p:ext>
     </p:extLst>
   </p:cSld>
@@ -4741,7 +4741,7 @@
 </file>
 
 <file path=ppt/slideLayouts/slideLayout6.xml><?xml version="1.0" encoding="utf-8"?>
-<p:sldLayout xmlns:a="http://schemas.openxmlformats.org/drawingml/2006/main" xmlns:r="http://schemas.openxmlformats.org/officeDocument/2006/relationships" xmlns:p="http://schemas.openxmlformats.org/presentationml/2006/main" type="titleOnly" preserve="1">
+<p:sldLayout xmlns:a="http://schemas.openxmlformats.org/drawingml/2006/main" xmlns:r="http://schemas.openxmlformats.org/officeDocument/2006/relationships" xmlns:mc="http://schemas.openxmlformats.org/markup-compatibility/2006" xmlns:mv="urn:schemas-microsoft-com:mac:vml" xmlns:p="http://schemas.openxmlformats.org/presentationml/2006/main" mc:Ignorable="mv" mc:PreserveAttributes="mv:*" type="titleOnly" preserve="1">
   <p:cSld name="Title Only">
     <p:spTree>
       <p:nvGrpSpPr>
@@ -4803,7 +4803,7 @@
             <a:fld id="{89585FB9-3804-4F2F-A432-68920AB06FD5}" type="datetimeFigureOut">
               <a:rPr lang="en-US" smtClean="0"/>
               <a:pPr/>
-              <a:t>11-May-15</a:t>
+              <a:t>5/12/15</a:t>
             </a:fld>
             <a:endParaRPr lang="en-US"/>
           </a:p>
@@ -4855,7 +4855,7 @@
     </p:spTree>
     <p:extLst>
       <p:ext uri="{BB962C8B-B14F-4D97-AF65-F5344CB8AC3E}">
-        <p14:creationId xmlns:p14="http://schemas.microsoft.com/office/powerpoint/2010/main" val="1859816651"/>
+        <p14:creationId xmlns:p14="http://schemas.microsoft.com/office/powerpoint/2010/main" xmlns:p="http://schemas.openxmlformats.org/presentationml/2006/main" xmlns:r="http://schemas.openxmlformats.org/officeDocument/2006/relationships" xmlns:a="http://schemas.openxmlformats.org/drawingml/2006/main" xmlns="" val="1859816651"/>
       </p:ext>
     </p:extLst>
   </p:cSld>
@@ -4866,7 +4866,7 @@
 </file>
 
 <file path=ppt/slideLayouts/slideLayout7.xml><?xml version="1.0" encoding="utf-8"?>
-<p:sldLayout xmlns:a="http://schemas.openxmlformats.org/drawingml/2006/main" xmlns:r="http://schemas.openxmlformats.org/officeDocument/2006/relationships" xmlns:p="http://schemas.openxmlformats.org/presentationml/2006/main" type="blank" preserve="1">
+<p:sldLayout xmlns:a="http://schemas.openxmlformats.org/drawingml/2006/main" xmlns:r="http://schemas.openxmlformats.org/officeDocument/2006/relationships" xmlns:mc="http://schemas.openxmlformats.org/markup-compatibility/2006" xmlns:mv="urn:schemas-microsoft-com:mac:vml" xmlns:p="http://schemas.openxmlformats.org/presentationml/2006/main" mc:Ignorable="mv" mc:PreserveAttributes="mv:*" type="blank" preserve="1">
   <p:cSld name="Blank">
     <p:spTree>
       <p:nvGrpSpPr>
@@ -4900,7 +4900,7 @@
             <a:fld id="{89585FB9-3804-4F2F-A432-68920AB06FD5}" type="datetimeFigureOut">
               <a:rPr lang="en-US" smtClean="0"/>
               <a:pPr/>
-              <a:t>11-May-15</a:t>
+              <a:t>5/12/15</a:t>
             </a:fld>
             <a:endParaRPr lang="en-US"/>
           </a:p>
@@ -4952,7 +4952,7 @@
     </p:spTree>
     <p:extLst>
       <p:ext uri="{BB962C8B-B14F-4D97-AF65-F5344CB8AC3E}">
-        <p14:creationId xmlns:p14="http://schemas.microsoft.com/office/powerpoint/2010/main" val="3429186225"/>
+        <p14:creationId xmlns:p14="http://schemas.microsoft.com/office/powerpoint/2010/main" xmlns:p="http://schemas.openxmlformats.org/presentationml/2006/main" xmlns:r="http://schemas.openxmlformats.org/officeDocument/2006/relationships" xmlns:a="http://schemas.openxmlformats.org/drawingml/2006/main" xmlns="" val="3429186225"/>
       </p:ext>
     </p:extLst>
   </p:cSld>
@@ -4963,7 +4963,7 @@
 </file>
 
 <file path=ppt/slideLayouts/slideLayout8.xml><?xml version="1.0" encoding="utf-8"?>
-<p:sldLayout xmlns:a="http://schemas.openxmlformats.org/drawingml/2006/main" xmlns:r="http://schemas.openxmlformats.org/officeDocument/2006/relationships" xmlns:p="http://schemas.openxmlformats.org/presentationml/2006/main" type="objTx" preserve="1">
+<p:sldLayout xmlns:a="http://schemas.openxmlformats.org/drawingml/2006/main" xmlns:r="http://schemas.openxmlformats.org/officeDocument/2006/relationships" xmlns:mc="http://schemas.openxmlformats.org/markup-compatibility/2006" xmlns:mv="urn:schemas-microsoft-com:mac:vml" xmlns:p="http://schemas.openxmlformats.org/presentationml/2006/main" mc:Ignorable="mv" mc:PreserveAttributes="mv:*" type="objTx" preserve="1">
   <p:cSld name="Content with Caption">
     <p:spTree>
       <p:nvGrpSpPr>
@@ -5157,7 +5157,7 @@
             <a:fld id="{89585FB9-3804-4F2F-A432-68920AB06FD5}" type="datetimeFigureOut">
               <a:rPr lang="en-US" smtClean="0"/>
               <a:pPr/>
-              <a:t>11-May-15</a:t>
+              <a:t>5/12/15</a:t>
             </a:fld>
             <a:endParaRPr lang="en-US"/>
           </a:p>
@@ -5209,7 +5209,7 @@
     </p:spTree>
     <p:extLst>
       <p:ext uri="{BB962C8B-B14F-4D97-AF65-F5344CB8AC3E}">
-        <p14:creationId xmlns:p14="http://schemas.microsoft.com/office/powerpoint/2010/main" val="2720025707"/>
+        <p14:creationId xmlns:p14="http://schemas.microsoft.com/office/powerpoint/2010/main" xmlns:p="http://schemas.openxmlformats.org/presentationml/2006/main" xmlns:r="http://schemas.openxmlformats.org/officeDocument/2006/relationships" xmlns:a="http://schemas.openxmlformats.org/drawingml/2006/main" xmlns="" val="2720025707"/>
       </p:ext>
     </p:extLst>
   </p:cSld>
@@ -5220,7 +5220,7 @@
 </file>
 
 <file path=ppt/slideLayouts/slideLayout9.xml><?xml version="1.0" encoding="utf-8"?>
-<p:sldLayout xmlns:a="http://schemas.openxmlformats.org/drawingml/2006/main" xmlns:r="http://schemas.openxmlformats.org/officeDocument/2006/relationships" xmlns:p="http://schemas.openxmlformats.org/presentationml/2006/main" type="picTx" preserve="1">
+<p:sldLayout xmlns:a="http://schemas.openxmlformats.org/drawingml/2006/main" xmlns:r="http://schemas.openxmlformats.org/officeDocument/2006/relationships" xmlns:mc="http://schemas.openxmlformats.org/markup-compatibility/2006" xmlns:mv="urn:schemas-microsoft-com:mac:vml" xmlns:p="http://schemas.openxmlformats.org/presentationml/2006/main" mc:Ignorable="mv" mc:PreserveAttributes="mv:*" type="picTx" preserve="1">
   <p:cSld name="Picture with Caption">
     <p:spTree>
       <p:nvGrpSpPr>
@@ -5422,7 +5422,7 @@
             <a:fld id="{89585FB9-3804-4F2F-A432-68920AB06FD5}" type="datetimeFigureOut">
               <a:rPr lang="en-US" smtClean="0"/>
               <a:pPr/>
-              <a:t>11-May-15</a:t>
+              <a:t>5/12/15</a:t>
             </a:fld>
             <a:endParaRPr lang="en-US"/>
           </a:p>
@@ -5474,7 +5474,7 @@
     </p:spTree>
     <p:extLst>
       <p:ext uri="{BB962C8B-B14F-4D97-AF65-F5344CB8AC3E}">
-        <p14:creationId xmlns:p14="http://schemas.microsoft.com/office/powerpoint/2010/main" val="2613492434"/>
+        <p14:creationId xmlns:p14="http://schemas.microsoft.com/office/powerpoint/2010/main" xmlns:p="http://schemas.openxmlformats.org/presentationml/2006/main" xmlns:r="http://schemas.openxmlformats.org/officeDocument/2006/relationships" xmlns:a="http://schemas.openxmlformats.org/drawingml/2006/main" xmlns="" val="2613492434"/>
       </p:ext>
     </p:extLst>
   </p:cSld>
@@ -5485,7 +5485,7 @@
 </file>
 
 <file path=ppt/slideMasters/slideMaster1.xml><?xml version="1.0" encoding="utf-8"?>
-<p:sldMaster xmlns:a="http://schemas.openxmlformats.org/drawingml/2006/main" xmlns:r="http://schemas.openxmlformats.org/officeDocument/2006/relationships" xmlns:p="http://schemas.openxmlformats.org/presentationml/2006/main">
+<p:sldMaster xmlns:a="http://schemas.openxmlformats.org/drawingml/2006/main" xmlns:r="http://schemas.openxmlformats.org/officeDocument/2006/relationships" xmlns:mc="http://schemas.openxmlformats.org/markup-compatibility/2006" xmlns:mv="urn:schemas-microsoft-com:mac:vml" xmlns:p="http://schemas.openxmlformats.org/presentationml/2006/main" mc:Ignorable="mv" mc:PreserveAttributes="mv:*">
   <p:cSld>
     <p:bg>
       <p:bgRef idx="1001">
@@ -6167,7 +6167,7 @@
             <a:fld id="{89585FB9-3804-4F2F-A432-68920AB06FD5}" type="datetimeFigureOut">
               <a:rPr lang="en-US" smtClean="0"/>
               <a:pPr/>
-              <a:t>11-May-15</a:t>
+              <a:t>5/12/15</a:t>
             </a:fld>
             <a:endParaRPr lang="en-US"/>
           </a:p>
@@ -6253,7 +6253,7 @@
     </p:spTree>
     <p:extLst>
       <p:ext uri="{BB962C8B-B14F-4D97-AF65-F5344CB8AC3E}">
-        <p14:creationId xmlns:p14="http://schemas.microsoft.com/office/powerpoint/2010/main" val="4009987634"/>
+        <p14:creationId xmlns:p14="http://schemas.microsoft.com/office/powerpoint/2010/main" xmlns:p="http://schemas.openxmlformats.org/presentationml/2006/main" xmlns:r="http://schemas.openxmlformats.org/officeDocument/2006/relationships" xmlns:a="http://schemas.openxmlformats.org/drawingml/2006/main" xmlns="" val="4009987634"/>
       </p:ext>
     </p:extLst>
   </p:cSld>
@@ -6676,7 +6676,7 @@
 </file>
 
 <file path=ppt/slides/slide1.xml><?xml version="1.0" encoding="utf-8"?>
-<p:sld xmlns:a="http://schemas.openxmlformats.org/drawingml/2006/main" xmlns:r="http://schemas.openxmlformats.org/officeDocument/2006/relationships" xmlns:p="http://schemas.openxmlformats.org/presentationml/2006/main">
+<p:sld xmlns:a="http://schemas.openxmlformats.org/drawingml/2006/main" xmlns:r="http://schemas.openxmlformats.org/officeDocument/2006/relationships" xmlns:mc="http://schemas.openxmlformats.org/markup-compatibility/2006" xmlns:mv="urn:schemas-microsoft-com:mac:vml" xmlns:p="http://schemas.openxmlformats.org/presentationml/2006/main" mc:Ignorable="mv" mc:PreserveAttributes="mv:*">
   <p:cSld>
     <p:spTree>
       <p:nvGrpSpPr>
@@ -6785,7 +6785,7 @@
     </p:spTree>
     <p:extLst>
       <p:ext uri="{BB962C8B-B14F-4D97-AF65-F5344CB8AC3E}">
-        <p14:creationId xmlns:p14="http://schemas.microsoft.com/office/powerpoint/2010/main" val="3087260744"/>
+        <p14:creationId xmlns:p14="http://schemas.microsoft.com/office/powerpoint/2010/main" xmlns:p="http://schemas.openxmlformats.org/presentationml/2006/main" xmlns:r="http://schemas.openxmlformats.org/officeDocument/2006/relationships" xmlns:a="http://schemas.openxmlformats.org/drawingml/2006/main" xmlns="" val="3087260744"/>
       </p:ext>
     </p:extLst>
   </p:cSld>
@@ -6803,7 +6803,7 @@
 </file>
 
 <file path=ppt/slides/slide10.xml><?xml version="1.0" encoding="utf-8"?>
-<p:sld xmlns:a="http://schemas.openxmlformats.org/drawingml/2006/main" xmlns:r="http://schemas.openxmlformats.org/officeDocument/2006/relationships" xmlns:p="http://schemas.openxmlformats.org/presentationml/2006/main">
+<p:sld xmlns:a="http://schemas.openxmlformats.org/drawingml/2006/main" xmlns:r="http://schemas.openxmlformats.org/officeDocument/2006/relationships" xmlns:mc="http://schemas.openxmlformats.org/markup-compatibility/2006" xmlns:mv="urn:schemas-microsoft-com:mac:vml" xmlns:p="http://schemas.openxmlformats.org/presentationml/2006/main" mc:Ignorable="mv" mc:PreserveAttributes="mv:*">
   <p:cSld>
     <p:spTree>
       <p:nvGrpSpPr>
@@ -6929,7 +6929,7 @@
 </file>
 
 <file path=ppt/slides/slide11.xml><?xml version="1.0" encoding="utf-8"?>
-<p:sld xmlns:a="http://schemas.openxmlformats.org/drawingml/2006/main" xmlns:r="http://schemas.openxmlformats.org/officeDocument/2006/relationships" xmlns:p="http://schemas.openxmlformats.org/presentationml/2006/main">
+<p:sld xmlns:a="http://schemas.openxmlformats.org/drawingml/2006/main" xmlns:r="http://schemas.openxmlformats.org/officeDocument/2006/relationships" xmlns:mc="http://schemas.openxmlformats.org/markup-compatibility/2006" xmlns:mv="urn:schemas-microsoft-com:mac:vml" xmlns:p="http://schemas.openxmlformats.org/presentationml/2006/main" mc:Ignorable="mv" mc:PreserveAttributes="mv:*">
   <p:cSld>
     <p:spTree>
       <p:nvGrpSpPr>
@@ -7018,72 +7018,24 @@
                   <a:schemeClr val="tx1"/>
                 </a:solidFill>
               </a:rPr>
-              <a:t> that the current state of all your files is </a:t>
-            </a:r>
+              <a:t> that the current state of all your files is important</a:t>
+            </a:r>
+          </a:p>
+          <a:p>
+            <a:pPr marL="0" indent="0"/>
             <a:r>
               <a:rPr lang="en-US" sz="2400" dirty="0" smtClean="0">
                 <a:solidFill>
                   <a:schemeClr val="tx1"/>
                 </a:solidFill>
               </a:rPr>
-              <a:t>important</a:t>
-            </a:r>
-            <a:endParaRPr lang="en-US" sz="2400" dirty="0" smtClean="0">
-              <a:solidFill>
-                <a:schemeClr val="tx1"/>
-              </a:solidFill>
-            </a:endParaRPr>
-          </a:p>
-          <a:p>
-            <a:pPr marL="0" indent="0"/>
-            <a:r>
-              <a:rPr lang="en-US" sz="2400" dirty="0" smtClean="0">
-                <a:solidFill>
-                  <a:schemeClr val="tx1"/>
-                </a:solidFill>
-              </a:rPr>
-              <a:t>Make sure that new files have been added </a:t>
-            </a:r>
-            <a:r>
-              <a:rPr lang="en-US" sz="2400" dirty="0" smtClean="0">
-                <a:solidFill>
-                  <a:schemeClr val="tx1"/>
-                </a:solidFill>
-              </a:rPr>
-              <a:t>first</a:t>
-            </a:r>
-            <a:endParaRPr lang="en-US" sz="2400" dirty="0" smtClean="0">
-              <a:solidFill>
-                <a:schemeClr val="tx1"/>
-              </a:solidFill>
-            </a:endParaRPr>
-          </a:p>
-          <a:p>
-            <a:pPr marL="0" indent="0"/>
-            <a:r>
-              <a:rPr lang="en-US" sz="2400" dirty="0" smtClean="0">
-                <a:solidFill>
-                  <a:schemeClr val="tx1"/>
-                </a:solidFill>
-              </a:rPr>
-              <a:t>Make sure that new files have been added </a:t>
-            </a:r>
-            <a:r>
-              <a:rPr lang="en-US" sz="2400" dirty="0" smtClean="0">
-                <a:solidFill>
-                  <a:schemeClr val="tx1"/>
-                </a:solidFill>
-              </a:rPr>
-              <a:t>first</a:t>
-            </a:r>
-            <a:endParaRPr lang="en-US" sz="2400" dirty="0" smtClean="0">
-              <a:solidFill>
-                <a:schemeClr val="tx1"/>
-              </a:solidFill>
-            </a:endParaRPr>
-          </a:p>
-          <a:p>
-            <a:pPr marL="0" indent="0"/>
+              <a:t>Make sure that new files have been added first</a:t>
+            </a:r>
+          </a:p>
+          <a:p>
+            <a:pPr marL="0" indent="0">
+              <a:buNone/>
+            </a:pPr>
             <a:endParaRPr lang="en-US" sz="2400" dirty="0" smtClean="0">
               <a:solidFill>
                 <a:schemeClr val="tx1"/>
@@ -7245,7 +7197,7 @@
     </p:spTree>
     <p:extLst>
       <p:ext uri="{BB962C8B-B14F-4D97-AF65-F5344CB8AC3E}">
-        <p14:creationId xmlns:p14="http://schemas.microsoft.com/office/powerpoint/2010/main" val="520927691"/>
+        <p14:creationId xmlns:p14="http://schemas.microsoft.com/office/powerpoint/2010/main" xmlns:p="http://schemas.openxmlformats.org/presentationml/2006/main" xmlns:r="http://schemas.openxmlformats.org/officeDocument/2006/relationships" xmlns:a="http://schemas.openxmlformats.org/drawingml/2006/main" xmlns="" val="520927691"/>
       </p:ext>
     </p:extLst>
   </p:cSld>
@@ -7263,7 +7215,7 @@
 </file>
 
 <file path=ppt/slides/slide12.xml><?xml version="1.0" encoding="utf-8"?>
-<p:sld xmlns:a="http://schemas.openxmlformats.org/drawingml/2006/main" xmlns:r="http://schemas.openxmlformats.org/officeDocument/2006/relationships" xmlns:p="http://schemas.openxmlformats.org/presentationml/2006/main">
+<p:sld xmlns:a="http://schemas.openxmlformats.org/drawingml/2006/main" xmlns:r="http://schemas.openxmlformats.org/officeDocument/2006/relationships" xmlns:mc="http://schemas.openxmlformats.org/markup-compatibility/2006" xmlns:mv="urn:schemas-microsoft-com:mac:vml" xmlns:p="http://schemas.openxmlformats.org/presentationml/2006/main" mc:Ignorable="mv" mc:PreserveAttributes="mv:*">
   <p:cSld>
     <p:spTree>
       <p:nvGrpSpPr>
@@ -7376,7 +7328,7 @@
     </p:spTree>
     <p:extLst>
       <p:ext uri="{BB962C8B-B14F-4D97-AF65-F5344CB8AC3E}">
-        <p14:creationId xmlns:p14="http://schemas.microsoft.com/office/powerpoint/2010/main" val="516264557"/>
+        <p14:creationId xmlns:p14="http://schemas.microsoft.com/office/powerpoint/2010/main" xmlns:p="http://schemas.openxmlformats.org/presentationml/2006/main" xmlns:r="http://schemas.openxmlformats.org/officeDocument/2006/relationships" xmlns:a="http://schemas.openxmlformats.org/drawingml/2006/main" xmlns="" val="516264557"/>
       </p:ext>
     </p:extLst>
   </p:cSld>
@@ -7394,7 +7346,7 @@
 </file>
 
 <file path=ppt/slides/slide13.xml><?xml version="1.0" encoding="utf-8"?>
-<p:sld xmlns:a="http://schemas.openxmlformats.org/drawingml/2006/main" xmlns:r="http://schemas.openxmlformats.org/officeDocument/2006/relationships" xmlns:p="http://schemas.openxmlformats.org/presentationml/2006/main">
+<p:sld xmlns:a="http://schemas.openxmlformats.org/drawingml/2006/main" xmlns:r="http://schemas.openxmlformats.org/officeDocument/2006/relationships" xmlns:mc="http://schemas.openxmlformats.org/markup-compatibility/2006" xmlns:mv="urn:schemas-microsoft-com:mac:vml" xmlns:p="http://schemas.openxmlformats.org/presentationml/2006/main" mc:Ignorable="mv" mc:PreserveAttributes="mv:*">
   <p:cSld>
     <p:spTree>
       <p:nvGrpSpPr>
@@ -7525,7 +7477,7 @@
 </file>
 
 <file path=ppt/slides/slide14.xml><?xml version="1.0" encoding="utf-8"?>
-<p:sld xmlns:a="http://schemas.openxmlformats.org/drawingml/2006/main" xmlns:r="http://schemas.openxmlformats.org/officeDocument/2006/relationships" xmlns:p="http://schemas.openxmlformats.org/presentationml/2006/main">
+<p:sld xmlns:a="http://schemas.openxmlformats.org/drawingml/2006/main" xmlns:r="http://schemas.openxmlformats.org/officeDocument/2006/relationships" xmlns:mc="http://schemas.openxmlformats.org/markup-compatibility/2006" xmlns:mv="urn:schemas-microsoft-com:mac:vml" xmlns:p="http://schemas.openxmlformats.org/presentationml/2006/main" mc:Ignorable="mv" mc:PreserveAttributes="mv:*">
   <p:cSld>
     <p:spTree>
       <p:nvGrpSpPr>
@@ -7763,7 +7715,7 @@
     </p:spTree>
     <p:extLst>
       <p:ext uri="{BB962C8B-B14F-4D97-AF65-F5344CB8AC3E}">
-        <p14:creationId xmlns:p14="http://schemas.microsoft.com/office/powerpoint/2010/main" val="707713265"/>
+        <p14:creationId xmlns:p14="http://schemas.microsoft.com/office/powerpoint/2010/main" xmlns:p="http://schemas.openxmlformats.org/presentationml/2006/main" xmlns:r="http://schemas.openxmlformats.org/officeDocument/2006/relationships" xmlns:a="http://schemas.openxmlformats.org/drawingml/2006/main" xmlns="" val="707713265"/>
       </p:ext>
     </p:extLst>
   </p:cSld>
@@ -7781,7 +7733,7 @@
 </file>
 
 <file path=ppt/slides/slide15.xml><?xml version="1.0" encoding="utf-8"?>
-<p:sld xmlns:a="http://schemas.openxmlformats.org/drawingml/2006/main" xmlns:r="http://schemas.openxmlformats.org/officeDocument/2006/relationships" xmlns:p="http://schemas.openxmlformats.org/presentationml/2006/main">
+<p:sld xmlns:a="http://schemas.openxmlformats.org/drawingml/2006/main" xmlns:r="http://schemas.openxmlformats.org/officeDocument/2006/relationships" xmlns:mc="http://schemas.openxmlformats.org/markup-compatibility/2006" xmlns:mv="urn:schemas-microsoft-com:mac:vml" xmlns:p="http://schemas.openxmlformats.org/presentationml/2006/main" mc:Ignorable="mv" mc:PreserveAttributes="mv:*">
   <p:cSld>
     <p:spTree>
       <p:nvGrpSpPr>
@@ -7838,13 +7790,13 @@
         </p:spPr>
         <p:style>
           <a:lnRef idx="1">
-            <a:schemeClr val="accent1"/>
+            <a:schemeClr val="accent3"/>
           </a:lnRef>
           <a:fillRef idx="3">
-            <a:schemeClr val="accent1"/>
+            <a:schemeClr val="accent3"/>
           </a:fillRef>
           <a:effectRef idx="2">
-            <a:schemeClr val="accent1"/>
+            <a:schemeClr val="accent3"/>
           </a:effectRef>
           <a:fontRef idx="minor">
             <a:schemeClr val="lt1"/>
@@ -7905,7 +7857,7 @@
 </file>
 
 <file path=ppt/slides/slide16.xml><?xml version="1.0" encoding="utf-8"?>
-<p:sld xmlns:a="http://schemas.openxmlformats.org/drawingml/2006/main" xmlns:r="http://schemas.openxmlformats.org/officeDocument/2006/relationships" xmlns:p="http://schemas.openxmlformats.org/presentationml/2006/main">
+<p:sld xmlns:a="http://schemas.openxmlformats.org/drawingml/2006/main" xmlns:r="http://schemas.openxmlformats.org/officeDocument/2006/relationships" xmlns:mc="http://schemas.openxmlformats.org/markup-compatibility/2006" xmlns:mv="urn:schemas-microsoft-com:mac:vml" xmlns:p="http://schemas.openxmlformats.org/presentationml/2006/main" mc:Ignorable="mv" mc:PreserveAttributes="mv:*">
   <p:cSld>
     <p:spTree>
       <p:nvGrpSpPr>
@@ -7993,7 +7945,7 @@
         </p:nvSpPr>
         <p:spPr>
           <a:xfrm>
-            <a:off x="9626600" y="2082800"/>
+            <a:off x="9659585" y="1901350"/>
             <a:ext cx="1778000" cy="3046988"/>
           </a:xfrm>
           <a:prstGeom prst="rect">
@@ -8031,7 +7983,7 @@
 </file>
 
 <file path=ppt/slides/slide17.xml><?xml version="1.0" encoding="utf-8"?>
-<p:sld xmlns:a="http://schemas.openxmlformats.org/drawingml/2006/main" xmlns:r="http://schemas.openxmlformats.org/officeDocument/2006/relationships" xmlns:p="http://schemas.openxmlformats.org/presentationml/2006/main">
+<p:sld xmlns:a="http://schemas.openxmlformats.org/drawingml/2006/main" xmlns:r="http://schemas.openxmlformats.org/officeDocument/2006/relationships" xmlns:mc="http://schemas.openxmlformats.org/markup-compatibility/2006" xmlns:mv="urn:schemas-microsoft-com:mac:vml" xmlns:p="http://schemas.openxmlformats.org/presentationml/2006/main" mc:Ignorable="mv" mc:PreserveAttributes="mv:*">
   <p:cSld>
     <p:spTree>
       <p:nvGrpSpPr>
@@ -8087,8 +8039,8 @@
         </p:blipFill>
         <p:spPr>
           <a:xfrm>
-            <a:off x="480172" y="1294228"/>
-            <a:ext cx="10942794" cy="5106572"/>
+            <a:off x="0" y="1244740"/>
+            <a:ext cx="12192000" cy="5613259"/>
           </a:xfrm>
           <a:prstGeom prst="rect">
             <a:avLst/>
@@ -8103,7 +8055,7 @@
         </p:nvSpPr>
         <p:spPr>
           <a:xfrm>
-            <a:off x="594100" y="2107416"/>
+            <a:off x="214775" y="2255874"/>
             <a:ext cx="166468" cy="1944077"/>
           </a:xfrm>
           <a:prstGeom prst="upArrow">
@@ -8196,7 +8148,7 @@
     </p:spTree>
     <p:extLst>
       <p:ext uri="{BB962C8B-B14F-4D97-AF65-F5344CB8AC3E}">
-        <p14:creationId xmlns:p14="http://schemas.microsoft.com/office/powerpoint/2010/main" val="3114283707"/>
+        <p14:creationId xmlns:p14="http://schemas.microsoft.com/office/powerpoint/2010/main" xmlns:p="http://schemas.openxmlformats.org/presentationml/2006/main" xmlns:r="http://schemas.openxmlformats.org/officeDocument/2006/relationships" xmlns:a="http://schemas.openxmlformats.org/drawingml/2006/main" xmlns="" val="3114283707"/>
       </p:ext>
     </p:extLst>
   </p:cSld>
@@ -8214,7 +8166,7 @@
 </file>
 
 <file path=ppt/slides/slide18.xml><?xml version="1.0" encoding="utf-8"?>
-<p:sld xmlns:a="http://schemas.openxmlformats.org/drawingml/2006/main" xmlns:r="http://schemas.openxmlformats.org/officeDocument/2006/relationships" xmlns:p="http://schemas.openxmlformats.org/presentationml/2006/main">
+<p:sld xmlns:a="http://schemas.openxmlformats.org/drawingml/2006/main" xmlns:r="http://schemas.openxmlformats.org/officeDocument/2006/relationships" xmlns:mc="http://schemas.openxmlformats.org/markup-compatibility/2006" xmlns:mv="urn:schemas-microsoft-com:mac:vml" xmlns:p="http://schemas.openxmlformats.org/presentationml/2006/main" mc:Ignorable="mv" mc:PreserveAttributes="mv:*">
   <p:cSld>
     <p:spTree>
       <p:nvGrpSpPr>
@@ -8247,8 +8199,8 @@
         </p:blipFill>
         <p:spPr>
           <a:xfrm>
-            <a:off x="281354" y="633046"/>
-            <a:ext cx="10860258" cy="5584873"/>
+            <a:off x="0" y="0"/>
+            <a:ext cx="12192000" cy="6858000"/>
           </a:xfrm>
           <a:prstGeom prst="rect">
             <a:avLst/>
@@ -8263,7 +8215,7 @@
         </p:nvSpPr>
         <p:spPr>
           <a:xfrm>
-            <a:off x="7594209" y="2684610"/>
+            <a:off x="8458200" y="2668115"/>
             <a:ext cx="3733800" cy="3327400"/>
           </a:xfrm>
           <a:prstGeom prst="irregularSeal1">
@@ -8318,7 +8270,7 @@
     </p:spTree>
     <p:extLst>
       <p:ext uri="{BB962C8B-B14F-4D97-AF65-F5344CB8AC3E}">
-        <p14:creationId xmlns:p14="http://schemas.microsoft.com/office/powerpoint/2010/main" val="594154963"/>
+        <p14:creationId xmlns:p14="http://schemas.microsoft.com/office/powerpoint/2010/main" xmlns:p="http://schemas.openxmlformats.org/presentationml/2006/main" xmlns:r="http://schemas.openxmlformats.org/officeDocument/2006/relationships" xmlns:a="http://schemas.openxmlformats.org/drawingml/2006/main" xmlns="" val="594154963"/>
       </p:ext>
     </p:extLst>
   </p:cSld>
@@ -8336,7 +8288,7 @@
 </file>
 
 <file path=ppt/slides/slide19.xml><?xml version="1.0" encoding="utf-8"?>
-<p:sld xmlns:a="http://schemas.openxmlformats.org/drawingml/2006/main" xmlns:r="http://schemas.openxmlformats.org/officeDocument/2006/relationships" xmlns:p="http://schemas.openxmlformats.org/presentationml/2006/main">
+<p:sld xmlns:a="http://schemas.openxmlformats.org/drawingml/2006/main" xmlns:r="http://schemas.openxmlformats.org/officeDocument/2006/relationships" xmlns:mc="http://schemas.openxmlformats.org/markup-compatibility/2006" xmlns:mv="urn:schemas-microsoft-com:mac:vml" xmlns:p="http://schemas.openxmlformats.org/presentationml/2006/main" mc:Ignorable="mv" mc:PreserveAttributes="mv:*">
   <p:cSld>
     <p:spTree>
       <p:nvGrpSpPr>
@@ -8526,21 +8478,8 @@
                   <a:schemeClr val="tx2"/>
                 </a:solidFill>
               </a:rPr>
-              <a:t> and then on “Edit Profile</a:t>
-            </a:r>
-            <a:r>
-              <a:rPr lang="en-US" sz="2400" dirty="0" smtClean="0">
-                <a:solidFill>
-                  <a:schemeClr val="tx2"/>
-                </a:solidFill>
-              </a:rPr>
-              <a:t>”</a:t>
-            </a:r>
-            <a:endParaRPr lang="en-US" sz="2400" dirty="0" smtClean="0">
-              <a:solidFill>
-                <a:schemeClr val="tx2"/>
-              </a:solidFill>
-            </a:endParaRPr>
+              <a:t> and then on “Edit Profile”</a:t>
+            </a:r>
           </a:p>
           <a:p>
             <a:pPr marL="0" indent="0"/>
@@ -8557,11 +8496,7 @@
           <a:p>
             <a:r>
               <a:rPr lang="en-US" sz="2400" dirty="0" smtClean="0"/>
-              <a:t>Modify your </a:t>
-            </a:r>
-            <a:r>
-              <a:rPr lang="en-US" sz="2400" dirty="0" smtClean="0"/>
-              <a:t>GitHub </a:t>
+              <a:t>Modify your GitHub </a:t>
             </a:r>
             <a:r>
               <a:rPr lang="en-US" sz="2400" dirty="0" smtClean="0">
@@ -8633,7 +8568,7 @@
           <a:blip r:embed="rId2" cstate="print">
             <a:extLst>
               <a:ext uri="{28A0092B-C50C-407E-A947-70E740481C1C}">
-                <a14:useLocalDpi xmlns:a14="http://schemas.microsoft.com/office/drawing/2010/main" val="0"/>
+                <a14:useLocalDpi xmlns:a14="http://schemas.microsoft.com/office/drawing/2010/main" xmlns:p="http://schemas.openxmlformats.org/presentationml/2006/main" xmlns:r="http://schemas.openxmlformats.org/officeDocument/2006/relationships" xmlns:a="http://schemas.openxmlformats.org/drawingml/2006/main" xmlns="" val="0"/>
               </a:ext>
             </a:extLst>
           </a:blip>
@@ -8643,8 +8578,8 @@
         </p:blipFill>
         <p:spPr>
           <a:xfrm>
-            <a:off x="4953000" y="1338387"/>
-            <a:ext cx="7239000" cy="5519613"/>
+            <a:off x="5491966" y="1338387"/>
+            <a:ext cx="6700034" cy="5519613"/>
           </a:xfrm>
           <a:prstGeom prst="rect">
             <a:avLst/>
@@ -8850,7 +8785,7 @@
     </p:spTree>
     <p:extLst>
       <p:ext uri="{BB962C8B-B14F-4D97-AF65-F5344CB8AC3E}">
-        <p14:creationId xmlns:p14="http://schemas.microsoft.com/office/powerpoint/2010/main" val="1626926518"/>
+        <p14:creationId xmlns:p14="http://schemas.microsoft.com/office/powerpoint/2010/main" xmlns:p="http://schemas.openxmlformats.org/presentationml/2006/main" xmlns:r="http://schemas.openxmlformats.org/officeDocument/2006/relationships" xmlns:a="http://schemas.openxmlformats.org/drawingml/2006/main" xmlns="" val="1626926518"/>
       </p:ext>
     </p:extLst>
   </p:cSld>
@@ -8868,7 +8803,7 @@
 </file>
 
 <file path=ppt/slides/slide2.xml><?xml version="1.0" encoding="utf-8"?>
-<p:sld xmlns:a="http://schemas.openxmlformats.org/drawingml/2006/main" xmlns:r="http://schemas.openxmlformats.org/officeDocument/2006/relationships" xmlns:p="http://schemas.openxmlformats.org/presentationml/2006/main">
+<p:sld xmlns:a="http://schemas.openxmlformats.org/drawingml/2006/main" xmlns:r="http://schemas.openxmlformats.org/officeDocument/2006/relationships" xmlns:mc="http://schemas.openxmlformats.org/markup-compatibility/2006" xmlns:mv="urn:schemas-microsoft-com:mac:vml" xmlns:p="http://schemas.openxmlformats.org/presentationml/2006/main" mc:Ignorable="mv" mc:PreserveAttributes="mv:*">
   <p:cSld>
     <p:spTree>
       <p:nvGrpSpPr>
@@ -9072,7 +9007,7 @@
     </p:spTree>
     <p:extLst>
       <p:ext uri="{BB962C8B-B14F-4D97-AF65-F5344CB8AC3E}">
-        <p14:creationId xmlns:p14="http://schemas.microsoft.com/office/powerpoint/2010/main" val="1395180370"/>
+        <p14:creationId xmlns:p14="http://schemas.microsoft.com/office/powerpoint/2010/main" xmlns:p="http://schemas.openxmlformats.org/presentationml/2006/main" xmlns:r="http://schemas.openxmlformats.org/officeDocument/2006/relationships" xmlns:a="http://schemas.openxmlformats.org/drawingml/2006/main" xmlns="" val="1395180370"/>
       </p:ext>
     </p:extLst>
   </p:cSld>
@@ -9090,7 +9025,7 @@
 </file>
 
 <file path=ppt/slides/slide3.xml><?xml version="1.0" encoding="utf-8"?>
-<p:sld xmlns:a="http://schemas.openxmlformats.org/drawingml/2006/main" xmlns:r="http://schemas.openxmlformats.org/officeDocument/2006/relationships" xmlns:p="http://schemas.openxmlformats.org/presentationml/2006/main">
+<p:sld xmlns:a="http://schemas.openxmlformats.org/drawingml/2006/main" xmlns:r="http://schemas.openxmlformats.org/officeDocument/2006/relationships" xmlns:mc="http://schemas.openxmlformats.org/markup-compatibility/2006" xmlns:mv="urn:schemas-microsoft-com:mac:vml" xmlns:p="http://schemas.openxmlformats.org/presentationml/2006/main" mc:Ignorable="mv" mc:PreserveAttributes="mv:*">
   <p:cSld>
     <p:spTree>
       <p:nvGrpSpPr>
@@ -9199,13 +9134,8 @@
             </a:r>
             <a:r>
               <a:rPr lang="en-US" sz="2400" dirty="0" smtClean="0"/>
-              <a:t>interface for windows </a:t>
-            </a:r>
-            <a:r>
-              <a:rPr lang="en-US" sz="2400" dirty="0" smtClean="0"/>
-              <a:t>desktop</a:t>
-            </a:r>
-            <a:endParaRPr lang="en-US" sz="2400" dirty="0" smtClean="0"/>
+              <a:t>interface for windows desktop</a:t>
+            </a:r>
           </a:p>
           <a:p>
             <a:pPr marL="0" indent="0">
@@ -9306,7 +9236,7 @@
     </p:spTree>
     <p:extLst>
       <p:ext uri="{BB962C8B-B14F-4D97-AF65-F5344CB8AC3E}">
-        <p14:creationId xmlns:p14="http://schemas.microsoft.com/office/powerpoint/2010/main" val="1620148301"/>
+        <p14:creationId xmlns:p14="http://schemas.microsoft.com/office/powerpoint/2010/main" xmlns:p="http://schemas.openxmlformats.org/presentationml/2006/main" xmlns:r="http://schemas.openxmlformats.org/officeDocument/2006/relationships" xmlns:a="http://schemas.openxmlformats.org/drawingml/2006/main" xmlns="" val="1620148301"/>
       </p:ext>
     </p:extLst>
   </p:cSld>
@@ -9324,7 +9254,7 @@
 </file>
 
 <file path=ppt/slides/slide4.xml><?xml version="1.0" encoding="utf-8"?>
-<p:sld xmlns:a="http://schemas.openxmlformats.org/drawingml/2006/main" xmlns:r="http://schemas.openxmlformats.org/officeDocument/2006/relationships" xmlns:p="http://schemas.openxmlformats.org/presentationml/2006/main">
+<p:sld xmlns:a="http://schemas.openxmlformats.org/drawingml/2006/main" xmlns:r="http://schemas.openxmlformats.org/officeDocument/2006/relationships" xmlns:mc="http://schemas.openxmlformats.org/markup-compatibility/2006" xmlns:mv="urn:schemas-microsoft-com:mac:vml" xmlns:p="http://schemas.openxmlformats.org/presentationml/2006/main" mc:Ignorable="mv" mc:PreserveAttributes="mv:*">
   <p:cSld>
     <p:spTree>
       <p:nvGrpSpPr>
@@ -10013,7 +9943,7 @@
     </p:spTree>
     <p:extLst>
       <p:ext uri="{BB962C8B-B14F-4D97-AF65-F5344CB8AC3E}">
-        <p14:creationId xmlns:p14="http://schemas.microsoft.com/office/powerpoint/2010/main" val="330238604"/>
+        <p14:creationId xmlns:p14="http://schemas.microsoft.com/office/powerpoint/2010/main" xmlns:p="http://schemas.openxmlformats.org/presentationml/2006/main" xmlns:r="http://schemas.openxmlformats.org/officeDocument/2006/relationships" xmlns:a="http://schemas.openxmlformats.org/drawingml/2006/main" xmlns="" val="330238604"/>
       </p:ext>
     </p:extLst>
   </p:cSld>
@@ -10031,7 +9961,7 @@
 </file>
 
 <file path=ppt/slides/slide5.xml><?xml version="1.0" encoding="utf-8"?>
-<p:sld xmlns:a="http://schemas.openxmlformats.org/drawingml/2006/main" xmlns:r="http://schemas.openxmlformats.org/officeDocument/2006/relationships" xmlns:p="http://schemas.openxmlformats.org/presentationml/2006/main">
+<p:sld xmlns:a="http://schemas.openxmlformats.org/drawingml/2006/main" xmlns:r="http://schemas.openxmlformats.org/officeDocument/2006/relationships" xmlns:mc="http://schemas.openxmlformats.org/markup-compatibility/2006" xmlns:mv="urn:schemas-microsoft-com:mac:vml" xmlns:p="http://schemas.openxmlformats.org/presentationml/2006/main" mc:Ignorable="mv" mc:PreserveAttributes="mv:*">
   <p:cSld>
     <p:spTree>
       <p:nvGrpSpPr>
@@ -10189,7 +10119,7 @@
     </p:spTree>
     <p:extLst>
       <p:ext uri="{BB962C8B-B14F-4D97-AF65-F5344CB8AC3E}">
-        <p14:creationId xmlns:p14="http://schemas.microsoft.com/office/powerpoint/2010/main" val="3276086069"/>
+        <p14:creationId xmlns:p14="http://schemas.microsoft.com/office/powerpoint/2010/main" xmlns:p="http://schemas.openxmlformats.org/presentationml/2006/main" xmlns:r="http://schemas.openxmlformats.org/officeDocument/2006/relationships" xmlns:a="http://schemas.openxmlformats.org/drawingml/2006/main" xmlns="" val="3276086069"/>
       </p:ext>
     </p:extLst>
   </p:cSld>
@@ -10207,7 +10137,7 @@
 </file>
 
 <file path=ppt/slides/slide6.xml><?xml version="1.0" encoding="utf-8"?>
-<p:sld xmlns:a="http://schemas.openxmlformats.org/drawingml/2006/main" xmlns:r="http://schemas.openxmlformats.org/officeDocument/2006/relationships" xmlns:p="http://schemas.openxmlformats.org/presentationml/2006/main">
+<p:sld xmlns:a="http://schemas.openxmlformats.org/drawingml/2006/main" xmlns:r="http://schemas.openxmlformats.org/officeDocument/2006/relationships" xmlns:mc="http://schemas.openxmlformats.org/markup-compatibility/2006" xmlns:mv="urn:schemas-microsoft-com:mac:vml" xmlns:p="http://schemas.openxmlformats.org/presentationml/2006/main" mc:Ignorable="mv" mc:PreserveAttributes="mv:*">
   <p:cSld>
     <p:spTree>
       <p:nvGrpSpPr>
@@ -10319,7 +10249,7 @@
     </p:spTree>
     <p:extLst>
       <p:ext uri="{BB962C8B-B14F-4D97-AF65-F5344CB8AC3E}">
-        <p14:creationId xmlns:p14="http://schemas.microsoft.com/office/powerpoint/2010/main" val="1182468617"/>
+        <p14:creationId xmlns:p14="http://schemas.microsoft.com/office/powerpoint/2010/main" xmlns:p="http://schemas.openxmlformats.org/presentationml/2006/main" xmlns:r="http://schemas.openxmlformats.org/officeDocument/2006/relationships" xmlns:a="http://schemas.openxmlformats.org/drawingml/2006/main" xmlns="" val="1182468617"/>
       </p:ext>
     </p:extLst>
   </p:cSld>
@@ -10337,7 +10267,7 @@
 </file>
 
 <file path=ppt/slides/slide7.xml><?xml version="1.0" encoding="utf-8"?>
-<p:sld xmlns:a="http://schemas.openxmlformats.org/drawingml/2006/main" xmlns:r="http://schemas.openxmlformats.org/officeDocument/2006/relationships" xmlns:p="http://schemas.openxmlformats.org/presentationml/2006/main">
+<p:sld xmlns:a="http://schemas.openxmlformats.org/drawingml/2006/main" xmlns:r="http://schemas.openxmlformats.org/officeDocument/2006/relationships" xmlns:mc="http://schemas.openxmlformats.org/markup-compatibility/2006" xmlns:mv="urn:schemas-microsoft-com:mac:vml" xmlns:p="http://schemas.openxmlformats.org/presentationml/2006/main" mc:Ignorable="mv" mc:PreserveAttributes="mv:*">
   <p:cSld>
     <p:spTree>
       <p:nvGrpSpPr>
@@ -10462,7 +10392,7 @@
 </file>
 
 <file path=ppt/slides/slide8.xml><?xml version="1.0" encoding="utf-8"?>
-<p:sld xmlns:a="http://schemas.openxmlformats.org/drawingml/2006/main" xmlns:r="http://schemas.openxmlformats.org/officeDocument/2006/relationships" xmlns:p="http://schemas.openxmlformats.org/presentationml/2006/main">
+<p:sld xmlns:a="http://schemas.openxmlformats.org/drawingml/2006/main" xmlns:r="http://schemas.openxmlformats.org/officeDocument/2006/relationships" xmlns:mc="http://schemas.openxmlformats.org/markup-compatibility/2006" xmlns:mv="urn:schemas-microsoft-com:mac:vml" xmlns:p="http://schemas.openxmlformats.org/presentationml/2006/main" mc:Ignorable="mv" mc:PreserveAttributes="mv:*">
   <p:cSld>
     <p:spTree>
       <p:nvGrpSpPr>
@@ -10480,7 +10410,7 @@
       </p:grpSpPr>
       <p:pic>
         <p:nvPicPr>
-          <p:cNvPr id="5" name="Picture 4" descr="Repository.png"/>
+          <p:cNvPr id="8" name="Picture 7" descr="Screen Shot 2015-05-12 at 9.40.56 AM.png"/>
           <p:cNvPicPr>
             <a:picLocks noChangeAspect="1"/>
           </p:cNvPicPr>
@@ -10510,7 +10440,7 @@
         </p:nvSpPr>
         <p:spPr>
           <a:xfrm>
-            <a:off x="4714276" y="4218652"/>
+            <a:off x="6995153" y="3332033"/>
             <a:ext cx="4283748" cy="2639348"/>
           </a:xfrm>
           <a:prstGeom prst="irregularSeal1">
@@ -10550,7 +10480,7 @@
         </p:nvSpPr>
         <p:spPr>
           <a:xfrm>
-            <a:off x="5941279" y="5165696"/>
+            <a:off x="8072055" y="4187514"/>
             <a:ext cx="1786689" cy="646331"/>
           </a:xfrm>
           <a:prstGeom prst="rect">
@@ -10587,7 +10517,7 @@
 </file>
 
 <file path=ppt/slides/slide9.xml><?xml version="1.0" encoding="utf-8"?>
-<p:sld xmlns:a="http://schemas.openxmlformats.org/drawingml/2006/main" xmlns:r="http://schemas.openxmlformats.org/officeDocument/2006/relationships" xmlns:p="http://schemas.openxmlformats.org/presentationml/2006/main">
+<p:sld xmlns:a="http://schemas.openxmlformats.org/drawingml/2006/main" xmlns:r="http://schemas.openxmlformats.org/officeDocument/2006/relationships" xmlns:mc="http://schemas.openxmlformats.org/markup-compatibility/2006" xmlns:mv="urn:schemas-microsoft-com:mac:vml" xmlns:p="http://schemas.openxmlformats.org/presentationml/2006/main" mc:Ignorable="mv" mc:PreserveAttributes="mv:*">
   <p:cSld>
     <p:spTree>
       <p:nvGrpSpPr>
@@ -11060,7 +10990,7 @@
   <a:extraClrSchemeLst/>
   <a:extLst>
     <a:ext uri="{05A4C25C-085E-4340-85A3-A5531E510DB2}">
-      <thm15:themeFamily xmlns:thm15="http://schemas.microsoft.com/office/thememl/2012/main" name="Facet" id="{C0C680CD-088A-49FC-A102-D699147F32B2}" vid="{CFBC31BA-B70F-4F30-BCAA-4F3011E16C4D}"/>
+      <thm15:themeFamily xmlns:thm15="http://schemas.microsoft.com/office/thememl/2012/main" xmlns:a="http://schemas.openxmlformats.org/drawingml/2006/main" xmlns="" name="Facet" id="{C0C680CD-088A-49FC-A102-D699147F32B2}" vid="{CFBC31BA-B70F-4F30-BCAA-4F3011E16C4D}"/>
     </a:ext>
   </a:extLst>
 </a:theme>
@@ -11321,7 +11251,7 @@
   <a:extraClrSchemeLst/>
   <a:extLst>
     <a:ext uri="{05A4C25C-085E-4340-85A3-A5531E510DB2}">
-      <thm15:themeFamily xmlns:thm15="http://schemas.microsoft.com/office/thememl/2012/main" name="Office Theme" id="{62F939B6-93AF-4DB8-9C6B-D6C7DFDC589F}" vid="{4A3C46E8-61CC-4603-A589-7422A47A8E4A}"/>
+      <thm15:themeFamily xmlns:thm15="http://schemas.microsoft.com/office/thememl/2012/main" xmlns:a="http://schemas.openxmlformats.org/drawingml/2006/main" xmlns="" name="Office Theme" id="{62F939B6-93AF-4DB8-9C6B-D6C7DFDC589F}" vid="{4A3C46E8-61CC-4603-A589-7422A47A8E4A}"/>
     </a:ext>
   </a:extLst>
 </a:theme>

--- a/IntroToGitHub&SmartGit-v3.1.pptx
+++ b/IntroToGitHub&SmartGit-v3.1.pptx
@@ -1,6 +1,6 @@
 
 <file path=ppt/presentation.xml><?xml version="1.0" encoding="utf-8"?>
-<p:presentation xmlns:a="http://schemas.openxmlformats.org/drawingml/2006/main" xmlns:r="http://schemas.openxmlformats.org/officeDocument/2006/relationships" xmlns:p="http://schemas.openxmlformats.org/presentationml/2006/main">
+<p:presentation xmlns:a="http://schemas.openxmlformats.org/drawingml/2006/main" xmlns:r="http://schemas.openxmlformats.org/officeDocument/2006/relationships" xmlns:mc="http://schemas.openxmlformats.org/markup-compatibility/2006" xmlns:mv="urn:schemas-microsoft-com:mac:vml" xmlns:p="http://schemas.openxmlformats.org/presentationml/2006/main" mc:Ignorable="mv" mc:PreserveAttributes="mv:*">
   <p:sldMasterIdLst>
     <p:sldMasterId id="2147483713" r:id="rId1"/>
   </p:sldMasterIdLst>
@@ -127,14 +127,14 @@
   </p:defaultTextStyle>
   <p:extLst>
     <p:ext uri="{EFAFB233-063F-42B5-8137-9DF3F51BA10A}">
-      <p15:sldGuideLst xmlns:p15="http://schemas.microsoft.com/office/powerpoint/2012/main"/>
+      <p15:sldGuideLst xmlns:p15="http://schemas.microsoft.com/office/powerpoint/2012/main" xmlns:p="http://schemas.openxmlformats.org/presentationml/2006/main" xmlns:r="http://schemas.openxmlformats.org/officeDocument/2006/relationships" xmlns:a="http://schemas.openxmlformats.org/drawingml/2006/main" xmlns=""/>
     </p:ext>
   </p:extLst>
 </p:presentation>
 </file>
 
 <file path=ppt/notesMasters/notesMaster1.xml><?xml version="1.0" encoding="utf-8"?>
-<p:notesMaster xmlns:a="http://schemas.openxmlformats.org/drawingml/2006/main" xmlns:r="http://schemas.openxmlformats.org/officeDocument/2006/relationships" xmlns:p="http://schemas.openxmlformats.org/presentationml/2006/main">
+<p:notesMaster xmlns:a="http://schemas.openxmlformats.org/drawingml/2006/main" xmlns:r="http://schemas.openxmlformats.org/officeDocument/2006/relationships" xmlns:mc="http://schemas.openxmlformats.org/markup-compatibility/2006" xmlns:mv="urn:schemas-microsoft-com:mac:vml" xmlns:p="http://schemas.openxmlformats.org/presentationml/2006/main" mc:Ignorable="mv" mc:PreserveAttributes="mv:*">
   <p:cSld>
     <p:bg>
       <p:bgRef idx="1001">
@@ -316,6 +316,7 @@
               <a:rPr lang="en-ZA" sz="1400">
                 <a:latin typeface="Times New Roman"/>
               </a:rPr>
+              <a:pPr algn="r"/>
               <a:t>‹#›</a:t>
             </a:fld>
             <a:endParaRPr/>
@@ -325,7 +326,7 @@
     </p:spTree>
     <p:extLst>
       <p:ext uri="{BB962C8B-B14F-4D97-AF65-F5344CB8AC3E}">
-        <p14:creationId xmlns:p14="http://schemas.microsoft.com/office/powerpoint/2010/main" val="241429818"/>
+        <p14:creationId xmlns:p14="http://schemas.microsoft.com/office/powerpoint/2010/main" xmlns:p="http://schemas.openxmlformats.org/presentationml/2006/main" xmlns:r="http://schemas.openxmlformats.org/officeDocument/2006/relationships" xmlns:a="http://schemas.openxmlformats.org/drawingml/2006/main" xmlns="" val="241429818"/>
       </p:ext>
     </p:extLst>
   </p:cSld>
@@ -426,7 +427,7 @@
 </file>
 
 <file path=ppt/notesSlides/notesSlide1.xml><?xml version="1.0" encoding="utf-8"?>
-<p:notes xmlns:a="http://schemas.openxmlformats.org/drawingml/2006/main" xmlns:r="http://schemas.openxmlformats.org/officeDocument/2006/relationships" xmlns:p="http://schemas.openxmlformats.org/presentationml/2006/main">
+<p:notes xmlns:a="http://schemas.openxmlformats.org/drawingml/2006/main" xmlns:r="http://schemas.openxmlformats.org/officeDocument/2006/relationships" xmlns:mc="http://schemas.openxmlformats.org/markup-compatibility/2006" xmlns:mv="urn:schemas-microsoft-com:mac:vml" xmlns:p="http://schemas.openxmlformats.org/presentationml/2006/main" mc:Ignorable="mv" mc:PreserveAttributes="mv:*">
   <p:cSld>
     <p:spTree>
       <p:nvGrpSpPr>
@@ -507,6 +508,7 @@
               <a:rPr lang="en-ZA" sz="1400" smtClean="0">
                 <a:latin typeface="Times New Roman"/>
               </a:rPr>
+              <a:pPr algn="r"/>
               <a:t>4</a:t>
             </a:fld>
             <a:endParaRPr lang="en-ZA"/>
@@ -516,7 +518,7 @@
     </p:spTree>
     <p:extLst>
       <p:ext uri="{BB962C8B-B14F-4D97-AF65-F5344CB8AC3E}">
-        <p14:creationId xmlns:p14="http://schemas.microsoft.com/office/powerpoint/2010/main" val="1035143249"/>
+        <p14:creationId xmlns:p14="http://schemas.microsoft.com/office/powerpoint/2010/main" xmlns:p="http://schemas.openxmlformats.org/presentationml/2006/main" xmlns:r="http://schemas.openxmlformats.org/officeDocument/2006/relationships" xmlns:a="http://schemas.openxmlformats.org/drawingml/2006/main" xmlns="" val="1035143249"/>
       </p:ext>
     </p:extLst>
   </p:cSld>
@@ -527,7 +529,7 @@
 </file>
 
 <file path=ppt/notesSlides/notesSlide2.xml><?xml version="1.0" encoding="utf-8"?>
-<p:notes xmlns:a="http://schemas.openxmlformats.org/drawingml/2006/main" xmlns:r="http://schemas.openxmlformats.org/officeDocument/2006/relationships" xmlns:p="http://schemas.openxmlformats.org/presentationml/2006/main">
+<p:notes xmlns:a="http://schemas.openxmlformats.org/drawingml/2006/main" xmlns:r="http://schemas.openxmlformats.org/officeDocument/2006/relationships" xmlns:mc="http://schemas.openxmlformats.org/markup-compatibility/2006" xmlns:mv="urn:schemas-microsoft-com:mac:vml" xmlns:p="http://schemas.openxmlformats.org/presentationml/2006/main" mc:Ignorable="mv" mc:PreserveAttributes="mv:*">
   <p:cSld>
     <p:spTree>
       <p:nvGrpSpPr>
@@ -602,6 +604,11 @@
                 <a:latin typeface="+mn-lt"/>
                 <a:ea typeface="+mn-ea"/>
               </a:rPr>
+              <a:pPr algn="r">
+                <a:lnSpc>
+                  <a:spcPct val="100000"/>
+                </a:lnSpc>
+              </a:pPr>
               <a:t>5</a:t>
             </a:fld>
             <a:endParaRPr/>
@@ -611,7 +618,7 @@
     </p:spTree>
     <p:extLst>
       <p:ext uri="{BB962C8B-B14F-4D97-AF65-F5344CB8AC3E}">
-        <p14:creationId xmlns:p14="http://schemas.microsoft.com/office/powerpoint/2010/main" val="2910537969"/>
+        <p14:creationId xmlns:p14="http://schemas.microsoft.com/office/powerpoint/2010/main" xmlns:p="http://schemas.openxmlformats.org/presentationml/2006/main" xmlns:r="http://schemas.openxmlformats.org/officeDocument/2006/relationships" xmlns:a="http://schemas.openxmlformats.org/drawingml/2006/main" xmlns="" val="2910537969"/>
       </p:ext>
     </p:extLst>
   </p:cSld>
@@ -622,7 +629,7 @@
 </file>
 
 <file path=ppt/notesSlides/notesSlide3.xml><?xml version="1.0" encoding="utf-8"?>
-<p:notes xmlns:a="http://schemas.openxmlformats.org/drawingml/2006/main" xmlns:r="http://schemas.openxmlformats.org/officeDocument/2006/relationships" xmlns:p="http://schemas.openxmlformats.org/presentationml/2006/main">
+<p:notes xmlns:a="http://schemas.openxmlformats.org/drawingml/2006/main" xmlns:r="http://schemas.openxmlformats.org/officeDocument/2006/relationships" xmlns:mc="http://schemas.openxmlformats.org/markup-compatibility/2006" xmlns:mv="urn:schemas-microsoft-com:mac:vml" xmlns:p="http://schemas.openxmlformats.org/presentationml/2006/main" mc:Ignorable="mv" mc:PreserveAttributes="mv:*">
   <p:cSld>
     <p:spTree>
       <p:nvGrpSpPr>
@@ -697,6 +704,11 @@
                 <a:latin typeface="+mn-lt"/>
                 <a:ea typeface="+mn-ea"/>
               </a:rPr>
+              <a:pPr algn="r">
+                <a:lnSpc>
+                  <a:spcPct val="100000"/>
+                </a:lnSpc>
+              </a:pPr>
               <a:t>6</a:t>
             </a:fld>
             <a:endParaRPr/>
@@ -706,7 +718,7 @@
     </p:spTree>
     <p:extLst>
       <p:ext uri="{BB962C8B-B14F-4D97-AF65-F5344CB8AC3E}">
-        <p14:creationId xmlns:p14="http://schemas.microsoft.com/office/powerpoint/2010/main" val="2587382481"/>
+        <p14:creationId xmlns:p14="http://schemas.microsoft.com/office/powerpoint/2010/main" xmlns:p="http://schemas.openxmlformats.org/presentationml/2006/main" xmlns:r="http://schemas.openxmlformats.org/officeDocument/2006/relationships" xmlns:a="http://schemas.openxmlformats.org/drawingml/2006/main" xmlns="" val="2587382481"/>
       </p:ext>
     </p:extLst>
   </p:cSld>
@@ -717,7 +729,7 @@
 </file>
 
 <file path=ppt/notesSlides/notesSlide4.xml><?xml version="1.0" encoding="utf-8"?>
-<p:notes xmlns:a="http://schemas.openxmlformats.org/drawingml/2006/main" xmlns:r="http://schemas.openxmlformats.org/officeDocument/2006/relationships" xmlns:p="http://schemas.openxmlformats.org/presentationml/2006/main">
+<p:notes xmlns:a="http://schemas.openxmlformats.org/drawingml/2006/main" xmlns:r="http://schemas.openxmlformats.org/officeDocument/2006/relationships" xmlns:mc="http://schemas.openxmlformats.org/markup-compatibility/2006" xmlns:mv="urn:schemas-microsoft-com:mac:vml" xmlns:p="http://schemas.openxmlformats.org/presentationml/2006/main" mc:Ignorable="mv" mc:PreserveAttributes="mv:*">
   <p:cSld>
     <p:spTree>
       <p:nvGrpSpPr>
@@ -792,6 +804,11 @@
                 <a:latin typeface="+mn-lt"/>
                 <a:ea typeface="+mn-ea"/>
               </a:rPr>
+              <a:pPr algn="r">
+                <a:lnSpc>
+                  <a:spcPct val="100000"/>
+                </a:lnSpc>
+              </a:pPr>
               <a:t>11</a:t>
             </a:fld>
             <a:endParaRPr/>
@@ -801,7 +818,7 @@
     </p:spTree>
     <p:extLst>
       <p:ext uri="{BB962C8B-B14F-4D97-AF65-F5344CB8AC3E}">
-        <p14:creationId xmlns:p14="http://schemas.microsoft.com/office/powerpoint/2010/main" val="1092528477"/>
+        <p14:creationId xmlns:p14="http://schemas.microsoft.com/office/powerpoint/2010/main" xmlns:p="http://schemas.openxmlformats.org/presentationml/2006/main" xmlns:r="http://schemas.openxmlformats.org/officeDocument/2006/relationships" xmlns:a="http://schemas.openxmlformats.org/drawingml/2006/main" xmlns="" val="1092528477"/>
       </p:ext>
     </p:extLst>
   </p:cSld>
@@ -812,7 +829,7 @@
 </file>
 
 <file path=ppt/notesSlides/notesSlide5.xml><?xml version="1.0" encoding="utf-8"?>
-<p:notes xmlns:a="http://schemas.openxmlformats.org/drawingml/2006/main" xmlns:r="http://schemas.openxmlformats.org/officeDocument/2006/relationships" xmlns:p="http://schemas.openxmlformats.org/presentationml/2006/main">
+<p:notes xmlns:a="http://schemas.openxmlformats.org/drawingml/2006/main" xmlns:r="http://schemas.openxmlformats.org/officeDocument/2006/relationships" xmlns:mc="http://schemas.openxmlformats.org/markup-compatibility/2006" xmlns:mv="urn:schemas-microsoft-com:mac:vml" xmlns:p="http://schemas.openxmlformats.org/presentationml/2006/main" mc:Ignorable="mv" mc:PreserveAttributes="mv:*">
   <p:cSld>
     <p:spTree>
       <p:nvGrpSpPr>
@@ -887,6 +904,11 @@
                 <a:latin typeface="+mn-lt"/>
                 <a:ea typeface="+mn-ea"/>
               </a:rPr>
+              <a:pPr algn="r">
+                <a:lnSpc>
+                  <a:spcPct val="100000"/>
+                </a:lnSpc>
+              </a:pPr>
               <a:t>12</a:t>
             </a:fld>
             <a:endParaRPr/>
@@ -896,7 +918,7 @@
     </p:spTree>
     <p:extLst>
       <p:ext uri="{BB962C8B-B14F-4D97-AF65-F5344CB8AC3E}">
-        <p14:creationId xmlns:p14="http://schemas.microsoft.com/office/powerpoint/2010/main" val="1661121954"/>
+        <p14:creationId xmlns:p14="http://schemas.microsoft.com/office/powerpoint/2010/main" xmlns:p="http://schemas.openxmlformats.org/presentationml/2006/main" xmlns:r="http://schemas.openxmlformats.org/officeDocument/2006/relationships" xmlns:a="http://schemas.openxmlformats.org/drawingml/2006/main" xmlns="" val="1661121954"/>
       </p:ext>
     </p:extLst>
   </p:cSld>
@@ -907,7 +929,7 @@
 </file>
 
 <file path=ppt/notesSlides/notesSlide6.xml><?xml version="1.0" encoding="utf-8"?>
-<p:notes xmlns:a="http://schemas.openxmlformats.org/drawingml/2006/main" xmlns:r="http://schemas.openxmlformats.org/officeDocument/2006/relationships" xmlns:p="http://schemas.openxmlformats.org/presentationml/2006/main">
+<p:notes xmlns:a="http://schemas.openxmlformats.org/drawingml/2006/main" xmlns:r="http://schemas.openxmlformats.org/officeDocument/2006/relationships" xmlns:mc="http://schemas.openxmlformats.org/markup-compatibility/2006" xmlns:mv="urn:schemas-microsoft-com:mac:vml" xmlns:p="http://schemas.openxmlformats.org/presentationml/2006/main" mc:Ignorable="mv" mc:PreserveAttributes="mv:*">
   <p:cSld>
     <p:spTree>
       <p:nvGrpSpPr>
@@ -982,6 +1004,11 @@
                 <a:latin typeface="+mn-lt"/>
                 <a:ea typeface="+mn-ea"/>
               </a:rPr>
+              <a:pPr algn="r">
+                <a:lnSpc>
+                  <a:spcPct val="100000"/>
+                </a:lnSpc>
+              </a:pPr>
               <a:t>14</a:t>
             </a:fld>
             <a:endParaRPr/>
@@ -991,7 +1018,7 @@
     </p:spTree>
     <p:extLst>
       <p:ext uri="{BB962C8B-B14F-4D97-AF65-F5344CB8AC3E}">
-        <p14:creationId xmlns:p14="http://schemas.microsoft.com/office/powerpoint/2010/main" val="1688920199"/>
+        <p14:creationId xmlns:p14="http://schemas.microsoft.com/office/powerpoint/2010/main" xmlns:p="http://schemas.openxmlformats.org/presentationml/2006/main" xmlns:r="http://schemas.openxmlformats.org/officeDocument/2006/relationships" xmlns:a="http://schemas.openxmlformats.org/drawingml/2006/main" xmlns="" val="1688920199"/>
       </p:ext>
     </p:extLst>
   </p:cSld>
@@ -1002,7 +1029,7 @@
 </file>
 
 <file path=ppt/slideLayouts/slideLayout1.xml><?xml version="1.0" encoding="utf-8"?>
-<p:sldLayout xmlns:a="http://schemas.openxmlformats.org/drawingml/2006/main" xmlns:r="http://schemas.openxmlformats.org/officeDocument/2006/relationships" xmlns:p="http://schemas.openxmlformats.org/presentationml/2006/main" showMasterSp="0" type="title" preserve="1">
+<p:sldLayout xmlns:a="http://schemas.openxmlformats.org/drawingml/2006/main" xmlns:r="http://schemas.openxmlformats.org/officeDocument/2006/relationships" xmlns:mc="http://schemas.openxmlformats.org/markup-compatibility/2006" xmlns:mv="urn:schemas-microsoft-com:mac:vml" xmlns:p="http://schemas.openxmlformats.org/presentationml/2006/main" mc:Ignorable="mv" mc:PreserveAttributes="mv:*" showMasterSp="0" type="title" preserve="1">
   <p:cSld name="Title Slide">
     <p:spTree>
       <p:nvGrpSpPr>
@@ -1724,7 +1751,7 @@
             <a:fld id="{B61BEF0D-F0BB-DE4B-95CE-6DB70DBA9567}" type="datetimeFigureOut">
               <a:rPr lang="en-US" dirty="0"/>
               <a:pPr/>
-              <a:t>15-May-15</a:t>
+              <a:t>5/19/15</a:t>
             </a:fld>
             <a:endParaRPr lang="en-US" dirty="0"/>
           </a:p>
@@ -1776,7 +1803,7 @@
     </p:spTree>
     <p:extLst>
       <p:ext uri="{BB962C8B-B14F-4D97-AF65-F5344CB8AC3E}">
-        <p14:creationId xmlns:p14="http://schemas.microsoft.com/office/powerpoint/2010/main" val="624070842"/>
+        <p14:creationId xmlns:p14="http://schemas.microsoft.com/office/powerpoint/2010/main" xmlns:p="http://schemas.openxmlformats.org/presentationml/2006/main" xmlns:r="http://schemas.openxmlformats.org/officeDocument/2006/relationships" xmlns:a="http://schemas.openxmlformats.org/drawingml/2006/main" xmlns="" val="624070842"/>
       </p:ext>
     </p:extLst>
   </p:cSld>
@@ -1787,7 +1814,7 @@
 </file>
 
 <file path=ppt/slideLayouts/slideLayout10.xml><?xml version="1.0" encoding="utf-8"?>
-<p:sldLayout xmlns:a="http://schemas.openxmlformats.org/drawingml/2006/main" xmlns:r="http://schemas.openxmlformats.org/officeDocument/2006/relationships" xmlns:p="http://schemas.openxmlformats.org/presentationml/2006/main" preserve="1">
+<p:sldLayout xmlns:a="http://schemas.openxmlformats.org/drawingml/2006/main" xmlns:r="http://schemas.openxmlformats.org/officeDocument/2006/relationships" xmlns:mc="http://schemas.openxmlformats.org/markup-compatibility/2006" xmlns:mv="urn:schemas-microsoft-com:mac:vml" xmlns:p="http://schemas.openxmlformats.org/presentationml/2006/main" mc:Ignorable="mv" mc:PreserveAttributes="mv:*" preserve="1">
   <p:cSld name="Title and Caption">
     <p:spTree>
       <p:nvGrpSpPr>
@@ -2038,6 +2065,11 @@
                 </a:solidFill>
                 <a:latin typeface="Trebuchet MS"/>
               </a:rPr>
+              <a:pPr algn="r">
+                <a:lnSpc>
+                  <a:spcPct val="100000"/>
+                </a:lnSpc>
+              </a:pPr>
               <a:t>‹#›</a:t>
             </a:fld>
             <a:endParaRPr lang="en-ZA"/>
@@ -2047,7 +2079,7 @@
     </p:spTree>
     <p:extLst>
       <p:ext uri="{BB962C8B-B14F-4D97-AF65-F5344CB8AC3E}">
-        <p14:creationId xmlns:p14="http://schemas.microsoft.com/office/powerpoint/2010/main" val="4166250518"/>
+        <p14:creationId xmlns:p14="http://schemas.microsoft.com/office/powerpoint/2010/main" xmlns:p="http://schemas.openxmlformats.org/presentationml/2006/main" xmlns:r="http://schemas.openxmlformats.org/officeDocument/2006/relationships" xmlns:a="http://schemas.openxmlformats.org/drawingml/2006/main" xmlns="" val="4166250518"/>
       </p:ext>
     </p:extLst>
   </p:cSld>
@@ -2058,7 +2090,7 @@
 </file>
 
 <file path=ppt/slideLayouts/slideLayout11.xml><?xml version="1.0" encoding="utf-8"?>
-<p:sldLayout xmlns:a="http://schemas.openxmlformats.org/drawingml/2006/main" xmlns:r="http://schemas.openxmlformats.org/officeDocument/2006/relationships" xmlns:p="http://schemas.openxmlformats.org/presentationml/2006/main" preserve="1">
+<p:sldLayout xmlns:a="http://schemas.openxmlformats.org/drawingml/2006/main" xmlns:r="http://schemas.openxmlformats.org/officeDocument/2006/relationships" xmlns:mc="http://schemas.openxmlformats.org/markup-compatibility/2006" xmlns:mv="urn:schemas-microsoft-com:mac:vml" xmlns:p="http://schemas.openxmlformats.org/presentationml/2006/main" mc:Ignorable="mv" mc:PreserveAttributes="mv:*" preserve="1">
   <p:cSld name="Quote with Caption">
     <p:spTree>
       <p:nvGrpSpPr>
@@ -2372,6 +2404,11 @@
                 </a:solidFill>
                 <a:latin typeface="Trebuchet MS"/>
               </a:rPr>
+              <a:pPr algn="r">
+                <a:lnSpc>
+                  <a:spcPct val="100000"/>
+                </a:lnSpc>
+              </a:pPr>
               <a:t>‹#›</a:t>
             </a:fld>
             <a:endParaRPr lang="en-ZA"/>
@@ -2471,7 +2508,7 @@
     </p:spTree>
     <p:extLst>
       <p:ext uri="{BB962C8B-B14F-4D97-AF65-F5344CB8AC3E}">
-        <p14:creationId xmlns:p14="http://schemas.microsoft.com/office/powerpoint/2010/main" val="1836846174"/>
+        <p14:creationId xmlns:p14="http://schemas.microsoft.com/office/powerpoint/2010/main" xmlns:p="http://schemas.openxmlformats.org/presentationml/2006/main" xmlns:r="http://schemas.openxmlformats.org/officeDocument/2006/relationships" xmlns:a="http://schemas.openxmlformats.org/drawingml/2006/main" xmlns="" val="1836846174"/>
       </p:ext>
     </p:extLst>
   </p:cSld>
@@ -2482,7 +2519,7 @@
 </file>
 
 <file path=ppt/slideLayouts/slideLayout12.xml><?xml version="1.0" encoding="utf-8"?>
-<p:sldLayout xmlns:a="http://schemas.openxmlformats.org/drawingml/2006/main" xmlns:r="http://schemas.openxmlformats.org/officeDocument/2006/relationships" xmlns:p="http://schemas.openxmlformats.org/presentationml/2006/main" preserve="1">
+<p:sldLayout xmlns:a="http://schemas.openxmlformats.org/drawingml/2006/main" xmlns:r="http://schemas.openxmlformats.org/officeDocument/2006/relationships" xmlns:mc="http://schemas.openxmlformats.org/markup-compatibility/2006" xmlns:mv="urn:schemas-microsoft-com:mac:vml" xmlns:p="http://schemas.openxmlformats.org/presentationml/2006/main" mc:Ignorable="mv" mc:PreserveAttributes="mv:*" preserve="1">
   <p:cSld name="Name Card">
     <p:spTree>
       <p:nvGrpSpPr>
@@ -2733,6 +2770,11 @@
                 </a:solidFill>
                 <a:latin typeface="Trebuchet MS"/>
               </a:rPr>
+              <a:pPr algn="r">
+                <a:lnSpc>
+                  <a:spcPct val="100000"/>
+                </a:lnSpc>
+              </a:pPr>
               <a:t>‹#›</a:t>
             </a:fld>
             <a:endParaRPr lang="en-ZA"/>
@@ -2742,7 +2784,7 @@
     </p:spTree>
     <p:extLst>
       <p:ext uri="{BB962C8B-B14F-4D97-AF65-F5344CB8AC3E}">
-        <p14:creationId xmlns:p14="http://schemas.microsoft.com/office/powerpoint/2010/main" val="2741947831"/>
+        <p14:creationId xmlns:p14="http://schemas.microsoft.com/office/powerpoint/2010/main" xmlns:p="http://schemas.openxmlformats.org/presentationml/2006/main" xmlns:r="http://schemas.openxmlformats.org/officeDocument/2006/relationships" xmlns:a="http://schemas.openxmlformats.org/drawingml/2006/main" xmlns="" val="2741947831"/>
       </p:ext>
     </p:extLst>
   </p:cSld>
@@ -2753,7 +2795,7 @@
 </file>
 
 <file path=ppt/slideLayouts/slideLayout13.xml><?xml version="1.0" encoding="utf-8"?>
-<p:sldLayout xmlns:a="http://schemas.openxmlformats.org/drawingml/2006/main" xmlns:r="http://schemas.openxmlformats.org/officeDocument/2006/relationships" xmlns:p="http://schemas.openxmlformats.org/presentationml/2006/main" preserve="1">
+<p:sldLayout xmlns:a="http://schemas.openxmlformats.org/drawingml/2006/main" xmlns:r="http://schemas.openxmlformats.org/officeDocument/2006/relationships" xmlns:mc="http://schemas.openxmlformats.org/markup-compatibility/2006" xmlns:mv="urn:schemas-microsoft-com:mac:vml" xmlns:p="http://schemas.openxmlformats.org/presentationml/2006/main" mc:Ignorable="mv" mc:PreserveAttributes="mv:*" preserve="1">
   <p:cSld name="Quote Name Card">
     <p:spTree>
       <p:nvGrpSpPr>
@@ -3067,6 +3109,11 @@
                 </a:solidFill>
                 <a:latin typeface="Trebuchet MS"/>
               </a:rPr>
+              <a:pPr algn="r">
+                <a:lnSpc>
+                  <a:spcPct val="100000"/>
+                </a:lnSpc>
+              </a:pPr>
               <a:t>‹#›</a:t>
             </a:fld>
             <a:endParaRPr lang="en-ZA"/>
@@ -3158,7 +3205,7 @@
     </p:spTree>
     <p:extLst>
       <p:ext uri="{BB962C8B-B14F-4D97-AF65-F5344CB8AC3E}">
-        <p14:creationId xmlns:p14="http://schemas.microsoft.com/office/powerpoint/2010/main" val="1860616655"/>
+        <p14:creationId xmlns:p14="http://schemas.microsoft.com/office/powerpoint/2010/main" xmlns:p="http://schemas.openxmlformats.org/presentationml/2006/main" xmlns:r="http://schemas.openxmlformats.org/officeDocument/2006/relationships" xmlns:a="http://schemas.openxmlformats.org/drawingml/2006/main" xmlns="" val="1860616655"/>
       </p:ext>
     </p:extLst>
   </p:cSld>
@@ -3169,7 +3216,7 @@
 </file>
 
 <file path=ppt/slideLayouts/slideLayout14.xml><?xml version="1.0" encoding="utf-8"?>
-<p:sldLayout xmlns:a="http://schemas.openxmlformats.org/drawingml/2006/main" xmlns:r="http://schemas.openxmlformats.org/officeDocument/2006/relationships" xmlns:p="http://schemas.openxmlformats.org/presentationml/2006/main" preserve="1">
+<p:sldLayout xmlns:a="http://schemas.openxmlformats.org/drawingml/2006/main" xmlns:r="http://schemas.openxmlformats.org/officeDocument/2006/relationships" xmlns:mc="http://schemas.openxmlformats.org/markup-compatibility/2006" xmlns:mv="urn:schemas-microsoft-com:mac:vml" xmlns:p="http://schemas.openxmlformats.org/presentationml/2006/main" mc:Ignorable="mv" mc:PreserveAttributes="mv:*" preserve="1">
   <p:cSld name="True or False">
     <p:spTree>
       <p:nvGrpSpPr>
@@ -3480,6 +3527,11 @@
                 </a:solidFill>
                 <a:latin typeface="Trebuchet MS"/>
               </a:rPr>
+              <a:pPr algn="r">
+                <a:lnSpc>
+                  <a:spcPct val="100000"/>
+                </a:lnSpc>
+              </a:pPr>
               <a:t>‹#›</a:t>
             </a:fld>
             <a:endParaRPr lang="en-ZA"/>
@@ -3489,7 +3541,7 @@
     </p:spTree>
     <p:extLst>
       <p:ext uri="{BB962C8B-B14F-4D97-AF65-F5344CB8AC3E}">
-        <p14:creationId xmlns:p14="http://schemas.microsoft.com/office/powerpoint/2010/main" val="760552747"/>
+        <p14:creationId xmlns:p14="http://schemas.microsoft.com/office/powerpoint/2010/main" xmlns:p="http://schemas.openxmlformats.org/presentationml/2006/main" xmlns:r="http://schemas.openxmlformats.org/officeDocument/2006/relationships" xmlns:a="http://schemas.openxmlformats.org/drawingml/2006/main" xmlns="" val="760552747"/>
       </p:ext>
     </p:extLst>
   </p:cSld>
@@ -3500,7 +3552,7 @@
 </file>
 
 <file path=ppt/slideLayouts/slideLayout15.xml><?xml version="1.0" encoding="utf-8"?>
-<p:sldLayout xmlns:a="http://schemas.openxmlformats.org/drawingml/2006/main" xmlns:r="http://schemas.openxmlformats.org/officeDocument/2006/relationships" xmlns:p="http://schemas.openxmlformats.org/presentationml/2006/main" type="vertTx" preserve="1">
+<p:sldLayout xmlns:a="http://schemas.openxmlformats.org/drawingml/2006/main" xmlns:r="http://schemas.openxmlformats.org/officeDocument/2006/relationships" xmlns:mc="http://schemas.openxmlformats.org/markup-compatibility/2006" xmlns:mv="urn:schemas-microsoft-com:mac:vml" xmlns:p="http://schemas.openxmlformats.org/presentationml/2006/main" mc:Ignorable="mv" mc:PreserveAttributes="mv:*" type="vertTx" preserve="1">
   <p:cSld name="Title and Vertical Text">
     <p:spTree>
       <p:nvGrpSpPr>
@@ -3670,6 +3722,11 @@
                 </a:solidFill>
                 <a:latin typeface="Trebuchet MS"/>
               </a:rPr>
+              <a:pPr algn="r">
+                <a:lnSpc>
+                  <a:spcPct val="100000"/>
+                </a:lnSpc>
+              </a:pPr>
               <a:t>‹#›</a:t>
             </a:fld>
             <a:endParaRPr lang="en-ZA"/>
@@ -3679,7 +3736,7 @@
     </p:spTree>
     <p:extLst>
       <p:ext uri="{BB962C8B-B14F-4D97-AF65-F5344CB8AC3E}">
-        <p14:creationId xmlns:p14="http://schemas.microsoft.com/office/powerpoint/2010/main" val="4005121510"/>
+        <p14:creationId xmlns:p14="http://schemas.microsoft.com/office/powerpoint/2010/main" xmlns:p="http://schemas.openxmlformats.org/presentationml/2006/main" xmlns:r="http://schemas.openxmlformats.org/officeDocument/2006/relationships" xmlns:a="http://schemas.openxmlformats.org/drawingml/2006/main" xmlns="" val="4005121510"/>
       </p:ext>
     </p:extLst>
   </p:cSld>
@@ -3690,7 +3747,7 @@
 </file>
 
 <file path=ppt/slideLayouts/slideLayout16.xml><?xml version="1.0" encoding="utf-8"?>
-<p:sldLayout xmlns:a="http://schemas.openxmlformats.org/drawingml/2006/main" xmlns:r="http://schemas.openxmlformats.org/officeDocument/2006/relationships" xmlns:p="http://schemas.openxmlformats.org/presentationml/2006/main" type="vertTitleAndTx" preserve="1">
+<p:sldLayout xmlns:a="http://schemas.openxmlformats.org/drawingml/2006/main" xmlns:r="http://schemas.openxmlformats.org/officeDocument/2006/relationships" xmlns:mc="http://schemas.openxmlformats.org/markup-compatibility/2006" xmlns:mv="urn:schemas-microsoft-com:mac:vml" xmlns:p="http://schemas.openxmlformats.org/presentationml/2006/main" mc:Ignorable="mv" mc:PreserveAttributes="mv:*" type="vertTitleAndTx" preserve="1">
   <p:cSld name="Vertical Title and Text">
     <p:spTree>
       <p:nvGrpSpPr>
@@ -3870,6 +3927,11 @@
                 </a:solidFill>
                 <a:latin typeface="Trebuchet MS"/>
               </a:rPr>
+              <a:pPr algn="r">
+                <a:lnSpc>
+                  <a:spcPct val="100000"/>
+                </a:lnSpc>
+              </a:pPr>
               <a:t>‹#›</a:t>
             </a:fld>
             <a:endParaRPr lang="en-ZA"/>
@@ -3879,7 +3941,7 @@
     </p:spTree>
     <p:extLst>
       <p:ext uri="{BB962C8B-B14F-4D97-AF65-F5344CB8AC3E}">
-        <p14:creationId xmlns:p14="http://schemas.microsoft.com/office/powerpoint/2010/main" val="4173657723"/>
+        <p14:creationId xmlns:p14="http://schemas.microsoft.com/office/powerpoint/2010/main" xmlns:p="http://schemas.openxmlformats.org/presentationml/2006/main" xmlns:r="http://schemas.openxmlformats.org/officeDocument/2006/relationships" xmlns:a="http://schemas.openxmlformats.org/drawingml/2006/main" xmlns="" val="4173657723"/>
       </p:ext>
     </p:extLst>
   </p:cSld>
@@ -3890,7 +3952,7 @@
 </file>
 
 <file path=ppt/slideLayouts/slideLayout2.xml><?xml version="1.0" encoding="utf-8"?>
-<p:sldLayout xmlns:a="http://schemas.openxmlformats.org/drawingml/2006/main" xmlns:r="http://schemas.openxmlformats.org/officeDocument/2006/relationships" xmlns:p="http://schemas.openxmlformats.org/presentationml/2006/main" type="obj" preserve="1">
+<p:sldLayout xmlns:a="http://schemas.openxmlformats.org/drawingml/2006/main" xmlns:r="http://schemas.openxmlformats.org/officeDocument/2006/relationships" xmlns:mc="http://schemas.openxmlformats.org/markup-compatibility/2006" xmlns:mv="urn:schemas-microsoft-com:mac:vml" xmlns:p="http://schemas.openxmlformats.org/presentationml/2006/main" mc:Ignorable="mv" mc:PreserveAttributes="mv:*" type="obj" preserve="1">
   <p:cSld name="Title and Content">
     <p:spTree>
       <p:nvGrpSpPr>
@@ -4066,6 +4128,11 @@
                 </a:solidFill>
                 <a:latin typeface="Trebuchet MS"/>
               </a:rPr>
+              <a:pPr algn="r">
+                <a:lnSpc>
+                  <a:spcPct val="100000"/>
+                </a:lnSpc>
+              </a:pPr>
               <a:t>‹#›</a:t>
             </a:fld>
             <a:endParaRPr lang="en-ZA"/>
@@ -4075,7 +4142,7 @@
     </p:spTree>
     <p:extLst>
       <p:ext uri="{BB962C8B-B14F-4D97-AF65-F5344CB8AC3E}">
-        <p14:creationId xmlns:p14="http://schemas.microsoft.com/office/powerpoint/2010/main" val="1229514224"/>
+        <p14:creationId xmlns:p14="http://schemas.microsoft.com/office/powerpoint/2010/main" xmlns:p="http://schemas.openxmlformats.org/presentationml/2006/main" xmlns:r="http://schemas.openxmlformats.org/officeDocument/2006/relationships" xmlns:a="http://schemas.openxmlformats.org/drawingml/2006/main" xmlns="" val="1229514224"/>
       </p:ext>
     </p:extLst>
   </p:cSld>
@@ -4086,7 +4153,7 @@
 </file>
 
 <file path=ppt/slideLayouts/slideLayout3.xml><?xml version="1.0" encoding="utf-8"?>
-<p:sldLayout xmlns:a="http://schemas.openxmlformats.org/drawingml/2006/main" xmlns:r="http://schemas.openxmlformats.org/officeDocument/2006/relationships" xmlns:p="http://schemas.openxmlformats.org/presentationml/2006/main" type="secHead" preserve="1">
+<p:sldLayout xmlns:a="http://schemas.openxmlformats.org/drawingml/2006/main" xmlns:r="http://schemas.openxmlformats.org/officeDocument/2006/relationships" xmlns:mc="http://schemas.openxmlformats.org/markup-compatibility/2006" xmlns:mv="urn:schemas-microsoft-com:mac:vml" xmlns:p="http://schemas.openxmlformats.org/presentationml/2006/main" mc:Ignorable="mv" mc:PreserveAttributes="mv:*" type="secHead" preserve="1">
   <p:cSld name="Section Header">
     <p:spTree>
       <p:nvGrpSpPr>
@@ -4333,6 +4400,11 @@
                 </a:solidFill>
                 <a:latin typeface="Trebuchet MS"/>
               </a:rPr>
+              <a:pPr algn="r">
+                <a:lnSpc>
+                  <a:spcPct val="100000"/>
+                </a:lnSpc>
+              </a:pPr>
               <a:t>‹#›</a:t>
             </a:fld>
             <a:endParaRPr lang="en-ZA"/>
@@ -4342,7 +4414,7 @@
     </p:spTree>
     <p:extLst>
       <p:ext uri="{BB962C8B-B14F-4D97-AF65-F5344CB8AC3E}">
-        <p14:creationId xmlns:p14="http://schemas.microsoft.com/office/powerpoint/2010/main" val="1333608137"/>
+        <p14:creationId xmlns:p14="http://schemas.microsoft.com/office/powerpoint/2010/main" xmlns:p="http://schemas.openxmlformats.org/presentationml/2006/main" xmlns:r="http://schemas.openxmlformats.org/officeDocument/2006/relationships" xmlns:a="http://schemas.openxmlformats.org/drawingml/2006/main" xmlns="" val="1333608137"/>
       </p:ext>
     </p:extLst>
   </p:cSld>
@@ -4353,7 +4425,7 @@
 </file>
 
 <file path=ppt/slideLayouts/slideLayout4.xml><?xml version="1.0" encoding="utf-8"?>
-<p:sldLayout xmlns:a="http://schemas.openxmlformats.org/drawingml/2006/main" xmlns:r="http://schemas.openxmlformats.org/officeDocument/2006/relationships" xmlns:p="http://schemas.openxmlformats.org/presentationml/2006/main" type="twoObj" preserve="1">
+<p:sldLayout xmlns:a="http://schemas.openxmlformats.org/drawingml/2006/main" xmlns:r="http://schemas.openxmlformats.org/officeDocument/2006/relationships" xmlns:mc="http://schemas.openxmlformats.org/markup-compatibility/2006" xmlns:mv="urn:schemas-microsoft-com:mac:vml" xmlns:p="http://schemas.openxmlformats.org/presentationml/2006/main" mc:Ignorable="mv" mc:PreserveAttributes="mv:*" type="twoObj" preserve="1">
   <p:cSld name="Two Content">
     <p:spTree>
       <p:nvGrpSpPr>
@@ -4585,6 +4657,11 @@
                 </a:solidFill>
                 <a:latin typeface="Trebuchet MS"/>
               </a:rPr>
+              <a:pPr algn="r">
+                <a:lnSpc>
+                  <a:spcPct val="100000"/>
+                </a:lnSpc>
+              </a:pPr>
               <a:t>‹#›</a:t>
             </a:fld>
             <a:endParaRPr lang="en-ZA"/>
@@ -4594,7 +4671,7 @@
     </p:spTree>
     <p:extLst>
       <p:ext uri="{BB962C8B-B14F-4D97-AF65-F5344CB8AC3E}">
-        <p14:creationId xmlns:p14="http://schemas.microsoft.com/office/powerpoint/2010/main" val="4201345582"/>
+        <p14:creationId xmlns:p14="http://schemas.microsoft.com/office/powerpoint/2010/main" xmlns:p="http://schemas.openxmlformats.org/presentationml/2006/main" xmlns:r="http://schemas.openxmlformats.org/officeDocument/2006/relationships" xmlns:a="http://schemas.openxmlformats.org/drawingml/2006/main" xmlns="" val="4201345582"/>
       </p:ext>
     </p:extLst>
   </p:cSld>
@@ -4605,7 +4682,7 @@
 </file>
 
 <file path=ppt/slideLayouts/slideLayout5.xml><?xml version="1.0" encoding="utf-8"?>
-<p:sldLayout xmlns:a="http://schemas.openxmlformats.org/drawingml/2006/main" xmlns:r="http://schemas.openxmlformats.org/officeDocument/2006/relationships" xmlns:p="http://schemas.openxmlformats.org/presentationml/2006/main" type="twoTxTwoObj" preserve="1">
+<p:sldLayout xmlns:a="http://schemas.openxmlformats.org/drawingml/2006/main" xmlns:r="http://schemas.openxmlformats.org/officeDocument/2006/relationships" xmlns:mc="http://schemas.openxmlformats.org/markup-compatibility/2006" xmlns:mv="urn:schemas-microsoft-com:mac:vml" xmlns:p="http://schemas.openxmlformats.org/presentationml/2006/main" mc:Ignorable="mv" mc:PreserveAttributes="mv:*" type="twoTxTwoObj" preserve="1">
   <p:cSld name="Comparison">
     <p:spTree>
       <p:nvGrpSpPr>
@@ -4979,6 +5056,11 @@
                 </a:solidFill>
                 <a:latin typeface="Trebuchet MS"/>
               </a:rPr>
+              <a:pPr algn="r">
+                <a:lnSpc>
+                  <a:spcPct val="100000"/>
+                </a:lnSpc>
+              </a:pPr>
               <a:t>‹#›</a:t>
             </a:fld>
             <a:endParaRPr lang="en-ZA"/>
@@ -4988,7 +5070,7 @@
     </p:spTree>
     <p:extLst>
       <p:ext uri="{BB962C8B-B14F-4D97-AF65-F5344CB8AC3E}">
-        <p14:creationId xmlns:p14="http://schemas.microsoft.com/office/powerpoint/2010/main" val="3029459635"/>
+        <p14:creationId xmlns:p14="http://schemas.microsoft.com/office/powerpoint/2010/main" xmlns:p="http://schemas.openxmlformats.org/presentationml/2006/main" xmlns:r="http://schemas.openxmlformats.org/officeDocument/2006/relationships" xmlns:a="http://schemas.openxmlformats.org/drawingml/2006/main" xmlns="" val="3029459635"/>
       </p:ext>
     </p:extLst>
   </p:cSld>
@@ -4999,7 +5081,7 @@
 </file>
 
 <file path=ppt/slideLayouts/slideLayout6.xml><?xml version="1.0" encoding="utf-8"?>
-<p:sldLayout xmlns:a="http://schemas.openxmlformats.org/drawingml/2006/main" xmlns:r="http://schemas.openxmlformats.org/officeDocument/2006/relationships" xmlns:p="http://schemas.openxmlformats.org/presentationml/2006/main" type="titleOnly" preserve="1">
+<p:sldLayout xmlns:a="http://schemas.openxmlformats.org/drawingml/2006/main" xmlns:r="http://schemas.openxmlformats.org/officeDocument/2006/relationships" xmlns:mc="http://schemas.openxmlformats.org/markup-compatibility/2006" xmlns:mv="urn:schemas-microsoft-com:mac:vml" xmlns:p="http://schemas.openxmlformats.org/presentationml/2006/main" mc:Ignorable="mv" mc:PreserveAttributes="mv:*" type="titleOnly" preserve="1">
   <p:cSld name="Title Only">
     <p:spTree>
       <p:nvGrpSpPr>
@@ -5061,7 +5143,7 @@
             <a:fld id="{B61BEF0D-F0BB-DE4B-95CE-6DB70DBA9567}" type="datetimeFigureOut">
               <a:rPr lang="en-US" dirty="0"/>
               <a:pPr/>
-              <a:t>15-May-15</a:t>
+              <a:t>5/19/15</a:t>
             </a:fld>
             <a:endParaRPr lang="en-US" dirty="0"/>
           </a:p>
@@ -5113,7 +5195,7 @@
     </p:spTree>
     <p:extLst>
       <p:ext uri="{BB962C8B-B14F-4D97-AF65-F5344CB8AC3E}">
-        <p14:creationId xmlns:p14="http://schemas.microsoft.com/office/powerpoint/2010/main" val="976045021"/>
+        <p14:creationId xmlns:p14="http://schemas.microsoft.com/office/powerpoint/2010/main" xmlns:p="http://schemas.openxmlformats.org/presentationml/2006/main" xmlns:r="http://schemas.openxmlformats.org/officeDocument/2006/relationships" xmlns:a="http://schemas.openxmlformats.org/drawingml/2006/main" xmlns="" val="976045021"/>
       </p:ext>
     </p:extLst>
   </p:cSld>
@@ -5124,7 +5206,7 @@
 </file>
 
 <file path=ppt/slideLayouts/slideLayout7.xml><?xml version="1.0" encoding="utf-8"?>
-<p:sldLayout xmlns:a="http://schemas.openxmlformats.org/drawingml/2006/main" xmlns:r="http://schemas.openxmlformats.org/officeDocument/2006/relationships" xmlns:p="http://schemas.openxmlformats.org/presentationml/2006/main" type="blank" preserve="1">
+<p:sldLayout xmlns:a="http://schemas.openxmlformats.org/drawingml/2006/main" xmlns:r="http://schemas.openxmlformats.org/officeDocument/2006/relationships" xmlns:mc="http://schemas.openxmlformats.org/markup-compatibility/2006" xmlns:mv="urn:schemas-microsoft-com:mac:vml" xmlns:p="http://schemas.openxmlformats.org/presentationml/2006/main" mc:Ignorable="mv" mc:PreserveAttributes="mv:*" type="blank" preserve="1">
   <p:cSld name="Blank">
     <p:spTree>
       <p:nvGrpSpPr>
@@ -5219,6 +5301,11 @@
                 </a:solidFill>
                 <a:latin typeface="Trebuchet MS"/>
               </a:rPr>
+              <a:pPr algn="r">
+                <a:lnSpc>
+                  <a:spcPct val="100000"/>
+                </a:lnSpc>
+              </a:pPr>
               <a:t>‹#›</a:t>
             </a:fld>
             <a:endParaRPr lang="en-ZA"/>
@@ -5228,7 +5315,7 @@
     </p:spTree>
     <p:extLst>
       <p:ext uri="{BB962C8B-B14F-4D97-AF65-F5344CB8AC3E}">
-        <p14:creationId xmlns:p14="http://schemas.microsoft.com/office/powerpoint/2010/main" val="922579189"/>
+        <p14:creationId xmlns:p14="http://schemas.microsoft.com/office/powerpoint/2010/main" xmlns:p="http://schemas.openxmlformats.org/presentationml/2006/main" xmlns:r="http://schemas.openxmlformats.org/officeDocument/2006/relationships" xmlns:a="http://schemas.openxmlformats.org/drawingml/2006/main" xmlns="" val="922579189"/>
       </p:ext>
     </p:extLst>
   </p:cSld>
@@ -5239,7 +5326,7 @@
 </file>
 
 <file path=ppt/slideLayouts/slideLayout8.xml><?xml version="1.0" encoding="utf-8"?>
-<p:sldLayout xmlns:a="http://schemas.openxmlformats.org/drawingml/2006/main" xmlns:r="http://schemas.openxmlformats.org/officeDocument/2006/relationships" xmlns:p="http://schemas.openxmlformats.org/presentationml/2006/main" type="objTx" preserve="1">
+<p:sldLayout xmlns:a="http://schemas.openxmlformats.org/drawingml/2006/main" xmlns:r="http://schemas.openxmlformats.org/officeDocument/2006/relationships" xmlns:mc="http://schemas.openxmlformats.org/markup-compatibility/2006" xmlns:mv="urn:schemas-microsoft-com:mac:vml" xmlns:p="http://schemas.openxmlformats.org/presentationml/2006/main" mc:Ignorable="mv" mc:PreserveAttributes="mv:*" type="objTx" preserve="1">
   <p:cSld name="Content with Caption">
     <p:spTree>
       <p:nvGrpSpPr>
@@ -5494,6 +5581,11 @@
                 </a:solidFill>
                 <a:latin typeface="Trebuchet MS"/>
               </a:rPr>
+              <a:pPr algn="r">
+                <a:lnSpc>
+                  <a:spcPct val="100000"/>
+                </a:lnSpc>
+              </a:pPr>
               <a:t>‹#›</a:t>
             </a:fld>
             <a:endParaRPr lang="en-ZA"/>
@@ -5503,7 +5595,7 @@
     </p:spTree>
     <p:extLst>
       <p:ext uri="{BB962C8B-B14F-4D97-AF65-F5344CB8AC3E}">
-        <p14:creationId xmlns:p14="http://schemas.microsoft.com/office/powerpoint/2010/main" val="3983644491"/>
+        <p14:creationId xmlns:p14="http://schemas.microsoft.com/office/powerpoint/2010/main" xmlns:p="http://schemas.openxmlformats.org/presentationml/2006/main" xmlns:r="http://schemas.openxmlformats.org/officeDocument/2006/relationships" xmlns:a="http://schemas.openxmlformats.org/drawingml/2006/main" xmlns="" val="3983644491"/>
       </p:ext>
     </p:extLst>
   </p:cSld>
@@ -5514,7 +5606,7 @@
 </file>
 
 <file path=ppt/slideLayouts/slideLayout9.xml><?xml version="1.0" encoding="utf-8"?>
-<p:sldLayout xmlns:a="http://schemas.openxmlformats.org/drawingml/2006/main" xmlns:r="http://schemas.openxmlformats.org/officeDocument/2006/relationships" xmlns:p="http://schemas.openxmlformats.org/presentationml/2006/main" type="picTx" preserve="1">
+<p:sldLayout xmlns:a="http://schemas.openxmlformats.org/drawingml/2006/main" xmlns:r="http://schemas.openxmlformats.org/officeDocument/2006/relationships" xmlns:mc="http://schemas.openxmlformats.org/markup-compatibility/2006" xmlns:mv="urn:schemas-microsoft-com:mac:vml" xmlns:p="http://schemas.openxmlformats.org/presentationml/2006/main" mc:Ignorable="mv" mc:PreserveAttributes="mv:*" type="picTx" preserve="1">
   <p:cSld name="Picture with Caption">
     <p:spTree>
       <p:nvGrpSpPr>
@@ -5777,6 +5869,11 @@
                 </a:solidFill>
                 <a:latin typeface="Trebuchet MS"/>
               </a:rPr>
+              <a:pPr algn="r">
+                <a:lnSpc>
+                  <a:spcPct val="100000"/>
+                </a:lnSpc>
+              </a:pPr>
               <a:t>‹#›</a:t>
             </a:fld>
             <a:endParaRPr lang="en-ZA"/>
@@ -5786,7 +5883,7 @@
     </p:spTree>
     <p:extLst>
       <p:ext uri="{BB962C8B-B14F-4D97-AF65-F5344CB8AC3E}">
-        <p14:creationId xmlns:p14="http://schemas.microsoft.com/office/powerpoint/2010/main" val="2691023631"/>
+        <p14:creationId xmlns:p14="http://schemas.microsoft.com/office/powerpoint/2010/main" xmlns:p="http://schemas.openxmlformats.org/presentationml/2006/main" xmlns:r="http://schemas.openxmlformats.org/officeDocument/2006/relationships" xmlns:a="http://schemas.openxmlformats.org/drawingml/2006/main" xmlns="" val="2691023631"/>
       </p:ext>
     </p:extLst>
   </p:cSld>
@@ -5797,7 +5894,7 @@
 </file>
 
 <file path=ppt/slideMasters/slideMaster1.xml><?xml version="1.0" encoding="utf-8"?>
-<p:sldMaster xmlns:a="http://schemas.openxmlformats.org/drawingml/2006/main" xmlns:r="http://schemas.openxmlformats.org/officeDocument/2006/relationships" xmlns:p="http://schemas.openxmlformats.org/presentationml/2006/main">
+<p:sldMaster xmlns:a="http://schemas.openxmlformats.org/drawingml/2006/main" xmlns:r="http://schemas.openxmlformats.org/officeDocument/2006/relationships" xmlns:mc="http://schemas.openxmlformats.org/markup-compatibility/2006" xmlns:mv="urn:schemas-microsoft-com:mac:vml" xmlns:p="http://schemas.openxmlformats.org/presentationml/2006/main" mc:Ignorable="mv" mc:PreserveAttributes="mv:*">
   <p:cSld>
     <p:bg>
       <p:bgRef idx="1001">
@@ -6574,6 +6671,11 @@
                 </a:solidFill>
                 <a:latin typeface="Trebuchet MS"/>
               </a:rPr>
+              <a:pPr algn="r">
+                <a:lnSpc>
+                  <a:spcPct val="100000"/>
+                </a:lnSpc>
+              </a:pPr>
               <a:t>‹#›</a:t>
             </a:fld>
             <a:endParaRPr lang="en-ZA"/>
@@ -6583,7 +6685,7 @@
     </p:spTree>
     <p:extLst>
       <p:ext uri="{BB962C8B-B14F-4D97-AF65-F5344CB8AC3E}">
-        <p14:creationId xmlns:p14="http://schemas.microsoft.com/office/powerpoint/2010/main" val="3586329599"/>
+        <p14:creationId xmlns:p14="http://schemas.microsoft.com/office/powerpoint/2010/main" xmlns:p="http://schemas.openxmlformats.org/presentationml/2006/main" xmlns:r="http://schemas.openxmlformats.org/officeDocument/2006/relationships" xmlns:a="http://schemas.openxmlformats.org/drawingml/2006/main" xmlns="" val="3586329599"/>
       </p:ext>
     </p:extLst>
   </p:cSld>
@@ -7006,7 +7108,7 @@
 </file>
 
 <file path=ppt/slides/slide1.xml><?xml version="1.0" encoding="utf-8"?>
-<p:sld xmlns:a="http://schemas.openxmlformats.org/drawingml/2006/main" xmlns:r="http://schemas.openxmlformats.org/officeDocument/2006/relationships" xmlns:p="http://schemas.openxmlformats.org/presentationml/2006/main">
+<p:sld xmlns:a="http://schemas.openxmlformats.org/drawingml/2006/main" xmlns:r="http://schemas.openxmlformats.org/officeDocument/2006/relationships" xmlns:mc="http://schemas.openxmlformats.org/markup-compatibility/2006" xmlns:mv="urn:schemas-microsoft-com:mac:vml" xmlns:p="http://schemas.openxmlformats.org/presentationml/2006/main" mc:Ignorable="mv" mc:PreserveAttributes="mv:*">
   <p:cSld>
     <p:spTree>
       <p:nvGrpSpPr>
@@ -7119,7 +7221,7 @@
               </a:lnSpc>
             </a:pPr>
             <a:r>
-              <a:rPr lang="en-ZA" sz="2400" dirty="0">
+              <a:rPr lang="en-ZA" sz="2800" dirty="0">
                 <a:solidFill>
                   <a:srgbClr val="808080"/>
                 </a:solidFill>
@@ -7127,7 +7229,7 @@
               </a:rPr>
               <a:t>By MMED 2015 mentors</a:t>
             </a:r>
-            <a:endParaRPr dirty="0"/>
+            <a:endParaRPr sz="2800" dirty="0"/>
           </a:p>
           <a:p>
             <a:pPr algn="r">
@@ -7136,7 +7238,7 @@
               </a:lnSpc>
             </a:pPr>
             <a:r>
-              <a:rPr lang="en-ZA" sz="2400" dirty="0">
+              <a:rPr lang="en-ZA" sz="2800" dirty="0">
                 <a:solidFill>
                   <a:srgbClr val="808080"/>
                 </a:solidFill>
@@ -7144,7 +7246,7 @@
               </a:rPr>
               <a:t>Eva, Ivy, Joseph &amp; Roxy</a:t>
             </a:r>
-            <a:endParaRPr dirty="0"/>
+            <a:endParaRPr sz="2800" dirty="0"/>
           </a:p>
           <a:p>
             <a:pPr algn="r">
@@ -7153,7 +7255,7 @@
               </a:lnSpc>
             </a:pPr>
             <a:r>
-              <a:rPr lang="en-ZA" sz="2400" dirty="0">
+              <a:rPr lang="en-ZA" sz="2800" dirty="0">
                 <a:solidFill>
                   <a:srgbClr val="808080"/>
                 </a:solidFill>
@@ -7161,7 +7263,7 @@
               </a:rPr>
               <a:t>AIMS – South Africa, Muizenberg</a:t>
             </a:r>
-            <a:endParaRPr dirty="0"/>
+            <a:endParaRPr sz="2800" dirty="0"/>
           </a:p>
         </p:txBody>
       </p:sp>
@@ -7201,7 +7303,7 @@
 </file>
 
 <file path=ppt/slides/slide10.xml><?xml version="1.0" encoding="utf-8"?>
-<p:sld xmlns:a="http://schemas.openxmlformats.org/drawingml/2006/main" xmlns:r="http://schemas.openxmlformats.org/officeDocument/2006/relationships" xmlns:p="http://schemas.openxmlformats.org/presentationml/2006/main">
+<p:sld xmlns:a="http://schemas.openxmlformats.org/drawingml/2006/main" xmlns:r="http://schemas.openxmlformats.org/officeDocument/2006/relationships" xmlns:mc="http://schemas.openxmlformats.org/markup-compatibility/2006" xmlns:mv="urn:schemas-microsoft-com:mac:vml" xmlns:p="http://schemas.openxmlformats.org/presentationml/2006/main" mc:Ignorable="mv" mc:PreserveAttributes="mv:*">
   <p:cSld>
     <p:spTree>
       <p:nvGrpSpPr>
@@ -7344,7 +7446,7 @@
 </file>
 
 <file path=ppt/slides/slide11.xml><?xml version="1.0" encoding="utf-8"?>
-<p:sld xmlns:a="http://schemas.openxmlformats.org/drawingml/2006/main" xmlns:r="http://schemas.openxmlformats.org/officeDocument/2006/relationships" xmlns:p="http://schemas.openxmlformats.org/presentationml/2006/main">
+<p:sld xmlns:a="http://schemas.openxmlformats.org/drawingml/2006/main" xmlns:r="http://schemas.openxmlformats.org/officeDocument/2006/relationships" xmlns:mc="http://schemas.openxmlformats.org/markup-compatibility/2006" xmlns:mv="urn:schemas-microsoft-com:mac:vml" xmlns:p="http://schemas.openxmlformats.org/presentationml/2006/main" mc:Ignorable="mv" mc:PreserveAttributes="mv:*">
   <p:cSld>
     <p:spTree>
       <p:nvGrpSpPr>
@@ -7639,7 +7741,7 @@
 </file>
 
 <file path=ppt/slides/slide12.xml><?xml version="1.0" encoding="utf-8"?>
-<p:sld xmlns:a="http://schemas.openxmlformats.org/drawingml/2006/main" xmlns:r="http://schemas.openxmlformats.org/officeDocument/2006/relationships" xmlns:p="http://schemas.openxmlformats.org/presentationml/2006/main">
+<p:sld xmlns:a="http://schemas.openxmlformats.org/drawingml/2006/main" xmlns:r="http://schemas.openxmlformats.org/officeDocument/2006/relationships" xmlns:mc="http://schemas.openxmlformats.org/markup-compatibility/2006" xmlns:mv="urn:schemas-microsoft-com:mac:vml" xmlns:p="http://schemas.openxmlformats.org/presentationml/2006/main" mc:Ignorable="mv" mc:PreserveAttributes="mv:*">
   <p:cSld>
     <p:spTree>
       <p:nvGrpSpPr>
@@ -7782,7 +7884,7 @@
 </file>
 
 <file path=ppt/slides/slide13.xml><?xml version="1.0" encoding="utf-8"?>
-<p:sld xmlns:a="http://schemas.openxmlformats.org/drawingml/2006/main" xmlns:r="http://schemas.openxmlformats.org/officeDocument/2006/relationships" xmlns:p="http://schemas.openxmlformats.org/presentationml/2006/main">
+<p:sld xmlns:a="http://schemas.openxmlformats.org/drawingml/2006/main" xmlns:r="http://schemas.openxmlformats.org/officeDocument/2006/relationships" xmlns:mc="http://schemas.openxmlformats.org/markup-compatibility/2006" xmlns:mv="urn:schemas-microsoft-com:mac:vml" xmlns:p="http://schemas.openxmlformats.org/presentationml/2006/main" mc:Ignorable="mv" mc:PreserveAttributes="mv:*">
   <p:cSld>
     <p:spTree>
       <p:nvGrpSpPr>
@@ -7925,7 +8027,7 @@
 </file>
 
 <file path=ppt/slides/slide14.xml><?xml version="1.0" encoding="utf-8"?>
-<p:sld xmlns:a="http://schemas.openxmlformats.org/drawingml/2006/main" xmlns:r="http://schemas.openxmlformats.org/officeDocument/2006/relationships" xmlns:p="http://schemas.openxmlformats.org/presentationml/2006/main">
+<p:sld xmlns:a="http://schemas.openxmlformats.org/drawingml/2006/main" xmlns:r="http://schemas.openxmlformats.org/officeDocument/2006/relationships" xmlns:mc="http://schemas.openxmlformats.org/markup-compatibility/2006" xmlns:mv="urn:schemas-microsoft-com:mac:vml" xmlns:p="http://schemas.openxmlformats.org/presentationml/2006/main" mc:Ignorable="mv" mc:PreserveAttributes="mv:*">
   <p:cSld>
     <p:spTree>
       <p:nvGrpSpPr>
@@ -8211,7 +8313,7 @@
 </file>
 
 <file path=ppt/slides/slide15.xml><?xml version="1.0" encoding="utf-8"?>
-<p:sld xmlns:a="http://schemas.openxmlformats.org/drawingml/2006/main" xmlns:r="http://schemas.openxmlformats.org/officeDocument/2006/relationships" xmlns:p="http://schemas.openxmlformats.org/presentationml/2006/main">
+<p:sld xmlns:a="http://schemas.openxmlformats.org/drawingml/2006/main" xmlns:r="http://schemas.openxmlformats.org/officeDocument/2006/relationships" xmlns:mc="http://schemas.openxmlformats.org/markup-compatibility/2006" xmlns:mv="urn:schemas-microsoft-com:mac:vml" xmlns:p="http://schemas.openxmlformats.org/presentationml/2006/main" mc:Ignorable="mv" mc:PreserveAttributes="mv:*">
   <p:cSld>
     <p:spTree>
       <p:nvGrpSpPr>
@@ -8362,7 +8464,7 @@
 </file>
 
 <file path=ppt/slides/slide16.xml><?xml version="1.0" encoding="utf-8"?>
-<p:sld xmlns:a="http://schemas.openxmlformats.org/drawingml/2006/main" xmlns:r="http://schemas.openxmlformats.org/officeDocument/2006/relationships" xmlns:p="http://schemas.openxmlformats.org/presentationml/2006/main">
+<p:sld xmlns:a="http://schemas.openxmlformats.org/drawingml/2006/main" xmlns:r="http://schemas.openxmlformats.org/officeDocument/2006/relationships" xmlns:mc="http://schemas.openxmlformats.org/markup-compatibility/2006" xmlns:mv="urn:schemas-microsoft-com:mac:vml" xmlns:p="http://schemas.openxmlformats.org/presentationml/2006/main" mc:Ignorable="mv" mc:PreserveAttributes="mv:*">
   <p:cSld>
     <p:spTree>
       <p:nvGrpSpPr>
@@ -8505,7 +8607,7 @@
 </file>
 
 <file path=ppt/slides/slide17.xml><?xml version="1.0" encoding="utf-8"?>
-<p:sld xmlns:a="http://schemas.openxmlformats.org/drawingml/2006/main" xmlns:r="http://schemas.openxmlformats.org/officeDocument/2006/relationships" xmlns:p="http://schemas.openxmlformats.org/presentationml/2006/main">
+<p:sld xmlns:a="http://schemas.openxmlformats.org/drawingml/2006/main" xmlns:r="http://schemas.openxmlformats.org/officeDocument/2006/relationships" xmlns:mc="http://schemas.openxmlformats.org/markup-compatibility/2006" xmlns:mv="urn:schemas-microsoft-com:mac:vml" xmlns:p="http://schemas.openxmlformats.org/presentationml/2006/main" mc:Ignorable="mv" mc:PreserveAttributes="mv:*">
   <p:cSld>
     <p:spTree>
       <p:nvGrpSpPr>
@@ -8670,7 +8772,7 @@
     </p:spTree>
     <p:extLst>
       <p:ext uri="{BB962C8B-B14F-4D97-AF65-F5344CB8AC3E}">
-        <p14:creationId xmlns:p14="http://schemas.microsoft.com/office/powerpoint/2010/main" val="1926353899"/>
+        <p14:creationId xmlns:p14="http://schemas.microsoft.com/office/powerpoint/2010/main" xmlns:p="http://schemas.openxmlformats.org/presentationml/2006/main" xmlns:r="http://schemas.openxmlformats.org/officeDocument/2006/relationships" xmlns:a="http://schemas.openxmlformats.org/drawingml/2006/main" xmlns="" val="1926353899"/>
       </p:ext>
     </p:extLst>
   </p:cSld>
@@ -8688,7 +8790,7 @@
 </file>
 
 <file path=ppt/slides/slide18.xml><?xml version="1.0" encoding="utf-8"?>
-<p:sld xmlns:a="http://schemas.openxmlformats.org/drawingml/2006/main" xmlns:r="http://schemas.openxmlformats.org/officeDocument/2006/relationships" xmlns:p="http://schemas.openxmlformats.org/presentationml/2006/main">
+<p:sld xmlns:a="http://schemas.openxmlformats.org/drawingml/2006/main" xmlns:r="http://schemas.openxmlformats.org/officeDocument/2006/relationships" xmlns:mc="http://schemas.openxmlformats.org/markup-compatibility/2006" xmlns:mv="urn:schemas-microsoft-com:mac:vml" xmlns:p="http://schemas.openxmlformats.org/presentationml/2006/main" mc:Ignorable="mv" mc:PreserveAttributes="mv:*">
   <p:cSld>
     <p:spTree>
       <p:nvGrpSpPr>
@@ -8792,7 +8894,7 @@
     </p:spTree>
     <p:extLst>
       <p:ext uri="{BB962C8B-B14F-4D97-AF65-F5344CB8AC3E}">
-        <p14:creationId xmlns:p14="http://schemas.microsoft.com/office/powerpoint/2010/main" val="2664379960"/>
+        <p14:creationId xmlns:p14="http://schemas.microsoft.com/office/powerpoint/2010/main" xmlns:p="http://schemas.openxmlformats.org/presentationml/2006/main" xmlns:r="http://schemas.openxmlformats.org/officeDocument/2006/relationships" xmlns:a="http://schemas.openxmlformats.org/drawingml/2006/main" xmlns="" val="2664379960"/>
       </p:ext>
     </p:extLst>
   </p:cSld>
@@ -8810,7 +8912,7 @@
 </file>
 
 <file path=ppt/slides/slide19.xml><?xml version="1.0" encoding="utf-8"?>
-<p:sld xmlns:a="http://schemas.openxmlformats.org/drawingml/2006/main" xmlns:r="http://schemas.openxmlformats.org/officeDocument/2006/relationships" xmlns:p="http://schemas.openxmlformats.org/presentationml/2006/main">
+<p:sld xmlns:a="http://schemas.openxmlformats.org/drawingml/2006/main" xmlns:r="http://schemas.openxmlformats.org/officeDocument/2006/relationships" xmlns:mc="http://schemas.openxmlformats.org/markup-compatibility/2006" xmlns:mv="urn:schemas-microsoft-com:mac:vml" xmlns:p="http://schemas.openxmlformats.org/presentationml/2006/main" mc:Ignorable="mv" mc:PreserveAttributes="mv:*">
   <p:cSld>
     <p:spTree>
       <p:nvGrpSpPr>
@@ -9320,7 +9422,7 @@
 </file>
 
 <file path=ppt/slides/slide2.xml><?xml version="1.0" encoding="utf-8"?>
-<p:sld xmlns:a="http://schemas.openxmlformats.org/drawingml/2006/main" xmlns:r="http://schemas.openxmlformats.org/officeDocument/2006/relationships" xmlns:p="http://schemas.openxmlformats.org/presentationml/2006/main">
+<p:sld xmlns:a="http://schemas.openxmlformats.org/drawingml/2006/main" xmlns:r="http://schemas.openxmlformats.org/officeDocument/2006/relationships" xmlns:mc="http://schemas.openxmlformats.org/markup-compatibility/2006" xmlns:mv="urn:schemas-microsoft-com:mac:vml" xmlns:p="http://schemas.openxmlformats.org/presentationml/2006/main" mc:Ignorable="mv" mc:PreserveAttributes="mv:*">
   <p:cSld>
     <p:spTree>
       <p:nvGrpSpPr>
@@ -9586,7 +9688,7 @@
 </file>
 
 <file path=ppt/slides/slide3.xml><?xml version="1.0" encoding="utf-8"?>
-<p:sld xmlns:a="http://schemas.openxmlformats.org/drawingml/2006/main" xmlns:r="http://schemas.openxmlformats.org/officeDocument/2006/relationships" xmlns:p="http://schemas.openxmlformats.org/presentationml/2006/main">
+<p:sld xmlns:a="http://schemas.openxmlformats.org/drawingml/2006/main" xmlns:r="http://schemas.openxmlformats.org/officeDocument/2006/relationships" xmlns:mc="http://schemas.openxmlformats.org/markup-compatibility/2006" xmlns:mv="urn:schemas-microsoft-com:mac:vml" xmlns:p="http://schemas.openxmlformats.org/presentationml/2006/main" mc:Ignorable="mv" mc:PreserveAttributes="mv:*">
   <p:cSld>
     <p:spTree>
       <p:nvGrpSpPr>
@@ -9871,7 +9973,7 @@
 </file>
 
 <file path=ppt/slides/slide4.xml><?xml version="1.0" encoding="utf-8"?>
-<p:sld xmlns:a="http://schemas.openxmlformats.org/drawingml/2006/main" xmlns:r="http://schemas.openxmlformats.org/officeDocument/2006/relationships" xmlns:p="http://schemas.openxmlformats.org/presentationml/2006/main">
+<p:sld xmlns:a="http://schemas.openxmlformats.org/drawingml/2006/main" xmlns:r="http://schemas.openxmlformats.org/officeDocument/2006/relationships" xmlns:mc="http://schemas.openxmlformats.org/markup-compatibility/2006" xmlns:mv="urn:schemas-microsoft-com:mac:vml" xmlns:p="http://schemas.openxmlformats.org/presentationml/2006/main" mc:Ignorable="mv" mc:PreserveAttributes="mv:*">
   <p:cSld>
     <p:spTree>
       <p:nvGrpSpPr>
@@ -11925,7 +12027,7 @@
 </file>
 
 <file path=ppt/slides/slide5.xml><?xml version="1.0" encoding="utf-8"?>
-<p:sld xmlns:a="http://schemas.openxmlformats.org/drawingml/2006/main" xmlns:r="http://schemas.openxmlformats.org/officeDocument/2006/relationships" xmlns:p="http://schemas.openxmlformats.org/presentationml/2006/main">
+<p:sld xmlns:a="http://schemas.openxmlformats.org/drawingml/2006/main" xmlns:r="http://schemas.openxmlformats.org/officeDocument/2006/relationships" xmlns:mc="http://schemas.openxmlformats.org/markup-compatibility/2006" xmlns:mv="urn:schemas-microsoft-com:mac:vml" xmlns:p="http://schemas.openxmlformats.org/presentationml/2006/main" mc:Ignorable="mv" mc:PreserveAttributes="mv:*">
   <p:cSld>
     <p:spTree>
       <p:nvGrpSpPr>
@@ -12116,7 +12218,7 @@
 </file>
 
 <file path=ppt/slides/slide6.xml><?xml version="1.0" encoding="utf-8"?>
-<p:sld xmlns:a="http://schemas.openxmlformats.org/drawingml/2006/main" xmlns:r="http://schemas.openxmlformats.org/officeDocument/2006/relationships" xmlns:p="http://schemas.openxmlformats.org/presentationml/2006/main">
+<p:sld xmlns:a="http://schemas.openxmlformats.org/drawingml/2006/main" xmlns:r="http://schemas.openxmlformats.org/officeDocument/2006/relationships" xmlns:mc="http://schemas.openxmlformats.org/markup-compatibility/2006" xmlns:mv="urn:schemas-microsoft-com:mac:vml" xmlns:p="http://schemas.openxmlformats.org/presentationml/2006/main" mc:Ignorable="mv" mc:PreserveAttributes="mv:*">
   <p:cSld>
     <p:spTree>
       <p:nvGrpSpPr>
@@ -12259,7 +12361,7 @@
 </file>
 
 <file path=ppt/slides/slide7.xml><?xml version="1.0" encoding="utf-8"?>
-<p:sld xmlns:a="http://schemas.openxmlformats.org/drawingml/2006/main" xmlns:r="http://schemas.openxmlformats.org/officeDocument/2006/relationships" xmlns:p="http://schemas.openxmlformats.org/presentationml/2006/main">
+<p:sld xmlns:a="http://schemas.openxmlformats.org/drawingml/2006/main" xmlns:r="http://schemas.openxmlformats.org/officeDocument/2006/relationships" xmlns:mc="http://schemas.openxmlformats.org/markup-compatibility/2006" xmlns:mv="urn:schemas-microsoft-com:mac:vml" xmlns:p="http://schemas.openxmlformats.org/presentationml/2006/main" mc:Ignorable="mv" mc:PreserveAttributes="mv:*">
   <p:cSld>
     <p:spTree>
       <p:nvGrpSpPr>
@@ -12402,7 +12504,7 @@
 </file>
 
 <file path=ppt/slides/slide8.xml><?xml version="1.0" encoding="utf-8"?>
-<p:sld xmlns:a="http://schemas.openxmlformats.org/drawingml/2006/main" xmlns:r="http://schemas.openxmlformats.org/officeDocument/2006/relationships" xmlns:p="http://schemas.openxmlformats.org/presentationml/2006/main">
+<p:sld xmlns:a="http://schemas.openxmlformats.org/drawingml/2006/main" xmlns:r="http://schemas.openxmlformats.org/officeDocument/2006/relationships" xmlns:mc="http://schemas.openxmlformats.org/markup-compatibility/2006" xmlns:mv="urn:schemas-microsoft-com:mac:vml" xmlns:p="http://schemas.openxmlformats.org/presentationml/2006/main" mc:Ignorable="mv" mc:PreserveAttributes="mv:*">
   <p:cSld>
     <p:spTree>
       <p:nvGrpSpPr>
@@ -12545,7 +12647,7 @@
 </file>
 
 <file path=ppt/slides/slide9.xml><?xml version="1.0" encoding="utf-8"?>
-<p:sld xmlns:a="http://schemas.openxmlformats.org/drawingml/2006/main" xmlns:r="http://schemas.openxmlformats.org/officeDocument/2006/relationships" xmlns:p="http://schemas.openxmlformats.org/presentationml/2006/main">
+<p:sld xmlns:a="http://schemas.openxmlformats.org/drawingml/2006/main" xmlns:r="http://schemas.openxmlformats.org/officeDocument/2006/relationships" xmlns:mc="http://schemas.openxmlformats.org/markup-compatibility/2006" xmlns:mv="urn:schemas-microsoft-com:mac:vml" xmlns:p="http://schemas.openxmlformats.org/presentationml/2006/main" mc:Ignorable="mv" mc:PreserveAttributes="mv:*">
   <p:cSld>
     <p:spTree>
       <p:nvGrpSpPr>
@@ -12833,7 +12935,7 @@
     </a:clrScheme>
     <a:fontScheme name="Facet">
       <a:majorFont>
-        <a:latin typeface="Trebuchet MS" panose="020B0603020202020204"/>
+        <a:latin typeface="Trebuchet MS"/>
         <a:ea typeface=""/>
         <a:cs typeface=""/>
         <a:font script="Jpan" typeface="メイリオ"/>
@@ -12868,7 +12970,7 @@
         <a:font script="Geor" typeface="Sylfaen"/>
       </a:majorFont>
       <a:minorFont>
-        <a:latin typeface="Trebuchet MS" panose="020B0603020202020204"/>
+        <a:latin typeface="Trebuchet MS"/>
         <a:ea typeface=""/>
         <a:cs typeface=""/>
         <a:font script="Jpan" typeface="メイリオ"/>
@@ -13041,7 +13143,7 @@
   <a:extraClrSchemeLst/>
   <a:extLst>
     <a:ext uri="{05A4C25C-085E-4340-85A3-A5531E510DB2}">
-      <thm15:themeFamily xmlns:thm15="http://schemas.microsoft.com/office/thememl/2012/main" name="Facet" id="{C0C680CD-088A-49FC-A102-D699147F32B2}" vid="{CFBC31BA-B70F-4F30-BCAA-4F3011E16C4D}"/>
+      <thm15:themeFamily xmlns:thm15="http://schemas.microsoft.com/office/thememl/2012/main" xmlns:a="http://schemas.openxmlformats.org/drawingml/2006/main" xmlns="" name="Facet" id="{C0C680CD-088A-49FC-A102-D699147F32B2}" vid="{CFBC31BA-B70F-4F30-BCAA-4F3011E16C4D}"/>
     </a:ext>
   </a:extLst>
 </a:theme>
